--- a/fall11/slidesF11/slides15w.pptx
+++ b/fall11/slidesF11/slides15w.pptx
@@ -5,10 +5,10 @@
     <p:sldMasterId id="2147483648" r:id="rId1"/>
   </p:sldMasterIdLst>
   <p:notesMasterIdLst>
-    <p:notesMasterId r:id="rId27"/>
+    <p:notesMasterId r:id="rId33"/>
   </p:notesMasterIdLst>
   <p:handoutMasterIdLst>
-    <p:handoutMasterId r:id="rId28"/>
+    <p:handoutMasterId r:id="rId34"/>
   </p:handoutMasterIdLst>
   <p:sldIdLst>
     <p:sldId id="256" r:id="rId2"/>
@@ -28,14 +28,20 @@
     <p:sldId id="266" r:id="rId16"/>
     <p:sldId id="309" r:id="rId17"/>
     <p:sldId id="267" r:id="rId18"/>
-    <p:sldId id="310" r:id="rId19"/>
-    <p:sldId id="278" r:id="rId20"/>
-    <p:sldId id="274" r:id="rId21"/>
-    <p:sldId id="279" r:id="rId22"/>
-    <p:sldId id="275" r:id="rId23"/>
-    <p:sldId id="304" r:id="rId24"/>
-    <p:sldId id="305" r:id="rId25"/>
-    <p:sldId id="276" r:id="rId26"/>
+    <p:sldId id="341" r:id="rId19"/>
+    <p:sldId id="310" r:id="rId20"/>
+    <p:sldId id="278" r:id="rId21"/>
+    <p:sldId id="274" r:id="rId22"/>
+    <p:sldId id="279" r:id="rId23"/>
+    <p:sldId id="275" r:id="rId24"/>
+    <p:sldId id="342" r:id="rId25"/>
+    <p:sldId id="305" r:id="rId26"/>
+    <p:sldId id="334" r:id="rId27"/>
+    <p:sldId id="335" r:id="rId28"/>
+    <p:sldId id="337" r:id="rId29"/>
+    <p:sldId id="338" r:id="rId30"/>
+    <p:sldId id="340" r:id="rId31"/>
+    <p:sldId id="276" r:id="rId32"/>
   </p:sldIdLst>
   <p:sldSz cx="9144000" cy="6858000" type="screen4x3"/>
   <p:notesSz cx="7315200" cy="9601200"/>
@@ -1625,7 +1631,7 @@
             <a:fld id="{6DC62E14-2803-434A-8AB4-3D6C5730563F}" type="slidenum">
               <a:rPr lang="en-US"/>
               <a:pPr/>
-              <a:t>18</a:t>
+              <a:t>19</a:t>
             </a:fld>
             <a:endParaRPr lang="en-US"/>
           </a:p>
@@ -1716,7 +1722,7 @@
             <a:fld id="{0F25C908-CA2B-5747-86E2-0A39237D8D1E}" type="slidenum">
               <a:rPr lang="en-US"/>
               <a:pPr/>
-              <a:t>19</a:t>
+              <a:t>20</a:t>
             </a:fld>
             <a:endParaRPr lang="en-US"/>
           </a:p>
@@ -1807,7 +1813,7 @@
             <a:fld id="{02FB0678-55C9-C948-8124-120B82D4B5A2}" type="slidenum">
               <a:rPr lang="en-US"/>
               <a:pPr/>
-              <a:t>20</a:t>
+              <a:t>21</a:t>
             </a:fld>
             <a:endParaRPr lang="en-US"/>
           </a:p>
@@ -1989,7 +1995,7 @@
             <a:fld id="{71859A5E-A65D-7740-8817-0B7BDDBB9230}" type="slidenum">
               <a:rPr lang="en-US"/>
               <a:pPr/>
-              <a:t>21</a:t>
+              <a:t>22</a:t>
             </a:fld>
             <a:endParaRPr lang="en-US"/>
           </a:p>
@@ -2080,7 +2086,7 @@
             <a:fld id="{B2911C17-3684-0648-9EAC-674872334ADB}" type="slidenum">
               <a:rPr lang="en-US"/>
               <a:pPr/>
-              <a:t>22</a:t>
+              <a:t>23</a:t>
             </a:fld>
             <a:endParaRPr lang="en-US"/>
           </a:p>
@@ -2153,7 +2159,7 @@
       </p:grpSpPr>
       <p:sp>
         <p:nvSpPr>
-          <p:cNvPr id="69634" name="Rectangle 7"/>
+          <p:cNvPr id="67586" name="Rectangle 7"/>
           <p:cNvSpPr>
             <a:spLocks noGrp="1" noChangeArrowheads="1"/>
           </p:cNvSpPr>
@@ -2168,10 +2174,10 @@
           <a:bodyPr/>
           <a:lstStyle/>
           <a:p>
-            <a:fld id="{B85F6EE8-026C-3A4C-AFC5-2F1F5453C229}" type="slidenum">
+            <a:fld id="{B2911C17-3684-0648-9EAC-674872334ADB}" type="slidenum">
               <a:rPr lang="en-US"/>
               <a:pPr/>
-              <a:t>23</a:t>
+              <a:t>24</a:t>
             </a:fld>
             <a:endParaRPr lang="en-US"/>
           </a:p>
@@ -2179,7 +2185,7 @@
       </p:sp>
       <p:sp>
         <p:nvSpPr>
-          <p:cNvPr id="69635" name="Rectangle 2"/>
+          <p:cNvPr id="67587" name="Rectangle 2"/>
           <p:cNvSpPr>
             <a:spLocks noGrp="1" noRot="1" noChangeAspect="1" noChangeArrowheads="1" noTextEdit="1"/>
           </p:cNvSpPr>
@@ -2188,15 +2194,12 @@
           </p:nvPr>
         </p:nvSpPr>
         <p:spPr>
-          <a:solidFill>
-            <a:srgbClr val="FFFFFF"/>
-          </a:solidFill>
           <a:ln/>
         </p:spPr>
       </p:sp>
       <p:sp>
         <p:nvSpPr>
-          <p:cNvPr id="69636" name="Rectangle 3"/>
+          <p:cNvPr id="67588" name="Rectangle 3"/>
           <p:cNvSpPr>
             <a:spLocks noGrp="1" noChangeArrowheads="1"/>
           </p:cNvSpPr>
@@ -2205,14 +2208,8 @@
           </p:nvPr>
         </p:nvSpPr>
         <p:spPr>
-          <a:solidFill>
-            <a:srgbClr val="FFFFFF"/>
-          </a:solidFill>
-          <a:ln>
-            <a:solidFill>
-              <a:srgbClr val="000000"/>
-            </a:solidFill>
-          </a:ln>
+          <a:noFill/>
+          <a:ln/>
         </p:spPr>
         <p:txBody>
           <a:bodyPr/>
@@ -2271,7 +2268,7 @@
             <a:fld id="{2BECA077-3936-0945-AB10-5C377A4D0291}" type="slidenum">
               <a:rPr lang="en-US"/>
               <a:pPr/>
-              <a:t>24</a:t>
+              <a:t>25</a:t>
             </a:fld>
             <a:endParaRPr lang="en-US"/>
           </a:p>
@@ -2362,7 +2359,7 @@
             <a:fld id="{A0EF3D27-BE42-4944-BDC7-F040E59623A8}" type="slidenum">
               <a:rPr lang="en-US"/>
               <a:pPr/>
-              <a:t>25</a:t>
+              <a:t>31</a:t>
             </a:fld>
             <a:endParaRPr lang="en-US"/>
           </a:p>
@@ -3191,11 +3188,7 @@
             </a:r>
             <a:r>
               <a:rPr lang="en-US" dirty="0" smtClean="0"/>
-              <a:t> </a:t>
-            </a:r>
-            <a:r>
-              <a:rPr lang="en-US" dirty="0" smtClean="0"/>
-              <a:t>15W.</a:t>
+              <a:t> 15W.</a:t>
             </a:r>
             <a:fld id="{52DC2636-7C60-9B40-89EE-9F4C3E34F60C}" type="slidenum">
               <a:rPr lang="en-US" smtClean="0"/>
@@ -3395,11 +3388,7 @@
             </a:r>
             <a:r>
               <a:rPr lang="en-US" dirty="0" smtClean="0"/>
-              <a:t> </a:t>
-            </a:r>
-            <a:r>
-              <a:rPr lang="en-US" dirty="0" smtClean="0"/>
-              <a:t>15W.</a:t>
+              <a:t> 15W.</a:t>
             </a:r>
             <a:fld id="{E877D3CB-F960-BD47-98A7-06971C504846}" type="slidenum">
               <a:rPr lang="en-US" smtClean="0"/>
@@ -3547,11 +3536,7 @@
             </a:r>
             <a:r>
               <a:rPr lang="en-US" dirty="0" smtClean="0"/>
-              <a:t> </a:t>
-            </a:r>
-            <a:r>
-              <a:rPr lang="en-US" dirty="0" smtClean="0"/>
-              <a:t>15W.</a:t>
+              <a:t> 15W.</a:t>
             </a:r>
             <a:fld id="{33406DE3-95F7-424A-AC10-91858B7908A3}" type="slidenum">
               <a:rPr lang="en-US" smtClean="0"/>
@@ -3676,11 +3661,7 @@
             </a:r>
             <a:r>
               <a:rPr lang="en-US" dirty="0" smtClean="0"/>
-              <a:t> </a:t>
-            </a:r>
-            <a:r>
-              <a:rPr lang="en-US" dirty="0" smtClean="0"/>
-              <a:t>15W.</a:t>
+              <a:t> 15W.</a:t>
             </a:r>
             <a:fld id="{C316881D-9589-DF4F-A336-A08976BD8D3F}" type="slidenum">
               <a:rPr lang="en-US" smtClean="0"/>
@@ -3701,7 +3682,7 @@
       </p:sp>
       <p:sp>
         <p:nvSpPr>
-          <p:cNvPr id="5" name="Rectangle 4"/>
+          <p:cNvPr id="5" name="Date Placeholder 4"/>
           <p:cNvSpPr>
             <a:spLocks noGrp="1" noChangeArrowheads="1"/>
           </p:cNvSpPr>
@@ -3964,11 +3945,7 @@
             </a:r>
             <a:r>
               <a:rPr lang="en-US" dirty="0" smtClean="0"/>
-              <a:t> </a:t>
-            </a:r>
-            <a:r>
-              <a:rPr lang="en-US" dirty="0" smtClean="0"/>
-              <a:t>15W.</a:t>
+              <a:t> 15W.</a:t>
             </a:r>
             <a:fld id="{A8E63D04-532A-9B48-95DF-D3C7BF4C2159}" type="slidenum">
               <a:rPr lang="en-US" smtClean="0"/>
@@ -4841,11 +4818,7 @@
             </a:r>
             <a:r>
               <a:rPr lang="en-US" dirty="0" smtClean="0"/>
-              <a:t> </a:t>
-            </a:r>
-            <a:r>
-              <a:rPr lang="en-US" dirty="0" smtClean="0"/>
-              <a:t>15W.</a:t>
+              <a:t> 15W.</a:t>
             </a:r>
             <a:fld id="{2D031A48-BBCF-B248-9771-B601B0D38C0B}" type="slidenum">
               <a:rPr lang="en-US" smtClean="0"/>
@@ -4882,11 +4855,7 @@
             <a:pPr eaLnBrk="1" hangingPunct="1"/>
             <a:r>
               <a:rPr lang="en-US" sz="6600" dirty="0" smtClean="0"/>
-              <a:t>Gambler’s </a:t>
-            </a:r>
-            <a:r>
-              <a:rPr lang="en-US" sz="6600" dirty="0" smtClean="0"/>
-              <a:t>Ruin</a:t>
+              <a:t>Gambler’s Ruin</a:t>
             </a:r>
             <a:endParaRPr lang="en-US" sz="6600" dirty="0"/>
           </a:p>
@@ -5023,15 +4992,7 @@
             </a:pPr>
             <a:r>
               <a:rPr lang="en-US" dirty="0" smtClean="0"/>
-              <a:t>Albert R Meyer,                </a:t>
-            </a:r>
-            <a:r>
-              <a:rPr lang="en-US" dirty="0" smtClean="0"/>
-              <a:t>December 14, </a:t>
-            </a:r>
-            <a:r>
-              <a:rPr lang="en-US" dirty="0" smtClean="0"/>
-              <a:t>2011</a:t>
+              <a:t>Albert R Meyer,                December 14, 2011</a:t>
             </a:r>
             <a:endParaRPr lang="en-US" dirty="0"/>
           </a:p>
@@ -5092,11 +5053,7 @@
             </a:r>
             <a:r>
               <a:rPr lang="en-US" dirty="0" smtClean="0"/>
-              <a:t> </a:t>
-            </a:r>
-            <a:r>
-              <a:rPr lang="en-US" dirty="0" smtClean="0"/>
-              <a:t>15W.</a:t>
+              <a:t> 15W.</a:t>
             </a:r>
             <a:fld id="{F27F5B8B-217C-0D4F-99AD-868E856C8FC1}" type="slidenum">
               <a:rPr lang="en-US" smtClean="0"/>
@@ -5173,7 +5130,7 @@
               </a:lnSpc>
             </a:pPr>
             <a:r>
-              <a:rPr lang="en-US" sz="4800" dirty="0" err="1">
+              <a:rPr lang="en-US" sz="4800" dirty="0">
                 <a:solidFill>
                   <a:srgbClr val="008000"/>
                 </a:solidFill>
@@ -5189,33 +5146,42 @@
               <a:t>::= </a:t>
             </a:r>
             <a:r>
-              <a:rPr lang="en-US" sz="4800" dirty="0" err="1"/>
-              <a:t>Pr{</a:t>
-            </a:r>
-            <a:r>
-              <a:rPr lang="en-US" sz="4800" dirty="0" err="1">
+              <a:rPr lang="en-US" sz="4800" dirty="0" err="1" smtClean="0"/>
+              <a:t>Pr</a:t>
+            </a:r>
+            <a:r>
+              <a:rPr lang="en-US" sz="4800" dirty="0" smtClean="0"/>
+              <a:t>[</a:t>
+            </a:r>
+            <a:r>
+              <a:rPr lang="en-US" sz="4800" dirty="0" smtClean="0">
                 <a:solidFill>
                   <a:srgbClr val="008000"/>
                 </a:solidFill>
               </a:rPr>
               <a:t>win</a:t>
+            </a:r>
+            <a:r>
+              <a:rPr lang="en-US" sz="4800" dirty="0" smtClean="0"/>
+              <a:t> </a:t>
+            </a:r>
+            <a:r>
+              <a:rPr lang="en-US" sz="4800" dirty="0">
+                <a:solidFill>
+                  <a:srgbClr val="0000FF"/>
+                </a:solidFill>
+              </a:rPr>
+              <a:t>$1</a:t>
             </a:r>
             <a:r>
               <a:rPr lang="en-US" sz="4800" dirty="0"/>
               <a:t> </a:t>
             </a:r>
             <a:r>
-              <a:rPr lang="en-US" sz="4800" dirty="0">
-                <a:solidFill>
-                  <a:srgbClr val="0000FF"/>
-                </a:solidFill>
-              </a:rPr>
-              <a:t>$1</a:t>
-            </a:r>
-            <a:r>
-              <a:rPr lang="en-US" sz="4800" dirty="0"/>
-              <a:t> bet}</a:t>
-            </a:r>
+              <a:rPr lang="en-US" sz="4800" dirty="0" smtClean="0"/>
+              <a:t>bet]</a:t>
+            </a:r>
+            <a:endParaRPr lang="en-US" sz="4800" dirty="0"/>
           </a:p>
           <a:p>
             <a:pPr eaLnBrk="1" hangingPunct="1">
@@ -5363,15 +5329,7 @@
             </a:pPr>
             <a:r>
               <a:rPr lang="en-US" dirty="0" smtClean="0"/>
-              <a:t>Albert R Meyer,                </a:t>
-            </a:r>
-            <a:r>
-              <a:rPr lang="en-US" dirty="0" smtClean="0"/>
-              <a:t>December 14, </a:t>
-            </a:r>
-            <a:r>
-              <a:rPr lang="en-US" dirty="0" smtClean="0"/>
-              <a:t>2011</a:t>
+              <a:t>Albert R Meyer,                December 14, 2011</a:t>
             </a:r>
             <a:endParaRPr lang="en-US" dirty="0"/>
           </a:p>
@@ -5382,8 +5340,8 @@
   <p:clrMapOvr>
     <a:masterClrMapping/>
   </p:clrMapOvr>
-  <p:transition xmlns:p14="http://schemas.microsoft.com/office/powerpoint/2010/main" spd="med">
-    <p:fade/>
+  <p:transition xmlns:p14="http://schemas.microsoft.com/office/powerpoint/2010/main" spd="slow">
+    <p:fade thruBlk="1"/>
   </p:transition>
   <p:timing>
     <p:tnLst>
@@ -5406,7 +5364,7 @@
                             </p:stCondLst>
                             <p:childTnLst>
                               <p:par>
-                                <p:cTn id="5" presetID="1" presetClass="entr" presetSubtype="0" fill="hold" grpId="0" nodeType="clickEffect">
+                                <p:cTn id="5" presetID="9" presetClass="entr" presetSubtype="0" fill="hold" grpId="0" nodeType="clickEffect">
                                   <p:stCondLst>
                                     <p:cond delay="0"/>
                                   </p:stCondLst>
@@ -5433,6 +5391,18 @@
                                         <p:strVal val="visible"/>
                                       </p:to>
                                     </p:set>
+                                    <p:animEffect transition="in" filter="dissolve">
+                                      <p:cBhvr>
+                                        <p:cTn id="7" dur="500"/>
+                                        <p:tgtEl>
+                                          <p:spTgt spid="29702">
+                                            <p:txEl>
+                                              <p:pRg st="4" end="4"/>
+                                            </p:txEl>
+                                          </p:spTgt>
+                                        </p:tgtEl>
+                                      </p:cBhvr>
+                                    </p:animEffect>
                                   </p:childTnLst>
                                 </p:cTn>
                               </p:par>
@@ -5510,11 +5480,7 @@
             </a:r>
             <a:r>
               <a:rPr lang="en-US" dirty="0" smtClean="0"/>
-              <a:t> </a:t>
-            </a:r>
-            <a:r>
-              <a:rPr lang="en-US" dirty="0" smtClean="0"/>
-              <a:t>15W.</a:t>
+              <a:t> 15W.</a:t>
             </a:r>
             <a:fld id="{C4461F72-8397-A54C-8A8A-56C7DBF0D442}" type="slidenum">
               <a:rPr lang="en-US" smtClean="0"/>
@@ -5598,15 +5564,7 @@
             </a:pPr>
             <a:r>
               <a:rPr lang="en-US" dirty="0" smtClean="0"/>
-              <a:t>Albert R Meyer,                </a:t>
-            </a:r>
-            <a:r>
-              <a:rPr lang="en-US" dirty="0" smtClean="0"/>
-              <a:t>December 14, </a:t>
-            </a:r>
-            <a:r>
-              <a:rPr lang="en-US" dirty="0" smtClean="0"/>
-              <a:t>2011</a:t>
+              <a:t>Albert R Meyer,                December 14, 2011</a:t>
             </a:r>
             <a:endParaRPr lang="en-US" dirty="0"/>
           </a:p>
@@ -5620,8 +5578,8 @@
         </p:nvSpPr>
         <p:spPr>
           <a:xfrm>
-            <a:off x="325004" y="1422737"/>
-            <a:ext cx="7447396" cy="1015663"/>
+            <a:off x="762001" y="1219200"/>
+            <a:ext cx="7543799" cy="1938992"/>
           </a:xfrm>
           <a:prstGeom prst="rect">
             <a:avLst/>
@@ -5629,22 +5587,37 @@
           <a:noFill/>
         </p:spPr>
         <p:txBody>
-          <a:bodyPr wrap="none" rtlCol="0">
+          <a:bodyPr wrap="square" rtlCol="0">
             <a:spAutoFit/>
           </a:bodyPr>
           <a:lstStyle/>
           <a:p>
             <a:r>
               <a:rPr lang="en-US" sz="6000" dirty="0" smtClean="0"/>
-              <a:t>In fair game (</a:t>
-            </a:r>
-            <a:r>
-              <a:rPr lang="en-US" sz="6000" dirty="0" err="1" smtClean="0">
+              <a:t>In fair game </a:t>
+            </a:r>
+            <a:endParaRPr lang="en-US" sz="6000" dirty="0" smtClean="0"/>
+          </a:p>
+          <a:p>
+            <a:r>
+              <a:rPr lang="en-US" sz="6000" dirty="0"/>
+              <a:t> </a:t>
+            </a:r>
+            <a:r>
+              <a:rPr lang="en-US" sz="6000" dirty="0" smtClean="0"/>
+              <a:t>   </a:t>
+            </a:r>
+            <a:r>
+              <a:rPr lang="en-US" sz="6000" dirty="0" smtClean="0"/>
+              <a:t>(that is, </a:t>
+            </a:r>
+            <a:r>
+              <a:rPr lang="en-US" sz="6000" dirty="0" smtClean="0">
                 <a:solidFill>
                   <a:srgbClr val="008000"/>
                 </a:solidFill>
               </a:rPr>
-              <a:t>p</a:t>
+              <a:t>p </a:t>
             </a:r>
             <a:r>
               <a:rPr lang="en-US" sz="6000" dirty="0" smtClean="0">
@@ -5652,11 +5625,23 @@
                   <a:srgbClr val="008000"/>
                 </a:solidFill>
               </a:rPr>
-              <a:t> = ½</a:t>
+              <a:t>= </a:t>
+            </a:r>
+            <a:r>
+              <a:rPr lang="en-US" sz="6000" dirty="0" smtClean="0">
+                <a:solidFill>
+                  <a:srgbClr val="008000"/>
+                </a:solidFill>
+              </a:rPr>
+              <a:t>1/2</a:t>
             </a:r>
             <a:r>
               <a:rPr lang="en-US" sz="6000" dirty="0" smtClean="0"/>
-              <a:t>):</a:t>
+              <a:t>)</a:t>
+            </a:r>
+            <a:r>
+              <a:rPr lang="en-US" sz="6000" dirty="0" smtClean="0"/>
+              <a:t>:</a:t>
             </a:r>
             <a:endParaRPr lang="en-US" sz="6000" dirty="0"/>
           </a:p>
@@ -5668,17 +5653,23 @@
           <p:cNvGraphicFramePr>
             <a:graphicFrameLocks noChangeAspect="1"/>
           </p:cNvGraphicFramePr>
-          <p:nvPr/>
+          <p:nvPr>
+            <p:extLst>
+              <p:ext uri="{D42A27DB-BD31-4B8C-83A1-F6EECF244321}">
+                <p14:modId xmlns:p14="http://schemas.microsoft.com/office/powerpoint/2010/main" val="2595888941"/>
+              </p:ext>
+            </p:extLst>
+          </p:nvPr>
         </p:nvGraphicFramePr>
         <p:xfrm>
-          <a:off x="2209800" y="2514600"/>
+          <a:off x="2209800" y="2667000"/>
           <a:ext cx="4619002" cy="2590800"/>
         </p:xfrm>
         <a:graphic>
           <a:graphicData uri="http://schemas.openxmlformats.org/presentationml/2006/ole">
             <mc:AlternateContent xmlns:mc="http://schemas.openxmlformats.org/markup-compatibility/2006">
               <mc:Choice xmlns:v="urn:schemas-microsoft-com:vml" Requires="v">
-                <p:oleObj spid="_x0000_s232455" name="Equation" r:id="rId4" imgW="838200" imgH="469900" progId="Equation.DSMT4">
+                <p:oleObj spid="_x0000_s232459" name="Equation" r:id="rId4" imgW="838200" imgH="469900" progId="Equation.DSMT4">
                   <p:embed/>
                 </p:oleObj>
               </mc:Choice>
@@ -5708,7 +5699,7 @@
                     </p:blipFill>
                     <p:spPr bwMode="auto">
                       <a:xfrm>
-                        <a:off x="2209800" y="2514600"/>
+                        <a:off x="2209800" y="2667000"/>
                         <a:ext cx="4619002" cy="2590800"/>
                       </a:xfrm>
                       <a:prstGeom prst="rect">
@@ -5737,7 +5728,18 @@
   <p:clrMapOvr>
     <a:masterClrMapping/>
   </p:clrMapOvr>
-  <p:transition xmlns:p14="http://schemas.microsoft.com/office/powerpoint/2010/main"/>
+  <mc:AlternateContent xmlns:mc="http://schemas.openxmlformats.org/markup-compatibility/2006">
+    <mc:Choice xmlns:p14="http://schemas.microsoft.com/office/powerpoint/2010/main" Requires="p14">
+      <p:transition spd="med" p14:dur="700">
+        <p:fade/>
+      </p:transition>
+    </mc:Choice>
+    <mc:Fallback>
+      <p:transition xmlns:p14="http://schemas.microsoft.com/office/powerpoint/2010/main" spd="med">
+        <p:fade/>
+      </p:transition>
+    </mc:Fallback>
+  </mc:AlternateContent>
   <p:timing>
     <p:tnLst>
       <p:par>
@@ -5864,11 +5866,7 @@
             </a:r>
             <a:r>
               <a:rPr lang="en-US" dirty="0" smtClean="0"/>
-              <a:t> </a:t>
-            </a:r>
-            <a:r>
-              <a:rPr lang="en-US" dirty="0" smtClean="0"/>
-              <a:t>15W.</a:t>
+              <a:t> 15W.</a:t>
             </a:r>
             <a:fld id="{C4461F72-8397-A54C-8A8A-56C7DBF0D442}" type="slidenum">
               <a:rPr lang="en-US" smtClean="0"/>
@@ -5952,15 +5950,7 @@
             </a:pPr>
             <a:r>
               <a:rPr lang="en-US" dirty="0" smtClean="0"/>
-              <a:t>Albert R Meyer,                </a:t>
-            </a:r>
-            <a:r>
-              <a:rPr lang="en-US" dirty="0" smtClean="0"/>
-              <a:t>December 14, </a:t>
-            </a:r>
-            <a:r>
-              <a:rPr lang="en-US" dirty="0" smtClean="0"/>
-              <a:t>2011</a:t>
+              <a:t>Albert R Meyer,                December 14, 2011</a:t>
             </a:r>
             <a:endParaRPr lang="en-US" dirty="0"/>
           </a:p>
@@ -5974,8 +5964,8 @@
         </p:nvSpPr>
         <p:spPr>
           <a:xfrm>
-            <a:off x="152400" y="1143000"/>
-            <a:ext cx="8545543" cy="1015663"/>
+            <a:off x="561601" y="1143000"/>
+            <a:ext cx="8201399" cy="1015663"/>
           </a:xfrm>
           <a:prstGeom prst="rect">
             <a:avLst/>
@@ -5990,23 +5980,19 @@
           <a:p>
             <a:r>
               <a:rPr lang="en-US" sz="6000" dirty="0" smtClean="0"/>
-              <a:t>In unfair game (</a:t>
-            </a:r>
-            <a:r>
-              <a:rPr lang="en-US" sz="6000" dirty="0" err="1" smtClean="0">
+              <a:t>unfair </a:t>
+            </a:r>
+            <a:r>
+              <a:rPr lang="en-US" sz="6000" dirty="0" smtClean="0"/>
+              <a:t>game (</a:t>
+            </a:r>
+            <a:r>
+              <a:rPr lang="en-US" sz="6000" dirty="0" smtClean="0">
                 <a:solidFill>
                   <a:srgbClr val="0000FF"/>
                 </a:solidFill>
               </a:rPr>
-              <a:t>p</a:t>
-            </a:r>
-            <a:r>
-              <a:rPr lang="en-US" sz="6000" dirty="0" smtClean="0">
-                <a:solidFill>
-                  <a:srgbClr val="0000FF"/>
-                </a:solidFill>
-              </a:rPr>
-              <a:t> </a:t>
+              <a:t>p </a:t>
             </a:r>
             <a:r>
               <a:rPr lang="en-US" sz="6000" b="1" dirty="0" smtClean="0">
@@ -6024,11 +6010,23 @@
                   <a:srgbClr val="0000FF"/>
                 </a:solidFill>
               </a:rPr>
-              <a:t> ½</a:t>
+              <a:t> </a:t>
+            </a:r>
+            <a:r>
+              <a:rPr lang="en-US" sz="6000" dirty="0" smtClean="0">
+                <a:solidFill>
+                  <a:srgbClr val="0000FF"/>
+                </a:solidFill>
+              </a:rPr>
+              <a:t>1/2</a:t>
             </a:r>
             <a:r>
               <a:rPr lang="en-US" sz="6000" dirty="0" smtClean="0"/>
-              <a:t>):</a:t>
+              <a:t>)</a:t>
+            </a:r>
+            <a:r>
+              <a:rPr lang="en-US" sz="6000" dirty="0" smtClean="0"/>
+              <a:t>:</a:t>
             </a:r>
             <a:endParaRPr lang="en-US" sz="6000" dirty="0"/>
           </a:p>
@@ -6050,7 +6048,7 @@
           <a:graphicData uri="http://schemas.openxmlformats.org/presentationml/2006/ole">
             <mc:AlternateContent xmlns:mc="http://schemas.openxmlformats.org/markup-compatibility/2006">
               <mc:Choice xmlns:v="urn:schemas-microsoft-com:vml" Requires="v">
-                <p:oleObj spid="_x0000_s234503" name="Equation" r:id="rId4" imgW="1092200" imgH="609600" progId="Equation.DSMT4">
+                <p:oleObj spid="_x0000_s234507" name="Equation" r:id="rId4" imgW="1092200" imgH="609600" progId="Equation.DSMT4">
                   <p:embed/>
                 </p:oleObj>
               </mc:Choice>
@@ -6188,6 +6186,18 @@
   <p:clrMapOvr>
     <a:masterClrMapping/>
   </p:clrMapOvr>
+  <mc:AlternateContent xmlns:mc="http://schemas.openxmlformats.org/markup-compatibility/2006">
+    <mc:Choice xmlns:p14="http://schemas.microsoft.com/office/powerpoint/2010/main" Requires="p14">
+      <p:transition spd="med" p14:dur="700">
+        <p:fade/>
+      </p:transition>
+    </mc:Choice>
+    <mc:Fallback>
+      <p:transition xmlns:p14="http://schemas.microsoft.com/office/powerpoint/2010/main" spd="med">
+        <p:fade/>
+      </p:transition>
+    </mc:Fallback>
+  </mc:AlternateContent>
   <p:timing>
     <p:tnLst>
       <p:par>
@@ -6414,11 +6424,7 @@
             </a:r>
             <a:r>
               <a:rPr lang="en-US" dirty="0" smtClean="0"/>
-              <a:t> </a:t>
-            </a:r>
-            <a:r>
-              <a:rPr lang="en-US" dirty="0" smtClean="0"/>
-              <a:t>15W.</a:t>
+              <a:t> 15W.</a:t>
             </a:r>
             <a:fld id="{4A69EEA4-35FB-7045-A76F-2B5F28C09DC4}" type="slidenum">
               <a:rPr lang="en-US" smtClean="0"/>
@@ -6515,13 +6521,17 @@
             <a:r>
               <a:rPr lang="en-US" sz="4800" dirty="0" smtClean="0">
                 <a:solidFill>
-                  <a:schemeClr val="accent2"/>
+                  <a:srgbClr val="0000FF"/>
                 </a:solidFill>
               </a:rPr>
               <a:t>100</a:t>
             </a:r>
             <a:r>
-              <a:rPr lang="en-US" sz="4800" dirty="0"/>
+              <a:rPr lang="en-US" sz="4800" dirty="0">
+                <a:solidFill>
+                  <a:srgbClr val="0000FF"/>
+                </a:solidFill>
+              </a:rPr>
               <a:t>]</a:t>
             </a:r>
             <a:r>
@@ -6566,10 +6576,18 @@
             <a:r>
               <a:rPr lang="en-US" sz="4800" baseline="30000" dirty="0">
                 <a:solidFill>
+                  <a:srgbClr val="0000FF"/>
+                </a:solidFill>
+              </a:rPr>
+              <a:t>10</a:t>
+            </a:r>
+            <a:r>
+              <a:rPr lang="en-US" sz="4800" baseline="30000" dirty="0">
+                <a:solidFill>
                   <a:schemeClr val="accent2"/>
                 </a:solidFill>
               </a:rPr>
-              <a:t>100</a:t>
+              <a:t>0</a:t>
             </a:r>
             <a:endParaRPr lang="en-US" sz="4800" dirty="0"/>
           </a:p>
@@ -6676,15 +6694,7 @@
             </a:pPr>
             <a:r>
               <a:rPr lang="en-US" dirty="0" smtClean="0"/>
-              <a:t>Albert R Meyer,                </a:t>
-            </a:r>
-            <a:r>
-              <a:rPr lang="en-US" dirty="0" smtClean="0"/>
-              <a:t>December 14, </a:t>
-            </a:r>
-            <a:r>
-              <a:rPr lang="en-US" dirty="0" smtClean="0"/>
-              <a:t>2011</a:t>
+              <a:t>Albert R Meyer,                December 14, 2011</a:t>
             </a:r>
             <a:endParaRPr lang="en-US" dirty="0"/>
           </a:p>
@@ -6706,7 +6716,7 @@
           <a:graphicData uri="http://schemas.openxmlformats.org/presentationml/2006/ole">
             <mc:AlternateContent xmlns:mc="http://schemas.openxmlformats.org/markup-compatibility/2006">
               <mc:Choice xmlns:v="urn:schemas-microsoft-com:vml" Requires="v">
-                <p:oleObj spid="_x0000_s236551" name="Equation" r:id="rId4" imgW="914400" imgH="914400" progId="Equation.DSMT4">
+                <p:oleObj spid="_x0000_s236555" name="Equation" r:id="rId4" imgW="914400" imgH="914400" progId="Equation.DSMT4">
                   <p:embed/>
                 </p:oleObj>
               </mc:Choice>
@@ -6965,7 +6975,7 @@
 </file>
 
 <file path=ppt/slides/slide14.xml><?xml version="1.0" encoding="utf-8"?>
-<p:sld xmlns:a="http://schemas.openxmlformats.org/drawingml/2006/main" xmlns:r="http://schemas.openxmlformats.org/officeDocument/2006/relationships" xmlns:p="http://schemas.openxmlformats.org/presentationml/2006/main">
+<p:sld xmlns:a="http://schemas.openxmlformats.org/drawingml/2006/main" xmlns:r="http://schemas.openxmlformats.org/officeDocument/2006/relationships" xmlns:p="http://schemas.openxmlformats.org/presentationml/2006/main" show="0">
   <p:cSld>
     <p:spTree>
       <p:nvGrpSpPr>
@@ -7004,11 +7014,7 @@
             </a:r>
             <a:r>
               <a:rPr lang="en-US" dirty="0" smtClean="0"/>
-              <a:t> </a:t>
-            </a:r>
-            <a:r>
-              <a:rPr lang="en-US" dirty="0" smtClean="0"/>
-              <a:t>15W.</a:t>
+              <a:t> 15W.</a:t>
             </a:r>
             <a:fld id="{B826CD8C-0477-834C-B53A-FCC4FCE3844A}" type="slidenum">
               <a:rPr lang="en-US" smtClean="0"/>
@@ -7113,7 +7119,7 @@
           </a:bodyPr>
           <a:lstStyle/>
           <a:p>
-            <a:pPr marL="342900" indent="-342900" eaLnBrk="1" hangingPunct="1">
+            <a:pPr eaLnBrk="1" hangingPunct="1">
               <a:lnSpc>
                 <a:spcPct val="90000"/>
               </a:lnSpc>
@@ -7123,11 +7129,9 @@
               <a:buClr>
                 <a:schemeClr val="tx1"/>
               </a:buClr>
-              <a:buFontTx/>
-              <a:buChar char="•"/>
             </a:pPr>
             <a:r>
-              <a:rPr lang="en-US" sz="3600">
+              <a:rPr lang="en-US" sz="3600" dirty="0">
                 <a:solidFill>
                   <a:srgbClr val="008000"/>
                 </a:solidFill>
@@ -7135,11 +7139,19 @@
               <a:t>p</a:t>
             </a:r>
             <a:r>
-              <a:rPr lang="en-US" sz="3600"/>
-              <a:t> ::=Pr{</a:t>
-            </a:r>
-            <a:r>
-              <a:rPr lang="en-US" sz="3600">
+              <a:rPr lang="en-US" sz="3600" dirty="0"/>
+              <a:t> ::=</a:t>
+            </a:r>
+            <a:r>
+              <a:rPr lang="en-US" sz="3600" dirty="0" err="1" smtClean="0"/>
+              <a:t>Pr</a:t>
+            </a:r>
+            <a:r>
+              <a:rPr lang="en-US" sz="3600" dirty="0"/>
+              <a:t>[</a:t>
+            </a:r>
+            <a:r>
+              <a:rPr lang="en-US" sz="3600" dirty="0" smtClean="0">
                 <a:solidFill>
                   <a:srgbClr val="008000"/>
                 </a:solidFill>
@@ -7147,10 +7159,18 @@
               <a:t>win</a:t>
             </a:r>
             <a:r>
-              <a:rPr lang="en-US" sz="3600"/>
-              <a:t> a bet}</a:t>
-            </a:r>
-            <a:endParaRPr lang="en-US"/>
+              <a:rPr lang="en-US" sz="3600" dirty="0" smtClean="0"/>
+              <a:t> </a:t>
+            </a:r>
+            <a:r>
+              <a:rPr lang="en-US" sz="3600" dirty="0"/>
+              <a:t>a </a:t>
+            </a:r>
+            <a:r>
+              <a:rPr lang="en-US" sz="3600" dirty="0" smtClean="0"/>
+              <a:t>bet]</a:t>
+            </a:r>
+            <a:endParaRPr lang="en-US" dirty="0"/>
           </a:p>
         </p:txBody>
       </p:sp>
@@ -8480,7 +8500,7 @@
           </a:bodyPr>
           <a:lstStyle/>
           <a:p>
-            <a:pPr marL="342900" indent="-342900" eaLnBrk="1" hangingPunct="1">
+            <a:pPr eaLnBrk="1" hangingPunct="1">
               <a:lnSpc>
                 <a:spcPct val="90000"/>
               </a:lnSpc>
@@ -8490,11 +8510,9 @@
               <a:buClr>
                 <a:schemeClr val="tx1"/>
               </a:buClr>
-              <a:buFontTx/>
-              <a:buChar char="•"/>
             </a:pPr>
             <a:r>
-              <a:rPr lang="en-US" sz="3600">
+              <a:rPr lang="en-US" sz="3600" dirty="0">
                 <a:solidFill>
                   <a:srgbClr val="CC0000"/>
                 </a:solidFill>
@@ -8502,11 +8520,11 @@
               <a:t>q </a:t>
             </a:r>
             <a:r>
-              <a:rPr lang="en-US" sz="3600"/>
+              <a:rPr lang="en-US" sz="3600" dirty="0"/>
               <a:t>::= 1-</a:t>
             </a:r>
             <a:r>
-              <a:rPr lang="en-US" sz="3600">
+              <a:rPr lang="en-US" sz="3600" dirty="0">
                 <a:solidFill>
                   <a:srgbClr val="008000"/>
                 </a:solidFill>
@@ -8514,11 +8532,19 @@
               <a:t>p</a:t>
             </a:r>
             <a:r>
-              <a:rPr lang="en-US" sz="3600"/>
-              <a:t> = Pr{</a:t>
-            </a:r>
-            <a:r>
-              <a:rPr lang="en-US" sz="3600">
+              <a:rPr lang="en-US" sz="3600" dirty="0"/>
+              <a:t> = </a:t>
+            </a:r>
+            <a:r>
+              <a:rPr lang="en-US" sz="3600" dirty="0" err="1" smtClean="0"/>
+              <a:t>Pr</a:t>
+            </a:r>
+            <a:r>
+              <a:rPr lang="en-US" sz="3600" dirty="0"/>
+              <a:t>[</a:t>
+            </a:r>
+            <a:r>
+              <a:rPr lang="en-US" sz="3600" dirty="0" smtClean="0">
                 <a:solidFill>
                   <a:srgbClr val="CC0000"/>
                 </a:solidFill>
@@ -8526,9 +8552,18 @@
               <a:t>lose</a:t>
             </a:r>
             <a:r>
-              <a:rPr lang="en-US" sz="3600"/>
-              <a:t> a bet}</a:t>
-            </a:r>
+              <a:rPr lang="en-US" sz="3600" dirty="0" smtClean="0"/>
+              <a:t> </a:t>
+            </a:r>
+            <a:r>
+              <a:rPr lang="en-US" sz="3600" dirty="0"/>
+              <a:t>a </a:t>
+            </a:r>
+            <a:r>
+              <a:rPr lang="en-US" sz="3600" dirty="0" smtClean="0"/>
+              <a:t>bet]</a:t>
+            </a:r>
+            <a:endParaRPr lang="en-US" sz="3600" dirty="0"/>
           </a:p>
         </p:txBody>
       </p:sp>
@@ -8576,11 +8611,23 @@
               </a:buClr>
             </a:pPr>
             <a:r>
-              <a:rPr lang="en-US" sz="3600"/>
-              <a:t>What is Pr{reach </a:t>
-            </a:r>
-            <a:r>
-              <a:rPr lang="en-US" sz="3600">
+              <a:rPr lang="en-US" sz="3600" dirty="0"/>
+              <a:t>What is </a:t>
+            </a:r>
+            <a:r>
+              <a:rPr lang="en-US" sz="3600" dirty="0" err="1" smtClean="0"/>
+              <a:t>Pr</a:t>
+            </a:r>
+            <a:r>
+              <a:rPr lang="en-US" sz="3600" dirty="0"/>
+              <a:t>[</a:t>
+            </a:r>
+            <a:r>
+              <a:rPr lang="en-US" sz="3600" dirty="0" smtClean="0"/>
+              <a:t>reach </a:t>
+            </a:r>
+            <a:r>
+              <a:rPr lang="en-US" sz="3600" dirty="0">
                 <a:solidFill>
                   <a:srgbClr val="008000"/>
                 </a:solidFill>
@@ -8588,11 +8635,11 @@
               <a:t>T</a:t>
             </a:r>
             <a:r>
-              <a:rPr lang="en-US" sz="3600"/>
+              <a:rPr lang="en-US" sz="3600" dirty="0"/>
               <a:t> before </a:t>
             </a:r>
             <a:r>
-              <a:rPr lang="en-US" sz="3600">
+              <a:rPr lang="en-US" sz="3600" dirty="0" smtClean="0">
                 <a:solidFill>
                   <a:srgbClr val="CC0000"/>
                 </a:solidFill>
@@ -8600,9 +8647,14 @@
               <a:t>0</a:t>
             </a:r>
             <a:r>
-              <a:rPr lang="en-US" sz="3600"/>
-              <a:t>}?</a:t>
-            </a:r>
+              <a:rPr lang="en-US" sz="3600" dirty="0"/>
+              <a:t>]</a:t>
+            </a:r>
+            <a:r>
+              <a:rPr lang="en-US" sz="3600" dirty="0" smtClean="0"/>
+              <a:t>?</a:t>
+            </a:r>
+            <a:endParaRPr lang="en-US" sz="3600" dirty="0"/>
           </a:p>
         </p:txBody>
       </p:sp>
@@ -8653,15 +8705,7 @@
             </a:pPr>
             <a:r>
               <a:rPr lang="en-US" dirty="0" smtClean="0"/>
-              <a:t>Albert R Meyer,                </a:t>
-            </a:r>
-            <a:r>
-              <a:rPr lang="en-US" dirty="0" smtClean="0"/>
-              <a:t>December 14, </a:t>
-            </a:r>
-            <a:r>
-              <a:rPr lang="en-US" dirty="0" smtClean="0"/>
-              <a:t>2011</a:t>
+              <a:t>Albert R Meyer,                December 14, 2011</a:t>
             </a:r>
             <a:endParaRPr lang="en-US" dirty="0"/>
           </a:p>
@@ -9231,7 +9275,7 @@
 </file>
 
 <file path=ppt/slides/slide15.xml><?xml version="1.0" encoding="utf-8"?>
-<p:sld xmlns:a="http://schemas.openxmlformats.org/drawingml/2006/main" xmlns:r="http://schemas.openxmlformats.org/officeDocument/2006/relationships" xmlns:p="http://schemas.openxmlformats.org/presentationml/2006/main">
+<p:sld xmlns:a="http://schemas.openxmlformats.org/drawingml/2006/main" xmlns:r="http://schemas.openxmlformats.org/officeDocument/2006/relationships" xmlns:p="http://schemas.openxmlformats.org/presentationml/2006/main" show="0">
   <p:cSld>
     <p:spTree>
       <p:nvGrpSpPr>
@@ -9461,11 +9505,7 @@
             </a:r>
             <a:r>
               <a:rPr lang="en-US" dirty="0" smtClean="0"/>
-              <a:t> </a:t>
-            </a:r>
-            <a:r>
-              <a:rPr lang="en-US" dirty="0" smtClean="0"/>
-              <a:t>15W.</a:t>
+              <a:t> 15W.</a:t>
             </a:r>
             <a:fld id="{AFF3B048-DFE0-4C46-9EA8-032933489598}" type="slidenum">
               <a:rPr lang="en-US" smtClean="0"/>
@@ -10251,15 +10291,7 @@
             </a:pPr>
             <a:r>
               <a:rPr lang="en-US" dirty="0" smtClean="0"/>
-              <a:t>Albert R Meyer,                </a:t>
-            </a:r>
-            <a:r>
-              <a:rPr lang="en-US" dirty="0" smtClean="0"/>
-              <a:t>December 14, </a:t>
-            </a:r>
-            <a:r>
-              <a:rPr lang="en-US" dirty="0" smtClean="0"/>
-              <a:t>2011</a:t>
+              <a:t>Albert R Meyer,                December 14, 2011</a:t>
             </a:r>
             <a:endParaRPr lang="en-US" dirty="0"/>
           </a:p>
@@ -10601,7 +10633,7 @@
 </file>
 
 <file path=ppt/slides/slide16.xml><?xml version="1.0" encoding="utf-8"?>
-<p:sld xmlns:a="http://schemas.openxmlformats.org/drawingml/2006/main" xmlns:r="http://schemas.openxmlformats.org/officeDocument/2006/relationships" xmlns:p="http://schemas.openxmlformats.org/presentationml/2006/main">
+<p:sld xmlns:a="http://schemas.openxmlformats.org/drawingml/2006/main" xmlns:r="http://schemas.openxmlformats.org/officeDocument/2006/relationships" xmlns:p="http://schemas.openxmlformats.org/presentationml/2006/main" show="0">
   <p:cSld>
     <p:spTree>
       <p:nvGrpSpPr>
@@ -10870,11 +10902,7 @@
             </a:r>
             <a:r>
               <a:rPr lang="en-US" dirty="0" smtClean="0"/>
-              <a:t> </a:t>
-            </a:r>
-            <a:r>
-              <a:rPr lang="en-US" dirty="0" smtClean="0"/>
-              <a:t>15W.</a:t>
+              <a:t> 15W.</a:t>
             </a:r>
             <a:fld id="{AFF3B048-DFE0-4C46-9EA8-032933489598}" type="slidenum">
               <a:rPr lang="en-US" smtClean="0"/>
@@ -11564,15 +11592,7 @@
             </a:pPr>
             <a:r>
               <a:rPr lang="en-US" dirty="0" smtClean="0"/>
-              <a:t>Albert R Meyer,                </a:t>
-            </a:r>
-            <a:r>
-              <a:rPr lang="en-US" dirty="0" smtClean="0"/>
-              <a:t>December 14, </a:t>
-            </a:r>
-            <a:r>
-              <a:rPr lang="en-US" dirty="0" smtClean="0"/>
-              <a:t>2011</a:t>
+              <a:t>Albert R Meyer,                December 14, 2011</a:t>
             </a:r>
             <a:endParaRPr lang="en-US" dirty="0"/>
           </a:p>
@@ -11886,7 +11906,7 @@
 </file>
 
 <file path=ppt/slides/slide17.xml><?xml version="1.0" encoding="utf-8"?>
-<p:sld xmlns:a="http://schemas.openxmlformats.org/drawingml/2006/main" xmlns:r="http://schemas.openxmlformats.org/officeDocument/2006/relationships" xmlns:p="http://schemas.openxmlformats.org/presentationml/2006/main">
+<p:sld xmlns:a="http://schemas.openxmlformats.org/drawingml/2006/main" xmlns:r="http://schemas.openxmlformats.org/officeDocument/2006/relationships" xmlns:p="http://schemas.openxmlformats.org/presentationml/2006/main" show="0">
   <p:cSld>
     <p:spTree>
       <p:nvGrpSpPr>
@@ -11925,11 +11945,7 @@
             </a:r>
             <a:r>
               <a:rPr lang="en-US" dirty="0" smtClean="0"/>
-              <a:t> </a:t>
-            </a:r>
-            <a:r>
-              <a:rPr lang="en-US" dirty="0" smtClean="0"/>
-              <a:t>15W.</a:t>
+              <a:t> 15W.</a:t>
             </a:r>
             <a:fld id="{1CB8D558-C5D6-7E41-8E71-BB0C744D2D8B}" type="slidenum">
               <a:rPr lang="en-US" smtClean="0"/>
@@ -12343,15 +12359,7 @@
             </a:pPr>
             <a:r>
               <a:rPr lang="en-US" dirty="0" smtClean="0"/>
-              <a:t>Albert R Meyer,                </a:t>
-            </a:r>
-            <a:r>
-              <a:rPr lang="en-US" dirty="0" smtClean="0"/>
-              <a:t>December 14, </a:t>
-            </a:r>
-            <a:r>
-              <a:rPr lang="en-US" dirty="0" smtClean="0"/>
-              <a:t>2011</a:t>
+              <a:t>Albert R Meyer,                December 14, 2011</a:t>
             </a:r>
             <a:endParaRPr lang="en-US" dirty="0"/>
           </a:p>
@@ -12648,7 +12656,315 @@
       </p:grpSpPr>
       <p:sp>
         <p:nvSpPr>
-          <p:cNvPr id="58372" name="Slide Number Placeholder 5"/>
+          <p:cNvPr id="2" name="Title 1"/>
+          <p:cNvSpPr>
+            <a:spLocks noGrp="1"/>
+          </p:cNvSpPr>
+          <p:nvPr>
+            <p:ph type="title"/>
+          </p:nvPr>
+        </p:nvSpPr>
+        <p:spPr/>
+        <p:txBody>
+          <a:bodyPr/>
+          <a:lstStyle/>
+          <a:p>
+            <a:r>
+              <a:rPr lang="en-US" dirty="0" smtClean="0"/>
+              <a:t>Condition on 1</a:t>
+            </a:r>
+            <a:r>
+              <a:rPr lang="en-US" baseline="30000" dirty="0" smtClean="0"/>
+              <a:t>st</a:t>
+            </a:r>
+            <a:r>
+              <a:rPr lang="en-US" dirty="0" smtClean="0"/>
+              <a:t> bet</a:t>
+            </a:r>
+            <a:endParaRPr lang="en-US" dirty="0"/>
+          </a:p>
+        </p:txBody>
+      </p:sp>
+      <p:sp>
+        <p:nvSpPr>
+          <p:cNvPr id="3" name="Content Placeholder 2"/>
+          <p:cNvSpPr>
+            <a:spLocks noGrp="1"/>
+          </p:cNvSpPr>
+          <p:nvPr>
+            <p:ph idx="1"/>
+          </p:nvPr>
+        </p:nvSpPr>
+        <p:spPr>
+          <a:xfrm>
+            <a:off x="304800" y="1447800"/>
+            <a:ext cx="8534400" cy="4648200"/>
+          </a:xfrm>
+        </p:spPr>
+        <p:txBody>
+          <a:bodyPr/>
+          <a:lstStyle/>
+          <a:p>
+            <a:pPr marL="0" indent="0">
+              <a:buNone/>
+            </a:pPr>
+            <a:r>
+              <a:rPr lang="en-US" sz="4800" dirty="0" err="1" smtClean="0">
+                <a:solidFill>
+                  <a:srgbClr val="0000FF"/>
+                </a:solidFill>
+              </a:rPr>
+              <a:t>w</a:t>
+            </a:r>
+            <a:r>
+              <a:rPr lang="en-US" sz="4800" baseline="-25000" dirty="0" err="1" smtClean="0">
+                <a:solidFill>
+                  <a:srgbClr val="0000FF"/>
+                </a:solidFill>
+              </a:rPr>
+              <a:t>n</a:t>
+            </a:r>
+            <a:r>
+              <a:rPr lang="en-US" sz="4800" dirty="0" smtClean="0"/>
+              <a:t>::= </a:t>
+            </a:r>
+            <a:r>
+              <a:rPr lang="en-US" sz="4800" dirty="0" err="1" smtClean="0"/>
+              <a:t>Pr</a:t>
+            </a:r>
+            <a:r>
+              <a:rPr lang="en-US" sz="4800" dirty="0" smtClean="0"/>
+              <a:t>[win starting with </a:t>
+            </a:r>
+            <a:r>
+              <a:rPr lang="en-US" sz="4800" dirty="0" smtClean="0">
+                <a:solidFill>
+                  <a:srgbClr val="0000FF"/>
+                </a:solidFill>
+              </a:rPr>
+              <a:t>$n</a:t>
+            </a:r>
+            <a:r>
+              <a:rPr lang="en-US" sz="4800" dirty="0" smtClean="0"/>
+              <a:t>]</a:t>
+            </a:r>
+          </a:p>
+          <a:p>
+            <a:pPr marL="0" indent="0">
+              <a:buNone/>
+            </a:pPr>
+            <a:r>
+              <a:rPr lang="en-US" sz="4800" dirty="0" err="1" smtClean="0"/>
+              <a:t>Pr</a:t>
+            </a:r>
+            <a:r>
+              <a:rPr lang="en-US" sz="4800" dirty="0" smtClean="0"/>
+              <a:t>[</a:t>
+            </a:r>
+            <a:r>
+              <a:rPr lang="en-US" sz="4800" dirty="0" err="1" smtClean="0">
+                <a:solidFill>
+                  <a:srgbClr val="0000FF"/>
+                </a:solidFill>
+              </a:rPr>
+              <a:t>w</a:t>
+            </a:r>
+            <a:r>
+              <a:rPr lang="en-US" sz="4800" baseline="-25000" dirty="0" err="1" smtClean="0">
+                <a:solidFill>
+                  <a:srgbClr val="0000FF"/>
+                </a:solidFill>
+              </a:rPr>
+              <a:t>n</a:t>
+            </a:r>
+            <a:r>
+              <a:rPr lang="en-US" sz="4800" dirty="0" smtClean="0">
+                <a:solidFill>
+                  <a:srgbClr val="0000FF"/>
+                </a:solidFill>
+              </a:rPr>
+              <a:t>| </a:t>
+            </a:r>
+            <a:r>
+              <a:rPr lang="en-US" sz="4800" dirty="0" smtClean="0"/>
+              <a:t>win 1</a:t>
+            </a:r>
+            <a:r>
+              <a:rPr lang="en-US" sz="4800" baseline="30000" dirty="0" smtClean="0"/>
+              <a:t>st</a:t>
+            </a:r>
+            <a:r>
+              <a:rPr lang="en-US" sz="4800" dirty="0" smtClean="0"/>
+              <a:t> bet] = </a:t>
+            </a:r>
+            <a:r>
+              <a:rPr lang="en-US" sz="4800" dirty="0" smtClean="0">
+                <a:solidFill>
+                  <a:srgbClr val="0000FF"/>
+                </a:solidFill>
+              </a:rPr>
+              <a:t>w</a:t>
+            </a:r>
+            <a:r>
+              <a:rPr lang="en-US" sz="4800" baseline="-25000" dirty="0" smtClean="0">
+                <a:solidFill>
+                  <a:srgbClr val="0000FF"/>
+                </a:solidFill>
+              </a:rPr>
+              <a:t>n+1</a:t>
+            </a:r>
+          </a:p>
+          <a:p>
+            <a:pPr marL="0" indent="0">
+              <a:buNone/>
+            </a:pPr>
+            <a:r>
+              <a:rPr lang="en-US" sz="4800" dirty="0" err="1"/>
+              <a:t>Pr</a:t>
+            </a:r>
+            <a:r>
+              <a:rPr lang="en-US" sz="4800" dirty="0"/>
+              <a:t>[</a:t>
+            </a:r>
+            <a:r>
+              <a:rPr lang="en-US" sz="4800" dirty="0" err="1">
+                <a:solidFill>
+                  <a:srgbClr val="0000FF"/>
+                </a:solidFill>
+              </a:rPr>
+              <a:t>w</a:t>
+            </a:r>
+            <a:r>
+              <a:rPr lang="en-US" sz="4800" baseline="-25000" dirty="0" err="1">
+                <a:solidFill>
+                  <a:srgbClr val="0000FF"/>
+                </a:solidFill>
+              </a:rPr>
+              <a:t>n</a:t>
+            </a:r>
+            <a:r>
+              <a:rPr lang="en-US" sz="4800" dirty="0">
+                <a:solidFill>
+                  <a:srgbClr val="0000FF"/>
+                </a:solidFill>
+              </a:rPr>
+              <a:t>| </a:t>
+            </a:r>
+            <a:r>
+              <a:rPr lang="en-US" sz="4800" dirty="0" smtClean="0"/>
+              <a:t>lose </a:t>
+            </a:r>
+            <a:r>
+              <a:rPr lang="en-US" sz="4800" dirty="0"/>
+              <a:t>1</a:t>
+            </a:r>
+            <a:r>
+              <a:rPr lang="en-US" sz="4800" baseline="30000" dirty="0"/>
+              <a:t>st</a:t>
+            </a:r>
+            <a:r>
+              <a:rPr lang="en-US" sz="4800" dirty="0"/>
+              <a:t> bet] = </a:t>
+            </a:r>
+            <a:r>
+              <a:rPr lang="en-US" sz="4800" dirty="0" smtClean="0">
+                <a:solidFill>
+                  <a:srgbClr val="0000FF"/>
+                </a:solidFill>
+              </a:rPr>
+              <a:t>w</a:t>
+            </a:r>
+            <a:r>
+              <a:rPr lang="en-US" sz="4800" baseline="-25000" dirty="0" smtClean="0">
+                <a:solidFill>
+                  <a:srgbClr val="0000FF"/>
+                </a:solidFill>
+              </a:rPr>
+              <a:t>n-1</a:t>
+            </a:r>
+          </a:p>
+          <a:p>
+            <a:pPr marL="0" indent="0" algn="ctr">
+              <a:buNone/>
+            </a:pPr>
+            <a:r>
+              <a:rPr lang="en-US" sz="6000" dirty="0" err="1" smtClean="0">
+                <a:solidFill>
+                  <a:srgbClr val="0000FF"/>
+                </a:solidFill>
+              </a:rPr>
+              <a:t>w</a:t>
+            </a:r>
+            <a:r>
+              <a:rPr lang="en-US" sz="6000" baseline="-25000" dirty="0" err="1" smtClean="0">
+                <a:solidFill>
+                  <a:srgbClr val="0000FF"/>
+                </a:solidFill>
+              </a:rPr>
+              <a:t>n</a:t>
+            </a:r>
+            <a:r>
+              <a:rPr lang="en-US" sz="6000" dirty="0" smtClean="0">
+                <a:solidFill>
+                  <a:srgbClr val="0000FF"/>
+                </a:solidFill>
+              </a:rPr>
+              <a:t>= </a:t>
+            </a:r>
+            <a:r>
+              <a:rPr lang="en-US" sz="6000" dirty="0">
+                <a:solidFill>
+                  <a:srgbClr val="0000FF"/>
+                </a:solidFill>
+              </a:rPr>
+              <a:t>w</a:t>
+            </a:r>
+            <a:r>
+              <a:rPr lang="en-US" sz="6000" baseline="-25000" dirty="0">
+                <a:solidFill>
+                  <a:srgbClr val="0000FF"/>
+                </a:solidFill>
+              </a:rPr>
+              <a:t>n+</a:t>
+            </a:r>
+            <a:r>
+              <a:rPr lang="en-US" sz="6000" baseline="-25000" dirty="0" smtClean="0">
+                <a:solidFill>
+                  <a:srgbClr val="0000FF"/>
+                </a:solidFill>
+              </a:rPr>
+              <a:t>1</a:t>
+            </a:r>
+            <a:r>
+              <a:rPr lang="en-US" sz="6000" dirty="0" smtClean="0">
+                <a:solidFill>
+                  <a:srgbClr val="0000FF"/>
+                </a:solidFill>
+              </a:rPr>
+              <a:t>∙p + w</a:t>
+            </a:r>
+            <a:r>
+              <a:rPr lang="en-US" sz="6000" baseline="-25000" dirty="0" smtClean="0">
+                <a:solidFill>
+                  <a:srgbClr val="0000FF"/>
+                </a:solidFill>
+              </a:rPr>
+              <a:t>n-1</a:t>
+            </a:r>
+            <a:r>
+              <a:rPr lang="en-US" sz="6000" dirty="0" smtClean="0">
+                <a:solidFill>
+                  <a:srgbClr val="0000FF"/>
+                </a:solidFill>
+              </a:rPr>
+              <a:t>∙q</a:t>
+            </a:r>
+          </a:p>
+        </p:txBody>
+      </p:sp>
+      <p:sp>
+        <p:nvSpPr>
+          <p:cNvPr id="4" name="Slide Number Placeholder 3"/>
           <p:cNvSpPr>
             <a:spLocks noGrp="1"/>
           </p:cNvSpPr>
@@ -12656,6 +12972,108 @@
             <p:ph type="sldNum" sz="quarter" idx="12"/>
           </p:nvPr>
         </p:nvSpPr>
+        <p:spPr/>
+        <p:txBody>
+          <a:bodyPr/>
+          <a:lstStyle/>
+          <a:p>
+            <a:pPr>
+              <a:defRPr/>
+            </a:pPr>
+            <a:r>
+              <a:rPr lang="en-US" smtClean="0"/>
+              <a:t>Lec 15W.</a:t>
+            </a:r>
+            <a:fld id="{E877D3CB-F960-BD47-98A7-06971C504846}" type="slidenum">
+              <a:rPr lang="en-US" smtClean="0"/>
+              <a:pPr>
+                <a:defRPr/>
+              </a:pPr>
+              <a:t>18</a:t>
+            </a:fld>
+            <a:endParaRPr lang="en-US" smtClean="0"/>
+          </a:p>
+          <a:p>
+            <a:pPr>
+              <a:defRPr/>
+            </a:pPr>
+            <a:endParaRPr lang="en-US" dirty="0"/>
+          </a:p>
+        </p:txBody>
+      </p:sp>
+      <p:sp>
+        <p:nvSpPr>
+          <p:cNvPr id="5" name="Date Placeholder 4"/>
+          <p:cNvSpPr>
+            <a:spLocks noGrp="1"/>
+          </p:cNvSpPr>
+          <p:nvPr>
+            <p:ph type="dt" sz="half" idx="2"/>
+          </p:nvPr>
+        </p:nvSpPr>
+        <p:spPr/>
+        <p:txBody>
+          <a:bodyPr/>
+          <a:lstStyle/>
+          <a:p>
+            <a:pPr>
+              <a:defRPr/>
+            </a:pPr>
+            <a:r>
+              <a:rPr lang="en-US" smtClean="0"/>
+              <a:t>Albert R Meyer,                        December 14, 2011</a:t>
+            </a:r>
+            <a:endParaRPr lang="en-US" dirty="0"/>
+          </a:p>
+        </p:txBody>
+      </p:sp>
+    </p:spTree>
+    <p:extLst>
+      <p:ext uri="{BB962C8B-B14F-4D97-AF65-F5344CB8AC3E}">
+        <p14:creationId xmlns:p14="http://schemas.microsoft.com/office/powerpoint/2010/main" val="2345854760"/>
+      </p:ext>
+    </p:extLst>
+  </p:cSld>
+  <p:clrMapOvr>
+    <a:masterClrMapping/>
+  </p:clrMapOvr>
+  <p:timing>
+    <p:tnLst>
+      <p:par>
+        <p:cTn xmlns:p14="http://schemas.microsoft.com/office/powerpoint/2010/main" id="1" dur="indefinite" restart="never" nodeType="tmRoot"/>
+      </p:par>
+    </p:tnLst>
+  </p:timing>
+</p:sld>
+</file>
+
+<file path=ppt/slides/slide19.xml><?xml version="1.0" encoding="utf-8"?>
+<p:sld xmlns:a="http://schemas.openxmlformats.org/drawingml/2006/main" xmlns:r="http://schemas.openxmlformats.org/officeDocument/2006/relationships" xmlns:p="http://schemas.openxmlformats.org/presentationml/2006/main">
+  <p:cSld>
+    <p:spTree>
+      <p:nvGrpSpPr>
+        <p:cNvPr id="1" name=""/>
+        <p:cNvGrpSpPr/>
+        <p:nvPr/>
+      </p:nvGrpSpPr>
+      <p:grpSpPr>
+        <a:xfrm>
+          <a:off x="0" y="0"/>
+          <a:ext cx="0" cy="0"/>
+          <a:chOff x="0" y="0"/>
+          <a:chExt cx="0" cy="0"/>
+        </a:xfrm>
+      </p:grpSpPr>
+      <p:sp>
+        <p:nvSpPr>
+          <p:cNvPr id="58372" name="Slide Number Placeholder 5"/>
+          <p:cNvSpPr>
+            <a:spLocks noGrp="1"/>
+          </p:cNvSpPr>
+          <p:nvPr>
+            <p:ph type="sldNum" sz="quarter" idx="12"/>
+          </p:nvPr>
+        </p:nvSpPr>
         <p:spPr>
           <a:noFill/>
         </p:spPr>
@@ -12669,16 +13087,12 @@
             </a:r>
             <a:r>
               <a:rPr lang="en-US" dirty="0" smtClean="0"/>
-              <a:t> </a:t>
-            </a:r>
-            <a:r>
-              <a:rPr lang="en-US" dirty="0" smtClean="0"/>
-              <a:t>15W.</a:t>
+              <a:t> 15W.</a:t>
             </a:r>
             <a:fld id="{1CB8D558-C5D6-7E41-8E71-BB0C744D2D8B}" type="slidenum">
               <a:rPr lang="en-US" smtClean="0"/>
               <a:pPr/>
-              <a:t>18</a:t>
+              <a:t>19</a:t>
             </a:fld>
             <a:endParaRPr lang="en-US" dirty="0"/>
           </a:p>
@@ -12704,8 +13118,12 @@
           <a:p>
             <a:pPr eaLnBrk="1" hangingPunct="1"/>
             <a:r>
-              <a:rPr lang="en-US"/>
-              <a:t>Linear Recurrence</a:t>
+              <a:rPr lang="en-US" dirty="0" smtClean="0"/>
+              <a:t>A Linear </a:t>
+            </a:r>
+            <a:r>
+              <a:rPr lang="en-US" dirty="0"/>
+              <a:t>Recurrence</a:t>
             </a:r>
           </a:p>
         </p:txBody>
@@ -12722,119 +13140,121 @@
         </p:nvSpPr>
         <p:spPr>
           <a:xfrm>
-            <a:off x="685800" y="1828800"/>
-            <a:ext cx="7772400" cy="2057400"/>
+            <a:off x="152400" y="1676400"/>
+            <a:ext cx="8763000" cy="2590800"/>
           </a:xfrm>
         </p:spPr>
         <p:txBody>
           <a:bodyPr/>
           <a:lstStyle/>
+          <a:p>
+            <a:pPr algn="ctr" eaLnBrk="1" hangingPunct="1">
+              <a:buFontTx/>
+              <a:buNone/>
+            </a:pPr>
+            <a:r>
+              <a:rPr lang="en-US" sz="5400" dirty="0">
+                <a:solidFill>
+                  <a:srgbClr val="0000FF"/>
+                </a:solidFill>
+              </a:rPr>
+              <a:t>w</a:t>
+            </a:r>
+            <a:r>
+              <a:rPr lang="en-US" sz="5400" baseline="-25000" dirty="0">
+                <a:solidFill>
+                  <a:srgbClr val="0000FF"/>
+                </a:solidFill>
+              </a:rPr>
+              <a:t>n+1</a:t>
+            </a:r>
+            <a:r>
+              <a:rPr lang="en-US" sz="5400" dirty="0">
+                <a:solidFill>
+                  <a:srgbClr val="0000FF"/>
+                </a:solidFill>
+              </a:rPr>
+              <a:t> = (1/p)</a:t>
+            </a:r>
+            <a:r>
+              <a:rPr lang="en-US" sz="5400" dirty="0" err="1">
+                <a:solidFill>
+                  <a:srgbClr val="0000FF"/>
+                </a:solidFill>
+              </a:rPr>
+              <a:t>w</a:t>
+            </a:r>
+            <a:r>
+              <a:rPr lang="en-US" sz="5400" baseline="-25000" dirty="0" err="1">
+                <a:solidFill>
+                  <a:srgbClr val="0000FF"/>
+                </a:solidFill>
+              </a:rPr>
+              <a:t>n</a:t>
+            </a:r>
+            <a:r>
+              <a:rPr lang="en-US" sz="5400" dirty="0">
+                <a:solidFill>
+                  <a:srgbClr val="0000FF"/>
+                </a:solidFill>
+              </a:rPr>
+              <a:t> - (q/p)w</a:t>
+            </a:r>
+            <a:r>
+              <a:rPr lang="en-US" sz="5400" baseline="-25000" dirty="0">
+                <a:solidFill>
+                  <a:srgbClr val="0000FF"/>
+                </a:solidFill>
+              </a:rPr>
+              <a:t>n-1</a:t>
+            </a:r>
+            <a:endParaRPr lang="en-US" sz="5400" dirty="0">
+              <a:solidFill>
+                <a:srgbClr val="0000FF"/>
+              </a:solidFill>
+            </a:endParaRPr>
+          </a:p>
           <a:p>
             <a:pPr eaLnBrk="1" hangingPunct="1">
               <a:buFontTx/>
               <a:buNone/>
             </a:pPr>
             <a:r>
-              <a:rPr lang="en-US">
-                <a:solidFill>
-                  <a:schemeClr val="accent2"/>
-                </a:solidFill>
-              </a:rPr>
-              <a:t>w</a:t>
-            </a:r>
-            <a:r>
-              <a:rPr lang="en-US" baseline="-25000">
-                <a:solidFill>
-                  <a:schemeClr val="accent2"/>
-                </a:solidFill>
-              </a:rPr>
-              <a:t>n+1</a:t>
-            </a:r>
-            <a:r>
-              <a:rPr lang="en-US">
-                <a:solidFill>
-                  <a:schemeClr val="accent2"/>
-                </a:solidFill>
-              </a:rPr>
-              <a:t> = (1/</a:t>
-            </a:r>
-            <a:r>
-              <a:rPr lang="en-US">
-                <a:solidFill>
-                  <a:srgbClr val="008000"/>
-                </a:solidFill>
-              </a:rPr>
-              <a:t>p</a:t>
-            </a:r>
-            <a:r>
-              <a:rPr lang="en-US">
-                <a:solidFill>
-                  <a:schemeClr val="accent2"/>
-                </a:solidFill>
-              </a:rPr>
-              <a:t>)w</a:t>
-            </a:r>
-            <a:r>
-              <a:rPr lang="en-US" baseline="-25000">
-                <a:solidFill>
-                  <a:schemeClr val="accent2"/>
-                </a:solidFill>
-              </a:rPr>
-              <a:t>n</a:t>
-            </a:r>
-            <a:r>
-              <a:rPr lang="en-US">
-                <a:solidFill>
-                  <a:schemeClr val="accent2"/>
-                </a:solidFill>
-              </a:rPr>
-              <a:t> - (</a:t>
-            </a:r>
-            <a:r>
-              <a:rPr lang="en-US">
-                <a:solidFill>
-                  <a:srgbClr val="CC0000"/>
-                </a:solidFill>
-              </a:rPr>
-              <a:t>q</a:t>
-            </a:r>
-            <a:r>
-              <a:rPr lang="en-US">
-                <a:solidFill>
-                  <a:schemeClr val="accent2"/>
-                </a:solidFill>
-              </a:rPr>
-              <a:t>/</a:t>
-            </a:r>
-            <a:r>
-              <a:rPr lang="en-US">
-                <a:solidFill>
-                  <a:srgbClr val="008000"/>
-                </a:solidFill>
-              </a:rPr>
-              <a:t>p</a:t>
-            </a:r>
-            <a:r>
-              <a:rPr lang="en-US">
-                <a:solidFill>
-                  <a:schemeClr val="accent2"/>
-                </a:solidFill>
-              </a:rPr>
-              <a:t>)w</a:t>
-            </a:r>
-            <a:r>
-              <a:rPr lang="en-US" baseline="-25000">
-                <a:solidFill>
-                  <a:schemeClr val="accent2"/>
-                </a:solidFill>
-              </a:rPr>
-              <a:t>n-1</a:t>
-            </a:r>
-            <a:endParaRPr lang="en-US">
-              <a:solidFill>
-                <a:schemeClr val="accent2"/>
-              </a:solidFill>
-            </a:endParaRPr>
+              <a:rPr lang="en-US" sz="4400" dirty="0" smtClean="0">
+                <a:solidFill>
+                  <a:srgbClr val="0000FF"/>
+                </a:solidFill>
+              </a:rPr>
+              <a:t>  w</a:t>
+            </a:r>
+            <a:r>
+              <a:rPr lang="en-US" sz="4400" baseline="-25000" dirty="0" smtClean="0">
+                <a:solidFill>
+                  <a:srgbClr val="0000FF"/>
+                </a:solidFill>
+              </a:rPr>
+              <a:t>0</a:t>
+            </a:r>
+            <a:r>
+              <a:rPr lang="en-US" sz="4400" dirty="0" smtClean="0">
+                <a:solidFill>
+                  <a:srgbClr val="0000FF"/>
+                </a:solidFill>
+              </a:rPr>
+              <a:t> </a:t>
+            </a:r>
+            <a:r>
+              <a:rPr lang="en-US" sz="4400" dirty="0">
+                <a:solidFill>
+                  <a:srgbClr val="0000FF"/>
+                </a:solidFill>
+              </a:rPr>
+              <a:t>= 0        </a:t>
+            </a:r>
+            <a:r>
+              <a:rPr lang="en-US" sz="4400" dirty="0"/>
+              <a:t>(Gambler is broke)</a:t>
+            </a:r>
           </a:p>
           <a:p>
             <a:pPr eaLnBrk="1" hangingPunct="1">
@@ -12842,66 +13262,56 @@
               <a:buNone/>
             </a:pPr>
             <a:r>
-              <a:rPr lang="en-US">
-                <a:solidFill>
-                  <a:schemeClr val="accent2"/>
+              <a:rPr lang="en-US" sz="4400" dirty="0" smtClean="0">
+                <a:solidFill>
+                  <a:srgbClr val="0000FF"/>
+                </a:solidFill>
+              </a:rPr>
+              <a:t>  </a:t>
+            </a:r>
+            <a:r>
+              <a:rPr lang="en-US" sz="4400" dirty="0" err="1" smtClean="0">
+                <a:solidFill>
+                  <a:srgbClr val="0000FF"/>
                 </a:solidFill>
               </a:rPr>
               <a:t>w</a:t>
             </a:r>
             <a:r>
-              <a:rPr lang="en-US" baseline="-25000">
-                <a:solidFill>
-                  <a:schemeClr val="accent2"/>
-                </a:solidFill>
-              </a:rPr>
-              <a:t>0</a:t>
-            </a:r>
-            <a:r>
-              <a:rPr lang="en-US">
-                <a:solidFill>
-                  <a:schemeClr val="accent2"/>
-                </a:solidFill>
-              </a:rPr>
-              <a:t> = 0</a:t>
-            </a:r>
-            <a:r>
-              <a:rPr lang="en-US"/>
-              <a:t>        (Gambler is broke)</a:t>
-            </a:r>
-          </a:p>
-          <a:p>
-            <a:pPr eaLnBrk="1" hangingPunct="1">
-              <a:buFontTx/>
-              <a:buNone/>
-            </a:pPr>
-            <a:r>
-              <a:rPr lang="en-US">
-                <a:solidFill>
-                  <a:schemeClr val="accent2"/>
-                </a:solidFill>
-              </a:rPr>
-              <a:t>w</a:t>
-            </a:r>
-            <a:r>
-              <a:rPr lang="en-US" baseline="-25000">
-                <a:solidFill>
-                  <a:schemeClr val="accent2"/>
+              <a:rPr lang="en-US" sz="4400" baseline="-25000" dirty="0" err="1" smtClean="0">
+                <a:solidFill>
+                  <a:srgbClr val="0000FF"/>
                 </a:solidFill>
               </a:rPr>
               <a:t>T</a:t>
             </a:r>
             <a:r>
-              <a:rPr lang="en-US">
-                <a:solidFill>
-                  <a:schemeClr val="accent2"/>
-                </a:solidFill>
-              </a:rPr>
-              <a:t> = 1</a:t>
-            </a:r>
-            <a:r>
-              <a:rPr lang="en-US"/>
-              <a:t>        (Gambler is at target)</a:t>
+              <a:rPr lang="en-US" sz="4400" dirty="0" smtClean="0">
+                <a:solidFill>
+                  <a:srgbClr val="0000FF"/>
+                </a:solidFill>
+              </a:rPr>
+              <a:t> </a:t>
+            </a:r>
+            <a:r>
+              <a:rPr lang="en-US" sz="4400" dirty="0">
+                <a:solidFill>
+                  <a:srgbClr val="0000FF"/>
+                </a:solidFill>
+              </a:rPr>
+              <a:t>= 1 </a:t>
+            </a:r>
+            <a:r>
+              <a:rPr lang="en-US" sz="4400" dirty="0"/>
+              <a:t>       (</a:t>
+            </a:r>
+            <a:r>
+              <a:rPr lang="en-US" sz="4400" dirty="0" smtClean="0"/>
+              <a:t>Gambler </a:t>
+            </a:r>
+            <a:r>
+              <a:rPr lang="en-US" sz="4400" dirty="0"/>
+              <a:t>at target)</a:t>
             </a:r>
           </a:p>
         </p:txBody>
@@ -12916,8 +13326,8 @@
         </p:nvSpPr>
         <p:spPr bwMode="auto">
           <a:xfrm>
-            <a:off x="457200" y="4191000"/>
-            <a:ext cx="8153400" cy="1752600"/>
+            <a:off x="685800" y="4191000"/>
+            <a:ext cx="7772400" cy="1371600"/>
           </a:xfrm>
           <a:prstGeom prst="rect">
             <a:avLst/>
@@ -12947,28 +13357,14 @@
               </a:buClr>
             </a:pPr>
             <a:r>
-              <a:rPr lang="en-US" sz="4000" dirty="0"/>
-              <a:t>Solve using generating </a:t>
-            </a:r>
-            <a:r>
-              <a:rPr lang="en-US" sz="4000" dirty="0" smtClean="0"/>
-              <a:t>functions</a:t>
-            </a:r>
-          </a:p>
-          <a:p>
-            <a:pPr marL="342900" indent="-342900" eaLnBrk="1" hangingPunct="1">
-              <a:spcBef>
-                <a:spcPct val="20000"/>
-              </a:spcBef>
-              <a:buClr>
-                <a:schemeClr val="tx1"/>
-              </a:buClr>
-            </a:pPr>
-            <a:r>
-              <a:rPr lang="en-US" sz="4000" dirty="0" smtClean="0"/>
-              <a:t>and get:</a:t>
-            </a:r>
-            <a:endParaRPr lang="en-US" sz="4000" dirty="0"/>
+              <a:rPr lang="en-US" sz="5400" dirty="0"/>
+              <a:t>Solve </a:t>
+            </a:r>
+            <a:r>
+              <a:rPr lang="en-US" sz="5400" dirty="0" smtClean="0"/>
+              <a:t>as usual and get:</a:t>
+            </a:r>
+            <a:endParaRPr lang="en-US" sz="5400" dirty="0"/>
           </a:p>
         </p:txBody>
       </p:sp>
@@ -13019,15 +13415,7 @@
             </a:pPr>
             <a:r>
               <a:rPr lang="en-US" dirty="0" smtClean="0"/>
-              <a:t>Albert R Meyer,                </a:t>
-            </a:r>
-            <a:r>
-              <a:rPr lang="en-US" dirty="0" smtClean="0"/>
-              <a:t>December 14, </a:t>
-            </a:r>
-            <a:r>
-              <a:rPr lang="en-US" dirty="0" smtClean="0"/>
-              <a:t>2011</a:t>
+              <a:t>Albert R Meyer,                December 14, 2011</a:t>
             </a:r>
             <a:endParaRPr lang="en-US" dirty="0"/>
           </a:p>
@@ -13075,7 +13463,7 @@
                                         <p:tgtEl>
                                           <p:spTgt spid="33798">
                                             <p:txEl>
-                                              <p:pRg st="1" end="1"/>
+                                              <p:pRg st="0" end="0"/>
                                             </p:txEl>
                                           </p:spTgt>
                                         </p:tgtEl>
@@ -13093,7 +13481,7 @@
                                         <p:tgtEl>
                                           <p:spTgt spid="33798">
                                             <p:txEl>
-                                              <p:pRg st="1" end="1"/>
+                                              <p:pRg st="0" end="0"/>
                                             </p:txEl>
                                           </p:spTgt>
                                         </p:tgtEl>
@@ -13136,7 +13524,7 @@
                                         <p:tgtEl>
                                           <p:spTgt spid="33798">
                                             <p:txEl>
-                                              <p:pRg st="2" end="2"/>
+                                              <p:pRg st="1" end="1"/>
                                             </p:txEl>
                                           </p:spTgt>
                                         </p:tgtEl>
@@ -13154,7 +13542,7 @@
                                         <p:tgtEl>
                                           <p:spTgt spid="33798">
                                             <p:txEl>
-                                              <p:pRg st="2" end="2"/>
+                                              <p:pRg st="1" end="1"/>
                                             </p:txEl>
                                           </p:spTgt>
                                         </p:tgtEl>
@@ -13182,7 +13570,7 @@
                             </p:stCondLst>
                             <p:childTnLst>
                               <p:par>
-                                <p:cTn id="15" presetID="9" presetClass="entr" presetSubtype="0" fill="hold" grpId="0" nodeType="clickEffect">
+                                <p:cTn id="15" presetID="22" presetClass="entr" presetSubtype="8" fill="hold" grpId="0" nodeType="clickEffect">
                                   <p:stCondLst>
                                     <p:cond delay="0"/>
                                   </p:stCondLst>
@@ -13190,6 +13578,67 @@
                                     <p:set>
                                       <p:cBhvr>
                                         <p:cTn id="16" dur="1" fill="hold">
+                                          <p:stCondLst>
+                                            <p:cond delay="0"/>
+                                          </p:stCondLst>
+                                        </p:cTn>
+                                        <p:tgtEl>
+                                          <p:spTgt spid="33798">
+                                            <p:txEl>
+                                              <p:pRg st="2" end="2"/>
+                                            </p:txEl>
+                                          </p:spTgt>
+                                        </p:tgtEl>
+                                        <p:attrNameLst>
+                                          <p:attrName>style.visibility</p:attrName>
+                                        </p:attrNameLst>
+                                      </p:cBhvr>
+                                      <p:to>
+                                        <p:strVal val="visible"/>
+                                      </p:to>
+                                    </p:set>
+                                    <p:animEffect transition="in" filter="wipe(left)">
+                                      <p:cBhvr>
+                                        <p:cTn id="17" dur="500"/>
+                                        <p:tgtEl>
+                                          <p:spTgt spid="33798">
+                                            <p:txEl>
+                                              <p:pRg st="2" end="2"/>
+                                            </p:txEl>
+                                          </p:spTgt>
+                                        </p:tgtEl>
+                                      </p:cBhvr>
+                                    </p:animEffect>
+                                  </p:childTnLst>
+                                </p:cTn>
+                              </p:par>
+                            </p:childTnLst>
+                          </p:cTn>
+                        </p:par>
+                      </p:childTnLst>
+                    </p:cTn>
+                  </p:par>
+                  <p:par>
+                    <p:cTn id="18" fill="hold">
+                      <p:stCondLst>
+                        <p:cond delay="indefinite"/>
+                      </p:stCondLst>
+                      <p:childTnLst>
+                        <p:par>
+                          <p:cTn id="19" fill="hold">
+                            <p:stCondLst>
+                              <p:cond delay="0"/>
+                            </p:stCondLst>
+                            <p:childTnLst>
+                              <p:par>
+                                <p:cTn id="20" presetID="9" presetClass="entr" presetSubtype="0" fill="hold" grpId="0" nodeType="clickEffect">
+                                  <p:stCondLst>
+                                    <p:cond delay="0"/>
+                                  </p:stCondLst>
+                                  <p:childTnLst>
+                                    <p:set>
+                                      <p:cBhvr>
+                                        <p:cTn id="21" dur="1" fill="hold">
                                           <p:stCondLst>
                                             <p:cond delay="0"/>
                                           </p:stCondLst>
@@ -13207,7 +13656,7 @@
                                     </p:set>
                                     <p:animEffect transition="in" filter="dissolve">
                                       <p:cBhvr>
-                                        <p:cTn id="17" dur="500"/>
+                                        <p:cTn id="22" dur="500"/>
                                         <p:tgtEl>
                                           <p:spTgt spid="20484"/>
                                         </p:tgtEl>
@@ -13251,7 +13700,236 @@
 </p:sld>
 </file>
 
-<file path=ppt/slides/slide19.xml><?xml version="1.0" encoding="utf-8"?>
+<file path=ppt/slides/slide2.xml><?xml version="1.0" encoding="utf-8"?>
+<p:sld xmlns:a="http://schemas.openxmlformats.org/drawingml/2006/main" xmlns:r="http://schemas.openxmlformats.org/officeDocument/2006/relationships" xmlns:p="http://schemas.openxmlformats.org/presentationml/2006/main" show="0">
+  <p:cSld>
+    <p:spTree>
+      <p:nvGrpSpPr>
+        <p:cNvPr id="1" name=""/>
+        <p:cNvGrpSpPr/>
+        <p:nvPr/>
+      </p:nvGrpSpPr>
+      <p:grpSpPr>
+        <a:xfrm>
+          <a:off x="0" y="0"/>
+          <a:ext cx="0" cy="0"/>
+          <a:chOff x="0" y="0"/>
+          <a:chExt cx="0" cy="0"/>
+        </a:xfrm>
+      </p:grpSpPr>
+      <p:sp>
+        <p:nvSpPr>
+          <p:cNvPr id="4" name="Date Placeholder 3"/>
+          <p:cNvSpPr>
+            <a:spLocks noGrp="1"/>
+          </p:cNvSpPr>
+          <p:nvPr>
+            <p:ph type="dt" sz="half" idx="2"/>
+          </p:nvPr>
+        </p:nvSpPr>
+        <p:spPr>
+          <a:xfrm>
+            <a:off x="2781300" y="6627205"/>
+            <a:ext cx="3581400" cy="228600"/>
+          </a:xfrm>
+        </p:spPr>
+        <p:txBody>
+          <a:bodyPr/>
+          <a:lstStyle/>
+          <a:p>
+            <a:pPr>
+              <a:defRPr/>
+            </a:pPr>
+            <a:r>
+              <a:rPr lang="en-US" dirty="0" smtClean="0"/>
+              <a:t>May 9, 2011</a:t>
+            </a:r>
+            <a:endParaRPr lang="en-US" dirty="0"/>
+          </a:p>
+        </p:txBody>
+      </p:sp>
+      <p:sp>
+        <p:nvSpPr>
+          <p:cNvPr id="5" name="Slide Number Placeholder 4"/>
+          <p:cNvSpPr>
+            <a:spLocks noGrp="1"/>
+          </p:cNvSpPr>
+          <p:nvPr>
+            <p:ph type="sldNum" sz="quarter" idx="12"/>
+          </p:nvPr>
+        </p:nvSpPr>
+        <p:spPr/>
+        <p:txBody>
+          <a:bodyPr/>
+          <a:lstStyle/>
+          <a:p>
+            <a:pPr>
+              <a:defRPr/>
+            </a:pPr>
+            <a:r>
+              <a:rPr lang="en-US" dirty="0" err="1" smtClean="0"/>
+              <a:t>Lec</a:t>
+            </a:r>
+            <a:r>
+              <a:rPr lang="en-US" dirty="0" smtClean="0"/>
+              <a:t> 15W.</a:t>
+            </a:r>
+            <a:fld id="{E877D3CB-F960-BD47-98A7-06971C504846}" type="slidenum">
+              <a:rPr lang="en-US" smtClean="0"/>
+              <a:pPr>
+                <a:defRPr/>
+              </a:pPr>
+              <a:t>2</a:t>
+            </a:fld>
+            <a:endParaRPr lang="en-US" dirty="0" smtClean="0"/>
+          </a:p>
+          <a:p>
+            <a:pPr>
+              <a:defRPr/>
+            </a:pPr>
+            <a:endParaRPr lang="en-US" dirty="0"/>
+          </a:p>
+        </p:txBody>
+      </p:sp>
+      <p:sp>
+        <p:nvSpPr>
+          <p:cNvPr id="6" name="Rectangle 2"/>
+          <p:cNvSpPr txBox="1">
+            <a:spLocks noChangeArrowheads="1"/>
+          </p:cNvSpPr>
+          <p:nvPr/>
+        </p:nvSpPr>
+        <p:spPr bwMode="auto">
+          <a:xfrm>
+            <a:off x="833438" y="1905000"/>
+            <a:ext cx="7472362" cy="1143000"/>
+          </a:xfrm>
+          <a:prstGeom prst="rect">
+            <a:avLst/>
+          </a:prstGeom>
+          <a:noFill/>
+          <a:ln w="9525">
+            <a:noFill/>
+            <a:miter lim="800000"/>
+            <a:headEnd/>
+            <a:tailEnd/>
+          </a:ln>
+        </p:spPr>
+        <p:txBody>
+          <a:bodyPr vert="horz" wrap="square" lIns="91440" tIns="45720" rIns="91440" bIns="45720" numCol="1" anchor="ctr" anchorCtr="0" compatLnSpc="1">
+            <a:prstTxWarp prst="textNoShape">
+              <a:avLst/>
+            </a:prstTxWarp>
+          </a:bodyPr>
+          <a:lstStyle/>
+          <a:p>
+            <a:pPr marL="0" marR="0" lvl="0" indent="0" algn="ctr" defTabSz="914400" rtl="0" eaLnBrk="1" fontAlgn="base" latinLnBrk="0" hangingPunct="1">
+              <a:lnSpc>
+                <a:spcPct val="100000"/>
+              </a:lnSpc>
+              <a:spcBef>
+                <a:spcPct val="0"/>
+              </a:spcBef>
+              <a:spcAft>
+                <a:spcPct val="0"/>
+              </a:spcAft>
+              <a:buClrTx/>
+              <a:buSzTx/>
+              <a:buFontTx/>
+              <a:buNone/>
+              <a:tabLst/>
+              <a:defRPr/>
+            </a:pPr>
+            <a:r>
+              <a:rPr kumimoji="0" lang="en-US" sz="6600" b="1" i="0" u="none" strike="noStrike" kern="0" cap="none" spc="0" normalizeH="0" baseline="0" noProof="0" dirty="0" smtClean="0">
+                <a:ln>
+                  <a:noFill/>
+                </a:ln>
+                <a:solidFill>
+                  <a:schemeClr val="tx2"/>
+                </a:solidFill>
+                <a:effectLst/>
+                <a:uLnTx/>
+                <a:uFillTx/>
+                <a:latin typeface="+mj-lt"/>
+                <a:ea typeface="+mj-ea"/>
+                <a:cs typeface="ＭＳ Ｐゴシック" pitchFamily="-111" charset="-128"/>
+              </a:rPr>
+              <a:t>Gambler’s Ruin</a:t>
+            </a:r>
+            <a:endParaRPr kumimoji="0" lang="en-US" sz="6600" b="1" i="0" u="none" strike="noStrike" kern="0" cap="none" spc="0" normalizeH="0" baseline="0" noProof="0" dirty="0">
+              <a:ln>
+                <a:noFill/>
+              </a:ln>
+              <a:solidFill>
+                <a:schemeClr val="tx2"/>
+              </a:solidFill>
+              <a:effectLst/>
+              <a:uLnTx/>
+              <a:uFillTx/>
+              <a:latin typeface="+mj-lt"/>
+              <a:ea typeface="+mj-ea"/>
+              <a:cs typeface="ＭＳ Ｐゴシック" pitchFamily="-111" charset="-128"/>
+            </a:endParaRPr>
+          </a:p>
+        </p:txBody>
+      </p:sp>
+      <p:sp>
+        <p:nvSpPr>
+          <p:cNvPr id="7" name="Rectangle 2"/>
+          <p:cNvSpPr>
+            <a:spLocks noGrp="1" noChangeArrowheads="1"/>
+          </p:cNvSpPr>
+          <p:nvPr>
+            <p:ph type="title"/>
+          </p:nvPr>
+        </p:nvSpPr>
+        <p:spPr>
+          <a:xfrm>
+            <a:off x="1752600" y="3276600"/>
+            <a:ext cx="5715000" cy="1143000"/>
+          </a:xfrm>
+        </p:spPr>
+        <p:txBody>
+          <a:bodyPr/>
+          <a:lstStyle/>
+          <a:p>
+            <a:pPr eaLnBrk="1" hangingPunct="1"/>
+            <a:r>
+              <a:rPr lang="en-US" dirty="0" smtClean="0"/>
+              <a:t>(let’s go </a:t>
+            </a:r>
+            <a:r>
+              <a:rPr lang="en-US" dirty="0"/>
+              <a:t>to </a:t>
+            </a:r>
+            <a:r>
+              <a:rPr lang="en-US" dirty="0" smtClean="0"/>
+              <a:t>Vegas)</a:t>
+            </a:r>
+            <a:endParaRPr lang="en-US" dirty="0"/>
+          </a:p>
+        </p:txBody>
+      </p:sp>
+    </p:spTree>
+  </p:cSld>
+  <p:clrMapOvr>
+    <a:masterClrMapping/>
+  </p:clrMapOvr>
+  <p:transition xmlns:p14="http://schemas.microsoft.com/office/powerpoint/2010/main" spd="slow">
+    <p:fade thruBlk="1"/>
+  </p:transition>
+  <p:timing>
+    <p:tnLst>
+      <p:par>
+        <p:cTn xmlns:p14="http://schemas.microsoft.com/office/powerpoint/2010/main" id="1" dur="indefinite" restart="never" nodeType="tmRoot"/>
+      </p:par>
+    </p:tnLst>
+  </p:timing>
+</p:sld>
+</file>
+
+<file path=ppt/slides/slide20.xml><?xml version="1.0" encoding="utf-8"?>
 <p:sld xmlns:a="http://schemas.openxmlformats.org/drawingml/2006/main" xmlns:r="http://schemas.openxmlformats.org/officeDocument/2006/relationships" xmlns:p="http://schemas.openxmlformats.org/presentationml/2006/main">
   <p:cSld>
     <p:spTree>
@@ -13291,16 +13969,12 @@
             </a:r>
             <a:r>
               <a:rPr lang="en-US" dirty="0" smtClean="0"/>
-              <a:t> </a:t>
-            </a:r>
-            <a:r>
-              <a:rPr lang="en-US" dirty="0" smtClean="0"/>
-              <a:t>15W.</a:t>
+              <a:t> 15W.</a:t>
             </a:r>
             <a:fld id="{F71DCE68-83CD-E84B-A3DE-B86BB2400F98}" type="slidenum">
               <a:rPr lang="en-US" smtClean="0"/>
               <a:pPr/>
-              <a:t>19</a:t>
+              <a:t>20</a:t>
             </a:fld>
             <a:endParaRPr lang="en-US" dirty="0"/>
           </a:p>
@@ -13616,15 +14290,7 @@
             </a:pPr>
             <a:r>
               <a:rPr lang="en-US" dirty="0" smtClean="0"/>
-              <a:t>Albert R Meyer,                </a:t>
-            </a:r>
-            <a:r>
-              <a:rPr lang="en-US" dirty="0" smtClean="0"/>
-              <a:t>December 14, </a:t>
-            </a:r>
-            <a:r>
-              <a:rPr lang="en-US" dirty="0" smtClean="0"/>
-              <a:t>2011</a:t>
+              <a:t>Albert R Meyer,                December 14, 2011</a:t>
             </a:r>
             <a:endParaRPr lang="en-US" dirty="0"/>
           </a:p>
@@ -13674,7 +14340,7 @@
           <a:graphicData uri="http://schemas.openxmlformats.org/presentationml/2006/ole">
             <mc:AlternateContent xmlns:mc="http://schemas.openxmlformats.org/markup-compatibility/2006">
               <mc:Choice xmlns:v="urn:schemas-microsoft-com:vml" Requires="v">
-                <p:oleObj spid="_x0000_s58378" name="Equation" r:id="rId4" imgW="1028700" imgH="469900" progId="Equation.DSMT4">
+                <p:oleObj spid="_x0000_s58383" name="Equation" r:id="rId4" imgW="1028700" imgH="469900" progId="Equation.DSMT4">
                   <p:embed/>
                 </p:oleObj>
               </mc:Choice>
@@ -13744,7 +14410,7 @@
           <a:graphicData uri="http://schemas.openxmlformats.org/presentationml/2006/ole">
             <mc:AlternateContent xmlns:mc="http://schemas.openxmlformats.org/markup-compatibility/2006">
               <mc:Choice xmlns:v="urn:schemas-microsoft-com:vml" Requires="v">
-                <p:oleObj spid="_x0000_s58379" name="Equation" r:id="rId6" imgW="812800" imgH="469900" progId="Equation.DSMT4">
+                <p:oleObj spid="_x0000_s58384" name="Equation" r:id="rId6" imgW="812800" imgH="469900" progId="Equation.DSMT4">
                   <p:embed/>
                 </p:oleObj>
               </mc:Choice>
@@ -14068,240 +14734,7 @@
 </p:sld>
 </file>
 
-<file path=ppt/slides/slide2.xml><?xml version="1.0" encoding="utf-8"?>
-<p:sld xmlns:a="http://schemas.openxmlformats.org/drawingml/2006/main" xmlns:r="http://schemas.openxmlformats.org/officeDocument/2006/relationships" xmlns:p="http://schemas.openxmlformats.org/presentationml/2006/main" show="0">
-  <p:cSld>
-    <p:spTree>
-      <p:nvGrpSpPr>
-        <p:cNvPr id="1" name=""/>
-        <p:cNvGrpSpPr/>
-        <p:nvPr/>
-      </p:nvGrpSpPr>
-      <p:grpSpPr>
-        <a:xfrm>
-          <a:off x="0" y="0"/>
-          <a:ext cx="0" cy="0"/>
-          <a:chOff x="0" y="0"/>
-          <a:chExt cx="0" cy="0"/>
-        </a:xfrm>
-      </p:grpSpPr>
-      <p:sp>
-        <p:nvSpPr>
-          <p:cNvPr id="4" name="Date Placeholder 3"/>
-          <p:cNvSpPr>
-            <a:spLocks noGrp="1"/>
-          </p:cNvSpPr>
-          <p:nvPr>
-            <p:ph type="dt" sz="half" idx="2"/>
-          </p:nvPr>
-        </p:nvSpPr>
-        <p:spPr>
-          <a:xfrm>
-            <a:off x="2781300" y="6627205"/>
-            <a:ext cx="3581400" cy="228600"/>
-          </a:xfrm>
-        </p:spPr>
-        <p:txBody>
-          <a:bodyPr/>
-          <a:lstStyle/>
-          <a:p>
-            <a:pPr>
-              <a:defRPr/>
-            </a:pPr>
-            <a:r>
-              <a:rPr lang="en-US" dirty="0" smtClean="0"/>
-              <a:t>May 9, 2011</a:t>
-            </a:r>
-            <a:endParaRPr lang="en-US" dirty="0"/>
-          </a:p>
-        </p:txBody>
-      </p:sp>
-      <p:sp>
-        <p:nvSpPr>
-          <p:cNvPr id="5" name="Slide Number Placeholder 4"/>
-          <p:cNvSpPr>
-            <a:spLocks noGrp="1"/>
-          </p:cNvSpPr>
-          <p:nvPr>
-            <p:ph type="sldNum" sz="quarter" idx="12"/>
-          </p:nvPr>
-        </p:nvSpPr>
-        <p:spPr/>
-        <p:txBody>
-          <a:bodyPr/>
-          <a:lstStyle/>
-          <a:p>
-            <a:pPr>
-              <a:defRPr/>
-            </a:pPr>
-            <a:r>
-              <a:rPr lang="en-US" dirty="0" err="1" smtClean="0"/>
-              <a:t>Lec</a:t>
-            </a:r>
-            <a:r>
-              <a:rPr lang="en-US" dirty="0" smtClean="0"/>
-              <a:t> </a:t>
-            </a:r>
-            <a:r>
-              <a:rPr lang="en-US" dirty="0" smtClean="0"/>
-              <a:t>15W.</a:t>
-            </a:r>
-            <a:fld id="{E877D3CB-F960-BD47-98A7-06971C504846}" type="slidenum">
-              <a:rPr lang="en-US" smtClean="0"/>
-              <a:pPr>
-                <a:defRPr/>
-              </a:pPr>
-              <a:t>2</a:t>
-            </a:fld>
-            <a:endParaRPr lang="en-US" dirty="0" smtClean="0"/>
-          </a:p>
-          <a:p>
-            <a:pPr>
-              <a:defRPr/>
-            </a:pPr>
-            <a:endParaRPr lang="en-US" dirty="0"/>
-          </a:p>
-        </p:txBody>
-      </p:sp>
-      <p:sp>
-        <p:nvSpPr>
-          <p:cNvPr id="6" name="Rectangle 2"/>
-          <p:cNvSpPr txBox="1">
-            <a:spLocks noChangeArrowheads="1"/>
-          </p:cNvSpPr>
-          <p:nvPr/>
-        </p:nvSpPr>
-        <p:spPr bwMode="auto">
-          <a:xfrm>
-            <a:off x="833438" y="1905000"/>
-            <a:ext cx="7472362" cy="1143000"/>
-          </a:xfrm>
-          <a:prstGeom prst="rect">
-            <a:avLst/>
-          </a:prstGeom>
-          <a:noFill/>
-          <a:ln w="9525">
-            <a:noFill/>
-            <a:miter lim="800000"/>
-            <a:headEnd/>
-            <a:tailEnd/>
-          </a:ln>
-        </p:spPr>
-        <p:txBody>
-          <a:bodyPr vert="horz" wrap="square" lIns="91440" tIns="45720" rIns="91440" bIns="45720" numCol="1" anchor="ctr" anchorCtr="0" compatLnSpc="1">
-            <a:prstTxWarp prst="textNoShape">
-              <a:avLst/>
-            </a:prstTxWarp>
-          </a:bodyPr>
-          <a:lstStyle/>
-          <a:p>
-            <a:pPr marL="0" marR="0" lvl="0" indent="0" algn="ctr" defTabSz="914400" rtl="0" eaLnBrk="1" fontAlgn="base" latinLnBrk="0" hangingPunct="1">
-              <a:lnSpc>
-                <a:spcPct val="100000"/>
-              </a:lnSpc>
-              <a:spcBef>
-                <a:spcPct val="0"/>
-              </a:spcBef>
-              <a:spcAft>
-                <a:spcPct val="0"/>
-              </a:spcAft>
-              <a:buClrTx/>
-              <a:buSzTx/>
-              <a:buFontTx/>
-              <a:buNone/>
-              <a:tabLst/>
-              <a:defRPr/>
-            </a:pPr>
-            <a:r>
-              <a:rPr kumimoji="0" lang="en-US" sz="6600" b="1" i="0" u="none" strike="noStrike" kern="0" cap="none" spc="0" normalizeH="0" baseline="0" noProof="0" dirty="0" smtClean="0">
-                <a:ln>
-                  <a:noFill/>
-                </a:ln>
-                <a:solidFill>
-                  <a:schemeClr val="tx2"/>
-                </a:solidFill>
-                <a:effectLst/>
-                <a:uLnTx/>
-                <a:uFillTx/>
-                <a:latin typeface="+mj-lt"/>
-                <a:ea typeface="+mj-ea"/>
-                <a:cs typeface="ＭＳ Ｐゴシック" pitchFamily="-111" charset="-128"/>
-              </a:rPr>
-              <a:t>Gambler’s Ruin</a:t>
-            </a:r>
-            <a:endParaRPr kumimoji="0" lang="en-US" sz="6600" b="1" i="0" u="none" strike="noStrike" kern="0" cap="none" spc="0" normalizeH="0" baseline="0" noProof="0" dirty="0">
-              <a:ln>
-                <a:noFill/>
-              </a:ln>
-              <a:solidFill>
-                <a:schemeClr val="tx2"/>
-              </a:solidFill>
-              <a:effectLst/>
-              <a:uLnTx/>
-              <a:uFillTx/>
-              <a:latin typeface="+mj-lt"/>
-              <a:ea typeface="+mj-ea"/>
-              <a:cs typeface="ＭＳ Ｐゴシック" pitchFamily="-111" charset="-128"/>
-            </a:endParaRPr>
-          </a:p>
-        </p:txBody>
-      </p:sp>
-      <p:sp>
-        <p:nvSpPr>
-          <p:cNvPr id="7" name="Rectangle 2"/>
-          <p:cNvSpPr>
-            <a:spLocks noGrp="1" noChangeArrowheads="1"/>
-          </p:cNvSpPr>
-          <p:nvPr>
-            <p:ph type="title"/>
-          </p:nvPr>
-        </p:nvSpPr>
-        <p:spPr>
-          <a:xfrm>
-            <a:off x="1752600" y="3276600"/>
-            <a:ext cx="5715000" cy="1143000"/>
-          </a:xfrm>
-        </p:spPr>
-        <p:txBody>
-          <a:bodyPr/>
-          <a:lstStyle/>
-          <a:p>
-            <a:pPr eaLnBrk="1" hangingPunct="1"/>
-            <a:r>
-              <a:rPr lang="en-US" dirty="0" smtClean="0"/>
-              <a:t>(let’s go </a:t>
-            </a:r>
-            <a:r>
-              <a:rPr lang="en-US" dirty="0"/>
-              <a:t>to </a:t>
-            </a:r>
-            <a:r>
-              <a:rPr lang="en-US" dirty="0" smtClean="0"/>
-              <a:t>Vegas)</a:t>
-            </a:r>
-            <a:endParaRPr lang="en-US" dirty="0"/>
-          </a:p>
-        </p:txBody>
-      </p:sp>
-    </p:spTree>
-  </p:cSld>
-  <p:clrMapOvr>
-    <a:masterClrMapping/>
-  </p:clrMapOvr>
-  <p:transition xmlns:p14="http://schemas.microsoft.com/office/powerpoint/2010/main" spd="slow">
-    <p:fade thruBlk="1"/>
-  </p:transition>
-  <p:timing>
-    <p:tnLst>
-      <p:par>
-        <p:cTn xmlns:p14="http://schemas.microsoft.com/office/powerpoint/2010/main" id="1" dur="indefinite" restart="never" nodeType="tmRoot"/>
-      </p:par>
-    </p:tnLst>
-  </p:timing>
-</p:sld>
-</file>
-
-<file path=ppt/slides/slide20.xml><?xml version="1.0" encoding="utf-8"?>
+<file path=ppt/slides/slide21.xml><?xml version="1.0" encoding="utf-8"?>
 <p:sld xmlns:a="http://schemas.openxmlformats.org/drawingml/2006/main" xmlns:r="http://schemas.openxmlformats.org/officeDocument/2006/relationships" xmlns:p="http://schemas.openxmlformats.org/presentationml/2006/main">
   <p:cSld>
     <p:spTree>
@@ -14341,16 +14774,12 @@
             </a:r>
             <a:r>
               <a:rPr lang="en-US" dirty="0" smtClean="0"/>
-              <a:t> </a:t>
-            </a:r>
-            <a:r>
-              <a:rPr lang="en-US" dirty="0" smtClean="0"/>
-              <a:t>15W.</a:t>
+              <a:t> 15W.</a:t>
             </a:r>
             <a:fld id="{DAF848F9-8936-D246-AA1C-2FD33CAFBEED}" type="slidenum">
               <a:rPr lang="en-US" smtClean="0"/>
               <a:pPr/>
-              <a:t>20</a:t>
+              <a:t>21</a:t>
             </a:fld>
             <a:endParaRPr lang="en-US" dirty="0"/>
           </a:p>
@@ -14392,8 +14821,8 @@
         </p:nvSpPr>
         <p:spPr bwMode="auto">
           <a:xfrm>
-            <a:off x="685800" y="5181600"/>
-            <a:ext cx="7848600" cy="685800"/>
+            <a:off x="304800" y="5105400"/>
+            <a:ext cx="8610600" cy="914400"/>
           </a:xfrm>
           <a:prstGeom prst="rect">
             <a:avLst/>
@@ -14439,19 +14868,42 @@
             </a:r>
             <a:r>
               <a:rPr lang="en-US" sz="4400" dirty="0"/>
-              <a:t> &lt; </a:t>
+              <a:t> </a:t>
+            </a:r>
+            <a:r>
+              <a:rPr lang="en-US" sz="4400" b="1" dirty="0">
+                <a:latin typeface="Euclid Symbol" charset="2"/>
+                <a:cs typeface="Euclid Symbol" charset="2"/>
+              </a:rPr>
+              <a:t>&lt;</a:t>
+            </a:r>
+            <a:r>
+              <a:rPr lang="en-US" sz="4400" dirty="0">
+                <a:latin typeface="Euclid Symbol" charset="2"/>
+                <a:cs typeface="Euclid Symbol" charset="2"/>
+              </a:rPr>
+              <a:t> </a:t>
             </a:r>
             <a:r>
               <a:rPr lang="en-US" sz="4400" dirty="0" err="1" smtClean="0">
                 <a:solidFill>
                   <a:srgbClr val="CC0000"/>
                 </a:solidFill>
+                <a:latin typeface="Comic Sans MS"/>
+                <a:cs typeface="Comic Sans MS"/>
               </a:rPr>
               <a:t>q</a:t>
             </a:r>
             <a:r>
+              <a:rPr lang="en-US" sz="4400" dirty="0" smtClean="0">
+                <a:latin typeface="Euclid Symbol" charset="2"/>
+                <a:cs typeface="Euclid Symbol" charset="2"/>
+              </a:rPr>
+              <a:t>,</a:t>
+            </a:r>
+            <a:r>
               <a:rPr lang="en-US" sz="4400" dirty="0" smtClean="0"/>
-              <a:t>, so </a:t>
+              <a:t> so </a:t>
             </a:r>
             <a:r>
               <a:rPr lang="en-US" altLang="ja-JP" sz="4400" dirty="0" err="1">
@@ -14494,8 +14946,15 @@
               <a:t> </a:t>
             </a:r>
             <a:r>
+              <a:rPr lang="en-US" altLang="ja-JP" sz="4400" b="1" dirty="0">
+                <a:latin typeface="Euclid Symbol" charset="2"/>
+                <a:cs typeface="Euclid Symbol" charset="2"/>
+              </a:rPr>
+              <a:t>&gt;</a:t>
+            </a:r>
+            <a:r>
               <a:rPr lang="en-US" altLang="ja-JP" sz="4400" dirty="0"/>
-              <a:t>&gt; 1</a:t>
+              <a:t> 1</a:t>
             </a:r>
             <a:r>
               <a:rPr lang="en-US" altLang="ja-JP" sz="4400" dirty="0" smtClean="0"/>
@@ -14552,15 +15011,7 @@
             </a:pPr>
             <a:r>
               <a:rPr lang="en-US" dirty="0" smtClean="0"/>
-              <a:t>Albert R Meyer,                </a:t>
-            </a:r>
-            <a:r>
-              <a:rPr lang="en-US" dirty="0" smtClean="0"/>
-              <a:t>December 14, </a:t>
-            </a:r>
-            <a:r>
-              <a:rPr lang="en-US" dirty="0" smtClean="0"/>
-              <a:t>2011</a:t>
+              <a:t>Albert R Meyer,                December 14, 2011</a:t>
             </a:r>
             <a:endParaRPr lang="en-US" dirty="0"/>
           </a:p>
@@ -14582,7 +15033,7 @@
           <a:graphicData uri="http://schemas.openxmlformats.org/presentationml/2006/ole">
             <mc:AlternateContent xmlns:mc="http://schemas.openxmlformats.org/markup-compatibility/2006">
               <mc:Choice xmlns:v="urn:schemas-microsoft-com:vml" Requires="v">
-                <p:oleObj spid="_x0000_s60429" name="Equation" r:id="rId4" imgW="812800" imgH="469900" progId="Equation.DSMT4">
+                <p:oleObj spid="_x0000_s60442" name="Equation" r:id="rId4" imgW="812800" imgH="469900" progId="Equation.DSMT4">
                   <p:embed/>
                 </p:oleObj>
               </mc:Choice>
@@ -14666,7 +15117,7 @@
           <a:graphicData uri="http://schemas.openxmlformats.org/presentationml/2006/ole">
             <mc:AlternateContent xmlns:mc="http://schemas.openxmlformats.org/markup-compatibility/2006">
               <mc:Choice xmlns:v="urn:schemas-microsoft-com:vml" Requires="v">
-                <p:oleObj spid="_x0000_s60430" name="Equation" r:id="rId6" imgW="368300" imgH="469900" progId="Equation.DSMT4">
+                <p:oleObj spid="_x0000_s60443" name="Equation" r:id="rId6" imgW="368300" imgH="469900" progId="Equation.DSMT4">
                   <p:embed/>
                 </p:oleObj>
               </mc:Choice>
@@ -14750,7 +15201,7 @@
           <a:graphicData uri="http://schemas.openxmlformats.org/presentationml/2006/ole">
             <mc:AlternateContent xmlns:mc="http://schemas.openxmlformats.org/markup-compatibility/2006">
               <mc:Choice xmlns:v="urn:schemas-microsoft-com:vml" Requires="v">
-                <p:oleObj spid="_x0000_s60431" name="Equation" r:id="rId8" imgW="571500" imgH="596900" progId="Equation.DSMT4">
+                <p:oleObj spid="_x0000_s60444" name="Equation" r:id="rId8" imgW="571500" imgH="596900" progId="Equation.DSMT4">
                   <p:embed/>
                 </p:oleObj>
               </mc:Choice>
@@ -14940,9 +15391,6 @@
                     <p:cTn id="3" fill="hold">
                       <p:stCondLst>
                         <p:cond delay="indefinite"/>
-                        <p:cond evt="onBegin" delay="0">
-                          <p:tn val="2"/>
-                        </p:cond>
                       </p:stCondLst>
                       <p:childTnLst>
                         <p:par>
@@ -14952,7 +15400,7 @@
                             </p:stCondLst>
                             <p:childTnLst>
                               <p:par>
-                                <p:cTn id="5" presetID="10" presetClass="entr" presetSubtype="0" fill="hold" grpId="0" nodeType="afterEffect">
+                                <p:cTn id="5" presetID="2" presetClass="entr" presetSubtype="1" fill="hold" grpId="0" nodeType="clickEffect">
                                   <p:stCondLst>
                                     <p:cond delay="0"/>
                                   </p:stCondLst>
@@ -14975,37 +15423,66 @@
                                         <p:strVal val="visible"/>
                                       </p:to>
                                     </p:set>
-                                    <p:animEffect transition="in" filter="fade">
-                                      <p:cBhvr>
-                                        <p:cTn id="7" dur="500"/>
+                                    <p:anim calcmode="lin" valueType="num">
+                                      <p:cBhvr additive="base">
+                                        <p:cTn id="7" dur="500" fill="hold"/>
                                         <p:tgtEl>
                                           <p:spTgt spid="62469"/>
                                         </p:tgtEl>
+                                        <p:attrNameLst>
+                                          <p:attrName>ppt_x</p:attrName>
+                                        </p:attrNameLst>
                                       </p:cBhvr>
-                                    </p:animEffect>
+                                      <p:tavLst>
+                                        <p:tav tm="0">
+                                          <p:val>
+                                            <p:strVal val="#ppt_x"/>
+                                          </p:val>
+                                        </p:tav>
+                                        <p:tav tm="100000">
+                                          <p:val>
+                                            <p:strVal val="#ppt_x"/>
+                                          </p:val>
+                                        </p:tav>
+                                      </p:tavLst>
+                                    </p:anim>
+                                    <p:anim calcmode="lin" valueType="num">
+                                      <p:cBhvr additive="base">
+                                        <p:cTn id="8" dur="500" fill="hold"/>
+                                        <p:tgtEl>
+                                          <p:spTgt spid="62469"/>
+                                        </p:tgtEl>
+                                        <p:attrNameLst>
+                                          <p:attrName>ppt_y</p:attrName>
+                                        </p:attrNameLst>
+                                      </p:cBhvr>
+                                      <p:tavLst>
+                                        <p:tav tm="0">
+                                          <p:val>
+                                            <p:strVal val="0-#ppt_h/2"/>
+                                          </p:val>
+                                        </p:tav>
+                                        <p:tav tm="100000">
+                                          <p:val>
+                                            <p:strVal val="#ppt_y"/>
+                                          </p:val>
+                                        </p:tav>
+                                      </p:tavLst>
+                                    </p:anim>
                                   </p:childTnLst>
                                 </p:cTn>
                               </p:par>
                             </p:childTnLst>
                           </p:cTn>
                         </p:par>
-                      </p:childTnLst>
-                    </p:cTn>
-                  </p:par>
-                  <p:par>
-                    <p:cTn id="8" fill="hold">
-                      <p:stCondLst>
-                        <p:cond delay="indefinite"/>
-                      </p:stCondLst>
-                      <p:childTnLst>
                         <p:par>
                           <p:cTn id="9" fill="hold">
                             <p:stCondLst>
-                              <p:cond delay="0"/>
+                              <p:cond delay="500"/>
                             </p:stCondLst>
                             <p:childTnLst>
                               <p:par>
-                                <p:cTn id="10" presetID="9" presetClass="entr" presetSubtype="0" fill="hold" grpId="0" nodeType="clickEffect">
+                                <p:cTn id="10" presetID="9" presetClass="entr" presetSubtype="0" fill="hold" grpId="0" nodeType="afterEffect">
                                   <p:stCondLst>
                                     <p:cond delay="0"/>
                                   </p:stCondLst>
@@ -15438,7 +15915,7 @@
 </p:sld>
 </file>
 
-<file path=ppt/slides/slide21.xml><?xml version="1.0" encoding="utf-8"?>
+<file path=ppt/slides/slide22.xml><?xml version="1.0" encoding="utf-8"?>
 <p:sld xmlns:a="http://schemas.openxmlformats.org/drawingml/2006/main" xmlns:r="http://schemas.openxmlformats.org/officeDocument/2006/relationships" xmlns:p="http://schemas.openxmlformats.org/presentationml/2006/main">
   <p:cSld>
     <p:spTree>
@@ -15478,16 +15955,12 @@
             </a:r>
             <a:r>
               <a:rPr lang="en-US" dirty="0" smtClean="0"/>
-              <a:t> </a:t>
-            </a:r>
-            <a:r>
-              <a:rPr lang="en-US" dirty="0" smtClean="0"/>
-              <a:t>15W.</a:t>
+              <a:t> 15W.</a:t>
             </a:r>
             <a:fld id="{E64F7034-A11A-0644-94AE-9DEDC6AA55D3}" type="slidenum">
               <a:rPr lang="en-US" smtClean="0"/>
               <a:pPr/>
-              <a:t>21</a:t>
+              <a:t>22</a:t>
             </a:fld>
             <a:endParaRPr lang="en-US" dirty="0"/>
           </a:p>
@@ -15521,46 +15994,7 @@
       </p:sp>
       <p:sp>
         <p:nvSpPr>
-          <p:cNvPr id="64518" name="Rectangle 3"/>
-          <p:cNvSpPr>
-            <a:spLocks noGrp="1" noChangeArrowheads="1"/>
-          </p:cNvSpPr>
-          <p:nvPr>
-            <p:ph type="body" idx="1"/>
-          </p:nvPr>
-        </p:nvSpPr>
-        <p:spPr>
-          <a:xfrm>
-            <a:off x="685800" y="2743200"/>
-            <a:ext cx="7772400" cy="685800"/>
-          </a:xfrm>
-        </p:spPr>
-        <p:txBody>
-          <a:bodyPr/>
-          <a:lstStyle/>
-          <a:p>
-            <a:pPr eaLnBrk="1" hangingPunct="1">
-              <a:buFontTx/>
-              <a:buNone/>
-            </a:pPr>
-            <a:r>
-              <a:rPr lang="en-US">
-                <a:solidFill>
-                  <a:schemeClr val="accent2"/>
-                </a:solidFill>
-              </a:rPr>
-              <a:t>T-n</a:t>
-            </a:r>
-            <a:r>
-              <a:rPr lang="en-US"/>
-              <a:t> = intended profit</a:t>
-            </a:r>
-          </a:p>
-        </p:txBody>
-      </p:sp>
-      <p:sp>
-        <p:nvSpPr>
-          <p:cNvPr id="64519" name="Rectangle 17"/>
+          <p:cNvPr id="64521" name="Rectangle 25"/>
           <p:cNvSpPr>
             <a:spLocks noChangeArrowheads="1"/>
           </p:cNvSpPr>
@@ -15568,8 +16002,8 @@
         </p:nvSpPr>
         <p:spPr bwMode="auto">
           <a:xfrm>
-            <a:off x="3429000" y="1219200"/>
-            <a:ext cx="2819400" cy="609600"/>
+            <a:off x="609600" y="1524000"/>
+            <a:ext cx="8153400" cy="1015663"/>
           </a:xfrm>
           <a:prstGeom prst="rect">
             <a:avLst/>
@@ -15583,30 +16017,59 @@
           </a:ln>
         </p:spPr>
         <p:txBody>
-          <a:bodyPr>
+          <a:bodyPr wrap="square">
             <a:prstTxWarp prst="textNoShape">
               <a:avLst/>
             </a:prstTxWarp>
+            <a:spAutoFit/>
           </a:bodyPr>
           <a:lstStyle/>
           <a:p>
-            <a:pPr marL="342900" indent="-342900" eaLnBrk="1" hangingPunct="1">
-              <a:lnSpc>
-                <a:spcPct val="90000"/>
-              </a:lnSpc>
-              <a:spcBef>
-                <a:spcPct val="20000"/>
-              </a:spcBef>
-              <a:buClr>
-                <a:schemeClr val="tx1"/>
-              </a:buClr>
-            </a:pPr>
-            <a:r>
-              <a:rPr lang="en-US" sz="3200"/>
+            <a:r>
+              <a:rPr lang="en-US" sz="6000" dirty="0" err="1">
+                <a:solidFill>
+                  <a:srgbClr val="0000FF"/>
+                </a:solidFill>
+              </a:rPr>
+              <a:t>w</a:t>
+            </a:r>
+            <a:r>
+              <a:rPr lang="en-US" sz="6000" baseline="-25000" dirty="0" err="1">
+                <a:solidFill>
+                  <a:srgbClr val="0000FF"/>
+                </a:solidFill>
+              </a:rPr>
+              <a:t>n</a:t>
+            </a:r>
+            <a:r>
+              <a:rPr lang="en-US" sz="6000" dirty="0"/>
+              <a:t> </a:t>
+            </a:r>
+            <a:r>
+              <a:rPr lang="en-US" sz="6000" b="1" dirty="0">
+                <a:latin typeface="Euclid Symbol" charset="2"/>
+                <a:cs typeface="Euclid Symbol" charset="2"/>
+              </a:rPr>
+              <a:t>&lt;</a:t>
+            </a:r>
+            <a:r>
+              <a:rPr lang="en-US" sz="6000" dirty="0" smtClean="0"/>
+              <a:t> </a:t>
+            </a:r>
+            <a:r>
+              <a:rPr lang="en-US" sz="6000" dirty="0"/>
               <a:t>(</a:t>
             </a:r>
             <a:r>
-              <a:rPr lang="en-US" altLang="ja-JP" sz="3200">
+              <a:rPr lang="en-US" sz="6000" dirty="0">
+                <a:solidFill>
+                  <a:srgbClr val="0000FF"/>
+                </a:solidFill>
+              </a:rPr>
+              <a:t>1/</a:t>
+            </a:r>
+            <a:r>
+              <a:rPr lang="en-US" sz="6000" dirty="0">
                 <a:solidFill>
                   <a:srgbClr val="FF00FF"/>
                 </a:solidFill>
@@ -15614,40 +16077,35 @@
               <a:t>r</a:t>
             </a:r>
             <a:r>
-              <a:rPr lang="en-US" altLang="ja-JP" sz="3200"/>
-              <a:t> ::= </a:t>
-            </a:r>
-            <a:r>
-              <a:rPr lang="en-US" altLang="ja-JP" sz="3200">
-                <a:solidFill>
-                  <a:srgbClr val="CC0000"/>
-                </a:solidFill>
-              </a:rPr>
-              <a:t>q</a:t>
-            </a:r>
-            <a:r>
-              <a:rPr lang="en-US" altLang="ja-JP" sz="3200"/>
-              <a:t>/</a:t>
-            </a:r>
-            <a:r>
-              <a:rPr lang="en-US" altLang="ja-JP" sz="3200">
+              <a:rPr lang="en-US" sz="6000" dirty="0">
+                <a:solidFill>
+                  <a:srgbClr val="000000"/>
+                </a:solidFill>
+              </a:rPr>
+              <a:t>)</a:t>
+            </a:r>
+            <a:r>
+              <a:rPr lang="en-US" sz="6000" baseline="30000" dirty="0">
                 <a:solidFill>
                   <a:srgbClr val="008000"/>
                 </a:solidFill>
               </a:rPr>
-              <a:t>p </a:t>
-            </a:r>
-            <a:r>
-              <a:rPr lang="en-US" altLang="ja-JP" sz="3200"/>
-              <a:t>&gt; 1.)</a:t>
-            </a:r>
-            <a:endParaRPr lang="en-US" sz="3200"/>
-          </a:p>
-        </p:txBody>
-      </p:sp>
-      <p:sp>
-        <p:nvSpPr>
-          <p:cNvPr id="64520" name="Rectangle 24"/>
+              <a:t>intended profit</a:t>
+            </a:r>
+            <a:r>
+              <a:rPr lang="en-US" sz="6000" dirty="0"/>
+              <a:t> </a:t>
+            </a:r>
+            <a:r>
+              <a:rPr lang="en-US" sz="4400" dirty="0"/>
+              <a:t>          </a:t>
+            </a:r>
+          </a:p>
+        </p:txBody>
+      </p:sp>
+      <p:sp>
+        <p:nvSpPr>
+          <p:cNvPr id="33818" name="Rectangle 26"/>
           <p:cNvSpPr>
             <a:spLocks noChangeArrowheads="1"/>
           </p:cNvSpPr>
@@ -15655,8 +16113,8 @@
         </p:nvSpPr>
         <p:spPr bwMode="auto">
           <a:xfrm>
-            <a:off x="2743200" y="1981200"/>
-            <a:ext cx="3352800" cy="762000"/>
+            <a:off x="304800" y="2819400"/>
+            <a:ext cx="8534400" cy="1143000"/>
           </a:xfrm>
           <a:prstGeom prst="rect">
             <a:avLst/>
@@ -15674,60 +16132,71 @@
             <a:prstTxWarp prst="textNoShape">
               <a:avLst/>
             </a:prstTxWarp>
-            <a:spAutoFit/>
           </a:bodyPr>
           <a:lstStyle/>
           <a:p>
-            <a:r>
-              <a:rPr lang="en-US" sz="4400">
-                <a:solidFill>
-                  <a:schemeClr val="accent2"/>
+            <a:pPr marL="342900" indent="-342900" eaLnBrk="1" hangingPunct="1">
+              <a:spcBef>
+                <a:spcPct val="20000"/>
+              </a:spcBef>
+              <a:buClr>
+                <a:schemeClr val="tx1"/>
+              </a:buClr>
+            </a:pPr>
+            <a:r>
+              <a:rPr lang="en-US" sz="4400" dirty="0" err="1" smtClean="0">
+                <a:solidFill>
+                  <a:srgbClr val="0000FF"/>
                 </a:solidFill>
               </a:rPr>
               <a:t>w</a:t>
             </a:r>
             <a:r>
-              <a:rPr lang="en-US" sz="4400" baseline="-25000">
-                <a:solidFill>
-                  <a:schemeClr val="accent2"/>
+              <a:rPr lang="en-US" sz="4400" baseline="-25000" dirty="0" err="1" smtClean="0">
+                <a:solidFill>
+                  <a:srgbClr val="0000FF"/>
                 </a:solidFill>
               </a:rPr>
               <a:t>n</a:t>
             </a:r>
             <a:r>
-              <a:rPr lang="en-US" sz="4400"/>
-              <a:t> &lt; (1/</a:t>
-            </a:r>
-            <a:r>
-              <a:rPr lang="en-US" sz="4400">
-                <a:solidFill>
-                  <a:srgbClr val="FF00FF"/>
-                </a:solidFill>
-              </a:rPr>
-              <a:t>r</a:t>
-            </a:r>
-            <a:r>
-              <a:rPr lang="en-US" sz="4400"/>
-              <a:t>)</a:t>
-            </a:r>
-            <a:r>
-              <a:rPr lang="en-US" sz="4400" baseline="30000">
-                <a:solidFill>
-                  <a:schemeClr val="accent2"/>
-                </a:solidFill>
-              </a:rPr>
-              <a:t>T-n</a:t>
-            </a:r>
-            <a:r>
-              <a:rPr lang="en-US" sz="4400"/>
-              <a:t>           </a:t>
-            </a:r>
-          </a:p>
-        </p:txBody>
-      </p:sp>
-      <p:sp>
-        <p:nvSpPr>
-          <p:cNvPr id="64521" name="Rectangle 25"/>
+              <a:rPr lang="en-US" sz="4400" baseline="-25000" dirty="0" smtClean="0">
+                <a:solidFill>
+                  <a:srgbClr val="0000FF"/>
+                </a:solidFill>
+              </a:rPr>
+              <a:t> </a:t>
+            </a:r>
+            <a:r>
+              <a:rPr lang="en-US" sz="4400" dirty="0"/>
+              <a:t>bound does </a:t>
+            </a:r>
+            <a:r>
+              <a:rPr lang="en-US" sz="4400" dirty="0"/>
+              <a:t>not depend on</a:t>
+            </a:r>
+            <a:r>
+              <a:rPr lang="en-US" sz="4400" b="1" dirty="0"/>
+              <a:t> </a:t>
+            </a:r>
+            <a:r>
+              <a:rPr lang="en-US" sz="4400" dirty="0">
+                <a:solidFill>
+                  <a:srgbClr val="0000FF"/>
+                </a:solidFill>
+              </a:rPr>
+              <a:t>n</a:t>
+            </a:r>
+            <a:r>
+              <a:rPr lang="en-US" sz="4400" dirty="0"/>
+              <a:t>!</a:t>
+            </a:r>
+          </a:p>
+        </p:txBody>
+      </p:sp>
+      <p:sp>
+        <p:nvSpPr>
+          <p:cNvPr id="33819" name="Rectangle 27"/>
           <p:cNvSpPr>
             <a:spLocks noChangeArrowheads="1"/>
           </p:cNvSpPr>
@@ -15735,8 +16204,8 @@
         </p:nvSpPr>
         <p:spPr bwMode="auto">
           <a:xfrm>
-            <a:off x="2895600" y="3352800"/>
-            <a:ext cx="4800600" cy="701675"/>
+            <a:off x="381000" y="3733800"/>
+            <a:ext cx="8458200" cy="1600200"/>
           </a:xfrm>
           <a:prstGeom prst="rect">
             <a:avLst/>
@@ -15754,82 +16223,6 @@
             <a:prstTxWarp prst="textNoShape">
               <a:avLst/>
             </a:prstTxWarp>
-            <a:spAutoFit/>
-          </a:bodyPr>
-          <a:lstStyle/>
-          <a:p>
-            <a:r>
-              <a:rPr lang="en-US" sz="4000" dirty="0" err="1">
-                <a:solidFill>
-                  <a:schemeClr val="accent2"/>
-                </a:solidFill>
-              </a:rPr>
-              <a:t>w</a:t>
-            </a:r>
-            <a:r>
-              <a:rPr lang="en-US" sz="4000" baseline="-25000" dirty="0" err="1">
-                <a:solidFill>
-                  <a:schemeClr val="accent2"/>
-                </a:solidFill>
-              </a:rPr>
-              <a:t>n</a:t>
-            </a:r>
-            <a:r>
-              <a:rPr lang="en-US" sz="4000" dirty="0"/>
-              <a:t> &lt; (1/</a:t>
-            </a:r>
-            <a:r>
-              <a:rPr lang="en-US" sz="4000" dirty="0">
-                <a:solidFill>
-                  <a:srgbClr val="FF00FF"/>
-                </a:solidFill>
-              </a:rPr>
-              <a:t>r</a:t>
-            </a:r>
-            <a:r>
-              <a:rPr lang="en-US" sz="4000" dirty="0"/>
-              <a:t>)</a:t>
-            </a:r>
-            <a:r>
-              <a:rPr lang="en-US" sz="4000" baseline="30000" dirty="0"/>
-              <a:t>intended profit</a:t>
-            </a:r>
-            <a:r>
-              <a:rPr lang="en-US" sz="4000" dirty="0"/>
-              <a:t>           </a:t>
-            </a:r>
-          </a:p>
-        </p:txBody>
-      </p:sp>
-      <p:sp>
-        <p:nvSpPr>
-          <p:cNvPr id="33818" name="Rectangle 26"/>
-          <p:cNvSpPr>
-            <a:spLocks noChangeArrowheads="1"/>
-          </p:cNvSpPr>
-          <p:nvPr/>
-        </p:nvSpPr>
-        <p:spPr bwMode="auto">
-          <a:xfrm>
-            <a:off x="685800" y="4114800"/>
-            <a:ext cx="8153400" cy="685800"/>
-          </a:xfrm>
-          <a:prstGeom prst="rect">
-            <a:avLst/>
-          </a:prstGeom>
-          <a:noFill/>
-          <a:ln w="9525">
-            <a:noFill/>
-            <a:miter lim="800000"/>
-            <a:headEnd/>
-            <a:tailEnd/>
-          </a:ln>
-        </p:spPr>
-        <p:txBody>
-          <a:bodyPr>
-            <a:prstTxWarp prst="textNoShape">
-              <a:avLst/>
-            </a:prstTxWarp>
           </a:bodyPr>
           <a:lstStyle/>
           <a:p>
@@ -15842,59 +16235,82 @@
               </a:buClr>
             </a:pPr>
             <a:r>
-              <a:rPr lang="en-US" sz="3600"/>
-              <a:t>Bound for Pr{intended profit} does not depend on</a:t>
-            </a:r>
-            <a:r>
-              <a:rPr lang="en-US" sz="3600" b="1"/>
+              <a:rPr lang="en-US" sz="4400" dirty="0" smtClean="0">
+                <a:solidFill>
+                  <a:srgbClr val="0000FF"/>
+                </a:solidFill>
+              </a:rPr>
+              <a:t>1</a:t>
+            </a:r>
+            <a:r>
+              <a:rPr lang="en-US" sz="4400" dirty="0">
+                <a:solidFill>
+                  <a:srgbClr val="0000FF"/>
+                </a:solidFill>
+              </a:rPr>
+              <a:t>/</a:t>
+            </a:r>
+            <a:r>
+              <a:rPr lang="en-US" sz="4400" dirty="0" smtClean="0">
+                <a:solidFill>
+                  <a:srgbClr val="FF00FF"/>
+                </a:solidFill>
+              </a:rPr>
+              <a:t>r</a:t>
+            </a:r>
+            <a:r>
+              <a:rPr lang="en-US" sz="4400" dirty="0"/>
               <a:t> </a:t>
             </a:r>
             <a:r>
-              <a:rPr lang="en-US" sz="3600">
-                <a:solidFill>
-                  <a:schemeClr val="accent2"/>
+              <a:rPr lang="en-US" sz="4400" b="1" dirty="0" smtClean="0">
+                <a:latin typeface="Euclid Symbol" charset="2"/>
+                <a:cs typeface="Euclid Symbol" charset="2"/>
+              </a:rPr>
+              <a:t>&lt;</a:t>
+            </a:r>
+            <a:r>
+              <a:rPr lang="en-US" sz="4400" dirty="0" smtClean="0"/>
+              <a:t> </a:t>
+            </a:r>
+            <a:r>
+              <a:rPr lang="en-US" sz="4400" dirty="0"/>
+              <a:t>1, </a:t>
+            </a:r>
+            <a:r>
+              <a:rPr lang="en-US" sz="4400" dirty="0" smtClean="0"/>
+              <a:t>so </a:t>
+            </a:r>
+            <a:r>
+              <a:rPr lang="en-US" sz="4400" dirty="0" err="1" smtClean="0">
+                <a:solidFill>
+                  <a:srgbClr val="0000FF"/>
+                </a:solidFill>
+              </a:rPr>
+              <a:t>w</a:t>
+            </a:r>
+            <a:r>
+              <a:rPr lang="en-US" sz="4400" baseline="-25000" dirty="0" err="1" smtClean="0">
+                <a:solidFill>
+                  <a:srgbClr val="0000FF"/>
                 </a:solidFill>
               </a:rPr>
               <a:t>n</a:t>
             </a:r>
             <a:r>
-              <a:rPr lang="en-US" sz="3600"/>
-              <a:t>!</a:t>
-            </a:r>
-          </a:p>
-        </p:txBody>
-      </p:sp>
-      <p:sp>
-        <p:nvSpPr>
-          <p:cNvPr id="33819" name="Rectangle 27"/>
-          <p:cNvSpPr>
-            <a:spLocks noChangeArrowheads="1"/>
-          </p:cNvSpPr>
-          <p:nvPr/>
-        </p:nvSpPr>
-        <p:spPr bwMode="auto">
-          <a:xfrm>
-            <a:off x="685800" y="5334000"/>
-            <a:ext cx="8610600" cy="1143000"/>
-          </a:xfrm>
-          <a:prstGeom prst="rect">
-            <a:avLst/>
-          </a:prstGeom>
-          <a:noFill/>
-          <a:ln w="9525">
-            <a:noFill/>
-            <a:miter lim="800000"/>
-            <a:headEnd/>
-            <a:tailEnd/>
-          </a:ln>
-        </p:spPr>
-        <p:txBody>
-          <a:bodyPr>
-            <a:prstTxWarp prst="textNoShape">
-              <a:avLst/>
-            </a:prstTxWarp>
-          </a:bodyPr>
-          <a:lstStyle/>
+              <a:rPr lang="en-US" sz="4400" dirty="0" smtClean="0">
+                <a:solidFill>
+                  <a:srgbClr val="0000FF"/>
+                </a:solidFill>
+              </a:rPr>
+              <a:t> </a:t>
+            </a:r>
+            <a:r>
+              <a:rPr lang="en-US" sz="4400" dirty="0"/>
+              <a:t>is exponentially </a:t>
+            </a:r>
+            <a:endParaRPr lang="en-US" sz="4400" dirty="0" smtClean="0"/>
+          </a:p>
           <a:p>
             <a:pPr marL="342900" indent="-342900" eaLnBrk="1" hangingPunct="1">
               <a:spcBef>
@@ -15905,40 +16321,12 @@
               </a:buClr>
             </a:pPr>
             <a:r>
-              <a:rPr lang="en-US" sz="3600"/>
-              <a:t>Since (1/</a:t>
-            </a:r>
-            <a:r>
-              <a:rPr lang="en-US" sz="3600">
-                <a:solidFill>
-                  <a:srgbClr val="FF00FF"/>
-                </a:solidFill>
-              </a:rPr>
-              <a:t>r</a:t>
-            </a:r>
-            <a:r>
-              <a:rPr lang="en-US" sz="3600"/>
-              <a:t>) &lt; 1, </a:t>
-            </a:r>
-            <a:r>
-              <a:rPr lang="en-US" sz="3600">
-                <a:solidFill>
-                  <a:schemeClr val="accent2"/>
-                </a:solidFill>
-              </a:rPr>
-              <a:t>w</a:t>
-            </a:r>
-            <a:r>
-              <a:rPr lang="en-US" sz="3600" baseline="-25000">
-                <a:solidFill>
-                  <a:schemeClr val="accent2"/>
-                </a:solidFill>
-              </a:rPr>
-              <a:t>n</a:t>
-            </a:r>
-            <a:r>
-              <a:rPr lang="en-US" sz="3600"/>
-              <a:t> is exponentially decreasing in intended profit!</a:t>
+              <a:rPr lang="en-US" sz="4400" dirty="0" smtClean="0"/>
+              <a:t>decreasing </a:t>
+            </a:r>
+            <a:r>
+              <a:rPr lang="en-US" sz="4400" dirty="0"/>
+              <a:t>in intended profit!</a:t>
             </a:r>
           </a:p>
         </p:txBody>
@@ -15990,15 +16378,7 @@
             </a:pPr>
             <a:r>
               <a:rPr lang="en-US" dirty="0" smtClean="0"/>
-              <a:t>Albert R Meyer,                </a:t>
-            </a:r>
-            <a:r>
-              <a:rPr lang="en-US" dirty="0" smtClean="0"/>
-              <a:t>December 14, </a:t>
-            </a:r>
-            <a:r>
-              <a:rPr lang="en-US" dirty="0" smtClean="0"/>
-              <a:t>2011</a:t>
+              <a:t>Albert R Meyer,                December 14, 2011</a:t>
             </a:r>
             <a:endParaRPr lang="en-US" dirty="0"/>
           </a:p>
@@ -16009,7 +16389,18 @@
   <p:clrMapOvr>
     <a:masterClrMapping/>
   </p:clrMapOvr>
-  <p:transition xmlns:p14="http://schemas.microsoft.com/office/powerpoint/2010/main"/>
+  <mc:AlternateContent xmlns:mc="http://schemas.openxmlformats.org/markup-compatibility/2006">
+    <mc:Choice xmlns:p14="http://schemas.microsoft.com/office/powerpoint/2010/main" Requires="p14">
+      <p:transition spd="med" p14:dur="700">
+        <p:fade/>
+      </p:transition>
+    </mc:Choice>
+    <mc:Fallback>
+      <p:transition xmlns:p14="http://schemas.microsoft.com/office/powerpoint/2010/main" spd="med">
+        <p:fade/>
+      </p:transition>
+    </mc:Fallback>
+  </mc:AlternateContent>
   <p:timing>
     <p:tnLst>
       <p:par>
@@ -16031,7 +16422,7 @@
                             </p:stCondLst>
                             <p:childTnLst>
                               <p:par>
-                                <p:cTn id="5" presetID="1" presetClass="entr" presetSubtype="0" fill="hold" grpId="0" nodeType="clickEffect">
+                                <p:cTn id="5" presetID="9" presetClass="entr" presetSubtype="0" fill="hold" grpId="0" nodeType="clickEffect">
                                   <p:stCondLst>
                                     <p:cond delay="0"/>
                                   </p:stCondLst>
@@ -16054,6 +16445,14 @@
                                         <p:strVal val="visible"/>
                                       </p:to>
                                     </p:set>
+                                    <p:animEffect transition="in" filter="dissolve">
+                                      <p:cBhvr>
+                                        <p:cTn id="7" dur="500"/>
+                                        <p:tgtEl>
+                                          <p:spTgt spid="33818"/>
+                                        </p:tgtEl>
+                                      </p:cBhvr>
+                                    </p:animEffect>
                                   </p:childTnLst>
                                 </p:cTn>
                               </p:par>
@@ -16064,26 +16463,26 @@
                     </p:cTn>
                   </p:par>
                   <p:par>
-                    <p:cTn id="7" fill="hold">
+                    <p:cTn id="8" fill="hold">
                       <p:stCondLst>
                         <p:cond delay="indefinite"/>
                       </p:stCondLst>
                       <p:childTnLst>
                         <p:par>
-                          <p:cTn id="8" fill="hold">
+                          <p:cTn id="9" fill="hold">
                             <p:stCondLst>
                               <p:cond delay="0"/>
                             </p:stCondLst>
                             <p:childTnLst>
                               <p:par>
-                                <p:cTn id="9" presetID="1" presetClass="entr" presetSubtype="0" fill="hold" grpId="0" nodeType="clickEffect">
+                                <p:cTn id="10" presetID="9" presetClass="entr" presetSubtype="0" fill="hold" grpId="0" nodeType="clickEffect">
                                   <p:stCondLst>
                                     <p:cond delay="0"/>
                                   </p:stCondLst>
                                   <p:childTnLst>
                                     <p:set>
                                       <p:cBhvr>
-                                        <p:cTn id="10" dur="1" fill="hold">
+                                        <p:cTn id="11" dur="1" fill="hold">
                                           <p:stCondLst>
                                             <p:cond delay="0"/>
                                           </p:stCondLst>
@@ -16099,6 +16498,14 @@
                                         <p:strVal val="visible"/>
                                       </p:to>
                                     </p:set>
+                                    <p:animEffect transition="in" filter="dissolve">
+                                      <p:cBhvr>
+                                        <p:cTn id="12" dur="500"/>
+                                        <p:tgtEl>
+                                          <p:spTgt spid="33819"/>
+                                        </p:tgtEl>
+                                      </p:cBhvr>
+                                    </p:animEffect>
                                   </p:childTnLst>
                                 </p:cTn>
                               </p:par>
@@ -16137,7 +16544,7 @@
 </p:sld>
 </file>
 
-<file path=ppt/slides/slide22.xml><?xml version="1.0" encoding="utf-8"?>
+<file path=ppt/slides/slide23.xml><?xml version="1.0" encoding="utf-8"?>
 <p:sld xmlns:a="http://schemas.openxmlformats.org/drawingml/2006/main" xmlns:r="http://schemas.openxmlformats.org/officeDocument/2006/relationships" xmlns:p="http://schemas.openxmlformats.org/presentationml/2006/main">
   <p:cSld>
     <p:spTree>
@@ -16177,16 +16584,12 @@
             </a:r>
             <a:r>
               <a:rPr lang="en-US" dirty="0" smtClean="0"/>
-              <a:t> </a:t>
-            </a:r>
-            <a:r>
-              <a:rPr lang="en-US" dirty="0" smtClean="0"/>
-              <a:t>15W.</a:t>
+              <a:t> 15W.</a:t>
             </a:r>
             <a:fld id="{4A69EEA4-35FB-7045-A76F-2B5F28C09DC4}" type="slidenum">
               <a:rPr lang="en-US" smtClean="0"/>
               <a:pPr/>
-              <a:t>22</a:t>
+              <a:t>23</a:t>
             </a:fld>
             <a:endParaRPr lang="en-US" dirty="0"/>
           </a:p>
@@ -16212,19 +16615,19 @@
           <a:p>
             <a:pPr eaLnBrk="1" hangingPunct="1"/>
             <a:r>
-              <a:rPr lang="en-US"/>
-              <a:t>Profit $</a:t>
-            </a:r>
-            <a:r>
-              <a:rPr lang="en-US">
-                <a:solidFill>
-                  <a:schemeClr val="accent2"/>
-                </a:solidFill>
-              </a:rPr>
-              <a:t>100</a:t>
-            </a:r>
-            <a:r>
-              <a:rPr lang="en-US"/>
+              <a:rPr lang="en-US" dirty="0"/>
+              <a:t>Profit </a:t>
+            </a:r>
+            <a:r>
+              <a:rPr lang="en-US" dirty="0">
+                <a:solidFill>
+                  <a:srgbClr val="0000FF"/>
+                </a:solidFill>
+              </a:rPr>
+              <a:t>$100</a:t>
+            </a:r>
+            <a:r>
+              <a:rPr lang="en-US" dirty="0"/>
               <a:t> in US Roulette</a:t>
             </a:r>
           </a:p>
@@ -16240,8 +16643,8 @@
         </p:nvSpPr>
         <p:spPr bwMode="auto">
           <a:xfrm>
-            <a:off x="533400" y="1720850"/>
-            <a:ext cx="2211388" cy="641350"/>
+            <a:off x="319493" y="1699098"/>
+            <a:ext cx="2673835" cy="729638"/>
           </a:xfrm>
           <a:prstGeom prst="rect">
             <a:avLst/>
@@ -16255,7 +16658,7 @@
           </a:ln>
         </p:spPr>
         <p:txBody>
-          <a:bodyPr wrap="none">
+          <a:bodyPr wrap="square">
             <a:prstTxWarp prst="textNoShape">
               <a:avLst/>
             </a:prstTxWarp>
@@ -16264,7 +16667,7 @@
           <a:lstStyle/>
           <a:p>
             <a:r>
-              <a:rPr lang="en-US" sz="3600">
+              <a:rPr lang="en-US" sz="4000" dirty="0">
                 <a:solidFill>
                   <a:srgbClr val="008000"/>
                 </a:solidFill>
@@ -16284,8 +16687,8 @@
         </p:nvSpPr>
         <p:spPr bwMode="auto">
           <a:xfrm>
-            <a:off x="3429000" y="1720850"/>
-            <a:ext cx="2278063" cy="641350"/>
+            <a:off x="3208603" y="1699098"/>
+            <a:ext cx="2754965" cy="729638"/>
           </a:xfrm>
           <a:prstGeom prst="rect">
             <a:avLst/>
@@ -16299,7 +16702,7 @@
           </a:ln>
         </p:spPr>
         <p:txBody>
-          <a:bodyPr wrap="none">
+          <a:bodyPr wrap="square">
             <a:prstTxWarp prst="textNoShape">
               <a:avLst/>
             </a:prstTxWarp>
@@ -16308,7 +16711,7 @@
           <a:lstStyle/>
           <a:p>
             <a:r>
-              <a:rPr lang="en-US" sz="3600">
+              <a:rPr lang="en-US" sz="4000">
                 <a:solidFill>
                   <a:srgbClr val="CC0000"/>
                 </a:solidFill>
@@ -16372,8 +16775,8 @@
         </p:nvSpPr>
         <p:spPr bwMode="auto">
           <a:xfrm>
-            <a:off x="1371600" y="3016250"/>
-            <a:ext cx="7010400" cy="707886"/>
+            <a:off x="762000" y="2971800"/>
+            <a:ext cx="7620000" cy="769441"/>
           </a:xfrm>
           <a:prstGeom prst="rect">
             <a:avLst/>
@@ -16396,46 +16799,50 @@
           <a:lstStyle/>
           <a:p>
             <a:r>
-              <a:rPr lang="en-US" sz="4000" dirty="0" err="1"/>
-              <a:t>Pr{Profit</a:t>
-            </a:r>
-            <a:r>
-              <a:rPr lang="en-US" sz="4000" dirty="0"/>
-              <a:t> $</a:t>
-            </a:r>
-            <a:r>
-              <a:rPr lang="en-US" sz="4000" dirty="0">
-                <a:solidFill>
-                  <a:schemeClr val="accent2"/>
+              <a:rPr lang="en-US" sz="4400" dirty="0" err="1" smtClean="0"/>
+              <a:t>Pr</a:t>
+            </a:r>
+            <a:r>
+              <a:rPr lang="en-US" sz="4400" dirty="0" smtClean="0"/>
+              <a:t>[Profit </a:t>
+            </a:r>
+            <a:r>
+              <a:rPr lang="en-US" sz="4400" dirty="0">
+                <a:solidFill>
+                  <a:srgbClr val="0000FF"/>
+                </a:solidFill>
+              </a:rPr>
+              <a:t>$</a:t>
+            </a:r>
+            <a:r>
+              <a:rPr lang="en-US" sz="4400" dirty="0" smtClean="0">
+                <a:solidFill>
+                  <a:srgbClr val="0000FF"/>
                 </a:solidFill>
               </a:rPr>
               <a:t>100</a:t>
             </a:r>
             <a:r>
-              <a:rPr lang="en-US" sz="4000" dirty="0"/>
-              <a:t>}</a:t>
-            </a:r>
-            <a:r>
-              <a:rPr lang="en-US" sz="4000" dirty="0" smtClean="0"/>
-              <a:t>  </a:t>
-            </a:r>
-            <a:r>
-              <a:rPr lang="en-US" sz="4000" b="1" dirty="0" smtClean="0">
+              <a:rPr lang="en-US" sz="4400" dirty="0" smtClean="0"/>
+              <a:t>]  </a:t>
+            </a:r>
+            <a:r>
+              <a:rPr lang="en-US" sz="4400" b="1" dirty="0" smtClean="0">
                 <a:latin typeface="Euclid Symbol" charset="2"/>
                 <a:cs typeface="Euclid Symbol" charset="2"/>
               </a:rPr>
               <a:t>&lt; </a:t>
             </a:r>
             <a:r>
-              <a:rPr lang="en-US" sz="4000" dirty="0" smtClean="0"/>
+              <a:rPr lang="en-US" sz="4400" dirty="0" smtClean="0"/>
               <a:t> </a:t>
             </a:r>
             <a:r>
-              <a:rPr lang="en-US" sz="4000" dirty="0"/>
+              <a:rPr lang="en-US" sz="4400" dirty="0"/>
               <a:t>(</a:t>
             </a:r>
             <a:r>
-              <a:rPr lang="en-US" sz="4000" dirty="0">
+              <a:rPr lang="en-US" sz="4400" dirty="0">
                 <a:solidFill>
                   <a:srgbClr val="FF00FF"/>
                 </a:solidFill>
@@ -16443,18 +16850,18 @@
               <a:t>9/10</a:t>
             </a:r>
             <a:r>
-              <a:rPr lang="en-US" sz="4000" dirty="0"/>
+              <a:rPr lang="en-US" sz="4400" dirty="0"/>
               <a:t>)</a:t>
             </a:r>
             <a:r>
-              <a:rPr lang="en-US" sz="4000" baseline="30000" dirty="0">
+              <a:rPr lang="en-US" sz="4400" baseline="30000" dirty="0">
                 <a:solidFill>
                   <a:schemeClr val="accent2"/>
                 </a:solidFill>
               </a:rPr>
               <a:t>100</a:t>
             </a:r>
-            <a:endParaRPr lang="en-US" sz="4000" dirty="0"/>
+            <a:endParaRPr lang="en-US" sz="4400" dirty="0"/>
           </a:p>
         </p:txBody>
       </p:sp>
@@ -16468,8 +16875,8 @@
         </p:nvSpPr>
         <p:spPr bwMode="auto">
           <a:xfrm>
-            <a:off x="5181600" y="4022725"/>
-            <a:ext cx="2709863" cy="701675"/>
+            <a:off x="5056430" y="3999081"/>
+            <a:ext cx="3249370" cy="793085"/>
           </a:xfrm>
           <a:prstGeom prst="rect">
             <a:avLst/>
@@ -16483,7 +16890,7 @@
           </a:ln>
         </p:spPr>
         <p:txBody>
-          <a:bodyPr wrap="none">
+          <a:bodyPr wrap="square">
             <a:prstTxWarp prst="textNoShape">
               <a:avLst/>
             </a:prstTxWarp>
@@ -16492,12 +16899,30 @@
           <a:lstStyle/>
           <a:p>
             <a:r>
-              <a:rPr lang="en-US" sz="4000" dirty="0">
+              <a:rPr lang="en-US" sz="4400" b="1" dirty="0">
+                <a:solidFill>
+                  <a:srgbClr val="FF0000"/>
+                </a:solidFill>
+                <a:latin typeface="Euclid Symbol" charset="2"/>
+                <a:cs typeface="Euclid Symbol" charset="2"/>
+              </a:rPr>
+              <a:t>&lt;</a:t>
+            </a:r>
+            <a:r>
+              <a:rPr lang="en-US" sz="4400" dirty="0" smtClean="0">
                 <a:solidFill>
                   <a:srgbClr val="CC0000"/>
                 </a:solidFill>
               </a:rPr>
-              <a:t>&lt; 1/37,648</a:t>
+              <a:t> </a:t>
+            </a:r>
+            <a:r>
+              <a:rPr lang="en-US" sz="4400" dirty="0">
+                <a:solidFill>
+                  <a:srgbClr val="CC0000"/>
+                </a:solidFill>
+              </a:rPr>
+              <a:t>1/37,648</a:t>
             </a:r>
           </a:p>
         </p:txBody>
@@ -16549,15 +16974,7 @@
             </a:pPr>
             <a:r>
               <a:rPr lang="en-US" dirty="0" smtClean="0"/>
-              <a:t>Albert R Meyer,                </a:t>
-            </a:r>
-            <a:r>
-              <a:rPr lang="en-US" dirty="0" smtClean="0"/>
-              <a:t>December 14, </a:t>
-            </a:r>
-            <a:r>
-              <a:rPr lang="en-US" dirty="0" smtClean="0"/>
-              <a:t>2011</a:t>
+              <a:t>Albert R Meyer,                December 14, 2011</a:t>
             </a:r>
             <a:endParaRPr lang="en-US" dirty="0"/>
           </a:p>
@@ -16714,7 +17131,7 @@
 </p:sld>
 </file>
 
-<file path=ppt/slides/slide23.xml><?xml version="1.0" encoding="utf-8"?>
+<file path=ppt/slides/slide24.xml><?xml version="1.0" encoding="utf-8"?>
 <p:sld xmlns:a="http://schemas.openxmlformats.org/drawingml/2006/main" xmlns:r="http://schemas.openxmlformats.org/officeDocument/2006/relationships" xmlns:p="http://schemas.openxmlformats.org/presentationml/2006/main">
   <p:cSld>
     <p:spTree>
@@ -16733,7 +17150,7 @@
       </p:grpSpPr>
       <p:sp>
         <p:nvSpPr>
-          <p:cNvPr id="68612" name="Slide Number Placeholder 5"/>
+          <p:cNvPr id="66564" name="Slide Number Placeholder 5"/>
           <p:cNvSpPr>
             <a:spLocks noGrp="1"/>
           </p:cNvSpPr>
@@ -16754,16 +17171,12 @@
             </a:r>
             <a:r>
               <a:rPr lang="en-US" dirty="0" smtClean="0"/>
-              <a:t> </a:t>
-            </a:r>
-            <a:r>
-              <a:rPr lang="en-US" dirty="0" smtClean="0"/>
-              <a:t>15W.</a:t>
-            </a:r>
-            <a:fld id="{3D48029B-5376-4F4C-AE87-D656A8848B70}" type="slidenum">
+              <a:t> 15W.</a:t>
+            </a:r>
+            <a:fld id="{4A69EEA4-35FB-7045-A76F-2B5F28C09DC4}" type="slidenum">
               <a:rPr lang="en-US" smtClean="0"/>
               <a:pPr/>
-              <a:t>23</a:t>
+              <a:t>24</a:t>
             </a:fld>
             <a:endParaRPr lang="en-US" dirty="0"/>
           </a:p>
@@ -16774,7 +17187,7 @@
       </p:sp>
       <p:sp>
         <p:nvSpPr>
-          <p:cNvPr id="68613" name="Rectangle 2"/>
+          <p:cNvPr id="66565" name="Rectangle 2"/>
           <p:cNvSpPr>
             <a:spLocks noGrp="1" noChangeArrowheads="1"/>
           </p:cNvSpPr>
@@ -16789,27 +17202,31 @@
           <a:p>
             <a:pPr eaLnBrk="1" hangingPunct="1"/>
             <a:r>
-              <a:rPr lang="en-US"/>
-              <a:t>Profit $</a:t>
-            </a:r>
-            <a:r>
-              <a:rPr lang="en-US">
-                <a:solidFill>
-                  <a:schemeClr val="accent2"/>
-                </a:solidFill>
-              </a:rPr>
-              <a:t>200</a:t>
-            </a:r>
-            <a:r>
-              <a:rPr lang="en-US"/>
-              <a:t> in US Roulette</a:t>
-            </a:r>
-          </a:p>
-        </p:txBody>
-      </p:sp>
-      <p:sp>
-        <p:nvSpPr>
-          <p:cNvPr id="68614" name="Rectangle 3"/>
+              <a:rPr lang="en-US" dirty="0"/>
+              <a:t>Profit </a:t>
+            </a:r>
+            <a:r>
+              <a:rPr lang="en-US" dirty="0" smtClean="0">
+                <a:solidFill>
+                  <a:srgbClr val="0000FF"/>
+                </a:solidFill>
+              </a:rPr>
+              <a:t>$200</a:t>
+            </a:r>
+            <a:r>
+              <a:rPr lang="en-US" dirty="0" smtClean="0"/>
+              <a:t> </a:t>
+            </a:r>
+            <a:r>
+              <a:rPr lang="en-US" dirty="0"/>
+              <a:t>in US Roulette</a:t>
+            </a:r>
+          </a:p>
+        </p:txBody>
+      </p:sp>
+      <p:sp>
+        <p:nvSpPr>
+          <p:cNvPr id="66566" name="Rectangle 4"/>
           <p:cNvSpPr>
             <a:spLocks noChangeArrowheads="1"/>
           </p:cNvSpPr>
@@ -16817,8 +17234,8 @@
         </p:nvSpPr>
         <p:spPr bwMode="auto">
           <a:xfrm>
-            <a:off x="533400" y="1720850"/>
-            <a:ext cx="2211388" cy="641350"/>
+            <a:off x="319493" y="1699098"/>
+            <a:ext cx="2673835" cy="729638"/>
           </a:xfrm>
           <a:prstGeom prst="rect">
             <a:avLst/>
@@ -16832,7 +17249,7 @@
           </a:ln>
         </p:spPr>
         <p:txBody>
-          <a:bodyPr wrap="none">
+          <a:bodyPr wrap="square">
             <a:prstTxWarp prst="textNoShape">
               <a:avLst/>
             </a:prstTxWarp>
@@ -16841,7 +17258,7 @@
           <a:lstStyle/>
           <a:p>
             <a:r>
-              <a:rPr lang="en-US" sz="3600">
+              <a:rPr lang="en-US" sz="4000" dirty="0">
                 <a:solidFill>
                   <a:srgbClr val="008000"/>
                 </a:solidFill>
@@ -16853,7 +17270,7 @@
       </p:sp>
       <p:sp>
         <p:nvSpPr>
-          <p:cNvPr id="68615" name="Rectangle 4"/>
+          <p:cNvPr id="66567" name="Rectangle 5"/>
           <p:cNvSpPr>
             <a:spLocks noChangeArrowheads="1"/>
           </p:cNvSpPr>
@@ -16861,8 +17278,8 @@
         </p:nvSpPr>
         <p:spPr bwMode="auto">
           <a:xfrm>
-            <a:off x="3429000" y="1720850"/>
-            <a:ext cx="2278063" cy="641350"/>
+            <a:off x="3208603" y="1699098"/>
+            <a:ext cx="2754965" cy="729638"/>
           </a:xfrm>
           <a:prstGeom prst="rect">
             <a:avLst/>
@@ -16876,7 +17293,7 @@
           </a:ln>
         </p:spPr>
         <p:txBody>
-          <a:bodyPr wrap="none">
+          <a:bodyPr wrap="square">
             <a:prstTxWarp prst="textNoShape">
               <a:avLst/>
             </a:prstTxWarp>
@@ -16885,7 +17302,7 @@
           <a:lstStyle/>
           <a:p>
             <a:r>
-              <a:rPr lang="en-US" sz="3600">
+              <a:rPr lang="en-US" sz="4000">
                 <a:solidFill>
                   <a:srgbClr val="CC0000"/>
                 </a:solidFill>
@@ -16897,7 +17314,7 @@
       </p:sp>
       <p:sp>
         <p:nvSpPr>
-          <p:cNvPr id="68616" name="Rectangle 5"/>
+          <p:cNvPr id="66568" name="Rectangle 6"/>
           <p:cNvSpPr>
             <a:spLocks noChangeArrowheads="1"/>
           </p:cNvSpPr>
@@ -16941,7 +17358,7 @@
       </p:sp>
       <p:sp>
         <p:nvSpPr>
-          <p:cNvPr id="68617" name="Rectangle 6"/>
+          <p:cNvPr id="66569" name="Rectangle 7"/>
           <p:cNvSpPr>
             <a:spLocks noChangeArrowheads="1"/>
           </p:cNvSpPr>
@@ -16949,8 +17366,8 @@
         </p:nvSpPr>
         <p:spPr bwMode="auto">
           <a:xfrm>
-            <a:off x="1371600" y="3048000"/>
-            <a:ext cx="7162800" cy="707886"/>
+            <a:off x="762000" y="2971800"/>
+            <a:ext cx="8001000" cy="769441"/>
           </a:xfrm>
           <a:prstGeom prst="rect">
             <a:avLst/>
@@ -16973,46 +17390,58 @@
           <a:lstStyle/>
           <a:p>
             <a:r>
-              <a:rPr lang="en-US" sz="4000" dirty="0" err="1"/>
-              <a:t>Pr{Profit</a:t>
-            </a:r>
-            <a:r>
-              <a:rPr lang="en-US" sz="4000" dirty="0"/>
-              <a:t> $</a:t>
-            </a:r>
-            <a:r>
-              <a:rPr lang="en-US" sz="4000" dirty="0">
+              <a:rPr lang="en-US" sz="4400" dirty="0" err="1" smtClean="0"/>
+              <a:t>Pr</a:t>
+            </a:r>
+            <a:r>
+              <a:rPr lang="en-US" sz="4400" dirty="0" smtClean="0"/>
+              <a:t>[Profit </a:t>
+            </a:r>
+            <a:r>
+              <a:rPr lang="en-US" sz="4400" dirty="0" smtClean="0">
                 <a:solidFill>
                   <a:srgbClr val="0000FF"/>
                 </a:solidFill>
               </a:rPr>
-              <a:t>200</a:t>
-            </a:r>
-            <a:r>
-              <a:rPr lang="en-US" sz="4000" dirty="0"/>
-              <a:t>}</a:t>
-            </a:r>
-            <a:r>
-              <a:rPr lang="en-US" sz="4000" dirty="0" smtClean="0"/>
-              <a:t>  </a:t>
-            </a:r>
-            <a:r>
-              <a:rPr lang="en-US" sz="4000" b="1" dirty="0" smtClean="0">
+              <a:t>$</a:t>
+            </a:r>
+            <a:r>
+              <a:rPr lang="en-US" sz="4400" dirty="0">
+                <a:solidFill>
+                  <a:srgbClr val="0000FF"/>
+                </a:solidFill>
+              </a:rPr>
+              <a:t>2</a:t>
+            </a:r>
+            <a:r>
+              <a:rPr lang="en-US" sz="4400" dirty="0" smtClean="0">
+                <a:solidFill>
+                  <a:srgbClr val="0000FF"/>
+                </a:solidFill>
+              </a:rPr>
+              <a:t>00</a:t>
+            </a:r>
+            <a:r>
+              <a:rPr lang="en-US" sz="4400" dirty="0" smtClean="0"/>
+              <a:t>]  </a:t>
+            </a:r>
+            <a:r>
+              <a:rPr lang="en-US" sz="4400" b="1" dirty="0" smtClean="0">
                 <a:latin typeface="Euclid Symbol" charset="2"/>
                 <a:cs typeface="Euclid Symbol" charset="2"/>
               </a:rPr>
-              <a:t>&lt;</a:t>
-            </a:r>
-            <a:r>
-              <a:rPr lang="en-US" sz="4000" dirty="0" smtClean="0"/>
-              <a:t>  </a:t>
-            </a:r>
-            <a:r>
-              <a:rPr lang="en-US" sz="4000" dirty="0"/>
+              <a:t>&lt; </a:t>
+            </a:r>
+            <a:r>
+              <a:rPr lang="en-US" sz="4400" dirty="0" smtClean="0"/>
+              <a:t> </a:t>
+            </a:r>
+            <a:r>
+              <a:rPr lang="en-US" sz="4400" dirty="0"/>
               <a:t>(</a:t>
             </a:r>
             <a:r>
-              <a:rPr lang="en-US" sz="4000" dirty="0">
+              <a:rPr lang="en-US" sz="4400" dirty="0">
                 <a:solidFill>
                   <a:srgbClr val="FF00FF"/>
                 </a:solidFill>
@@ -17020,28 +17449,32 @@
               <a:t>9/10</a:t>
             </a:r>
             <a:r>
-              <a:rPr lang="en-US" sz="4000" dirty="0"/>
+              <a:rPr lang="en-US" sz="4400" dirty="0" smtClean="0"/>
               <a:t>)</a:t>
             </a:r>
             <a:r>
-              <a:rPr lang="en-US" sz="4000" baseline="30000" dirty="0">
-                <a:solidFill>
-                  <a:srgbClr val="0000FF"/>
-                </a:solidFill>
-              </a:rPr>
-              <a:t>200</a:t>
-            </a:r>
-            <a:endParaRPr lang="en-US" sz="4000" dirty="0">
-              <a:solidFill>
-                <a:srgbClr val="0000FF"/>
-              </a:solidFill>
-            </a:endParaRPr>
-          </a:p>
-        </p:txBody>
-      </p:sp>
-      <p:sp>
-        <p:nvSpPr>
-          <p:cNvPr id="68618" name="Rectangle 7"/>
+              <a:rPr lang="en-US" sz="4400" baseline="30000" dirty="0">
+                <a:solidFill>
+                  <a:schemeClr val="accent2"/>
+                </a:solidFill>
+              </a:rPr>
+              <a:t>2</a:t>
+            </a:r>
+            <a:r>
+              <a:rPr lang="en-US" sz="4400" baseline="30000" dirty="0" smtClean="0">
+                <a:solidFill>
+                  <a:schemeClr val="accent2"/>
+                </a:solidFill>
+              </a:rPr>
+              <a:t>00</a:t>
+            </a:r>
+            <a:endParaRPr lang="en-US" sz="4400" dirty="0"/>
+          </a:p>
+        </p:txBody>
+      </p:sp>
+      <p:sp>
+        <p:nvSpPr>
+          <p:cNvPr id="66570" name="Rectangle 8"/>
           <p:cNvSpPr>
             <a:spLocks noChangeArrowheads="1"/>
           </p:cNvSpPr>
@@ -17049,8 +17482,8 @@
         </p:nvSpPr>
         <p:spPr bwMode="auto">
           <a:xfrm>
-            <a:off x="5181600" y="4022725"/>
-            <a:ext cx="3779838" cy="701675"/>
+            <a:off x="5056430" y="3962400"/>
+            <a:ext cx="4087570" cy="769441"/>
           </a:xfrm>
           <a:prstGeom prst="rect">
             <a:avLst/>
@@ -17064,7 +17497,7 @@
           </a:ln>
         </p:spPr>
         <p:txBody>
-          <a:bodyPr wrap="none">
+          <a:bodyPr wrap="square">
             <a:prstTxWarp prst="textNoShape">
               <a:avLst/>
             </a:prstTxWarp>
@@ -17073,13 +17506,60 @@
           <a:lstStyle/>
           <a:p>
             <a:r>
-              <a:rPr lang="en-US" sz="4000" dirty="0">
+              <a:rPr lang="en-US" sz="4400" b="1" dirty="0" smtClean="0">
+                <a:solidFill>
+                  <a:srgbClr val="E10000"/>
+                </a:solidFill>
+                <a:latin typeface="Euclid Symbol" charset="2"/>
+                <a:cs typeface="Euclid Symbol" charset="2"/>
+              </a:rPr>
+              <a:t>&lt; </a:t>
+            </a:r>
+            <a:r>
+              <a:rPr lang="en-US" sz="4400" dirty="0" smtClean="0">
+                <a:solidFill>
+                  <a:srgbClr val="E10000"/>
+                </a:solidFill>
+              </a:rPr>
+              <a:t>(1</a:t>
+            </a:r>
+            <a:r>
+              <a:rPr lang="en-US" sz="4400" dirty="0">
+                <a:solidFill>
+                  <a:srgbClr val="E10000"/>
+                </a:solidFill>
+              </a:rPr>
+              <a:t>/</a:t>
+            </a:r>
+            <a:r>
+              <a:rPr lang="en-US" sz="4400" dirty="0" smtClean="0">
+                <a:solidFill>
+                  <a:srgbClr val="E10000"/>
+                </a:solidFill>
+              </a:rPr>
+              <a:t>37,</a:t>
+            </a:r>
+            <a:r>
+              <a:rPr lang="en-US" sz="4400" dirty="0" smtClean="0">
                 <a:solidFill>
                   <a:srgbClr val="CC0000"/>
                 </a:solidFill>
               </a:rPr>
-              <a:t>&lt; 1/70,000,000</a:t>
-            </a:r>
+              <a:t>648)</a:t>
+            </a:r>
+            <a:r>
+              <a:rPr lang="en-US" sz="4400" baseline="30000" dirty="0" smtClean="0">
+                <a:solidFill>
+                  <a:srgbClr val="CC0000"/>
+                </a:solidFill>
+              </a:rPr>
+              <a:t>2</a:t>
+            </a:r>
+            <a:endParaRPr lang="en-US" sz="4400" baseline="30000" dirty="0">
+              <a:solidFill>
+                <a:srgbClr val="CC0000"/>
+              </a:solidFill>
+            </a:endParaRPr>
           </a:p>
         </p:txBody>
       </p:sp>
@@ -17130,26 +17610,87 @@
             </a:pPr>
             <a:r>
               <a:rPr lang="en-US" dirty="0" smtClean="0"/>
-              <a:t>Albert R Meyer,                </a:t>
-            </a:r>
-            <a:r>
-              <a:rPr lang="en-US" dirty="0" smtClean="0"/>
-              <a:t>December 14, </a:t>
-            </a:r>
-            <a:r>
-              <a:rPr lang="en-US" dirty="0" smtClean="0"/>
-              <a:t>2011</a:t>
+              <a:t>Albert R Meyer,                December 14, 2011</a:t>
             </a:r>
             <a:endParaRPr lang="en-US" dirty="0"/>
           </a:p>
         </p:txBody>
       </p:sp>
+      <p:sp>
+        <p:nvSpPr>
+          <p:cNvPr id="2" name="TextBox 1"/>
+          <p:cNvSpPr txBox="1"/>
+          <p:nvPr/>
+        </p:nvSpPr>
+        <p:spPr>
+          <a:xfrm>
+            <a:off x="2286000" y="4800600"/>
+            <a:ext cx="4811633" cy="830997"/>
+          </a:xfrm>
+          <a:prstGeom prst="rect">
+            <a:avLst/>
+          </a:prstGeom>
+          <a:noFill/>
+        </p:spPr>
+        <p:txBody>
+          <a:bodyPr wrap="none" rtlCol="0">
+            <a:spAutoFit/>
+          </a:bodyPr>
+          <a:lstStyle/>
+          <a:p>
+            <a:r>
+              <a:rPr lang="en-US" sz="4800" b="1" dirty="0">
+                <a:solidFill>
+                  <a:srgbClr val="E10000"/>
+                </a:solidFill>
+                <a:latin typeface="Euclid Symbol" charset="2"/>
+                <a:cs typeface="Euclid Symbol" charset="2"/>
+              </a:rPr>
+              <a:t>&lt;</a:t>
+            </a:r>
+            <a:r>
+              <a:rPr lang="en-US" sz="4800" dirty="0" smtClean="0">
+                <a:solidFill>
+                  <a:srgbClr val="CC0000"/>
+                </a:solidFill>
+              </a:rPr>
+              <a:t> </a:t>
+            </a:r>
+            <a:r>
+              <a:rPr lang="en-US" sz="4800" dirty="0">
+                <a:solidFill>
+                  <a:srgbClr val="CC0000"/>
+                </a:solidFill>
+              </a:rPr>
+              <a:t>1/</a:t>
+            </a:r>
+            <a:r>
+              <a:rPr lang="en-US" sz="4800" dirty="0" smtClean="0">
+                <a:solidFill>
+                  <a:srgbClr val="CC0000"/>
+                </a:solidFill>
+              </a:rPr>
+              <a:t>70,000,000</a:t>
+            </a:r>
+            <a:endParaRPr lang="en-US" sz="4800" dirty="0">
+              <a:solidFill>
+                <a:srgbClr val="CC0000"/>
+              </a:solidFill>
+            </a:endParaRPr>
+          </a:p>
+        </p:txBody>
+      </p:sp>
     </p:spTree>
+    <p:extLst>
+      <p:ext uri="{BB962C8B-B14F-4D97-AF65-F5344CB8AC3E}">
+        <p14:creationId xmlns:p14="http://schemas.microsoft.com/office/powerpoint/2010/main" val="1860316466"/>
+      </p:ext>
+    </p:extLst>
   </p:cSld>
   <p:clrMapOvr>
     <a:masterClrMapping/>
   </p:clrMapOvr>
-  <p:transition xmlns:p14="http://schemas.microsoft.com/office/powerpoint/2010/main" spd="med">
+  <p:transition xmlns:p14="http://schemas.microsoft.com/office/powerpoint/2010/main">
     <p:fade/>
   </p:transition>
   <p:timing>
@@ -17173,7 +17714,7 @@
                             </p:stCondLst>
                             <p:childTnLst>
                               <p:par>
-                                <p:cTn id="5" presetID="10" presetClass="entr" presetSubtype="0" fill="hold" grpId="0" nodeType="clickEffect">
+                                <p:cTn id="5" presetID="9" presetClass="entr" presetSubtype="0" fill="hold" grpId="0" nodeType="clickEffect">
                                   <p:stCondLst>
                                     <p:cond delay="0"/>
                                   </p:stCondLst>
@@ -17186,7 +17727,7 @@
                                           </p:stCondLst>
                                         </p:cTn>
                                         <p:tgtEl>
-                                          <p:spTgt spid="68618"/>
+                                          <p:spTgt spid="2"/>
                                         </p:tgtEl>
                                         <p:attrNameLst>
                                           <p:attrName>style.visibility</p:attrName>
@@ -17196,11 +17737,11 @@
                                         <p:strVal val="visible"/>
                                       </p:to>
                                     </p:set>
-                                    <p:animEffect transition="in" filter="fade">
+                                    <p:animEffect transition="in" filter="dissolve">
                                       <p:cBhvr>
-                                        <p:cTn id="7" dur="1000"/>
+                                        <p:cTn id="7" dur="500"/>
                                         <p:tgtEl>
-                                          <p:spTgt spid="68618"/>
+                                          <p:spTgt spid="2"/>
                                         </p:tgtEl>
                                       </p:cBhvr>
                                     </p:animEffect>
@@ -17235,13 +17776,13 @@
       </p:par>
     </p:tnLst>
     <p:bldLst>
-      <p:bldP spid="68618" grpId="0"/>
+      <p:bldP spid="2" grpId="0"/>
     </p:bldLst>
   </p:timing>
 </p:sld>
 </file>
 
-<file path=ppt/slides/slide24.xml><?xml version="1.0" encoding="utf-8"?>
+<file path=ppt/slides/slide25.xml><?xml version="1.0" encoding="utf-8"?>
 <p:sld xmlns:a="http://schemas.openxmlformats.org/drawingml/2006/main" xmlns:r="http://schemas.openxmlformats.org/officeDocument/2006/relationships" xmlns:p="http://schemas.openxmlformats.org/presentationml/2006/main">
   <p:cSld>
     <p:spTree>
@@ -17281,16 +17822,12 @@
             </a:r>
             <a:r>
               <a:rPr lang="en-US" dirty="0" smtClean="0"/>
-              <a:t> </a:t>
-            </a:r>
-            <a:r>
-              <a:rPr lang="en-US" dirty="0" smtClean="0"/>
-              <a:t>15W.</a:t>
+              <a:t> 15W.</a:t>
             </a:r>
             <a:fld id="{577593A4-8B7D-AB44-BAA0-E529A5D995E7}" type="slidenum">
               <a:rPr lang="en-US" smtClean="0"/>
               <a:pPr/>
-              <a:t>24</a:t>
+              <a:t>25</a:t>
             </a:fld>
             <a:endParaRPr lang="en-US" dirty="0"/>
           </a:p>
@@ -17644,7 +18181,7 @@
               <a:r>
                 <a:rPr lang="en-US" sz="3600" baseline="30000" dirty="0">
                   <a:solidFill>
-                    <a:schemeClr val="accent2"/>
+                    <a:srgbClr val="0000FF"/>
                   </a:solidFill>
                 </a:rPr>
                 <a:t>n</a:t>
@@ -17709,7 +18246,7 @@
               <a:r>
                 <a:rPr lang="en-US" sz="3600" baseline="30000" dirty="0">
                   <a:solidFill>
-                    <a:schemeClr val="accent2"/>
+                    <a:srgbClr val="0000FF"/>
                   </a:solidFill>
                 </a:rPr>
                 <a:t>T</a:t>
@@ -17793,15 +18330,15 @@
             <a:lstStyle/>
             <a:p>
               <a:r>
-                <a:rPr lang="en-US" sz="3600">
+                <a:rPr lang="en-US" sz="3600" dirty="0">
                   <a:solidFill>
-                    <a:schemeClr val="accent2"/>
+                    <a:srgbClr val="0000FF"/>
                   </a:solidFill>
                 </a:rPr>
                 <a:t>n</a:t>
               </a:r>
               <a:r>
-                <a:rPr lang="en-US" sz="3600">
+                <a:rPr lang="en-US" sz="3600" dirty="0">
                   <a:solidFill>
                     <a:srgbClr val="FF00FF"/>
                   </a:solidFill>
@@ -17809,16 +18346,16 @@
                 <a:t>r</a:t>
               </a:r>
               <a:r>
-                <a:rPr lang="en-US" sz="3600" baseline="30000">
+                <a:rPr lang="en-US" sz="3600" baseline="30000" dirty="0">
                   <a:solidFill>
-                    <a:schemeClr val="accent2"/>
+                    <a:srgbClr val="0000FF"/>
                   </a:solidFill>
                 </a:rPr>
                 <a:t>n-1</a:t>
               </a:r>
-              <a:endParaRPr lang="en-US" sz="3600">
-                <a:solidFill>
-                  <a:schemeClr val="accent2"/>
+              <a:endParaRPr lang="en-US" sz="3600" dirty="0">
+                <a:solidFill>
+                  <a:srgbClr val="0000FF"/>
                 </a:solidFill>
               </a:endParaRPr>
             </a:p>
@@ -17858,15 +18395,15 @@
             <a:lstStyle/>
             <a:p>
               <a:r>
-                <a:rPr lang="en-US" sz="3600">
+                <a:rPr lang="en-US" sz="3600" dirty="0">
                   <a:solidFill>
-                    <a:schemeClr val="accent2"/>
+                    <a:srgbClr val="0000FF"/>
                   </a:solidFill>
                 </a:rPr>
                 <a:t>T</a:t>
               </a:r>
               <a:r>
-                <a:rPr lang="en-US" sz="3600">
+                <a:rPr lang="en-US" sz="3600" dirty="0">
                   <a:solidFill>
                     <a:srgbClr val="FF00FF"/>
                   </a:solidFill>
@@ -17874,14 +18411,18 @@
                 <a:t>r</a:t>
               </a:r>
               <a:r>
-                <a:rPr lang="en-US" sz="3600" baseline="30000">
+                <a:rPr lang="en-US" sz="3600" baseline="30000" dirty="0">
                   <a:solidFill>
-                    <a:schemeClr val="accent2"/>
+                    <a:srgbClr val="0000FF"/>
                   </a:solidFill>
                 </a:rPr>
                 <a:t>T-1</a:t>
               </a:r>
-              <a:endParaRPr lang="en-US" sz="3600"/>
+              <a:endParaRPr lang="en-US" sz="3600" dirty="0">
+                <a:solidFill>
+                  <a:srgbClr val="0000FF"/>
+                </a:solidFill>
+              </a:endParaRPr>
             </a:p>
           </p:txBody>
         </p:sp>
@@ -17971,15 +18512,7 @@
             </a:pPr>
             <a:r>
               <a:rPr lang="en-US" dirty="0" smtClean="0"/>
-              <a:t>Albert R Meyer,                </a:t>
-            </a:r>
-            <a:r>
-              <a:rPr lang="en-US" dirty="0" smtClean="0"/>
-              <a:t>December 14, </a:t>
-            </a:r>
-            <a:r>
-              <a:rPr lang="en-US" dirty="0" smtClean="0"/>
-              <a:t>2011</a:t>
+              <a:t>Albert R Meyer,                December 14, 2011</a:t>
             </a:r>
             <a:endParaRPr lang="en-US" dirty="0"/>
           </a:p>
@@ -17991,17 +18524,23 @@
           <p:cNvGraphicFramePr>
             <a:graphicFrameLocks noChangeAspect="1"/>
           </p:cNvGraphicFramePr>
-          <p:nvPr/>
+          <p:nvPr>
+            <p:extLst>
+              <p:ext uri="{D42A27DB-BD31-4B8C-83A1-F6EECF244321}">
+                <p14:modId xmlns:p14="http://schemas.microsoft.com/office/powerpoint/2010/main" val="2980602096"/>
+              </p:ext>
+            </p:extLst>
+          </p:nvPr>
         </p:nvGraphicFramePr>
         <p:xfrm>
-          <a:off x="1219200" y="1219200"/>
-          <a:ext cx="2819400" cy="1629050"/>
+          <a:off x="1143000" y="1066800"/>
+          <a:ext cx="3200400" cy="1849192"/>
         </p:xfrm>
         <a:graphic>
           <a:graphicData uri="http://schemas.openxmlformats.org/presentationml/2006/ole">
             <mc:AlternateContent xmlns:mc="http://schemas.openxmlformats.org/markup-compatibility/2006">
               <mc:Choice xmlns:v="urn:schemas-microsoft-com:vml" Requires="v">
-                <p:oleObj spid="_x0000_s68618" name="Equation" r:id="rId4" imgW="812800" imgH="469900" progId="Equation.DSMT4">
+                <p:oleObj spid="_x0000_s68627" name="Equation" r:id="rId4" imgW="812800" imgH="469900" progId="Equation.DSMT4">
                   <p:embed/>
                 </p:oleObj>
               </mc:Choice>
@@ -18031,8 +18570,8 @@
                     </p:blipFill>
                     <p:spPr bwMode="auto">
                       <a:xfrm>
-                        <a:off x="1219200" y="1219200"/>
-                        <a:ext cx="2819400" cy="1629050"/>
+                        <a:off x="1143000" y="1066800"/>
+                        <a:ext cx="3200400" cy="1849192"/>
                       </a:xfrm>
                       <a:prstGeom prst="rect">
                         <a:avLst/>
@@ -18041,26 +18580,7 @@
                       <a:ln>
                         <a:noFill/>
                       </a:ln>
-                      <a:extLst>
-                        <a:ext uri="{909E8E84-426E-40dd-AFC4-6F175D3DCCD1}">
-                          <a14:hiddenFill xmlns:a14="http://schemas.microsoft.com/office/drawing/2010/main">
-                            <a:solidFill>
-                              <a:srgbClr val="FFFFFF"/>
-                            </a:solidFill>
-                          </a14:hiddenFill>
-                        </a:ext>
-                        <a:ext uri="{91240B29-F687-4f45-9708-019B960494DF}">
-                          <a14:hiddenLine xmlns:a14="http://schemas.microsoft.com/office/drawing/2010/main" w="38100">
-                            <a:solidFill>
-                              <a:srgbClr val="FF00FF"/>
-                            </a:solidFill>
-                            <a:prstDash val="sysDot"/>
-                            <a:miter lim="800000"/>
-                            <a:headEnd/>
-                            <a:tailEnd/>
-                          </a14:hiddenLine>
-                        </a:ext>
-                      </a:extLst>
+                      <a:extLst/>
                     </p:spPr>
                   </p:pic>
                 </p:oleObj>
@@ -18085,7 +18605,7 @@
           <a:graphicData uri="http://schemas.openxmlformats.org/presentationml/2006/ole">
             <mc:AlternateContent xmlns:mc="http://schemas.openxmlformats.org/markup-compatibility/2006">
               <mc:Choice xmlns:v="urn:schemas-microsoft-com:vml" Requires="v">
-                <p:oleObj spid="_x0000_s68619" name="Equation" r:id="rId6" imgW="177800" imgH="469900" progId="Equation.DSMT4">
+                <p:oleObj spid="_x0000_s68628" name="Equation" r:id="rId6" imgW="177800" imgH="469900" progId="Equation.DSMT4">
                   <p:embed/>
                 </p:oleObj>
               </mc:Choice>
@@ -18139,6 +18659,70 @@
           </a:graphicData>
         </a:graphic>
       </p:graphicFrame>
+      <p:sp>
+        <p:nvSpPr>
+          <p:cNvPr id="2" name="Rectangle 1"/>
+          <p:cNvSpPr/>
+          <p:nvPr/>
+        </p:nvSpPr>
+        <p:spPr bwMode="auto">
+          <a:xfrm>
+            <a:off x="6934200" y="4648200"/>
+            <a:ext cx="1066800" cy="1752600"/>
+          </a:xfrm>
+          <a:prstGeom prst="rect">
+            <a:avLst/>
+          </a:prstGeom>
+          <a:noFill/>
+          <a:ln w="38100" cap="flat" cmpd="sng" algn="ctr">
+            <a:solidFill>
+              <a:srgbClr val="FF00FF"/>
+            </a:solidFill>
+            <a:prstDash val="sysDash"/>
+            <a:round/>
+            <a:headEnd type="none" w="med" len="med"/>
+            <a:tailEnd type="none" w="med" len="med"/>
+          </a:ln>
+          <a:effectLst/>
+        </p:spPr>
+        <p:txBody>
+          <a:bodyPr vert="horz" wrap="square" lIns="91440" tIns="45720" rIns="91440" bIns="45720" numCol="1" rtlCol="0" anchor="t" anchorCtr="0" compatLnSpc="1">
+            <a:prstTxWarp prst="textNoShape">
+              <a:avLst/>
+            </a:prstTxWarp>
+          </a:bodyPr>
+          <a:lstStyle/>
+          <a:p>
+            <a:pPr marL="0" marR="0" indent="0" algn="l" defTabSz="914400" rtl="0" eaLnBrk="0" fontAlgn="base" latinLnBrk="0" hangingPunct="0">
+              <a:lnSpc>
+                <a:spcPct val="100000"/>
+              </a:lnSpc>
+              <a:spcBef>
+                <a:spcPct val="0"/>
+              </a:spcBef>
+              <a:spcAft>
+                <a:spcPct val="0"/>
+              </a:spcAft>
+              <a:buClrTx/>
+              <a:buSzTx/>
+              <a:buFontTx/>
+              <a:buNone/>
+              <a:tabLst/>
+            </a:pPr>
+            <a:endParaRPr kumimoji="0" lang="en-US" sz="2400" b="0" i="0" u="none" strike="noStrike" cap="none" normalizeH="0" baseline="0" smtClean="0">
+              <a:ln>
+                <a:noFill/>
+              </a:ln>
+              <a:solidFill>
+                <a:schemeClr val="tx1"/>
+              </a:solidFill>
+              <a:effectLst/>
+              <a:latin typeface="Comic Sans MS" pitchFamily="-64" charset="0"/>
+              <a:ea typeface="ＭＳ Ｐゴシック" pitchFamily="-64" charset="-128"/>
+            </a:endParaRPr>
+          </a:p>
+        </p:txBody>
+      </p:sp>
     </p:spTree>
   </p:cSld>
   <p:clrMapOvr>
@@ -18453,6 +19037,134 @@
                             </p:childTnLst>
                           </p:cTn>
                         </p:par>
+                        <p:par>
+                          <p:cTn id="30" fill="hold">
+                            <p:stCondLst>
+                              <p:cond delay="2000"/>
+                            </p:stCondLst>
+                            <p:childTnLst>
+                              <p:par>
+                                <p:cTn id="31" presetID="15" presetClass="entr" presetSubtype="0" fill="hold" grpId="0" nodeType="afterEffect">
+                                  <p:stCondLst>
+                                    <p:cond delay="0"/>
+                                  </p:stCondLst>
+                                  <p:childTnLst>
+                                    <p:set>
+                                      <p:cBhvr>
+                                        <p:cTn id="32" dur="1" fill="hold">
+                                          <p:stCondLst>
+                                            <p:cond delay="0"/>
+                                          </p:stCondLst>
+                                        </p:cTn>
+                                        <p:tgtEl>
+                                          <p:spTgt spid="2"/>
+                                        </p:tgtEl>
+                                        <p:attrNameLst>
+                                          <p:attrName>style.visibility</p:attrName>
+                                        </p:attrNameLst>
+                                      </p:cBhvr>
+                                      <p:to>
+                                        <p:strVal val="visible"/>
+                                      </p:to>
+                                    </p:set>
+                                    <p:anim calcmode="lin" valueType="num">
+                                      <p:cBhvr>
+                                        <p:cTn id="33" dur="1000" fill="hold"/>
+                                        <p:tgtEl>
+                                          <p:spTgt spid="2"/>
+                                        </p:tgtEl>
+                                        <p:attrNameLst>
+                                          <p:attrName>ppt_w</p:attrName>
+                                        </p:attrNameLst>
+                                      </p:cBhvr>
+                                      <p:tavLst>
+                                        <p:tav tm="0">
+                                          <p:val>
+                                            <p:fltVal val="0"/>
+                                          </p:val>
+                                        </p:tav>
+                                        <p:tav tm="100000">
+                                          <p:val>
+                                            <p:strVal val="#ppt_w"/>
+                                          </p:val>
+                                        </p:tav>
+                                      </p:tavLst>
+                                    </p:anim>
+                                    <p:anim calcmode="lin" valueType="num">
+                                      <p:cBhvr>
+                                        <p:cTn id="34" dur="1000" fill="hold"/>
+                                        <p:tgtEl>
+                                          <p:spTgt spid="2"/>
+                                        </p:tgtEl>
+                                        <p:attrNameLst>
+                                          <p:attrName>ppt_h</p:attrName>
+                                        </p:attrNameLst>
+                                      </p:cBhvr>
+                                      <p:tavLst>
+                                        <p:tav tm="0">
+                                          <p:val>
+                                            <p:fltVal val="0"/>
+                                          </p:val>
+                                        </p:tav>
+                                        <p:tav tm="100000">
+                                          <p:val>
+                                            <p:strVal val="#ppt_h"/>
+                                          </p:val>
+                                        </p:tav>
+                                      </p:tavLst>
+                                    </p:anim>
+                                    <p:anim calcmode="lin" valueType="num">
+                                      <p:cBhvr>
+                                        <p:cTn id="35" dur="1000" fill="hold"/>
+                                        <p:tgtEl>
+                                          <p:spTgt spid="2"/>
+                                        </p:tgtEl>
+                                        <p:attrNameLst>
+                                          <p:attrName>ppt_x</p:attrName>
+                                        </p:attrNameLst>
+                                      </p:cBhvr>
+                                      <p:tavLst>
+                                        <p:tav tm="0" fmla="#ppt_x+(cos(-2*pi*(1-$))*-#ppt_x-sin(-2*pi*(1-$))*(1-#ppt_y))*(1-$)">
+                                          <p:val>
+                                            <p:fltVal val="0"/>
+                                          </p:val>
+                                        </p:tav>
+                                        <p:tav tm="100000">
+                                          <p:val>
+                                            <p:fltVal val="1"/>
+                                          </p:val>
+                                        </p:tav>
+                                      </p:tavLst>
+                                    </p:anim>
+                                    <p:anim calcmode="lin" valueType="num">
+                                      <p:cBhvr>
+                                        <p:cTn id="36" dur="1000" fill="hold"/>
+                                        <p:tgtEl>
+                                          <p:spTgt spid="2"/>
+                                        </p:tgtEl>
+                                        <p:attrNameLst>
+                                          <p:attrName>ppt_y</p:attrName>
+                                        </p:attrNameLst>
+                                      </p:cBhvr>
+                                      <p:tavLst>
+                                        <p:tav tm="0" fmla="#ppt_y+(sin(-2*pi*(1-$))*-#ppt_x+cos(-2*pi*(1-$))*(1-#ppt_y))*(1-$)">
+                                          <p:val>
+                                            <p:fltVal val="0"/>
+                                          </p:val>
+                                        </p:tav>
+                                        <p:tav tm="100000">
+                                          <p:val>
+                                            <p:fltVal val="1"/>
+                                          </p:val>
+                                        </p:tav>
+                                      </p:tavLst>
+                                    </p:anim>
+                                  </p:childTnLst>
+                                </p:cTn>
+                              </p:par>
+                            </p:childTnLst>
+                          </p:cTn>
+                        </p:par>
                       </p:childTnLst>
                     </p:cTn>
                   </p:par>
@@ -18482,12 +19194,13 @@
       <p:bldP spid="70662" grpId="0" build="p"/>
       <p:bldP spid="70663" grpId="0"/>
       <p:bldP spid="98313" grpId="0"/>
+      <p:bldP spid="2" grpId="0" animBg="1"/>
     </p:bldLst>
   </p:timing>
 </p:sld>
 </file>
 
-<file path=ppt/slides/slide25.xml><?xml version="1.0" encoding="utf-8"?>
+<file path=ppt/slides/slide26.xml><?xml version="1.0" encoding="utf-8"?>
 <p:sld xmlns:a="http://schemas.openxmlformats.org/drawingml/2006/main" xmlns:r="http://schemas.openxmlformats.org/officeDocument/2006/relationships" xmlns:p="http://schemas.openxmlformats.org/presentationml/2006/main">
   <p:cSld>
     <p:spTree>
@@ -18506,7 +19219,30 @@
       </p:grpSpPr>
       <p:sp>
         <p:nvSpPr>
-          <p:cNvPr id="72708" name="Slide Number Placeholder 5"/>
+          <p:cNvPr id="2" name="Title 1"/>
+          <p:cNvSpPr>
+            <a:spLocks noGrp="1"/>
+          </p:cNvSpPr>
+          <p:nvPr>
+            <p:ph type="title"/>
+          </p:nvPr>
+        </p:nvSpPr>
+        <p:spPr/>
+        <p:txBody>
+          <a:bodyPr/>
+          <a:lstStyle/>
+          <a:p>
+            <a:r>
+              <a:rPr lang="en-US" dirty="0" smtClean="0"/>
+              <a:t>Expected number of bets</a:t>
+            </a:r>
+            <a:endParaRPr lang="en-US" dirty="0"/>
+          </a:p>
+        </p:txBody>
+      </p:sp>
+      <p:sp>
+        <p:nvSpPr>
+          <p:cNvPr id="4" name="Slide Number Placeholder 3"/>
           <p:cNvSpPr>
             <a:spLocks noGrp="1"/>
           </p:cNvSpPr>
@@ -18514,181 +19250,1415 @@
             <p:ph type="sldNum" sz="quarter" idx="12"/>
           </p:nvPr>
         </p:nvSpPr>
-        <p:spPr>
-          <a:noFill/>
-        </p:spPr>
+        <p:spPr/>
         <p:txBody>
           <a:bodyPr/>
           <a:lstStyle/>
           <a:p>
-            <a:r>
-              <a:rPr lang="en-US" dirty="0" err="1"/>
-              <a:t>Lec</a:t>
-            </a:r>
-            <a:r>
-              <a:rPr lang="en-US" dirty="0" smtClean="0"/>
-              <a:t> </a:t>
-            </a:r>
-            <a:r>
-              <a:rPr lang="en-US" dirty="0" smtClean="0"/>
-              <a:t>15W.</a:t>
-            </a:r>
-            <a:fld id="{48C43B83-FFFA-DF4E-A03B-97AA17DF8C4C}" type="slidenum">
+            <a:pPr>
+              <a:defRPr/>
+            </a:pPr>
+            <a:r>
               <a:rPr lang="en-US" smtClean="0"/>
-              <a:pPr/>
-              <a:t>25</a:t>
+              <a:t>Lec 15W.</a:t>
+            </a:r>
+            <a:fld id="{E877D3CB-F960-BD47-98A7-06971C504846}" type="slidenum">
+              <a:rPr lang="en-US" smtClean="0"/>
+              <a:pPr>
+                <a:defRPr/>
+              </a:pPr>
+              <a:t>26</a:t>
             </a:fld>
+            <a:endParaRPr lang="en-US" smtClean="0"/>
+          </a:p>
+          <a:p>
+            <a:pPr>
+              <a:defRPr/>
+            </a:pPr>
             <a:endParaRPr lang="en-US" dirty="0"/>
           </a:p>
-          <a:p>
+        </p:txBody>
+      </p:sp>
+      <p:sp>
+        <p:nvSpPr>
+          <p:cNvPr id="5" name="Date Placeholder 4"/>
+          <p:cNvSpPr>
+            <a:spLocks noGrp="1"/>
+          </p:cNvSpPr>
+          <p:nvPr>
+            <p:ph type="dt" sz="half" idx="2"/>
+          </p:nvPr>
+        </p:nvSpPr>
+        <p:spPr/>
+        <p:txBody>
+          <a:bodyPr/>
+          <a:lstStyle/>
+          <a:p>
+            <a:pPr>
+              <a:defRPr/>
+            </a:pPr>
+            <a:r>
+              <a:rPr lang="en-US" smtClean="0"/>
+              <a:t>Albert R Meyer,                        December 14, 2011</a:t>
+            </a:r>
             <a:endParaRPr lang="en-US" dirty="0"/>
           </a:p>
         </p:txBody>
       </p:sp>
-      <p:sp>
-        <p:nvSpPr>
-          <p:cNvPr id="72709" name="Rectangle 2"/>
-          <p:cNvSpPr>
-            <a:spLocks noGrp="1" noChangeArrowheads="1"/>
+      <p:graphicFrame>
+        <p:nvGraphicFramePr>
+          <p:cNvPr id="6" name="Object 5"/>
+          <p:cNvGraphicFramePr>
+            <a:graphicFrameLocks noChangeAspect="1"/>
+          </p:cNvGraphicFramePr>
+          <p:nvPr>
+            <p:extLst>
+              <p:ext uri="{D42A27DB-BD31-4B8C-83A1-F6EECF244321}">
+                <p14:modId xmlns:p14="http://schemas.microsoft.com/office/powerpoint/2010/main" val="2004488301"/>
+              </p:ext>
+            </p:extLst>
+          </p:nvPr>
+        </p:nvGraphicFramePr>
+        <p:xfrm>
+          <a:off x="522288" y="2362200"/>
+          <a:ext cx="8097837" cy="1179513"/>
+        </p:xfrm>
+        <a:graphic>
+          <a:graphicData uri="http://schemas.openxmlformats.org/presentationml/2006/ole">
+            <mc:AlternateContent xmlns:mc="http://schemas.openxmlformats.org/markup-compatibility/2006">
+              <mc:Choice xmlns:v="urn:schemas-microsoft-com:vml" Requires="v">
+                <p:oleObj spid="_x0000_s1051" name="Equation" r:id="rId3" imgW="2006600" imgH="292100" progId="Equation.DSMT4">
+                  <p:embed/>
+                </p:oleObj>
+              </mc:Choice>
+              <mc:Fallback>
+                <p:oleObj name="Equation" r:id="rId3" imgW="2006600" imgH="292100" progId="Equation.DSMT4">
+                  <p:embed/>
+                  <p:pic>
+                    <p:nvPicPr>
+                      <p:cNvPr id="0" name=""/>
+                      <p:cNvPicPr/>
+                      <p:nvPr/>
+                    </p:nvPicPr>
+                    <p:blipFill>
+                      <a:blip r:embed="rId4">
+                        <a:alphaModFix/>
+                      </a:blip>
+                      <a:stretch>
+                        <a:fillRect/>
+                      </a:stretch>
+                    </p:blipFill>
+                    <p:spPr>
+                      <a:xfrm>
+                        <a:off x="522288" y="2362200"/>
+                        <a:ext cx="8097837" cy="1179513"/>
+                      </a:xfrm>
+                      <a:prstGeom prst="rect">
+                        <a:avLst/>
+                      </a:prstGeom>
+                    </p:spPr>
+                  </p:pic>
+                </p:oleObj>
+              </mc:Fallback>
+            </mc:AlternateContent>
+          </a:graphicData>
+        </a:graphic>
+      </p:graphicFrame>
+      <p:graphicFrame>
+        <p:nvGraphicFramePr>
+          <p:cNvPr id="7" name="Object 6"/>
+          <p:cNvGraphicFramePr>
+            <a:graphicFrameLocks noChangeAspect="1"/>
+          </p:cNvGraphicFramePr>
+          <p:nvPr>
+            <p:extLst>
+              <p:ext uri="{D42A27DB-BD31-4B8C-83A1-F6EECF244321}">
+                <p14:modId xmlns:p14="http://schemas.microsoft.com/office/powerpoint/2010/main" val="3532162066"/>
+              </p:ext>
+            </p:extLst>
+          </p:nvPr>
+        </p:nvGraphicFramePr>
+        <p:xfrm>
+          <a:off x="544513" y="3352800"/>
+          <a:ext cx="8053387" cy="1143000"/>
+        </p:xfrm>
+        <a:graphic>
+          <a:graphicData uri="http://schemas.openxmlformats.org/presentationml/2006/ole">
+            <mc:AlternateContent xmlns:mc="http://schemas.openxmlformats.org/markup-compatibility/2006">
+              <mc:Choice xmlns:v="urn:schemas-microsoft-com:vml" Requires="v">
+                <p:oleObj spid="_x0000_s1052" name="Equation" r:id="rId5" imgW="2057400" imgH="292100" progId="Equation.DSMT4">
+                  <p:embed/>
+                </p:oleObj>
+              </mc:Choice>
+              <mc:Fallback>
+                <p:oleObj name="Equation" r:id="rId5" imgW="2057400" imgH="292100" progId="Equation.DSMT4">
+                  <p:embed/>
+                  <p:pic>
+                    <p:nvPicPr>
+                      <p:cNvPr id="0" name=""/>
+                      <p:cNvPicPr/>
+                      <p:nvPr/>
+                    </p:nvPicPr>
+                    <p:blipFill>
+                      <a:blip r:embed="rId6">
+                        <a:alphaModFix/>
+                      </a:blip>
+                      <a:stretch>
+                        <a:fillRect/>
+                      </a:stretch>
+                    </p:blipFill>
+                    <p:spPr>
+                      <a:xfrm>
+                        <a:off x="544513" y="3352800"/>
+                        <a:ext cx="8053387" cy="1143000"/>
+                      </a:xfrm>
+                      <a:prstGeom prst="rect">
+                        <a:avLst/>
+                      </a:prstGeom>
+                    </p:spPr>
+                  </p:pic>
+                </p:oleObj>
+              </mc:Fallback>
+            </mc:AlternateContent>
+          </a:graphicData>
+        </a:graphic>
+      </p:graphicFrame>
+      <p:graphicFrame>
+        <p:nvGraphicFramePr>
+          <p:cNvPr id="17" name="Object 16"/>
+          <p:cNvGraphicFramePr>
+            <a:graphicFrameLocks noChangeAspect="1"/>
+          </p:cNvGraphicFramePr>
+          <p:nvPr>
+            <p:extLst>
+              <p:ext uri="{D42A27DB-BD31-4B8C-83A1-F6EECF244321}">
+                <p14:modId xmlns:p14="http://schemas.microsoft.com/office/powerpoint/2010/main" val="2965458711"/>
+              </p:ext>
+            </p:extLst>
+          </p:nvPr>
+        </p:nvGraphicFramePr>
+        <p:xfrm>
+          <a:off x="304800" y="1371600"/>
+          <a:ext cx="8398565" cy="1143000"/>
+        </p:xfrm>
+        <a:graphic>
+          <a:graphicData uri="http://schemas.openxmlformats.org/presentationml/2006/ole">
+            <mc:AlternateContent xmlns:mc="http://schemas.openxmlformats.org/markup-compatibility/2006">
+              <mc:Choice xmlns:v="urn:schemas-microsoft-com:vml" Requires="v">
+                <p:oleObj spid="_x0000_s1053" name="Equation" r:id="rId7" imgW="2146300" imgH="292100" progId="Equation.DSMT4">
+                  <p:embed/>
+                </p:oleObj>
+              </mc:Choice>
+              <mc:Fallback>
+                <p:oleObj name="Equation" r:id="rId7" imgW="2146300" imgH="292100" progId="Equation.DSMT4">
+                  <p:embed/>
+                  <p:pic>
+                    <p:nvPicPr>
+                      <p:cNvPr id="0" name=""/>
+                      <p:cNvPicPr/>
+                      <p:nvPr/>
+                    </p:nvPicPr>
+                    <p:blipFill>
+                      <a:blip r:embed="rId8"/>
+                      <a:stretch>
+                        <a:fillRect/>
+                      </a:stretch>
+                    </p:blipFill>
+                    <p:spPr>
+                      <a:xfrm>
+                        <a:off x="304800" y="1371600"/>
+                        <a:ext cx="8398565" cy="1143000"/>
+                      </a:xfrm>
+                      <a:prstGeom prst="rect">
+                        <a:avLst/>
+                      </a:prstGeom>
+                    </p:spPr>
+                  </p:pic>
+                </p:oleObj>
+              </mc:Fallback>
+            </mc:AlternateContent>
+          </a:graphicData>
+        </a:graphic>
+      </p:graphicFrame>
+    </p:spTree>
+    <p:extLst>
+      <p:ext uri="{BB962C8B-B14F-4D97-AF65-F5344CB8AC3E}">
+        <p14:creationId xmlns:p14="http://schemas.microsoft.com/office/powerpoint/2010/main" val="2623497218"/>
+      </p:ext>
+    </p:extLst>
+  </p:cSld>
+  <p:clrMapOvr>
+    <a:masterClrMapping/>
+  </p:clrMapOvr>
+  <p:transition xmlns:p14="http://schemas.microsoft.com/office/powerpoint/2010/main" spd="slow">
+    <p:fade thruBlk="1"/>
+  </p:transition>
+  <p:timing>
+    <p:tnLst>
+      <p:par>
+        <p:cTn xmlns:p14="http://schemas.microsoft.com/office/powerpoint/2010/main" id="1" dur="indefinite" restart="never" nodeType="tmRoot">
+          <p:childTnLst>
+            <p:seq concurrent="1" nextAc="seek">
+              <p:cTn id="2" dur="indefinite" nodeType="mainSeq">
+                <p:childTnLst>
+                  <p:par>
+                    <p:cTn id="3" fill="hold">
+                      <p:stCondLst>
+                        <p:cond delay="indefinite"/>
+                      </p:stCondLst>
+                      <p:childTnLst>
+                        <p:par>
+                          <p:cTn id="4" fill="hold">
+                            <p:stCondLst>
+                              <p:cond delay="0"/>
+                            </p:stCondLst>
+                            <p:childTnLst>
+                              <p:par>
+                                <p:cTn id="5" presetID="22" presetClass="entr" presetSubtype="8" fill="hold" nodeType="clickEffect">
+                                  <p:stCondLst>
+                                    <p:cond delay="0"/>
+                                  </p:stCondLst>
+                                  <p:childTnLst>
+                                    <p:set>
+                                      <p:cBhvr>
+                                        <p:cTn id="6" dur="1" fill="hold">
+                                          <p:stCondLst>
+                                            <p:cond delay="0"/>
+                                          </p:stCondLst>
+                                        </p:cTn>
+                                        <p:tgtEl>
+                                          <p:spTgt spid="17"/>
+                                        </p:tgtEl>
+                                        <p:attrNameLst>
+                                          <p:attrName>style.visibility</p:attrName>
+                                        </p:attrNameLst>
+                                      </p:cBhvr>
+                                      <p:to>
+                                        <p:strVal val="visible"/>
+                                      </p:to>
+                                    </p:set>
+                                    <p:animEffect transition="in" filter="wipe(left)">
+                                      <p:cBhvr>
+                                        <p:cTn id="7" dur="500"/>
+                                        <p:tgtEl>
+                                          <p:spTgt spid="17"/>
+                                        </p:tgtEl>
+                                      </p:cBhvr>
+                                    </p:animEffect>
+                                  </p:childTnLst>
+                                </p:cTn>
+                              </p:par>
+                            </p:childTnLst>
+                          </p:cTn>
+                        </p:par>
+                      </p:childTnLst>
+                    </p:cTn>
+                  </p:par>
+                  <p:par>
+                    <p:cTn id="8" fill="hold">
+                      <p:stCondLst>
+                        <p:cond delay="indefinite"/>
+                      </p:stCondLst>
+                      <p:childTnLst>
+                        <p:par>
+                          <p:cTn id="9" fill="hold">
+                            <p:stCondLst>
+                              <p:cond delay="0"/>
+                            </p:stCondLst>
+                            <p:childTnLst>
+                              <p:par>
+                                <p:cTn id="10" presetID="22" presetClass="entr" presetSubtype="8" fill="hold" nodeType="clickEffect">
+                                  <p:stCondLst>
+                                    <p:cond delay="0"/>
+                                  </p:stCondLst>
+                                  <p:childTnLst>
+                                    <p:set>
+                                      <p:cBhvr>
+                                        <p:cTn id="11" dur="1" fill="hold">
+                                          <p:stCondLst>
+                                            <p:cond delay="0"/>
+                                          </p:stCondLst>
+                                        </p:cTn>
+                                        <p:tgtEl>
+                                          <p:spTgt spid="6"/>
+                                        </p:tgtEl>
+                                        <p:attrNameLst>
+                                          <p:attrName>style.visibility</p:attrName>
+                                        </p:attrNameLst>
+                                      </p:cBhvr>
+                                      <p:to>
+                                        <p:strVal val="visible"/>
+                                      </p:to>
+                                    </p:set>
+                                    <p:animEffect transition="in" filter="wipe(left)">
+                                      <p:cBhvr>
+                                        <p:cTn id="12" dur="1000"/>
+                                        <p:tgtEl>
+                                          <p:spTgt spid="6"/>
+                                        </p:tgtEl>
+                                      </p:cBhvr>
+                                    </p:animEffect>
+                                  </p:childTnLst>
+                                </p:cTn>
+                              </p:par>
+                            </p:childTnLst>
+                          </p:cTn>
+                        </p:par>
+                      </p:childTnLst>
+                    </p:cTn>
+                  </p:par>
+                  <p:par>
+                    <p:cTn id="13" fill="hold">
+                      <p:stCondLst>
+                        <p:cond delay="indefinite"/>
+                      </p:stCondLst>
+                      <p:childTnLst>
+                        <p:par>
+                          <p:cTn id="14" fill="hold">
+                            <p:stCondLst>
+                              <p:cond delay="0"/>
+                            </p:stCondLst>
+                            <p:childTnLst>
+                              <p:par>
+                                <p:cTn id="15" presetID="22" presetClass="entr" presetSubtype="8" fill="hold" nodeType="clickEffect">
+                                  <p:stCondLst>
+                                    <p:cond delay="0"/>
+                                  </p:stCondLst>
+                                  <p:childTnLst>
+                                    <p:set>
+                                      <p:cBhvr>
+                                        <p:cTn id="16" dur="1" fill="hold">
+                                          <p:stCondLst>
+                                            <p:cond delay="0"/>
+                                          </p:stCondLst>
+                                        </p:cTn>
+                                        <p:tgtEl>
+                                          <p:spTgt spid="7"/>
+                                        </p:tgtEl>
+                                        <p:attrNameLst>
+                                          <p:attrName>style.visibility</p:attrName>
+                                        </p:attrNameLst>
+                                      </p:cBhvr>
+                                      <p:to>
+                                        <p:strVal val="visible"/>
+                                      </p:to>
+                                    </p:set>
+                                    <p:animEffect transition="in" filter="wipe(left)">
+                                      <p:cBhvr>
+                                        <p:cTn id="17" dur="1000"/>
+                                        <p:tgtEl>
+                                          <p:spTgt spid="7"/>
+                                        </p:tgtEl>
+                                      </p:cBhvr>
+                                    </p:animEffect>
+                                  </p:childTnLst>
+                                </p:cTn>
+                              </p:par>
+                            </p:childTnLst>
+                          </p:cTn>
+                        </p:par>
+                      </p:childTnLst>
+                    </p:cTn>
+                  </p:par>
+                </p:childTnLst>
+              </p:cTn>
+              <p:prevCondLst>
+                <p:cond evt="onPrev" delay="0">
+                  <p:tgtEl>
+                    <p:sldTgt/>
+                  </p:tgtEl>
+                </p:cond>
+              </p:prevCondLst>
+              <p:nextCondLst>
+                <p:cond evt="onNext" delay="0">
+                  <p:tgtEl>
+                    <p:sldTgt/>
+                  </p:tgtEl>
+                </p:cond>
+              </p:nextCondLst>
+            </p:seq>
+          </p:childTnLst>
+        </p:cTn>
+      </p:par>
+    </p:tnLst>
+  </p:timing>
+</p:sld>
+</file>
+
+<file path=ppt/slides/slide27.xml><?xml version="1.0" encoding="utf-8"?>
+<p:sld xmlns:a="http://schemas.openxmlformats.org/drawingml/2006/main" xmlns:r="http://schemas.openxmlformats.org/officeDocument/2006/relationships" xmlns:p="http://schemas.openxmlformats.org/presentationml/2006/main">
+  <p:cSld>
+    <p:spTree>
+      <p:nvGrpSpPr>
+        <p:cNvPr id="1" name=""/>
+        <p:cNvGrpSpPr/>
+        <p:nvPr/>
+      </p:nvGrpSpPr>
+      <p:grpSpPr>
+        <a:xfrm>
+          <a:off x="0" y="0"/>
+          <a:ext cx="0" cy="0"/>
+          <a:chOff x="0" y="0"/>
+          <a:chExt cx="0" cy="0"/>
+        </a:xfrm>
+      </p:grpSpPr>
+      <p:sp>
+        <p:nvSpPr>
+          <p:cNvPr id="2" name="Title 1"/>
+          <p:cNvSpPr>
+            <a:spLocks noGrp="1"/>
           </p:cNvSpPr>
           <p:nvPr>
             <p:ph type="title"/>
           </p:nvPr>
         </p:nvSpPr>
-        <p:spPr>
-          <a:xfrm>
-            <a:off x="1747838" y="301624"/>
-            <a:ext cx="5643562" cy="1146175"/>
-          </a:xfrm>
-        </p:spPr>
+        <p:spPr/>
         <p:txBody>
           <a:bodyPr/>
           <a:lstStyle/>
           <a:p>
-            <a:pPr eaLnBrk="1" hangingPunct="1"/>
-            <a:r>
-              <a:rPr lang="en-US" dirty="0"/>
-              <a:t>Team Problems</a:t>
-            </a:r>
-          </a:p>
-        </p:txBody>
-      </p:sp>
-      <p:sp>
-        <p:nvSpPr>
-          <p:cNvPr id="72710" name="Rectangle 3"/>
-          <p:cNvSpPr>
-            <a:spLocks noGrp="1" noChangeArrowheads="1"/>
+            <a:r>
+              <a:rPr lang="en-US" dirty="0" smtClean="0"/>
+              <a:t>Expected number of bets</a:t>
+            </a:r>
+            <a:endParaRPr lang="en-US" dirty="0"/>
+          </a:p>
+        </p:txBody>
+      </p:sp>
+      <p:sp>
+        <p:nvSpPr>
+          <p:cNvPr id="4" name="Slide Number Placeholder 3"/>
+          <p:cNvSpPr>
+            <a:spLocks noGrp="1"/>
           </p:cNvSpPr>
           <p:nvPr>
-            <p:ph type="body" idx="1"/>
+            <p:ph type="sldNum" sz="quarter" idx="12"/>
           </p:nvPr>
         </p:nvSpPr>
-        <p:spPr>
-          <a:xfrm>
-            <a:off x="1676400" y="1790700"/>
-            <a:ext cx="5791200" cy="3276600"/>
-          </a:xfrm>
-        </p:spPr>
+        <p:spPr/>
         <p:txBody>
           <a:bodyPr/>
           <a:lstStyle/>
           <a:p>
-            <a:pPr eaLnBrk="1" hangingPunct="1">
-              <a:buFontTx/>
-              <a:buNone/>
+            <a:pPr>
+              <a:defRPr/>
             </a:pPr>
             <a:r>
-              <a:rPr lang="en-US" sz="9600" dirty="0" smtClean="0"/>
-              <a:t>Problems</a:t>
-            </a:r>
-            <a:endParaRPr lang="en-US" sz="9600" dirty="0" smtClean="0"/>
-          </a:p>
-          <a:p>
-            <a:pPr algn="ctr" eaLnBrk="1" hangingPunct="1">
-              <a:buFontTx/>
-              <a:buNone/>
+              <a:rPr lang="en-US" smtClean="0"/>
+              <a:t>Lec 15W.</a:t>
+            </a:r>
+            <a:fld id="{E877D3CB-F960-BD47-98A7-06971C504846}" type="slidenum">
+              <a:rPr lang="en-US" smtClean="0"/>
+              <a:pPr>
+                <a:defRPr/>
+              </a:pPr>
+              <a:t>27</a:t>
+            </a:fld>
+            <a:endParaRPr lang="en-US" smtClean="0"/>
+          </a:p>
+          <a:p>
+            <a:pPr>
+              <a:defRPr/>
             </a:pPr>
-            <a:r>
-              <a:rPr lang="en-US" sz="9600" dirty="0" smtClean="0"/>
-              <a:t>1-3</a:t>
-            </a:r>
-            <a:endParaRPr lang="en-US" sz="9600" dirty="0"/>
-          </a:p>
-        </p:txBody>
-      </p:sp>
-      <p:sp>
-        <p:nvSpPr>
-          <p:cNvPr id="7" name="Rectangle 4"/>
-          <p:cNvSpPr>
-            <a:spLocks noGrp="1" noChangeArrowheads="1"/>
+            <a:endParaRPr lang="en-US" dirty="0"/>
+          </a:p>
+        </p:txBody>
+      </p:sp>
+      <p:sp>
+        <p:nvSpPr>
+          <p:cNvPr id="5" name="Date Placeholder 4"/>
+          <p:cNvSpPr>
+            <a:spLocks noGrp="1"/>
           </p:cNvSpPr>
           <p:nvPr>
             <p:ph type="dt" sz="half" idx="2"/>
           </p:nvPr>
         </p:nvSpPr>
-        <p:spPr bwMode="auto">
+        <p:spPr/>
+        <p:txBody>
+          <a:bodyPr/>
+          <a:lstStyle/>
+          <a:p>
+            <a:pPr>
+              <a:defRPr/>
+            </a:pPr>
+            <a:r>
+              <a:rPr lang="en-US" smtClean="0"/>
+              <a:t>Albert R Meyer,                        December 14, 2011</a:t>
+            </a:r>
+            <a:endParaRPr lang="en-US" dirty="0"/>
+          </a:p>
+        </p:txBody>
+      </p:sp>
+      <p:graphicFrame>
+        <p:nvGraphicFramePr>
+          <p:cNvPr id="8" name="Object 7"/>
+          <p:cNvGraphicFramePr>
+            <a:graphicFrameLocks noChangeAspect="1"/>
+          </p:cNvGraphicFramePr>
+          <p:nvPr>
+            <p:extLst>
+              <p:ext uri="{D42A27DB-BD31-4B8C-83A1-F6EECF244321}">
+                <p14:modId xmlns:p14="http://schemas.microsoft.com/office/powerpoint/2010/main" val="313211809"/>
+              </p:ext>
+            </p:extLst>
+          </p:nvPr>
+        </p:nvGraphicFramePr>
+        <p:xfrm>
+          <a:off x="228600" y="1524000"/>
+          <a:ext cx="8694420" cy="1600200"/>
+        </p:xfrm>
+        <a:graphic>
+          <a:graphicData uri="http://schemas.openxmlformats.org/presentationml/2006/ole">
+            <mc:AlternateContent xmlns:mc="http://schemas.openxmlformats.org/markup-compatibility/2006">
+              <mc:Choice xmlns:v="urn:schemas-microsoft-com:vml" Requires="v">
+                <p:oleObj spid="_x0000_s237584" name="Equation" r:id="rId3" imgW="3035300" imgH="558800" progId="Equation.DSMT4">
+                  <p:embed/>
+                </p:oleObj>
+              </mc:Choice>
+              <mc:Fallback>
+                <p:oleObj name="Equation" r:id="rId3" imgW="3035300" imgH="558800" progId="Equation.DSMT4">
+                  <p:embed/>
+                  <p:pic>
+                    <p:nvPicPr>
+                      <p:cNvPr id="0" name=""/>
+                      <p:cNvPicPr/>
+                      <p:nvPr/>
+                    </p:nvPicPr>
+                    <p:blipFill>
+                      <a:blip r:embed="rId4"/>
+                      <a:stretch>
+                        <a:fillRect/>
+                      </a:stretch>
+                    </p:blipFill>
+                    <p:spPr>
+                      <a:xfrm>
+                        <a:off x="228600" y="1524000"/>
+                        <a:ext cx="8694420" cy="1600200"/>
+                      </a:xfrm>
+                      <a:prstGeom prst="rect">
+                        <a:avLst/>
+                      </a:prstGeom>
+                    </p:spPr>
+                  </p:pic>
+                </p:oleObj>
+              </mc:Fallback>
+            </mc:AlternateContent>
+          </a:graphicData>
+        </a:graphic>
+      </p:graphicFrame>
+      <p:graphicFrame>
+        <p:nvGraphicFramePr>
+          <p:cNvPr id="11" name="Object 10"/>
+          <p:cNvGraphicFramePr>
+            <a:graphicFrameLocks noChangeAspect="1"/>
+          </p:cNvGraphicFramePr>
+          <p:nvPr>
+            <p:extLst>
+              <p:ext uri="{D42A27DB-BD31-4B8C-83A1-F6EECF244321}">
+                <p14:modId xmlns:p14="http://schemas.microsoft.com/office/powerpoint/2010/main" val="4257196318"/>
+              </p:ext>
+            </p:extLst>
+          </p:nvPr>
+        </p:nvGraphicFramePr>
+        <p:xfrm>
+          <a:off x="781419" y="3048000"/>
+          <a:ext cx="7829181" cy="1433512"/>
+        </p:xfrm>
+        <a:graphic>
+          <a:graphicData uri="http://schemas.openxmlformats.org/presentationml/2006/ole">
+            <mc:AlternateContent xmlns:mc="http://schemas.openxmlformats.org/markup-compatibility/2006">
+              <mc:Choice xmlns:v="urn:schemas-microsoft-com:vml" Requires="v">
+                <p:oleObj spid="_x0000_s237585" name="Equation" r:id="rId5" imgW="1803400" imgH="330200" progId="Equation.DSMT4">
+                  <p:embed/>
+                </p:oleObj>
+              </mc:Choice>
+              <mc:Fallback>
+                <p:oleObj name="Equation" r:id="rId5" imgW="1803400" imgH="330200" progId="Equation.DSMT4">
+                  <p:embed/>
+                  <p:pic>
+                    <p:nvPicPr>
+                      <p:cNvPr id="0" name=""/>
+                      <p:cNvPicPr/>
+                      <p:nvPr/>
+                    </p:nvPicPr>
+                    <p:blipFill>
+                      <a:blip r:embed="rId6"/>
+                      <a:stretch>
+                        <a:fillRect/>
+                      </a:stretch>
+                    </p:blipFill>
+                    <p:spPr>
+                      <a:xfrm>
+                        <a:off x="781419" y="3048000"/>
+                        <a:ext cx="7829181" cy="1433512"/>
+                      </a:xfrm>
+                      <a:prstGeom prst="rect">
+                        <a:avLst/>
+                      </a:prstGeom>
+                    </p:spPr>
+                  </p:pic>
+                </p:oleObj>
+              </mc:Fallback>
+            </mc:AlternateContent>
+          </a:graphicData>
+        </a:graphic>
+      </p:graphicFrame>
+    </p:spTree>
+    <p:extLst>
+      <p:ext uri="{BB962C8B-B14F-4D97-AF65-F5344CB8AC3E}">
+        <p14:creationId xmlns:p14="http://schemas.microsoft.com/office/powerpoint/2010/main" val="2960022257"/>
+      </p:ext>
+    </p:extLst>
+  </p:cSld>
+  <p:clrMapOvr>
+    <a:masterClrMapping/>
+  </p:clrMapOvr>
+  <mc:AlternateContent xmlns:mc="http://schemas.openxmlformats.org/markup-compatibility/2006">
+    <mc:Choice xmlns:p14="http://schemas.microsoft.com/office/powerpoint/2010/main" Requires="p14">
+      <p:transition spd="med" p14:dur="700">
+        <p:fade/>
+      </p:transition>
+    </mc:Choice>
+    <mc:Fallback>
+      <p:transition xmlns:p14="http://schemas.microsoft.com/office/powerpoint/2010/main" spd="med">
+        <p:fade/>
+      </p:transition>
+    </mc:Fallback>
+  </mc:AlternateContent>
+  <p:timing>
+    <p:tnLst>
+      <p:par>
+        <p:cTn xmlns:p14="http://schemas.microsoft.com/office/powerpoint/2010/main" id="1" dur="indefinite" restart="never" nodeType="tmRoot">
+          <p:childTnLst>
+            <p:seq concurrent="1" nextAc="seek">
+              <p:cTn id="2" dur="indefinite" nodeType="mainSeq">
+                <p:childTnLst>
+                  <p:par>
+                    <p:cTn id="3" fill="hold">
+                      <p:stCondLst>
+                        <p:cond delay="indefinite"/>
+                      </p:stCondLst>
+                      <p:childTnLst>
+                        <p:par>
+                          <p:cTn id="4" fill="hold">
+                            <p:stCondLst>
+                              <p:cond delay="0"/>
+                            </p:stCondLst>
+                            <p:childTnLst>
+                              <p:par>
+                                <p:cTn id="5" presetID="9" presetClass="entr" presetSubtype="0" fill="hold" nodeType="clickEffect">
+                                  <p:stCondLst>
+                                    <p:cond delay="0"/>
+                                  </p:stCondLst>
+                                  <p:childTnLst>
+                                    <p:set>
+                                      <p:cBhvr>
+                                        <p:cTn id="6" dur="1" fill="hold">
+                                          <p:stCondLst>
+                                            <p:cond delay="0"/>
+                                          </p:stCondLst>
+                                        </p:cTn>
+                                        <p:tgtEl>
+                                          <p:spTgt spid="11"/>
+                                        </p:tgtEl>
+                                        <p:attrNameLst>
+                                          <p:attrName>style.visibility</p:attrName>
+                                        </p:attrNameLst>
+                                      </p:cBhvr>
+                                      <p:to>
+                                        <p:strVal val="visible"/>
+                                      </p:to>
+                                    </p:set>
+                                    <p:animEffect transition="in" filter="dissolve">
+                                      <p:cBhvr>
+                                        <p:cTn id="7" dur="500"/>
+                                        <p:tgtEl>
+                                          <p:spTgt spid="11"/>
+                                        </p:tgtEl>
+                                      </p:cBhvr>
+                                    </p:animEffect>
+                                  </p:childTnLst>
+                                </p:cTn>
+                              </p:par>
+                            </p:childTnLst>
+                          </p:cTn>
+                        </p:par>
+                      </p:childTnLst>
+                    </p:cTn>
+                  </p:par>
+                </p:childTnLst>
+              </p:cTn>
+              <p:prevCondLst>
+                <p:cond evt="onPrev" delay="0">
+                  <p:tgtEl>
+                    <p:sldTgt/>
+                  </p:tgtEl>
+                </p:cond>
+              </p:prevCondLst>
+              <p:nextCondLst>
+                <p:cond evt="onNext" delay="0">
+                  <p:tgtEl>
+                    <p:sldTgt/>
+                  </p:tgtEl>
+                </p:cond>
+              </p:nextCondLst>
+            </p:seq>
+          </p:childTnLst>
+        </p:cTn>
+      </p:par>
+    </p:tnLst>
+  </p:timing>
+</p:sld>
+</file>
+
+<file path=ppt/slides/slide28.xml><?xml version="1.0" encoding="utf-8"?>
+<p:sld xmlns:a="http://schemas.openxmlformats.org/drawingml/2006/main" xmlns:r="http://schemas.openxmlformats.org/officeDocument/2006/relationships" xmlns:p="http://schemas.openxmlformats.org/presentationml/2006/main">
+  <p:cSld>
+    <p:spTree>
+      <p:nvGrpSpPr>
+        <p:cNvPr id="1" name=""/>
+        <p:cNvGrpSpPr/>
+        <p:nvPr/>
+      </p:nvGrpSpPr>
+      <p:grpSpPr>
+        <a:xfrm>
+          <a:off x="0" y="0"/>
+          <a:ext cx="0" cy="0"/>
+          <a:chOff x="0" y="0"/>
+          <a:chExt cx="0" cy="0"/>
+        </a:xfrm>
+      </p:grpSpPr>
+      <p:sp>
+        <p:nvSpPr>
+          <p:cNvPr id="2" name="Title 1"/>
+          <p:cNvSpPr>
+            <a:spLocks noGrp="1"/>
+          </p:cNvSpPr>
+          <p:nvPr>
+            <p:ph type="title"/>
+          </p:nvPr>
+        </p:nvSpPr>
+        <p:spPr/>
+        <p:txBody>
+          <a:bodyPr/>
+          <a:lstStyle/>
+          <a:p>
+            <a:r>
+              <a:rPr lang="en-US" sz="4400" dirty="0" smtClean="0"/>
+              <a:t>Linear recurrence</a:t>
+            </a:r>
+            <a:endParaRPr lang="en-US" sz="4400" dirty="0"/>
+          </a:p>
+        </p:txBody>
+      </p:sp>
+      <p:sp>
+        <p:nvSpPr>
+          <p:cNvPr id="4" name="Slide Number Placeholder 3"/>
+          <p:cNvSpPr>
+            <a:spLocks noGrp="1"/>
+          </p:cNvSpPr>
+          <p:nvPr>
+            <p:ph type="sldNum" sz="quarter" idx="12"/>
+          </p:nvPr>
+        </p:nvSpPr>
+        <p:spPr/>
+        <p:txBody>
+          <a:bodyPr/>
+          <a:lstStyle/>
+          <a:p>
+            <a:pPr>
+              <a:defRPr/>
+            </a:pPr>
+            <a:r>
+              <a:rPr lang="en-US" smtClean="0"/>
+              <a:t>Lec 15W.</a:t>
+            </a:r>
+            <a:fld id="{E877D3CB-F960-BD47-98A7-06971C504846}" type="slidenum">
+              <a:rPr lang="en-US" smtClean="0"/>
+              <a:pPr>
+                <a:defRPr/>
+              </a:pPr>
+              <a:t>28</a:t>
+            </a:fld>
+            <a:endParaRPr lang="en-US" smtClean="0"/>
+          </a:p>
+          <a:p>
+            <a:pPr>
+              <a:defRPr/>
+            </a:pPr>
+            <a:endParaRPr lang="en-US" dirty="0"/>
+          </a:p>
+        </p:txBody>
+      </p:sp>
+      <p:sp>
+        <p:nvSpPr>
+          <p:cNvPr id="5" name="Date Placeholder 4"/>
+          <p:cNvSpPr>
+            <a:spLocks noGrp="1"/>
+          </p:cNvSpPr>
+          <p:nvPr>
+            <p:ph type="dt" sz="half" idx="2"/>
+          </p:nvPr>
+        </p:nvSpPr>
+        <p:spPr/>
+        <p:txBody>
+          <a:bodyPr/>
+          <a:lstStyle/>
+          <a:p>
+            <a:pPr>
+              <a:defRPr/>
+            </a:pPr>
+            <a:r>
+              <a:rPr lang="en-US" smtClean="0"/>
+              <a:t>Albert R Meyer,                        December 14, 2011</a:t>
+            </a:r>
+            <a:endParaRPr lang="en-US" dirty="0"/>
+          </a:p>
+        </p:txBody>
+      </p:sp>
+      <p:graphicFrame>
+        <p:nvGraphicFramePr>
+          <p:cNvPr id="7" name="Object 6"/>
+          <p:cNvGraphicFramePr>
+            <a:graphicFrameLocks noChangeAspect="1"/>
+          </p:cNvGraphicFramePr>
+          <p:nvPr>
+            <p:extLst>
+              <p:ext uri="{D42A27DB-BD31-4B8C-83A1-F6EECF244321}">
+                <p14:modId xmlns:p14="http://schemas.microsoft.com/office/powerpoint/2010/main" val="3134232004"/>
+              </p:ext>
+            </p:extLst>
+          </p:nvPr>
+        </p:nvGraphicFramePr>
+        <p:xfrm>
+          <a:off x="609600" y="2209800"/>
+          <a:ext cx="7901940" cy="2590800"/>
+        </p:xfrm>
+        <a:graphic>
+          <a:graphicData uri="http://schemas.openxmlformats.org/presentationml/2006/ole">
+            <mc:AlternateContent xmlns:mc="http://schemas.openxmlformats.org/markup-compatibility/2006">
+              <mc:Choice xmlns:v="urn:schemas-microsoft-com:vml" Requires="v">
+                <p:oleObj spid="_x0000_s239618" name="Equation" r:id="rId3" imgW="1549400" imgH="508000" progId="Equation.DSMT4">
+                  <p:embed/>
+                </p:oleObj>
+              </mc:Choice>
+              <mc:Fallback>
+                <p:oleObj name="Equation" r:id="rId3" imgW="1549400" imgH="508000" progId="Equation.DSMT4">
+                  <p:embed/>
+                  <p:pic>
+                    <p:nvPicPr>
+                      <p:cNvPr id="0" name=""/>
+                      <p:cNvPicPr/>
+                      <p:nvPr/>
+                    </p:nvPicPr>
+                    <p:blipFill>
+                      <a:blip r:embed="rId4"/>
+                      <a:stretch>
+                        <a:fillRect/>
+                      </a:stretch>
+                    </p:blipFill>
+                    <p:spPr>
+                      <a:xfrm>
+                        <a:off x="609600" y="2209800"/>
+                        <a:ext cx="7901940" cy="2590800"/>
+                      </a:xfrm>
+                      <a:prstGeom prst="rect">
+                        <a:avLst/>
+                      </a:prstGeom>
+                    </p:spPr>
+                  </p:pic>
+                </p:oleObj>
+              </mc:Fallback>
+            </mc:AlternateContent>
+          </a:graphicData>
+        </a:graphic>
+      </p:graphicFrame>
+    </p:spTree>
+    <p:extLst>
+      <p:ext uri="{BB962C8B-B14F-4D97-AF65-F5344CB8AC3E}">
+        <p14:creationId xmlns:p14="http://schemas.microsoft.com/office/powerpoint/2010/main" val="166764371"/>
+      </p:ext>
+    </p:extLst>
+  </p:cSld>
+  <p:clrMapOvr>
+    <a:masterClrMapping/>
+  </p:clrMapOvr>
+  <mc:AlternateContent xmlns:mc="http://schemas.openxmlformats.org/markup-compatibility/2006">
+    <mc:Choice xmlns:p14="http://schemas.microsoft.com/office/powerpoint/2010/main" Requires="p14">
+      <p:transition spd="med" p14:dur="700">
+        <p:fade/>
+      </p:transition>
+    </mc:Choice>
+    <mc:Fallback>
+      <p:transition xmlns:p14="http://schemas.microsoft.com/office/powerpoint/2010/main" spd="med">
+        <p:fade/>
+      </p:transition>
+    </mc:Fallback>
+  </mc:AlternateContent>
+  <p:timing>
+    <p:tnLst>
+      <p:par>
+        <p:cTn xmlns:p14="http://schemas.microsoft.com/office/powerpoint/2010/main" id="1" dur="indefinite" restart="never" nodeType="tmRoot"/>
+      </p:par>
+    </p:tnLst>
+  </p:timing>
+</p:sld>
+</file>
+
+<file path=ppt/slides/slide29.xml><?xml version="1.0" encoding="utf-8"?>
+<p:sld xmlns:a="http://schemas.openxmlformats.org/drawingml/2006/main" xmlns:r="http://schemas.openxmlformats.org/officeDocument/2006/relationships" xmlns:p="http://schemas.openxmlformats.org/presentationml/2006/main">
+  <p:cSld>
+    <p:spTree>
+      <p:nvGrpSpPr>
+        <p:cNvPr id="1" name=""/>
+        <p:cNvGrpSpPr/>
+        <p:nvPr/>
+      </p:nvGrpSpPr>
+      <p:grpSpPr>
+        <a:xfrm>
+          <a:off x="0" y="0"/>
+          <a:ext cx="0" cy="0"/>
+          <a:chOff x="0" y="0"/>
+          <a:chExt cx="0" cy="0"/>
+        </a:xfrm>
+      </p:grpSpPr>
+      <p:sp>
+        <p:nvSpPr>
+          <p:cNvPr id="2" name="Title 1"/>
+          <p:cNvSpPr>
+            <a:spLocks noGrp="1"/>
+          </p:cNvSpPr>
+          <p:nvPr>
+            <p:ph type="title"/>
+          </p:nvPr>
+        </p:nvSpPr>
+        <p:spPr/>
+        <p:txBody>
+          <a:bodyPr/>
+          <a:lstStyle/>
+          <a:p>
+            <a:r>
+              <a:rPr lang="en-US" dirty="0" smtClean="0"/>
+              <a:t>Expected number of bets</a:t>
+            </a:r>
+            <a:endParaRPr lang="en-US" dirty="0"/>
+          </a:p>
+        </p:txBody>
+      </p:sp>
+      <p:sp>
+        <p:nvSpPr>
+          <p:cNvPr id="4" name="Slide Number Placeholder 3"/>
+          <p:cNvSpPr>
+            <a:spLocks noGrp="1"/>
+          </p:cNvSpPr>
+          <p:nvPr>
+            <p:ph type="sldNum" sz="quarter" idx="12"/>
+          </p:nvPr>
+        </p:nvSpPr>
+        <p:spPr/>
+        <p:txBody>
+          <a:bodyPr/>
+          <a:lstStyle/>
+          <a:p>
+            <a:pPr>
+              <a:defRPr/>
+            </a:pPr>
+            <a:r>
+              <a:rPr lang="en-US" smtClean="0"/>
+              <a:t>Lec 15W.</a:t>
+            </a:r>
+            <a:fld id="{E877D3CB-F960-BD47-98A7-06971C504846}" type="slidenum">
+              <a:rPr lang="en-US" smtClean="0"/>
+              <a:pPr>
+                <a:defRPr/>
+              </a:pPr>
+              <a:t>29</a:t>
+            </a:fld>
+            <a:endParaRPr lang="en-US" smtClean="0"/>
+          </a:p>
+          <a:p>
+            <a:pPr>
+              <a:defRPr/>
+            </a:pPr>
+            <a:endParaRPr lang="en-US" dirty="0"/>
+          </a:p>
+        </p:txBody>
+      </p:sp>
+      <p:sp>
+        <p:nvSpPr>
+          <p:cNvPr id="5" name="Date Placeholder 4"/>
+          <p:cNvSpPr>
+            <a:spLocks noGrp="1"/>
+          </p:cNvSpPr>
+          <p:nvPr>
+            <p:ph type="dt" sz="half" idx="2"/>
+          </p:nvPr>
+        </p:nvSpPr>
+        <p:spPr/>
+        <p:txBody>
+          <a:bodyPr/>
+          <a:lstStyle/>
+          <a:p>
+            <a:pPr>
+              <a:defRPr/>
+            </a:pPr>
+            <a:r>
+              <a:rPr lang="en-US" smtClean="0"/>
+              <a:t>Albert R Meyer,                        December 14, 2011</a:t>
+            </a:r>
+            <a:endParaRPr lang="en-US" dirty="0"/>
+          </a:p>
+        </p:txBody>
+      </p:sp>
+      <p:sp>
+        <p:nvSpPr>
+          <p:cNvPr id="3" name="TextBox 2"/>
+          <p:cNvSpPr txBox="1"/>
+          <p:nvPr/>
+        </p:nvSpPr>
+        <p:spPr>
           <a:xfrm>
-            <a:off x="3124200" y="6629400"/>
-            <a:ext cx="2863850" cy="228600"/>
+            <a:off x="76200" y="1447800"/>
+            <a:ext cx="9067800" cy="4800599"/>
           </a:xfrm>
           <a:prstGeom prst="rect">
             <a:avLst/>
           </a:prstGeom>
           <a:noFill/>
-          <a:ln w="9525">
-            <a:noFill/>
-            <a:miter lim="800000"/>
-            <a:headEnd/>
-            <a:tailEnd/>
-          </a:ln>
-        </p:spPr>
-        <p:txBody>
-          <a:bodyPr vert="horz" wrap="square" lIns="91440" tIns="45720" rIns="91440" bIns="45720" numCol="1" anchor="t" anchorCtr="0" compatLnSpc="1">
-            <a:prstTxWarp prst="textNoShape">
-              <a:avLst/>
-            </a:prstTxWarp>
+        </p:spPr>
+        <p:txBody>
+          <a:bodyPr wrap="square" rtlCol="0">
+            <a:spAutoFit/>
           </a:bodyPr>
-          <a:lstStyle>
-            <a:lvl1pPr algn="ctr" eaLnBrk="1" hangingPunct="1">
-              <a:defRPr sz="1000">
-                <a:latin typeface="Comic Sans MS" pitchFamily="-64" charset="0"/>
-                <a:ea typeface="ＭＳ Ｐゴシック" pitchFamily="-64" charset="-128"/>
-                <a:cs typeface="+mn-cs"/>
-              </a:defRPr>
-            </a:lvl1pPr>
-          </a:lstStyle>
+          <a:lstStyle/>
+          <a:p>
+            <a:r>
+              <a:rPr lang="en-US" sz="4400" dirty="0" smtClean="0"/>
+              <a:t>Solve linear recurrence as usual. </a:t>
+            </a:r>
+          </a:p>
           <a:p>
             <a:pPr>
-              <a:defRPr/>
+              <a:spcAft>
+                <a:spcPts val="1200"/>
+              </a:spcAft>
             </a:pPr>
             <a:r>
-              <a:rPr lang="en-US" dirty="0" smtClean="0"/>
-              <a:t>Albert R Meyer,                </a:t>
-            </a:r>
-            <a:r>
-              <a:rPr lang="en-US" dirty="0" smtClean="0"/>
-              <a:t>December 14, </a:t>
-            </a:r>
-            <a:r>
-              <a:rPr lang="en-US" dirty="0" smtClean="0"/>
-              <a:t>2011</a:t>
-            </a:r>
-            <a:endParaRPr lang="en-US" dirty="0"/>
+              <a:rPr lang="en-US" sz="4400" dirty="0" smtClean="0"/>
+              <a:t>Elegant result in the </a:t>
+            </a:r>
+            <a:r>
+              <a:rPr lang="en-US" sz="4400" dirty="0" smtClean="0">
+                <a:solidFill>
+                  <a:srgbClr val="008000"/>
+                </a:solidFill>
+              </a:rPr>
+              <a:t>fair case</a:t>
+            </a:r>
+            <a:r>
+              <a:rPr lang="en-US" sz="4400" dirty="0" smtClean="0"/>
+              <a:t>:</a:t>
+            </a:r>
+          </a:p>
+          <a:p>
+            <a:pPr>
+              <a:spcAft>
+                <a:spcPts val="2400"/>
+              </a:spcAft>
+            </a:pPr>
+            <a:r>
+              <a:rPr lang="en-US" sz="6000" dirty="0" smtClean="0">
+                <a:solidFill>
+                  <a:srgbClr val="0000FF"/>
+                </a:solidFill>
+              </a:rPr>
+              <a:t>  e</a:t>
+            </a:r>
+            <a:r>
+              <a:rPr lang="en-US" sz="6000" baseline="-25000" dirty="0" smtClean="0">
+                <a:solidFill>
+                  <a:srgbClr val="0000FF"/>
+                </a:solidFill>
+              </a:rPr>
+              <a:t>n</a:t>
+            </a:r>
+            <a:r>
+              <a:rPr lang="en-US" sz="6000" dirty="0" smtClean="0">
+                <a:solidFill>
+                  <a:srgbClr val="0000FF"/>
+                </a:solidFill>
+              </a:rPr>
+              <a:t> = n(T-n)</a:t>
+            </a:r>
+          </a:p>
+          <a:p>
+            <a:r>
+              <a:rPr lang="en-US" sz="6000" dirty="0" smtClean="0">
+                <a:solidFill>
+                  <a:srgbClr val="0000FF"/>
+                </a:solidFill>
+              </a:rPr>
+              <a:t>      = (initial stake)</a:t>
+            </a:r>
+          </a:p>
+          <a:p>
+            <a:r>
+              <a:rPr lang="en-US" sz="6000" dirty="0">
+                <a:solidFill>
+                  <a:srgbClr val="0000FF"/>
+                </a:solidFill>
+              </a:rPr>
+              <a:t> </a:t>
+            </a:r>
+            <a:r>
+              <a:rPr lang="en-US" sz="6000" dirty="0" smtClean="0">
+                <a:solidFill>
+                  <a:srgbClr val="0000FF"/>
+                </a:solidFill>
+              </a:rPr>
+              <a:t>          ∙(intended profit)</a:t>
+            </a:r>
+            <a:endParaRPr lang="en-US" sz="6000" dirty="0">
+              <a:solidFill>
+                <a:srgbClr val="0000FF"/>
+              </a:solidFill>
+            </a:endParaRPr>
           </a:p>
         </p:txBody>
       </p:sp>
     </p:spTree>
+    <p:extLst>
+      <p:ext uri="{BB962C8B-B14F-4D97-AF65-F5344CB8AC3E}">
+        <p14:creationId xmlns:p14="http://schemas.microsoft.com/office/powerpoint/2010/main" val="3738654119"/>
+      </p:ext>
+    </p:extLst>
   </p:cSld>
   <p:clrMapOvr>
     <a:masterClrMapping/>
   </p:clrMapOvr>
-  <p:transition xmlns:p14="http://schemas.microsoft.com/office/powerpoint/2010/main" spd="slow">
-    <p:fade/>
-  </p:transition>
+  <mc:AlternateContent xmlns:mc="http://schemas.openxmlformats.org/markup-compatibility/2006">
+    <mc:Choice xmlns:p14="http://schemas.microsoft.com/office/powerpoint/2010/main" Requires="p14">
+      <p:transition spd="med" p14:dur="700">
+        <p:fade/>
+      </p:transition>
+    </mc:Choice>
+    <mc:Fallback>
+      <p:transition xmlns:p14="http://schemas.microsoft.com/office/powerpoint/2010/main" spd="med">
+        <p:fade/>
+      </p:transition>
+    </mc:Fallback>
+  </mc:AlternateContent>
   <p:timing>
     <p:tnLst>
       <p:par>
-        <p:cTn xmlns:p14="http://schemas.microsoft.com/office/powerpoint/2010/main" id="1" dur="indefinite" restart="never" nodeType="tmRoot"/>
+        <p:cTn xmlns:p14="http://schemas.microsoft.com/office/powerpoint/2010/main" id="1" dur="indefinite" restart="never" nodeType="tmRoot">
+          <p:childTnLst>
+            <p:seq concurrent="1" nextAc="seek">
+              <p:cTn id="2" dur="indefinite" nodeType="mainSeq">
+                <p:childTnLst>
+                  <p:par>
+                    <p:cTn id="3" fill="hold">
+                      <p:stCondLst>
+                        <p:cond delay="indefinite"/>
+                      </p:stCondLst>
+                      <p:childTnLst>
+                        <p:par>
+                          <p:cTn id="4" fill="hold">
+                            <p:stCondLst>
+                              <p:cond delay="0"/>
+                            </p:stCondLst>
+                            <p:childTnLst>
+                              <p:par>
+                                <p:cTn id="5" presetID="22" presetClass="entr" presetSubtype="8" fill="hold" nodeType="clickEffect">
+                                  <p:stCondLst>
+                                    <p:cond delay="0"/>
+                                  </p:stCondLst>
+                                  <p:childTnLst>
+                                    <p:set>
+                                      <p:cBhvr>
+                                        <p:cTn id="6" dur="1" fill="hold">
+                                          <p:stCondLst>
+                                            <p:cond delay="0"/>
+                                          </p:stCondLst>
+                                        </p:cTn>
+                                        <p:tgtEl>
+                                          <p:spTgt spid="3">
+                                            <p:txEl>
+                                              <p:pRg st="2" end="2"/>
+                                            </p:txEl>
+                                          </p:spTgt>
+                                        </p:tgtEl>
+                                        <p:attrNameLst>
+                                          <p:attrName>style.visibility</p:attrName>
+                                        </p:attrNameLst>
+                                      </p:cBhvr>
+                                      <p:to>
+                                        <p:strVal val="visible"/>
+                                      </p:to>
+                                    </p:set>
+                                    <p:animEffect transition="in" filter="wipe(left)">
+                                      <p:cBhvr>
+                                        <p:cTn id="7" dur="500"/>
+                                        <p:tgtEl>
+                                          <p:spTgt spid="3">
+                                            <p:txEl>
+                                              <p:pRg st="2" end="2"/>
+                                            </p:txEl>
+                                          </p:spTgt>
+                                        </p:tgtEl>
+                                      </p:cBhvr>
+                                    </p:animEffect>
+                                  </p:childTnLst>
+                                </p:cTn>
+                              </p:par>
+                            </p:childTnLst>
+                          </p:cTn>
+                        </p:par>
+                      </p:childTnLst>
+                    </p:cTn>
+                  </p:par>
+                  <p:par>
+                    <p:cTn id="8" fill="hold">
+                      <p:stCondLst>
+                        <p:cond delay="indefinite"/>
+                      </p:stCondLst>
+                      <p:childTnLst>
+                        <p:par>
+                          <p:cTn id="9" fill="hold">
+                            <p:stCondLst>
+                              <p:cond delay="0"/>
+                            </p:stCondLst>
+                            <p:childTnLst>
+                              <p:par>
+                                <p:cTn id="10" presetID="22" presetClass="entr" presetSubtype="8" fill="hold" nodeType="clickEffect">
+                                  <p:stCondLst>
+                                    <p:cond delay="0"/>
+                                  </p:stCondLst>
+                                  <p:childTnLst>
+                                    <p:set>
+                                      <p:cBhvr>
+                                        <p:cTn id="11" dur="1" fill="hold">
+                                          <p:stCondLst>
+                                            <p:cond delay="0"/>
+                                          </p:stCondLst>
+                                        </p:cTn>
+                                        <p:tgtEl>
+                                          <p:spTgt spid="3">
+                                            <p:txEl>
+                                              <p:pRg st="3" end="3"/>
+                                            </p:txEl>
+                                          </p:spTgt>
+                                        </p:tgtEl>
+                                        <p:attrNameLst>
+                                          <p:attrName>style.visibility</p:attrName>
+                                        </p:attrNameLst>
+                                      </p:cBhvr>
+                                      <p:to>
+                                        <p:strVal val="visible"/>
+                                      </p:to>
+                                    </p:set>
+                                    <p:animEffect transition="in" filter="wipe(left)">
+                                      <p:cBhvr>
+                                        <p:cTn id="12" dur="500"/>
+                                        <p:tgtEl>
+                                          <p:spTgt spid="3">
+                                            <p:txEl>
+                                              <p:pRg st="3" end="3"/>
+                                            </p:txEl>
+                                          </p:spTgt>
+                                        </p:tgtEl>
+                                      </p:cBhvr>
+                                    </p:animEffect>
+                                  </p:childTnLst>
+                                </p:cTn>
+                              </p:par>
+                            </p:childTnLst>
+                          </p:cTn>
+                        </p:par>
+                      </p:childTnLst>
+                    </p:cTn>
+                  </p:par>
+                  <p:par>
+                    <p:cTn id="13" fill="hold">
+                      <p:stCondLst>
+                        <p:cond delay="indefinite"/>
+                      </p:stCondLst>
+                      <p:childTnLst>
+                        <p:par>
+                          <p:cTn id="14" fill="hold">
+                            <p:stCondLst>
+                              <p:cond delay="0"/>
+                            </p:stCondLst>
+                            <p:childTnLst>
+                              <p:par>
+                                <p:cTn id="15" presetID="22" presetClass="entr" presetSubtype="8" fill="hold" nodeType="clickEffect">
+                                  <p:stCondLst>
+                                    <p:cond delay="0"/>
+                                  </p:stCondLst>
+                                  <p:childTnLst>
+                                    <p:set>
+                                      <p:cBhvr>
+                                        <p:cTn id="16" dur="1" fill="hold">
+                                          <p:stCondLst>
+                                            <p:cond delay="0"/>
+                                          </p:stCondLst>
+                                        </p:cTn>
+                                        <p:tgtEl>
+                                          <p:spTgt spid="3">
+                                            <p:txEl>
+                                              <p:pRg st="4" end="4"/>
+                                            </p:txEl>
+                                          </p:spTgt>
+                                        </p:tgtEl>
+                                        <p:attrNameLst>
+                                          <p:attrName>style.visibility</p:attrName>
+                                        </p:attrNameLst>
+                                      </p:cBhvr>
+                                      <p:to>
+                                        <p:strVal val="visible"/>
+                                      </p:to>
+                                    </p:set>
+                                    <p:animEffect transition="in" filter="wipe(left)">
+                                      <p:cBhvr>
+                                        <p:cTn id="17" dur="500"/>
+                                        <p:tgtEl>
+                                          <p:spTgt spid="3">
+                                            <p:txEl>
+                                              <p:pRg st="4" end="4"/>
+                                            </p:txEl>
+                                          </p:spTgt>
+                                        </p:tgtEl>
+                                      </p:cBhvr>
+                                    </p:animEffect>
+                                  </p:childTnLst>
+                                </p:cTn>
+                              </p:par>
+                            </p:childTnLst>
+                          </p:cTn>
+                        </p:par>
+                      </p:childTnLst>
+                    </p:cTn>
+                  </p:par>
+                </p:childTnLst>
+              </p:cTn>
+              <p:prevCondLst>
+                <p:cond evt="onPrev" delay="0">
+                  <p:tgtEl>
+                    <p:sldTgt/>
+                  </p:tgtEl>
+                </p:cond>
+              </p:prevCondLst>
+              <p:nextCondLst>
+                <p:cond evt="onNext" delay="0">
+                  <p:tgtEl>
+                    <p:sldTgt/>
+                  </p:tgtEl>
+                </p:cond>
+              </p:nextCondLst>
+            </p:seq>
+          </p:childTnLst>
+        </p:cTn>
       </p:par>
     </p:tnLst>
   </p:timing>
@@ -18735,11 +20705,7 @@
             </a:r>
             <a:r>
               <a:rPr lang="en-US" dirty="0" smtClean="0"/>
-              <a:t> </a:t>
-            </a:r>
-            <a:r>
-              <a:rPr lang="en-US" dirty="0" smtClean="0"/>
-              <a:t>15W.</a:t>
+              <a:t> 15W.</a:t>
             </a:r>
             <a:fld id="{FBA9CD94-4669-0B46-B053-A48B6134F8AC}" type="slidenum">
               <a:rPr lang="en-US" smtClean="0"/>
@@ -18781,7 +20747,7 @@
             <a:r>
               <a:rPr lang="en-US" sz="4800" dirty="0">
                 <a:solidFill>
-                  <a:schemeClr val="accent2"/>
+                  <a:srgbClr val="0000FF"/>
                 </a:solidFill>
               </a:rPr>
               <a:t>$1</a:t>
@@ -18872,15 +20838,7 @@
             </a:pPr>
             <a:r>
               <a:rPr lang="en-US" dirty="0" smtClean="0"/>
-              <a:t>Albert R Meyer,                </a:t>
-            </a:r>
-            <a:r>
-              <a:rPr lang="en-US" dirty="0" smtClean="0"/>
-              <a:t>December 14, </a:t>
-            </a:r>
-            <a:r>
-              <a:rPr lang="en-US" dirty="0" smtClean="0"/>
-              <a:t>2011</a:t>
+              <a:t>Albert R Meyer,                December 14, 2011</a:t>
             </a:r>
             <a:endParaRPr lang="en-US" dirty="0"/>
           </a:p>
@@ -19013,7 +20971,7 @@
                                         <p:tgtEl>
                                           <p:spTgt spid="24582">
                                             <p:txEl>
-                                              <p:pRg st="0" end="0"/>
+                                              <p:pRg st="1" end="1"/>
                                             </p:txEl>
                                           </p:spTgt>
                                         </p:tgtEl>
@@ -19028,67 +20986,6 @@
                                     <p:animEffect transition="in" filter="dissolve">
                                       <p:cBhvr>
                                         <p:cTn id="7" dur="500"/>
-                                        <p:tgtEl>
-                                          <p:spTgt spid="24582">
-                                            <p:txEl>
-                                              <p:pRg st="0" end="0"/>
-                                            </p:txEl>
-                                          </p:spTgt>
-                                        </p:tgtEl>
-                                      </p:cBhvr>
-                                    </p:animEffect>
-                                  </p:childTnLst>
-                                </p:cTn>
-                              </p:par>
-                            </p:childTnLst>
-                          </p:cTn>
-                        </p:par>
-                      </p:childTnLst>
-                    </p:cTn>
-                  </p:par>
-                  <p:par>
-                    <p:cTn id="8" fill="hold">
-                      <p:stCondLst>
-                        <p:cond delay="indefinite"/>
-                      </p:stCondLst>
-                      <p:childTnLst>
-                        <p:par>
-                          <p:cTn id="9" fill="hold">
-                            <p:stCondLst>
-                              <p:cond delay="0"/>
-                            </p:stCondLst>
-                            <p:childTnLst>
-                              <p:par>
-                                <p:cTn id="10" presetID="9" presetClass="entr" presetSubtype="0" fill="hold" grpId="0" nodeType="clickEffect">
-                                  <p:stCondLst>
-                                    <p:cond delay="0"/>
-                                  </p:stCondLst>
-                                  <p:childTnLst>
-                                    <p:set>
-                                      <p:cBhvr>
-                                        <p:cTn id="11" dur="1" fill="hold">
-                                          <p:stCondLst>
-                                            <p:cond delay="0"/>
-                                          </p:stCondLst>
-                                        </p:cTn>
-                                        <p:tgtEl>
-                                          <p:spTgt spid="24582">
-                                            <p:txEl>
-                                              <p:pRg st="1" end="1"/>
-                                            </p:txEl>
-                                          </p:spTgt>
-                                        </p:tgtEl>
-                                        <p:attrNameLst>
-                                          <p:attrName>style.visibility</p:attrName>
-                                        </p:attrNameLst>
-                                      </p:cBhvr>
-                                      <p:to>
-                                        <p:strVal val="visible"/>
-                                      </p:to>
-                                    </p:set>
-                                    <p:animEffect transition="in" filter="dissolve">
-                                      <p:cBhvr>
-                                        <p:cTn id="12" dur="500"/>
                                         <p:tgtEl>
                                           <p:spTgt spid="24582">
                                             <p:txEl>
@@ -19129,8 +21026,854 @@
       </p:par>
     </p:tnLst>
     <p:bldLst>
-      <p:bldP spid="24582" grpId="0" build="p"/>
+      <p:bldP spid="24582" grpId="0" uiExpand="1" build="p"/>
     </p:bldLst>
+  </p:timing>
+</p:sld>
+</file>
+
+<file path=ppt/slides/slide30.xml><?xml version="1.0" encoding="utf-8"?>
+<p:sld xmlns:a="http://schemas.openxmlformats.org/drawingml/2006/main" xmlns:r="http://schemas.openxmlformats.org/officeDocument/2006/relationships" xmlns:p="http://schemas.openxmlformats.org/presentationml/2006/main">
+  <p:cSld>
+    <p:spTree>
+      <p:nvGrpSpPr>
+        <p:cNvPr id="1" name=""/>
+        <p:cNvGrpSpPr/>
+        <p:nvPr/>
+      </p:nvGrpSpPr>
+      <p:grpSpPr>
+        <a:xfrm>
+          <a:off x="0" y="0"/>
+          <a:ext cx="0" cy="0"/>
+          <a:chOff x="0" y="0"/>
+          <a:chExt cx="0" cy="0"/>
+        </a:xfrm>
+      </p:grpSpPr>
+      <p:sp>
+        <p:nvSpPr>
+          <p:cNvPr id="2" name="Title 1"/>
+          <p:cNvSpPr>
+            <a:spLocks noGrp="1"/>
+          </p:cNvSpPr>
+          <p:nvPr>
+            <p:ph type="title"/>
+          </p:nvPr>
+        </p:nvSpPr>
+        <p:spPr>
+          <a:xfrm>
+            <a:off x="1143000" y="301624"/>
+            <a:ext cx="7772400" cy="1222375"/>
+          </a:xfrm>
+        </p:spPr>
+        <p:txBody>
+          <a:bodyPr/>
+          <a:lstStyle/>
+          <a:p>
+            <a:r>
+              <a:rPr lang="en-US" dirty="0" smtClean="0"/>
+              <a:t>Expected number of </a:t>
+            </a:r>
+            <a:r>
+              <a:rPr lang="en-US" dirty="0" smtClean="0">
+                <a:solidFill>
+                  <a:srgbClr val="008000"/>
+                </a:solidFill>
+              </a:rPr>
+              <a:t>fair</a:t>
+            </a:r>
+            <a:r>
+              <a:rPr lang="en-US" dirty="0" smtClean="0"/>
+              <a:t> bets</a:t>
+            </a:r>
+            <a:endParaRPr lang="en-US" dirty="0"/>
+          </a:p>
+        </p:txBody>
+      </p:sp>
+      <p:sp>
+        <p:nvSpPr>
+          <p:cNvPr id="4" name="Slide Number Placeholder 3"/>
+          <p:cNvSpPr>
+            <a:spLocks noGrp="1"/>
+          </p:cNvSpPr>
+          <p:nvPr>
+            <p:ph type="sldNum" sz="quarter" idx="12"/>
+          </p:nvPr>
+        </p:nvSpPr>
+        <p:spPr/>
+        <p:txBody>
+          <a:bodyPr/>
+          <a:lstStyle/>
+          <a:p>
+            <a:pPr>
+              <a:defRPr/>
+            </a:pPr>
+            <a:r>
+              <a:rPr lang="en-US" smtClean="0"/>
+              <a:t>Lec 15W.</a:t>
+            </a:r>
+            <a:fld id="{E877D3CB-F960-BD47-98A7-06971C504846}" type="slidenum">
+              <a:rPr lang="en-US" smtClean="0"/>
+              <a:pPr>
+                <a:defRPr/>
+              </a:pPr>
+              <a:t>30</a:t>
+            </a:fld>
+            <a:endParaRPr lang="en-US" smtClean="0"/>
+          </a:p>
+          <a:p>
+            <a:pPr>
+              <a:defRPr/>
+            </a:pPr>
+            <a:endParaRPr lang="en-US" dirty="0"/>
+          </a:p>
+        </p:txBody>
+      </p:sp>
+      <p:sp>
+        <p:nvSpPr>
+          <p:cNvPr id="5" name="Date Placeholder 4"/>
+          <p:cNvSpPr>
+            <a:spLocks noGrp="1"/>
+          </p:cNvSpPr>
+          <p:nvPr>
+            <p:ph type="dt" sz="half" idx="2"/>
+          </p:nvPr>
+        </p:nvSpPr>
+        <p:spPr/>
+        <p:txBody>
+          <a:bodyPr/>
+          <a:lstStyle/>
+          <a:p>
+            <a:pPr>
+              <a:defRPr/>
+            </a:pPr>
+            <a:r>
+              <a:rPr lang="en-US" smtClean="0"/>
+              <a:t>Albert R Meyer,                        December 14, 2011</a:t>
+            </a:r>
+            <a:endParaRPr lang="en-US" dirty="0"/>
+          </a:p>
+        </p:txBody>
+      </p:sp>
+      <p:sp>
+        <p:nvSpPr>
+          <p:cNvPr id="3" name="TextBox 2"/>
+          <p:cNvSpPr txBox="1"/>
+          <p:nvPr/>
+        </p:nvSpPr>
+        <p:spPr>
+          <a:xfrm>
+            <a:off x="228600" y="1219200"/>
+            <a:ext cx="8763000" cy="5262979"/>
+          </a:xfrm>
+          <a:prstGeom prst="rect">
+            <a:avLst/>
+          </a:prstGeom>
+          <a:noFill/>
+        </p:spPr>
+        <p:txBody>
+          <a:bodyPr wrap="square" rtlCol="0">
+            <a:spAutoFit/>
+          </a:bodyPr>
+          <a:lstStyle/>
+          <a:p>
+            <a:r>
+              <a:rPr lang="en-US" sz="4800" dirty="0" smtClean="0"/>
+              <a:t>For example</a:t>
+            </a:r>
+            <a:r>
+              <a:rPr lang="en-US" sz="4800" dirty="0" smtClean="0">
+                <a:solidFill>
+                  <a:srgbClr val="0000FF"/>
+                </a:solidFill>
+              </a:rPr>
+              <a:t>, </a:t>
+            </a:r>
+            <a:r>
+              <a:rPr lang="en-US" sz="4800" dirty="0" smtClean="0"/>
+              <a:t>starting with</a:t>
+            </a:r>
+            <a:r>
+              <a:rPr lang="en-US" sz="4800" dirty="0" smtClean="0">
+                <a:solidFill>
+                  <a:srgbClr val="0000FF"/>
+                </a:solidFill>
+              </a:rPr>
+              <a:t> $1</a:t>
+            </a:r>
+          </a:p>
+          <a:p>
+            <a:r>
+              <a:rPr lang="en-US" sz="4800" dirty="0" smtClean="0">
+                <a:solidFill>
+                  <a:srgbClr val="000000"/>
+                </a:solidFill>
+              </a:rPr>
+              <a:t>aiming to reach $1000,</a:t>
+            </a:r>
+          </a:p>
+          <a:p>
+            <a:r>
+              <a:rPr lang="en-US" sz="4800" dirty="0" smtClean="0">
+                <a:solidFill>
+                  <a:srgbClr val="000000"/>
+                </a:solidFill>
+              </a:rPr>
+              <a:t>expect to make</a:t>
+            </a:r>
+            <a:r>
+              <a:rPr lang="en-US" sz="4800" dirty="0" smtClean="0">
+                <a:solidFill>
+                  <a:srgbClr val="0000FF"/>
+                </a:solidFill>
+              </a:rPr>
+              <a:t> 999 bets</a:t>
+            </a:r>
+          </a:p>
+          <a:p>
+            <a:r>
+              <a:rPr lang="en-US" sz="4800" dirty="0" smtClean="0">
+                <a:solidFill>
+                  <a:srgbClr val="000000"/>
+                </a:solidFill>
+              </a:rPr>
+              <a:t>(and most likely go broke)</a:t>
+            </a:r>
+          </a:p>
+          <a:p>
+            <a:endParaRPr lang="en-US" sz="4800" dirty="0" smtClean="0">
+              <a:solidFill>
+                <a:srgbClr val="000000"/>
+              </a:solidFill>
+            </a:endParaRPr>
+          </a:p>
+          <a:p>
+            <a:r>
+              <a:rPr lang="en-US" sz="4800" dirty="0" smtClean="0">
+                <a:solidFill>
+                  <a:srgbClr val="000000"/>
+                </a:solidFill>
+              </a:rPr>
+              <a:t>Problem: There must be an intuitive proof.</a:t>
+            </a:r>
+            <a:endParaRPr lang="en-US" sz="5400" dirty="0">
+              <a:solidFill>
+                <a:srgbClr val="000000"/>
+              </a:solidFill>
+            </a:endParaRPr>
+          </a:p>
+        </p:txBody>
+      </p:sp>
+      <p:sp>
+        <p:nvSpPr>
+          <p:cNvPr id="6" name="TextBox 5"/>
+          <p:cNvSpPr txBox="1"/>
+          <p:nvPr/>
+        </p:nvSpPr>
+        <p:spPr>
+          <a:xfrm>
+            <a:off x="4876800" y="5638800"/>
+            <a:ext cx="2734943" cy="830997"/>
+          </a:xfrm>
+          <a:prstGeom prst="rect">
+            <a:avLst/>
+          </a:prstGeom>
+          <a:noFill/>
+        </p:spPr>
+        <p:txBody>
+          <a:bodyPr wrap="none" rtlCol="0">
+            <a:spAutoFit/>
+          </a:bodyPr>
+          <a:lstStyle/>
+          <a:p>
+            <a:r>
+              <a:rPr lang="en-US" sz="4800" dirty="0">
+                <a:solidFill>
+                  <a:srgbClr val="660066"/>
+                </a:solidFill>
+              </a:rPr>
+              <a:t>Find one.</a:t>
+            </a:r>
+            <a:endParaRPr lang="en-US" dirty="0">
+              <a:solidFill>
+                <a:srgbClr val="660066"/>
+              </a:solidFill>
+            </a:endParaRPr>
+          </a:p>
+        </p:txBody>
+      </p:sp>
+    </p:spTree>
+    <p:extLst>
+      <p:ext uri="{BB962C8B-B14F-4D97-AF65-F5344CB8AC3E}">
+        <p14:creationId xmlns:p14="http://schemas.microsoft.com/office/powerpoint/2010/main" val="2294052065"/>
+      </p:ext>
+    </p:extLst>
+  </p:cSld>
+  <p:clrMapOvr>
+    <a:masterClrMapping/>
+  </p:clrMapOvr>
+  <mc:AlternateContent xmlns:mc="http://schemas.openxmlformats.org/markup-compatibility/2006">
+    <mc:Choice xmlns:p14="http://schemas.microsoft.com/office/powerpoint/2010/main" Requires="p14">
+      <p:transition spd="med" p14:dur="700">
+        <p:fade/>
+      </p:transition>
+    </mc:Choice>
+    <mc:Fallback>
+      <p:transition xmlns:p14="http://schemas.microsoft.com/office/powerpoint/2010/main" spd="med">
+        <p:fade/>
+      </p:transition>
+    </mc:Fallback>
+  </mc:AlternateContent>
+  <p:timing>
+    <p:tnLst>
+      <p:par>
+        <p:cTn xmlns:p14="http://schemas.microsoft.com/office/powerpoint/2010/main" id="1" dur="indefinite" restart="never" nodeType="tmRoot">
+          <p:childTnLst>
+            <p:seq concurrent="1" nextAc="seek">
+              <p:cTn id="2" dur="indefinite" nodeType="mainSeq">
+                <p:childTnLst>
+                  <p:par>
+                    <p:cTn id="3" fill="hold">
+                      <p:stCondLst>
+                        <p:cond delay="indefinite"/>
+                      </p:stCondLst>
+                      <p:childTnLst>
+                        <p:par>
+                          <p:cTn id="4" fill="hold">
+                            <p:stCondLst>
+                              <p:cond delay="0"/>
+                            </p:stCondLst>
+                            <p:childTnLst>
+                              <p:par>
+                                <p:cTn id="5" presetID="9" presetClass="entr" presetSubtype="0" fill="hold" nodeType="clickEffect">
+                                  <p:stCondLst>
+                                    <p:cond delay="0"/>
+                                  </p:stCondLst>
+                                  <p:childTnLst>
+                                    <p:set>
+                                      <p:cBhvr>
+                                        <p:cTn id="6" dur="1" fill="hold">
+                                          <p:stCondLst>
+                                            <p:cond delay="0"/>
+                                          </p:stCondLst>
+                                        </p:cTn>
+                                        <p:tgtEl>
+                                          <p:spTgt spid="3">
+                                            <p:txEl>
+                                              <p:pRg st="2" end="2"/>
+                                            </p:txEl>
+                                          </p:spTgt>
+                                        </p:tgtEl>
+                                        <p:attrNameLst>
+                                          <p:attrName>style.visibility</p:attrName>
+                                        </p:attrNameLst>
+                                      </p:cBhvr>
+                                      <p:to>
+                                        <p:strVal val="visible"/>
+                                      </p:to>
+                                    </p:set>
+                                    <p:animEffect transition="in" filter="dissolve">
+                                      <p:cBhvr>
+                                        <p:cTn id="7" dur="500"/>
+                                        <p:tgtEl>
+                                          <p:spTgt spid="3">
+                                            <p:txEl>
+                                              <p:pRg st="2" end="2"/>
+                                            </p:txEl>
+                                          </p:spTgt>
+                                        </p:tgtEl>
+                                      </p:cBhvr>
+                                    </p:animEffect>
+                                  </p:childTnLst>
+                                </p:cTn>
+                              </p:par>
+                            </p:childTnLst>
+                          </p:cTn>
+                        </p:par>
+                      </p:childTnLst>
+                    </p:cTn>
+                  </p:par>
+                  <p:par>
+                    <p:cTn id="8" fill="hold">
+                      <p:stCondLst>
+                        <p:cond delay="indefinite"/>
+                      </p:stCondLst>
+                      <p:childTnLst>
+                        <p:par>
+                          <p:cTn id="9" fill="hold">
+                            <p:stCondLst>
+                              <p:cond delay="0"/>
+                            </p:stCondLst>
+                            <p:childTnLst>
+                              <p:par>
+                                <p:cTn id="10" presetID="9" presetClass="entr" presetSubtype="0" fill="hold" nodeType="clickEffect">
+                                  <p:stCondLst>
+                                    <p:cond delay="0"/>
+                                  </p:stCondLst>
+                                  <p:childTnLst>
+                                    <p:set>
+                                      <p:cBhvr>
+                                        <p:cTn id="11" dur="1" fill="hold">
+                                          <p:stCondLst>
+                                            <p:cond delay="0"/>
+                                          </p:stCondLst>
+                                        </p:cTn>
+                                        <p:tgtEl>
+                                          <p:spTgt spid="3">
+                                            <p:txEl>
+                                              <p:pRg st="3" end="3"/>
+                                            </p:txEl>
+                                          </p:spTgt>
+                                        </p:tgtEl>
+                                        <p:attrNameLst>
+                                          <p:attrName>style.visibility</p:attrName>
+                                        </p:attrNameLst>
+                                      </p:cBhvr>
+                                      <p:to>
+                                        <p:strVal val="visible"/>
+                                      </p:to>
+                                    </p:set>
+                                    <p:animEffect transition="in" filter="dissolve">
+                                      <p:cBhvr>
+                                        <p:cTn id="12" dur="500"/>
+                                        <p:tgtEl>
+                                          <p:spTgt spid="3">
+                                            <p:txEl>
+                                              <p:pRg st="3" end="3"/>
+                                            </p:txEl>
+                                          </p:spTgt>
+                                        </p:tgtEl>
+                                      </p:cBhvr>
+                                    </p:animEffect>
+                                  </p:childTnLst>
+                                </p:cTn>
+                              </p:par>
+                            </p:childTnLst>
+                          </p:cTn>
+                        </p:par>
+                      </p:childTnLst>
+                    </p:cTn>
+                  </p:par>
+                  <p:par>
+                    <p:cTn id="13" fill="hold">
+                      <p:stCondLst>
+                        <p:cond delay="indefinite"/>
+                      </p:stCondLst>
+                      <p:childTnLst>
+                        <p:par>
+                          <p:cTn id="14" fill="hold">
+                            <p:stCondLst>
+                              <p:cond delay="0"/>
+                            </p:stCondLst>
+                            <p:childTnLst>
+                              <p:par>
+                                <p:cTn id="15" presetID="9" presetClass="entr" presetSubtype="0" fill="hold" nodeType="clickEffect">
+                                  <p:stCondLst>
+                                    <p:cond delay="0"/>
+                                  </p:stCondLst>
+                                  <p:childTnLst>
+                                    <p:set>
+                                      <p:cBhvr>
+                                        <p:cTn id="16" dur="1" fill="hold">
+                                          <p:stCondLst>
+                                            <p:cond delay="0"/>
+                                          </p:stCondLst>
+                                        </p:cTn>
+                                        <p:tgtEl>
+                                          <p:spTgt spid="3">
+                                            <p:txEl>
+                                              <p:pRg st="5" end="5"/>
+                                            </p:txEl>
+                                          </p:spTgt>
+                                        </p:tgtEl>
+                                        <p:attrNameLst>
+                                          <p:attrName>style.visibility</p:attrName>
+                                        </p:attrNameLst>
+                                      </p:cBhvr>
+                                      <p:to>
+                                        <p:strVal val="visible"/>
+                                      </p:to>
+                                    </p:set>
+                                    <p:animEffect transition="in" filter="dissolve">
+                                      <p:cBhvr>
+                                        <p:cTn id="17" dur="500"/>
+                                        <p:tgtEl>
+                                          <p:spTgt spid="3">
+                                            <p:txEl>
+                                              <p:pRg st="5" end="5"/>
+                                            </p:txEl>
+                                          </p:spTgt>
+                                        </p:tgtEl>
+                                      </p:cBhvr>
+                                    </p:animEffect>
+                                  </p:childTnLst>
+                                </p:cTn>
+                              </p:par>
+                            </p:childTnLst>
+                          </p:cTn>
+                        </p:par>
+                      </p:childTnLst>
+                    </p:cTn>
+                  </p:par>
+                  <p:par>
+                    <p:cTn id="18" fill="hold">
+                      <p:stCondLst>
+                        <p:cond delay="indefinite"/>
+                      </p:stCondLst>
+                      <p:childTnLst>
+                        <p:par>
+                          <p:cTn id="19" fill="hold">
+                            <p:stCondLst>
+                              <p:cond delay="0"/>
+                            </p:stCondLst>
+                            <p:childTnLst>
+                              <p:par>
+                                <p:cTn id="20" presetID="15" presetClass="entr" presetSubtype="0" fill="hold" grpId="0" nodeType="clickEffect">
+                                  <p:stCondLst>
+                                    <p:cond delay="0"/>
+                                  </p:stCondLst>
+                                  <p:childTnLst>
+                                    <p:set>
+                                      <p:cBhvr>
+                                        <p:cTn id="21" dur="1" fill="hold">
+                                          <p:stCondLst>
+                                            <p:cond delay="0"/>
+                                          </p:stCondLst>
+                                        </p:cTn>
+                                        <p:tgtEl>
+                                          <p:spTgt spid="6"/>
+                                        </p:tgtEl>
+                                        <p:attrNameLst>
+                                          <p:attrName>style.visibility</p:attrName>
+                                        </p:attrNameLst>
+                                      </p:cBhvr>
+                                      <p:to>
+                                        <p:strVal val="visible"/>
+                                      </p:to>
+                                    </p:set>
+                                    <p:anim calcmode="lin" valueType="num">
+                                      <p:cBhvr>
+                                        <p:cTn id="22" dur="1000" fill="hold"/>
+                                        <p:tgtEl>
+                                          <p:spTgt spid="6"/>
+                                        </p:tgtEl>
+                                        <p:attrNameLst>
+                                          <p:attrName>ppt_w</p:attrName>
+                                        </p:attrNameLst>
+                                      </p:cBhvr>
+                                      <p:tavLst>
+                                        <p:tav tm="0">
+                                          <p:val>
+                                            <p:fltVal val="0"/>
+                                          </p:val>
+                                        </p:tav>
+                                        <p:tav tm="100000">
+                                          <p:val>
+                                            <p:strVal val="#ppt_w"/>
+                                          </p:val>
+                                        </p:tav>
+                                      </p:tavLst>
+                                    </p:anim>
+                                    <p:anim calcmode="lin" valueType="num">
+                                      <p:cBhvr>
+                                        <p:cTn id="23" dur="1000" fill="hold"/>
+                                        <p:tgtEl>
+                                          <p:spTgt spid="6"/>
+                                        </p:tgtEl>
+                                        <p:attrNameLst>
+                                          <p:attrName>ppt_h</p:attrName>
+                                        </p:attrNameLst>
+                                      </p:cBhvr>
+                                      <p:tavLst>
+                                        <p:tav tm="0">
+                                          <p:val>
+                                            <p:fltVal val="0"/>
+                                          </p:val>
+                                        </p:tav>
+                                        <p:tav tm="100000">
+                                          <p:val>
+                                            <p:strVal val="#ppt_h"/>
+                                          </p:val>
+                                        </p:tav>
+                                      </p:tavLst>
+                                    </p:anim>
+                                    <p:anim calcmode="lin" valueType="num">
+                                      <p:cBhvr>
+                                        <p:cTn id="24" dur="1000" fill="hold"/>
+                                        <p:tgtEl>
+                                          <p:spTgt spid="6"/>
+                                        </p:tgtEl>
+                                        <p:attrNameLst>
+                                          <p:attrName>ppt_x</p:attrName>
+                                        </p:attrNameLst>
+                                      </p:cBhvr>
+                                      <p:tavLst>
+                                        <p:tav tm="0" fmla="#ppt_x+(cos(-2*pi*(1-$))*-#ppt_x-sin(-2*pi*(1-$))*(1-#ppt_y))*(1-$)">
+                                          <p:val>
+                                            <p:fltVal val="0"/>
+                                          </p:val>
+                                        </p:tav>
+                                        <p:tav tm="100000">
+                                          <p:val>
+                                            <p:fltVal val="1"/>
+                                          </p:val>
+                                        </p:tav>
+                                      </p:tavLst>
+                                    </p:anim>
+                                    <p:anim calcmode="lin" valueType="num">
+                                      <p:cBhvr>
+                                        <p:cTn id="25" dur="1000" fill="hold"/>
+                                        <p:tgtEl>
+                                          <p:spTgt spid="6"/>
+                                        </p:tgtEl>
+                                        <p:attrNameLst>
+                                          <p:attrName>ppt_y</p:attrName>
+                                        </p:attrNameLst>
+                                      </p:cBhvr>
+                                      <p:tavLst>
+                                        <p:tav tm="0" fmla="#ppt_y+(sin(-2*pi*(1-$))*-#ppt_x+cos(-2*pi*(1-$))*(1-#ppt_y))*(1-$)">
+                                          <p:val>
+                                            <p:fltVal val="0"/>
+                                          </p:val>
+                                        </p:tav>
+                                        <p:tav tm="100000">
+                                          <p:val>
+                                            <p:fltVal val="1"/>
+                                          </p:val>
+                                        </p:tav>
+                                      </p:tavLst>
+                                    </p:anim>
+                                  </p:childTnLst>
+                                </p:cTn>
+                              </p:par>
+                            </p:childTnLst>
+                          </p:cTn>
+                        </p:par>
+                      </p:childTnLst>
+                    </p:cTn>
+                  </p:par>
+                </p:childTnLst>
+              </p:cTn>
+              <p:prevCondLst>
+                <p:cond evt="onPrev" delay="0">
+                  <p:tgtEl>
+                    <p:sldTgt/>
+                  </p:tgtEl>
+                </p:cond>
+              </p:prevCondLst>
+              <p:nextCondLst>
+                <p:cond evt="onNext" delay="0">
+                  <p:tgtEl>
+                    <p:sldTgt/>
+                  </p:tgtEl>
+                </p:cond>
+              </p:nextCondLst>
+            </p:seq>
+          </p:childTnLst>
+        </p:cTn>
+      </p:par>
+    </p:tnLst>
+    <p:bldLst>
+      <p:bldP spid="6" grpId="0"/>
+    </p:bldLst>
+  </p:timing>
+</p:sld>
+</file>
+
+<file path=ppt/slides/slide31.xml><?xml version="1.0" encoding="utf-8"?>
+<p:sld xmlns:a="http://schemas.openxmlformats.org/drawingml/2006/main" xmlns:r="http://schemas.openxmlformats.org/officeDocument/2006/relationships" xmlns:p="http://schemas.openxmlformats.org/presentationml/2006/main">
+  <p:cSld>
+    <p:spTree>
+      <p:nvGrpSpPr>
+        <p:cNvPr id="1" name=""/>
+        <p:cNvGrpSpPr/>
+        <p:nvPr/>
+      </p:nvGrpSpPr>
+      <p:grpSpPr>
+        <a:xfrm>
+          <a:off x="0" y="0"/>
+          <a:ext cx="0" cy="0"/>
+          <a:chOff x="0" y="0"/>
+          <a:chExt cx="0" cy="0"/>
+        </a:xfrm>
+      </p:grpSpPr>
+      <p:sp>
+        <p:nvSpPr>
+          <p:cNvPr id="72708" name="Slide Number Placeholder 5"/>
+          <p:cNvSpPr>
+            <a:spLocks noGrp="1"/>
+          </p:cNvSpPr>
+          <p:nvPr>
+            <p:ph type="sldNum" sz="quarter" idx="12"/>
+          </p:nvPr>
+        </p:nvSpPr>
+        <p:spPr>
+          <a:noFill/>
+        </p:spPr>
+        <p:txBody>
+          <a:bodyPr/>
+          <a:lstStyle/>
+          <a:p>
+            <a:r>
+              <a:rPr lang="en-US" dirty="0" err="1"/>
+              <a:t>Lec</a:t>
+            </a:r>
+            <a:r>
+              <a:rPr lang="en-US" dirty="0" smtClean="0"/>
+              <a:t> 15W.</a:t>
+            </a:r>
+            <a:fld id="{48C43B83-FFFA-DF4E-A03B-97AA17DF8C4C}" type="slidenum">
+              <a:rPr lang="en-US" smtClean="0"/>
+              <a:pPr/>
+              <a:t>31</a:t>
+            </a:fld>
+            <a:endParaRPr lang="en-US" dirty="0"/>
+          </a:p>
+          <a:p>
+            <a:endParaRPr lang="en-US" dirty="0"/>
+          </a:p>
+        </p:txBody>
+      </p:sp>
+      <p:sp>
+        <p:nvSpPr>
+          <p:cNvPr id="72709" name="Rectangle 2"/>
+          <p:cNvSpPr>
+            <a:spLocks noGrp="1" noChangeArrowheads="1"/>
+          </p:cNvSpPr>
+          <p:nvPr>
+            <p:ph type="title"/>
+          </p:nvPr>
+        </p:nvSpPr>
+        <p:spPr>
+          <a:xfrm>
+            <a:off x="1747838" y="301624"/>
+            <a:ext cx="5643562" cy="1146175"/>
+          </a:xfrm>
+        </p:spPr>
+        <p:txBody>
+          <a:bodyPr/>
+          <a:lstStyle/>
+          <a:p>
+            <a:pPr eaLnBrk="1" hangingPunct="1"/>
+            <a:r>
+              <a:rPr lang="en-US" dirty="0"/>
+              <a:t>Team Problems</a:t>
+            </a:r>
+          </a:p>
+        </p:txBody>
+      </p:sp>
+      <p:sp>
+        <p:nvSpPr>
+          <p:cNvPr id="72710" name="Rectangle 3"/>
+          <p:cNvSpPr>
+            <a:spLocks noGrp="1" noChangeArrowheads="1"/>
+          </p:cNvSpPr>
+          <p:nvPr>
+            <p:ph type="body" idx="1"/>
+          </p:nvPr>
+        </p:nvSpPr>
+        <p:spPr>
+          <a:xfrm>
+            <a:off x="1524000" y="1524000"/>
+            <a:ext cx="6096000" cy="3619500"/>
+          </a:xfrm>
+        </p:spPr>
+        <p:txBody>
+          <a:bodyPr/>
+          <a:lstStyle/>
+          <a:p>
+            <a:pPr eaLnBrk="1" hangingPunct="1">
+              <a:buFontTx/>
+              <a:buNone/>
+            </a:pPr>
+            <a:r>
+              <a:rPr lang="en-US" sz="9600" dirty="0" smtClean="0"/>
+              <a:t>Problems</a:t>
+            </a:r>
+          </a:p>
+          <a:p>
+            <a:pPr algn="ctr" eaLnBrk="1" hangingPunct="1">
+              <a:buFontTx/>
+              <a:buNone/>
+            </a:pPr>
+            <a:r>
+              <a:rPr lang="en-US" sz="9600" dirty="0" smtClean="0"/>
+              <a:t>1</a:t>
+            </a:r>
+            <a:r>
+              <a:rPr lang="en-US" sz="9600" dirty="0" smtClean="0"/>
+              <a:t>-2</a:t>
+            </a:r>
+            <a:endParaRPr lang="en-US" sz="9600" dirty="0"/>
+          </a:p>
+        </p:txBody>
+      </p:sp>
+      <p:sp>
+        <p:nvSpPr>
+          <p:cNvPr id="7" name="Rectangle 4"/>
+          <p:cNvSpPr>
+            <a:spLocks noGrp="1" noChangeArrowheads="1"/>
+          </p:cNvSpPr>
+          <p:nvPr>
+            <p:ph type="dt" sz="half" idx="2"/>
+          </p:nvPr>
+        </p:nvSpPr>
+        <p:spPr bwMode="auto">
+          <a:xfrm>
+            <a:off x="3124200" y="6629400"/>
+            <a:ext cx="2863850" cy="228600"/>
+          </a:xfrm>
+          <a:prstGeom prst="rect">
+            <a:avLst/>
+          </a:prstGeom>
+          <a:noFill/>
+          <a:ln w="9525">
+            <a:noFill/>
+            <a:miter lim="800000"/>
+            <a:headEnd/>
+            <a:tailEnd/>
+          </a:ln>
+        </p:spPr>
+        <p:txBody>
+          <a:bodyPr vert="horz" wrap="square" lIns="91440" tIns="45720" rIns="91440" bIns="45720" numCol="1" anchor="t" anchorCtr="0" compatLnSpc="1">
+            <a:prstTxWarp prst="textNoShape">
+              <a:avLst/>
+            </a:prstTxWarp>
+          </a:bodyPr>
+          <a:lstStyle>
+            <a:lvl1pPr algn="ctr" eaLnBrk="1" hangingPunct="1">
+              <a:defRPr sz="1000">
+                <a:latin typeface="Comic Sans MS" pitchFamily="-64" charset="0"/>
+                <a:ea typeface="ＭＳ Ｐゴシック" pitchFamily="-64" charset="-128"/>
+                <a:cs typeface="+mn-cs"/>
+              </a:defRPr>
+            </a:lvl1pPr>
+          </a:lstStyle>
+          <a:p>
+            <a:pPr>
+              <a:defRPr/>
+            </a:pPr>
+            <a:r>
+              <a:rPr lang="en-US" dirty="0" smtClean="0"/>
+              <a:t>Albert R Meyer,                December 14, 2011</a:t>
+            </a:r>
+            <a:endParaRPr lang="en-US" dirty="0"/>
+          </a:p>
+        </p:txBody>
+      </p:sp>
+    </p:spTree>
+  </p:cSld>
+  <p:clrMapOvr>
+    <a:masterClrMapping/>
+  </p:clrMapOvr>
+  <p:transition xmlns:p14="http://schemas.microsoft.com/office/powerpoint/2010/main" spd="slow">
+    <p:fade/>
+  </p:transition>
+  <p:timing>
+    <p:tnLst>
+      <p:par>
+        <p:cTn xmlns:p14="http://schemas.microsoft.com/office/powerpoint/2010/main" id="1" dur="indefinite" restart="never" nodeType="tmRoot"/>
+      </p:par>
+    </p:tnLst>
   </p:timing>
 </p:sld>
 </file>
@@ -19175,11 +21918,7 @@
             </a:r>
             <a:r>
               <a:rPr lang="en-US" dirty="0" smtClean="0"/>
-              <a:t> </a:t>
-            </a:r>
-            <a:r>
-              <a:rPr lang="en-US" dirty="0" smtClean="0"/>
-              <a:t>15W.</a:t>
+              <a:t> 15W.</a:t>
             </a:r>
             <a:fld id="{C4461F72-8397-A54C-8A8A-56C7DBF0D442}" type="slidenum">
               <a:rPr lang="en-US" smtClean="0"/>
@@ -19433,10 +22172,11 @@
             </a:pathLst>
           </a:custGeom>
           <a:noFill/>
-          <a:ln w="28575">
+          <a:ln w="38100">
             <a:solidFill>
-              <a:schemeClr val="accent2"/>
+              <a:srgbClr val="0000FF"/>
             </a:solidFill>
+            <a:prstDash val="sysDash"/>
             <a:round/>
             <a:headEnd/>
             <a:tailEnd/>
@@ -19465,7 +22205,7 @@
         <p:spPr bwMode="auto">
           <a:xfrm>
             <a:off x="1812925" y="5783263"/>
-            <a:ext cx="5883275" cy="579437"/>
+            <a:ext cx="5883275" cy="646331"/>
           </a:xfrm>
           <a:prstGeom prst="rect">
             <a:avLst/>
@@ -19489,7 +22229,7 @@
           <a:p>
             <a:pPr algn="ctr" eaLnBrk="1" hangingPunct="1"/>
             <a:r>
-              <a:rPr lang="en-US" sz="3200"/>
+              <a:rPr lang="en-US" sz="3600" dirty="0"/>
               <a:t># of bets</a:t>
             </a:r>
           </a:p>
@@ -19551,7 +22291,7 @@
         <p:spPr bwMode="auto">
           <a:xfrm>
             <a:off x="1066800" y="4464050"/>
-            <a:ext cx="533400" cy="641350"/>
+            <a:ext cx="533400" cy="707886"/>
           </a:xfrm>
           <a:prstGeom prst="rect">
             <a:avLst/>
@@ -19575,9 +22315,9 @@
           <a:p>
             <a:pPr algn="ctr" eaLnBrk="1" hangingPunct="1"/>
             <a:r>
-              <a:rPr lang="en-US" sz="3600">
-                <a:solidFill>
-                  <a:schemeClr val="accent2"/>
+              <a:rPr lang="en-US" sz="4000" dirty="0">
+                <a:solidFill>
+                  <a:srgbClr val="0000FF"/>
                 </a:solidFill>
               </a:rPr>
               <a:t>n</a:t>
@@ -19596,7 +22336,7 @@
         <p:spPr bwMode="auto">
           <a:xfrm>
             <a:off x="990600" y="1295400"/>
-            <a:ext cx="533400" cy="579438"/>
+            <a:ext cx="533400" cy="646331"/>
           </a:xfrm>
           <a:prstGeom prst="rect">
             <a:avLst/>
@@ -19620,9 +22360,9 @@
           <a:p>
             <a:pPr algn="ctr" eaLnBrk="1" hangingPunct="1"/>
             <a:r>
-              <a:rPr lang="en-US" sz="3200">
-                <a:solidFill>
-                  <a:schemeClr val="accent2"/>
+              <a:rPr lang="en-US" sz="3600" dirty="0">
+                <a:solidFill>
+                  <a:srgbClr val="0000FF"/>
                 </a:solidFill>
               </a:rPr>
               <a:t>T</a:t>
@@ -19799,15 +22539,7 @@
             </a:pPr>
             <a:r>
               <a:rPr lang="en-US" dirty="0" smtClean="0"/>
-              <a:t>Albert R Meyer,                </a:t>
-            </a:r>
-            <a:r>
-              <a:rPr lang="en-US" dirty="0" smtClean="0"/>
-              <a:t>December 14, </a:t>
-            </a:r>
-            <a:r>
-              <a:rPr lang="en-US" dirty="0" smtClean="0"/>
-              <a:t>2011</a:t>
+              <a:t>Albert R Meyer,                December 14, 2011</a:t>
             </a:r>
             <a:endParaRPr lang="en-US" dirty="0"/>
           </a:p>
@@ -19818,9 +22550,18 @@
   <p:clrMapOvr>
     <a:masterClrMapping/>
   </p:clrMapOvr>
-  <p:transition xmlns:p14="http://schemas.microsoft.com/office/powerpoint/2010/main" spd="slow">
-    <p:fade thruBlk="1"/>
-  </p:transition>
+  <mc:AlternateContent xmlns:mc="http://schemas.openxmlformats.org/markup-compatibility/2006">
+    <mc:Choice xmlns:p14="http://schemas.microsoft.com/office/powerpoint/2010/main" Requires="p14">
+      <p:transition spd="med" p14:dur="700">
+        <p:fade/>
+      </p:transition>
+    </mc:Choice>
+    <mc:Fallback>
+      <p:transition xmlns:p14="http://schemas.microsoft.com/office/powerpoint/2010/main" spd="med">
+        <p:fade/>
+      </p:transition>
+    </mc:Fallback>
+  </mc:AlternateContent>
   <p:timing>
     <p:tnLst>
       <p:par>
@@ -19871,11 +22612,7 @@
             </a:r>
             <a:r>
               <a:rPr lang="en-US" dirty="0" smtClean="0"/>
-              <a:t> </a:t>
-            </a:r>
-            <a:r>
-              <a:rPr lang="en-US" dirty="0" smtClean="0"/>
-              <a:t>15W.</a:t>
+              <a:t> 15W.</a:t>
             </a:r>
             <a:fld id="{1F859011-7C7E-724A-9635-B330832E05C4}" type="slidenum">
               <a:rPr lang="en-US" smtClean="0"/>
@@ -20033,15 +22770,7 @@
             </a:pPr>
             <a:r>
               <a:rPr lang="en-US" dirty="0" smtClean="0"/>
-              <a:t>Albert R Meyer,                </a:t>
-            </a:r>
-            <a:r>
-              <a:rPr lang="en-US" dirty="0" smtClean="0"/>
-              <a:t>December 14, </a:t>
-            </a:r>
-            <a:r>
-              <a:rPr lang="en-US" dirty="0" smtClean="0"/>
-              <a:t>2011</a:t>
+              <a:t>Albert R Meyer,                December 14, 2011</a:t>
             </a:r>
             <a:endParaRPr lang="en-US" dirty="0"/>
           </a:p>
@@ -20192,11 +22921,7 @@
             </a:r>
             <a:r>
               <a:rPr lang="en-US" dirty="0" smtClean="0"/>
-              <a:t> </a:t>
-            </a:r>
-            <a:r>
-              <a:rPr lang="en-US" dirty="0" smtClean="0"/>
-              <a:t>15W.</a:t>
+              <a:t> 15W.</a:t>
             </a:r>
             <a:fld id="{1A58DCCE-006C-2247-9099-C179D2709666}" type="slidenum">
               <a:rPr lang="en-US" smtClean="0"/>
@@ -20274,19 +22999,15 @@
             </a:r>
             <a:r>
               <a:rPr lang="en-US" dirty="0"/>
-              <a:t>= </a:t>
+              <a:t>=</a:t>
             </a:r>
             <a:r>
               <a:rPr lang="en-US" dirty="0">
                 <a:solidFill>
-                  <a:schemeClr val="accent2"/>
-                </a:solidFill>
-              </a:rPr>
-              <a:t>1/2</a:t>
-            </a:r>
-            <a:r>
-              <a:rPr lang="en-US" dirty="0"/>
-              <a:t>.</a:t>
+                  <a:srgbClr val="0000FF"/>
+                </a:solidFill>
+              </a:rPr>
+              <a:t> 1/2.</a:t>
             </a:r>
           </a:p>
           <a:p>
@@ -20295,49 +23016,61 @@
               <a:buNone/>
             </a:pPr>
             <a:r>
+              <a:rPr lang="en-US" dirty="0">
+                <a:solidFill>
+                  <a:srgbClr val="000000"/>
+                </a:solidFill>
+              </a:rPr>
+              <a:t>What is </a:t>
+            </a:r>
+            <a:r>
+              <a:rPr lang="en-US" dirty="0" err="1" smtClean="0">
+                <a:solidFill>
+                  <a:srgbClr val="000000"/>
+                </a:solidFill>
+              </a:rPr>
+              <a:t>Pr[reach</a:t>
+            </a:r>
+            <a:r>
+              <a:rPr lang="en-US" dirty="0" smtClean="0">
+                <a:solidFill>
+                  <a:srgbClr val="0000FF"/>
+                </a:solidFill>
+              </a:rPr>
+              <a:t> </a:t>
+            </a:r>
+            <a:r>
+              <a:rPr lang="en-US" dirty="0">
+                <a:solidFill>
+                  <a:srgbClr val="0000FF"/>
+                </a:solidFill>
+              </a:rPr>
+              <a:t>$</a:t>
+            </a:r>
+            <a:r>
+              <a:rPr lang="en-US" dirty="0" smtClean="0">
+                <a:solidFill>
+                  <a:srgbClr val="0000FF"/>
+                </a:solidFill>
+              </a:rPr>
+              <a:t>200</a:t>
+            </a:r>
+            <a:r>
               <a:rPr lang="en-US" dirty="0"/>
-              <a:t>What is </a:t>
-            </a:r>
-            <a:r>
-              <a:rPr lang="en-US" dirty="0" err="1" smtClean="0"/>
-              <a:t>Pr[reach</a:t>
+              <a:t>]</a:t>
             </a:r>
             <a:r>
               <a:rPr lang="en-US" dirty="0" smtClean="0"/>
               <a:t> </a:t>
             </a:r>
             <a:r>
-              <a:rPr lang="en-US" dirty="0">
-                <a:solidFill>
-                  <a:schemeClr val="accent2"/>
-                </a:solidFill>
-              </a:rPr>
-              <a:t>$</a:t>
-            </a:r>
-            <a:r>
-              <a:rPr lang="en-US" dirty="0" smtClean="0">
-                <a:solidFill>
-                  <a:schemeClr val="accent2"/>
-                </a:solidFill>
-              </a:rPr>
-              <a:t>200</a:t>
-            </a:r>
-            <a:r>
-              <a:rPr lang="en-US" dirty="0"/>
-              <a:t>]</a:t>
-            </a:r>
-            <a:r>
-              <a:rPr lang="en-US" dirty="0" smtClean="0"/>
-              <a:t> </a:t>
-            </a:r>
-            <a:r>
               <a:rPr lang="en-US" dirty="0"/>
               <a:t>if we start with </a:t>
             </a:r>
             <a:r>
               <a:rPr lang="en-US" dirty="0">
                 <a:solidFill>
-                  <a:schemeClr val="accent2"/>
+                  <a:srgbClr val="0000FF"/>
                 </a:solidFill>
               </a:rPr>
               <a:t>$100</a:t>
@@ -20404,7 +23137,7 @@
             <a:r>
               <a:rPr lang="en-US" sz="3600" dirty="0">
                 <a:solidFill>
-                  <a:schemeClr val="accent2"/>
+                  <a:srgbClr val="0000FF"/>
                 </a:solidFill>
               </a:rPr>
               <a:t>$</a:t>
@@ -20412,7 +23145,7 @@
             <a:r>
               <a:rPr lang="en-US" sz="3600" dirty="0" smtClean="0">
                 <a:solidFill>
-                  <a:schemeClr val="accent2"/>
+                  <a:srgbClr val="0000FF"/>
                 </a:solidFill>
               </a:rPr>
               <a:t>600</a:t>
@@ -20432,7 +23165,7 @@
             <a:r>
               <a:rPr lang="en-US" sz="3600" dirty="0">
                 <a:solidFill>
-                  <a:schemeClr val="accent2"/>
+                  <a:srgbClr val="0000FF"/>
                 </a:solidFill>
               </a:rPr>
               <a:t>$500</a:t>
@@ -20583,15 +23316,7 @@
             </a:pPr>
             <a:r>
               <a:rPr lang="en-US" dirty="0" smtClean="0"/>
-              <a:t>Albert R Meyer,                </a:t>
-            </a:r>
-            <a:r>
-              <a:rPr lang="en-US" dirty="0" smtClean="0"/>
-              <a:t>December 14, </a:t>
-            </a:r>
-            <a:r>
-              <a:rPr lang="en-US" dirty="0" smtClean="0"/>
-              <a:t>2011</a:t>
+              <a:t>Albert R Meyer,                December 14, 2011</a:t>
             </a:r>
             <a:endParaRPr lang="en-US" dirty="0"/>
           </a:p>
@@ -20626,7 +23351,7 @@
                             </p:stCondLst>
                             <p:childTnLst>
                               <p:par>
-                                <p:cTn id="5" presetID="1" presetClass="entr" presetSubtype="0" fill="hold" grpId="0" nodeType="clickEffect">
+                                <p:cTn id="5" presetID="1" presetClass="entr" presetSubtype="0" fill="hold" nodeType="clickEffect">
                                   <p:stCondLst>
                                     <p:cond delay="0"/>
                                   </p:stCondLst>
@@ -20641,7 +23366,7 @@
                                         <p:tgtEl>
                                           <p:spTgt spid="25606">
                                             <p:txEl>
-                                              <p:pRg st="2" end="2"/>
+                                              <p:pRg st="1" end="1"/>
                                             </p:txEl>
                                           </p:spTgt>
                                         </p:tgtEl>
@@ -20675,7 +23400,7 @@
                             </p:stCondLst>
                             <p:childTnLst>
                               <p:par>
-                                <p:cTn id="9" presetID="9" presetClass="entr" presetSubtype="0" fill="hold" grpId="0" nodeType="clickEffect">
+                                <p:cTn id="9" presetID="1" presetClass="entr" presetSubtype="0" fill="hold" grpId="0" nodeType="clickEffect">
                                   <p:stCondLst>
                                     <p:cond delay="0"/>
                                   </p:stCondLst>
@@ -20683,6 +23408,55 @@
                                     <p:set>
                                       <p:cBhvr>
                                         <p:cTn id="10" dur="1" fill="hold">
+                                          <p:stCondLst>
+                                            <p:cond delay="0"/>
+                                          </p:stCondLst>
+                                        </p:cTn>
+                                        <p:tgtEl>
+                                          <p:spTgt spid="25606">
+                                            <p:txEl>
+                                              <p:pRg st="2" end="2"/>
+                                            </p:txEl>
+                                          </p:spTgt>
+                                        </p:tgtEl>
+                                        <p:attrNameLst>
+                                          <p:attrName>style.visibility</p:attrName>
+                                        </p:attrNameLst>
+                                      </p:cBhvr>
+                                      <p:to>
+                                        <p:strVal val="visible"/>
+                                      </p:to>
+                                    </p:set>
+                                  </p:childTnLst>
+                                </p:cTn>
+                              </p:par>
+                            </p:childTnLst>
+                          </p:cTn>
+                        </p:par>
+                      </p:childTnLst>
+                    </p:cTn>
+                  </p:par>
+                  <p:par>
+                    <p:cTn id="11" fill="hold">
+                      <p:stCondLst>
+                        <p:cond delay="indefinite"/>
+                      </p:stCondLst>
+                      <p:childTnLst>
+                        <p:par>
+                          <p:cTn id="12" fill="hold">
+                            <p:stCondLst>
+                              <p:cond delay="0"/>
+                            </p:stCondLst>
+                            <p:childTnLst>
+                              <p:par>
+                                <p:cTn id="13" presetID="9" presetClass="entr" presetSubtype="0" fill="hold" grpId="0" nodeType="clickEffect">
+                                  <p:stCondLst>
+                                    <p:cond delay="0"/>
+                                  </p:stCondLst>
+                                  <p:childTnLst>
+                                    <p:set>
+                                      <p:cBhvr>
+                                        <p:cTn id="14" dur="1" fill="hold">
                                           <p:stCondLst>
                                             <p:cond delay="0"/>
                                           </p:stCondLst>
@@ -20700,7 +23474,7 @@
                                     </p:set>
                                     <p:animEffect transition="in" filter="dissolve">
                                       <p:cBhvr>
-                                        <p:cTn id="11" dur="500"/>
+                                        <p:cTn id="15" dur="500"/>
                                         <p:tgtEl>
                                           <p:spTgt spid="90117"/>
                                         </p:tgtEl>
@@ -20716,26 +23490,26 @@
                     </p:cTn>
                   </p:par>
                   <p:par>
-                    <p:cTn id="12" fill="hold">
+                    <p:cTn id="16" fill="hold">
                       <p:stCondLst>
                         <p:cond delay="indefinite"/>
                       </p:stCondLst>
                       <p:childTnLst>
                         <p:par>
-                          <p:cTn id="13" fill="hold">
+                          <p:cTn id="17" fill="hold">
                             <p:stCondLst>
                               <p:cond delay="0"/>
                             </p:stCondLst>
                             <p:childTnLst>
                               <p:par>
-                                <p:cTn id="14" presetID="1" presetClass="entr" presetSubtype="0" fill="hold" grpId="0" nodeType="clickEffect">
+                                <p:cTn id="18" presetID="1" presetClass="entr" presetSubtype="0" fill="hold" grpId="0" nodeType="clickEffect">
                                   <p:stCondLst>
                                     <p:cond delay="0"/>
                                   </p:stCondLst>
                                   <p:childTnLst>
                                     <p:set>
                                       <p:cBhvr>
-                                        <p:cTn id="15" dur="1" fill="hold">
+                                        <p:cTn id="19" dur="1" fill="hold">
                                           <p:stCondLst>
                                             <p:cond delay="0"/>
                                           </p:stCondLst>
@@ -20761,26 +23535,26 @@
                     </p:cTn>
                   </p:par>
                   <p:par>
-                    <p:cTn id="16" fill="hold">
+                    <p:cTn id="20" fill="hold">
                       <p:stCondLst>
                         <p:cond delay="indefinite"/>
                       </p:stCondLst>
                       <p:childTnLst>
                         <p:par>
-                          <p:cTn id="17" fill="hold">
+                          <p:cTn id="21" fill="hold">
                             <p:stCondLst>
                               <p:cond delay="0"/>
                             </p:stCondLst>
                             <p:childTnLst>
                               <p:par>
-                                <p:cTn id="18" presetID="9" presetClass="entr" presetSubtype="0" fill="hold" grpId="0" nodeType="clickEffect">
+                                <p:cTn id="22" presetID="9" presetClass="entr" presetSubtype="0" fill="hold" grpId="0" nodeType="clickEffect">
                                   <p:stCondLst>
                                     <p:cond delay="0"/>
                                   </p:stCondLst>
                                   <p:childTnLst>
                                     <p:set>
                                       <p:cBhvr>
-                                        <p:cTn id="19" dur="1" fill="hold">
+                                        <p:cTn id="23" dur="1" fill="hold">
                                           <p:stCondLst>
                                             <p:cond delay="0"/>
                                           </p:stCondLst>
@@ -20798,7 +23572,7 @@
                                     </p:set>
                                     <p:animEffect transition="in" filter="dissolve">
                                       <p:cBhvr>
-                                        <p:cTn id="20" dur="500"/>
+                                        <p:cTn id="24" dur="500"/>
                                         <p:tgtEl>
                                           <p:spTgt spid="90118"/>
                                         </p:tgtEl>
@@ -20884,11 +23658,7 @@
             </a:r>
             <a:r>
               <a:rPr lang="en-US" dirty="0" smtClean="0"/>
-              <a:t> </a:t>
-            </a:r>
-            <a:r>
-              <a:rPr lang="en-US" dirty="0" smtClean="0"/>
-              <a:t>15W.</a:t>
+              <a:t> 15W.</a:t>
             </a:r>
             <a:fld id="{1B818657-C012-2D4E-9D91-E82567AD91A2}" type="slidenum">
               <a:rPr lang="en-US" smtClean="0"/>
@@ -21158,15 +23928,7 @@
             </a:pPr>
             <a:r>
               <a:rPr lang="en-US" dirty="0" smtClean="0"/>
-              <a:t>Albert R Meyer,                </a:t>
-            </a:r>
-            <a:r>
-              <a:rPr lang="en-US" dirty="0" smtClean="0"/>
-              <a:t>December 14, </a:t>
-            </a:r>
-            <a:r>
-              <a:rPr lang="en-US" dirty="0" smtClean="0"/>
-              <a:t>2011</a:t>
+              <a:t>Albert R Meyer,                December 14, 2011</a:t>
             </a:r>
             <a:endParaRPr lang="en-US" dirty="0"/>
           </a:p>
@@ -21395,11 +24157,7 @@
             </a:r>
             <a:r>
               <a:rPr lang="en-US" dirty="0" smtClean="0"/>
-              <a:t> </a:t>
-            </a:r>
-            <a:r>
-              <a:rPr lang="en-US" dirty="0" smtClean="0"/>
-              <a:t>15W.</a:t>
+              <a:t> 15W.</a:t>
             </a:r>
             <a:fld id="{8B4C27B2-6C40-2848-B9DB-97D985B60433}" type="slidenum">
               <a:rPr lang="en-US" smtClean="0"/>
@@ -21478,18 +24236,40 @@
               </a:buClr>
             </a:pPr>
             <a:r>
-              <a:rPr lang="en-US" sz="3600"/>
-              <a:t>Pr{win bet} = 18/38 = 9/19 </a:t>
-            </a:r>
-            <a:r>
-              <a:rPr lang="en-US" sz="3600">
+              <a:rPr lang="en-US" sz="3600" dirty="0" err="1" smtClean="0"/>
+              <a:t>Pr</a:t>
+            </a:r>
+            <a:r>
+              <a:rPr lang="en-US" sz="3600" dirty="0"/>
+              <a:t>[</a:t>
+            </a:r>
+            <a:r>
+              <a:rPr lang="en-US" sz="3600" dirty="0" smtClean="0"/>
+              <a:t>win bet] </a:t>
+            </a:r>
+            <a:r>
+              <a:rPr lang="en-US" sz="3600" dirty="0"/>
+              <a:t>= 18/38 = 9/19 </a:t>
+            </a:r>
+            <a:r>
+              <a:rPr lang="en-US" sz="3600" b="1" dirty="0">
                 <a:solidFill>
                   <a:srgbClr val="CC0000"/>
                 </a:solidFill>
-              </a:rPr>
-              <a:t>&lt; 1/2</a:t>
-            </a:r>
-            <a:endParaRPr lang="en-US"/>
+                <a:latin typeface="Euclid Symbol" charset="2"/>
+                <a:cs typeface="Euclid Symbol" charset="2"/>
+              </a:rPr>
+              <a:t>&lt;</a:t>
+            </a:r>
+            <a:r>
+              <a:rPr lang="en-US" sz="3600" dirty="0">
+                <a:solidFill>
+                  <a:srgbClr val="CC0000"/>
+                </a:solidFill>
+              </a:rPr>
+              <a:t> 1/2</a:t>
+            </a:r>
+            <a:endParaRPr lang="en-US" dirty="0"/>
           </a:p>
         </p:txBody>
       </p:sp>
@@ -21590,15 +24370,7 @@
             </a:pPr>
             <a:r>
               <a:rPr lang="en-US" dirty="0" smtClean="0"/>
-              <a:t>Albert R Meyer,                </a:t>
-            </a:r>
-            <a:r>
-              <a:rPr lang="en-US" dirty="0" smtClean="0"/>
-              <a:t>December 14, </a:t>
-            </a:r>
-            <a:r>
-              <a:rPr lang="en-US" dirty="0" smtClean="0"/>
-              <a:t>2011</a:t>
+              <a:t>Albert R Meyer,                December 14, 2011</a:t>
             </a:r>
             <a:endParaRPr lang="en-US" dirty="0"/>
           </a:p>
@@ -21741,11 +24513,7 @@
             </a:r>
             <a:r>
               <a:rPr lang="en-US" dirty="0" smtClean="0"/>
-              <a:t> </a:t>
-            </a:r>
-            <a:r>
-              <a:rPr lang="en-US" dirty="0" smtClean="0"/>
-              <a:t>15W.</a:t>
+              <a:t> 15W.</a:t>
             </a:r>
             <a:fld id="{DDEDA1A4-F92A-C247-BD53-F6346675D8E3}" type="slidenum">
               <a:rPr lang="en-US" smtClean="0"/>
@@ -21776,7 +24544,7 @@
           <a:p>
             <a:pPr eaLnBrk="1" hangingPunct="1"/>
             <a:r>
-              <a:rPr lang="en-US"/>
+              <a:rPr lang="en-US" dirty="0"/>
               <a:t>US Roulette</a:t>
             </a:r>
           </a:p>
@@ -21808,11 +24576,55 @@
             </a:pPr>
             <a:r>
               <a:rPr lang="en-US" dirty="0"/>
-              <a:t>What is </a:t>
-            </a:r>
-            <a:r>
-              <a:rPr lang="en-US" dirty="0" err="1" smtClean="0"/>
+              <a:t>What is</a:t>
+            </a:r>
+            <a:r>
+              <a:rPr lang="en-US" dirty="0">
+                <a:solidFill>
+                  <a:srgbClr val="0000FF"/>
+                </a:solidFill>
+              </a:rPr>
+              <a:t> </a:t>
+            </a:r>
+            <a:r>
+              <a:rPr lang="en-US" dirty="0" err="1" smtClean="0">
+                <a:solidFill>
+                  <a:srgbClr val="000000"/>
+                </a:solidFill>
+              </a:rPr>
               <a:t>Pr[reach</a:t>
+            </a:r>
+            <a:r>
+              <a:rPr lang="en-US" dirty="0" smtClean="0">
+                <a:solidFill>
+                  <a:srgbClr val="0000FF"/>
+                </a:solidFill>
+              </a:rPr>
+              <a:t> </a:t>
+            </a:r>
+            <a:r>
+              <a:rPr lang="en-US" dirty="0">
+                <a:solidFill>
+                  <a:srgbClr val="0000FF"/>
+                </a:solidFill>
+              </a:rPr>
+              <a:t>$500</a:t>
+            </a:r>
+            <a:r>
+              <a:rPr lang="en-US" dirty="0"/>
+              <a:t>+</a:t>
+            </a:r>
+            <a:r>
+              <a:rPr lang="en-US" dirty="0" smtClean="0">
+                <a:solidFill>
+                  <a:srgbClr val="008000"/>
+                </a:solidFill>
+              </a:rPr>
+              <a:t>100</a:t>
+            </a:r>
+            <a:r>
+              <a:rPr lang="en-US" dirty="0"/>
+              <a:t>]</a:t>
             </a:r>
             <a:r>
               <a:rPr lang="en-US" dirty="0" smtClean="0"/>
@@ -21820,44 +24632,12 @@
             </a:r>
             <a:r>
               <a:rPr lang="en-US" dirty="0"/>
-              <a:t>$</a:t>
+              <a:t>starting with $</a:t>
             </a:r>
             <a:r>
               <a:rPr lang="en-US" dirty="0">
                 <a:solidFill>
-                  <a:schemeClr val="accent2"/>
-                </a:solidFill>
-              </a:rPr>
-              <a:t>500</a:t>
-            </a:r>
-            <a:r>
-              <a:rPr lang="en-US" dirty="0"/>
-              <a:t>+</a:t>
-            </a:r>
-            <a:r>
-              <a:rPr lang="en-US" dirty="0" smtClean="0">
-                <a:solidFill>
-                  <a:srgbClr val="008000"/>
-                </a:solidFill>
-              </a:rPr>
-              <a:t>100</a:t>
-            </a:r>
-            <a:r>
-              <a:rPr lang="en-US" dirty="0"/>
-              <a:t>]</a:t>
-            </a:r>
-            <a:r>
-              <a:rPr lang="en-US" dirty="0" smtClean="0"/>
-              <a:t> </a:t>
-            </a:r>
-            <a:r>
-              <a:rPr lang="en-US" dirty="0"/>
-              <a:t>starting with $</a:t>
-            </a:r>
-            <a:r>
-              <a:rPr lang="en-US" dirty="0">
-                <a:solidFill>
-                  <a:schemeClr val="accent2"/>
+                  <a:srgbClr val="0000FF"/>
                 </a:solidFill>
               </a:rPr>
               <a:t>500</a:t>
@@ -21899,7 +24679,7 @@
         </p:nvSpPr>
         <p:spPr bwMode="auto">
           <a:xfrm>
-            <a:off x="228600" y="3810000"/>
+            <a:off x="381000" y="3505200"/>
             <a:ext cx="8382000" cy="1828800"/>
           </a:xfrm>
           <a:prstGeom prst="rect">
@@ -21938,16 +24718,12 @@
               <a:t>Pr[reach</a:t>
             </a:r>
             <a:r>
-              <a:rPr lang="en-US" sz="3600" dirty="0" smtClean="0"/>
-              <a:t> $</a:t>
-            </a:r>
-            <a:r>
               <a:rPr lang="en-US" sz="3600" dirty="0" smtClean="0">
                 <a:solidFill>
-                  <a:schemeClr val="accent2"/>
-                </a:solidFill>
-              </a:rPr>
-              <a:t>1,000,</a:t>
+                  <a:srgbClr val="0000FF"/>
+                </a:solidFill>
+              </a:rPr>
+              <a:t> $1,000,</a:t>
             </a:r>
             <a:r>
               <a:rPr lang="en-US" sz="3600" dirty="0" smtClean="0">
@@ -21990,7 +24766,7 @@
             <a:r>
               <a:rPr lang="en-US" sz="3600" dirty="0" smtClean="0">
                 <a:solidFill>
-                  <a:schemeClr val="accent2"/>
+                  <a:srgbClr val="0000FF"/>
                 </a:solidFill>
               </a:rPr>
               <a:t>1,000,000</a:t>
@@ -22036,8 +24812,8 @@
         </p:nvSpPr>
         <p:spPr bwMode="auto">
           <a:xfrm>
-            <a:off x="2984500" y="3016250"/>
-            <a:ext cx="2730500" cy="641350"/>
+            <a:off x="3027746" y="2743200"/>
+            <a:ext cx="2992054" cy="646331"/>
           </a:xfrm>
           <a:prstGeom prst="rect">
             <a:avLst/>
@@ -22060,12 +24836,22 @@
           <a:lstStyle/>
           <a:p>
             <a:r>
-              <a:rPr lang="en-US" sz="3600">
+              <a:rPr lang="en-US" sz="3600" b="1" dirty="0">
                 <a:solidFill>
                   <a:srgbClr val="CC0000"/>
                 </a:solidFill>
-              </a:rPr>
-              <a:t>&lt; 1 / 37,000</a:t>
+                <a:latin typeface="Euclid Symbol" charset="2"/>
+                <a:cs typeface="Euclid Symbol" charset="2"/>
+              </a:rPr>
+              <a:t>&lt;</a:t>
+            </a:r>
+            <a:r>
+              <a:rPr lang="en-US" sz="3600" dirty="0">
+                <a:solidFill>
+                  <a:srgbClr val="CC0000"/>
+                </a:solidFill>
+              </a:rPr>
+              <a:t> 1 / 37,000</a:t>
             </a:r>
           </a:p>
         </p:txBody>
@@ -22080,8 +24866,8 @@
         </p:nvSpPr>
         <p:spPr bwMode="auto">
           <a:xfrm>
-            <a:off x="831176" y="5181600"/>
-            <a:ext cx="6905181" cy="1200329"/>
+            <a:off x="440572" y="4876800"/>
+            <a:ext cx="8398628" cy="1323439"/>
           </a:xfrm>
           <a:prstGeom prst="rect">
             <a:avLst/>
@@ -22105,12 +24891,30 @@
           <a:p>
             <a:pPr algn="ctr"/>
             <a:r>
+              <a:rPr lang="en-US" sz="3600" b="1" dirty="0">
+                <a:solidFill>
+                  <a:srgbClr val="CC0000"/>
+                </a:solidFill>
+                <a:latin typeface="Euclid Symbol" charset="2"/>
+                <a:cs typeface="Euclid Symbol" charset="2"/>
+              </a:rPr>
+              <a:t>&lt;</a:t>
+            </a:r>
+            <a:r>
+              <a:rPr lang="en-US" sz="3600" dirty="0" smtClean="0">
+                <a:solidFill>
+                  <a:srgbClr val="CC0000"/>
+                </a:solidFill>
+              </a:rPr>
+              <a:t> </a:t>
+            </a:r>
+            <a:r>
               <a:rPr lang="en-US" sz="3600" dirty="0">
                 <a:solidFill>
                   <a:srgbClr val="CC0000"/>
                 </a:solidFill>
               </a:rPr>
-              <a:t>&lt; 1 / </a:t>
+              <a:t>1 / </a:t>
             </a:r>
             <a:r>
               <a:rPr lang="en-US" sz="3600" dirty="0" smtClean="0">
@@ -22120,22 +24924,39 @@
               </a:rPr>
               <a:t>37,000</a:t>
             </a:r>
+            <a:endParaRPr lang="en-US" sz="4400" dirty="0" smtClean="0">
+              <a:solidFill>
+                <a:srgbClr val="CC0000"/>
+              </a:solidFill>
+            </a:endParaRPr>
           </a:p>
           <a:p>
             <a:pPr algn="ctr"/>
             <a:r>
-              <a:rPr lang="en-US" sz="3600" dirty="0" smtClean="0"/>
-              <a:t>no matter how many $ at start</a:t>
-            </a:r>
-            <a:r>
-              <a:rPr lang="en-US" sz="3600" dirty="0" smtClean="0">
+              <a:rPr lang="en-US" sz="4400" dirty="0" smtClean="0"/>
+              <a:t>no matter how many </a:t>
+            </a:r>
+            <a:r>
+              <a:rPr lang="en-US" sz="4400" dirty="0" smtClean="0">
+                <a:solidFill>
+                  <a:srgbClr val="0000FF"/>
+                </a:solidFill>
+              </a:rPr>
+              <a:t>$</a:t>
+            </a:r>
+            <a:r>
+              <a:rPr lang="en-US" sz="4400" dirty="0" smtClean="0"/>
+              <a:t> at start</a:t>
+            </a:r>
+            <a:r>
+              <a:rPr lang="en-US" sz="4400" dirty="0" smtClean="0">
                 <a:solidFill>
                   <a:srgbClr val="000000"/>
                 </a:solidFill>
               </a:rPr>
               <a:t>!</a:t>
             </a:r>
-            <a:endParaRPr lang="en-US" sz="3600" dirty="0">
+            <a:endParaRPr lang="en-US" sz="4400" dirty="0">
               <a:solidFill>
                 <a:srgbClr val="000000"/>
               </a:solidFill>
@@ -22190,15 +25011,7 @@
             </a:pPr>
             <a:r>
               <a:rPr lang="en-US" dirty="0" smtClean="0"/>
-              <a:t>Albert R Meyer,                </a:t>
-            </a:r>
-            <a:r>
-              <a:rPr lang="en-US" dirty="0" smtClean="0"/>
-              <a:t>December 14, </a:t>
-            </a:r>
-            <a:r>
-              <a:rPr lang="en-US" dirty="0" smtClean="0"/>
-              <a:t>2011</a:t>
+              <a:t>Albert R Meyer,                December 14, 2011</a:t>
             </a:r>
             <a:endParaRPr lang="en-US" dirty="0"/>
           </a:p>
@@ -22286,7 +25099,7 @@
                             </p:stCondLst>
                             <p:childTnLst>
                               <p:par>
-                                <p:cTn id="10" presetID="1" presetClass="entr" presetSubtype="0" fill="hold" grpId="0" nodeType="clickEffect">
+                                <p:cTn id="10" presetID="9" presetClass="entr" presetSubtype="0" fill="hold" grpId="0" nodeType="clickEffect">
                                   <p:stCondLst>
                                     <p:cond delay="0"/>
                                   </p:stCondLst>
@@ -22309,6 +25122,14 @@
                                         <p:strVal val="visible"/>
                                       </p:to>
                                     </p:set>
+                                    <p:animEffect transition="in" filter="dissolve">
+                                      <p:cBhvr>
+                                        <p:cTn id="12" dur="500"/>
+                                        <p:tgtEl>
+                                          <p:spTgt spid="18436"/>
+                                        </p:tgtEl>
+                                      </p:cBhvr>
+                                    </p:animEffect>
                                   </p:childTnLst>
                                 </p:cTn>
                               </p:par>
@@ -22319,26 +25140,26 @@
                     </p:cTn>
                   </p:par>
                   <p:par>
-                    <p:cTn id="12" fill="hold">
+                    <p:cTn id="13" fill="hold">
                       <p:stCondLst>
                         <p:cond delay="indefinite"/>
                       </p:stCondLst>
                       <p:childTnLst>
                         <p:par>
-                          <p:cTn id="13" fill="hold">
+                          <p:cTn id="14" fill="hold">
                             <p:stCondLst>
                               <p:cond delay="0"/>
                             </p:stCondLst>
                             <p:childTnLst>
                               <p:par>
-                                <p:cTn id="14" presetID="9" presetClass="entr" presetSubtype="0" fill="hold" grpId="0" nodeType="clickEffect">
+                                <p:cTn id="15" presetID="9" presetClass="entr" presetSubtype="0" fill="hold" grpId="0" nodeType="clickEffect">
                                   <p:stCondLst>
                                     <p:cond delay="0"/>
                                   </p:stCondLst>
                                   <p:childTnLst>
                                     <p:set>
                                       <p:cBhvr>
-                                        <p:cTn id="15" dur="1" fill="hold">
+                                        <p:cTn id="16" dur="1" fill="hold">
                                           <p:stCondLst>
                                             <p:cond delay="0"/>
                                           </p:stCondLst>
@@ -22360,7 +25181,7 @@
                                     </p:set>
                                     <p:animEffect transition="in" filter="dissolve">
                                       <p:cBhvr>
-                                        <p:cTn id="16" dur="500"/>
+                                        <p:cTn id="17" dur="500"/>
                                         <p:tgtEl>
                                           <p:spTgt spid="18438">
                                             <p:txEl>
@@ -22380,26 +25201,26 @@
                     </p:cTn>
                   </p:par>
                   <p:par>
-                    <p:cTn id="17" fill="hold">
+                    <p:cTn id="18" fill="hold">
                       <p:stCondLst>
                         <p:cond delay="indefinite"/>
                       </p:stCondLst>
                       <p:childTnLst>
                         <p:par>
-                          <p:cTn id="18" fill="hold">
+                          <p:cTn id="19" fill="hold">
                             <p:stCondLst>
                               <p:cond delay="0"/>
                             </p:stCondLst>
                             <p:childTnLst>
                               <p:par>
-                                <p:cTn id="19" presetID="9" presetClass="entr" presetSubtype="0" fill="hold" grpId="0" nodeType="clickEffect">
+                                <p:cTn id="20" presetID="9" presetClass="entr" presetSubtype="0" fill="hold" grpId="0" nodeType="clickEffect">
                                   <p:stCondLst>
                                     <p:cond delay="0"/>
                                   </p:stCondLst>
                                   <p:childTnLst>
                                     <p:set>
                                       <p:cBhvr>
-                                        <p:cTn id="20" dur="1" fill="hold">
+                                        <p:cTn id="21" dur="1" fill="hold">
                                           <p:stCondLst>
                                             <p:cond delay="0"/>
                                           </p:stCondLst>
@@ -22421,7 +25242,7 @@
                                     </p:set>
                                     <p:animEffect transition="in" filter="dissolve">
                                       <p:cBhvr>
-                                        <p:cTn id="21" dur="500"/>
+                                        <p:cTn id="22" dur="500"/>
                                         <p:tgtEl>
                                           <p:spTgt spid="18438">
                                             <p:txEl>

--- a/fall11/slidesF11/slides15w.pptx
+++ b/fall11/slidesF11/slides15w.pptx
@@ -5124,10 +5124,11 @@
             <a:endParaRPr lang="en-US" sz="4800" dirty="0"/>
           </a:p>
           <a:p>
-            <a:pPr eaLnBrk="1" hangingPunct="1">
+            <a:pPr marL="0" indent="0" eaLnBrk="1" hangingPunct="1">
               <a:lnSpc>
                 <a:spcPct val="90000"/>
               </a:lnSpc>
+              <a:buNone/>
             </a:pPr>
             <a:r>
               <a:rPr lang="en-US" sz="4800" dirty="0">
@@ -5184,10 +5185,11 @@
             <a:endParaRPr lang="en-US" sz="4800" dirty="0"/>
           </a:p>
           <a:p>
-            <a:pPr eaLnBrk="1" hangingPunct="1">
+            <a:pPr marL="0" indent="0" eaLnBrk="1" hangingPunct="1">
               <a:lnSpc>
                 <a:spcPct val="90000"/>
               </a:lnSpc>
+              <a:buNone/>
             </a:pPr>
             <a:r>
               <a:rPr lang="en-US" sz="4800" dirty="0" err="1">
@@ -5223,10 +5225,11 @@
             </a:r>
           </a:p>
           <a:p>
-            <a:pPr eaLnBrk="1" hangingPunct="1">
+            <a:pPr marL="0" indent="0" eaLnBrk="1" hangingPunct="1">
               <a:lnSpc>
                 <a:spcPct val="90000"/>
               </a:lnSpc>
+              <a:buNone/>
             </a:pPr>
             <a:r>
               <a:rPr lang="en-US" sz="4800" dirty="0">
@@ -5364,7 +5367,7 @@
                             </p:stCondLst>
                             <p:childTnLst>
                               <p:par>
-                                <p:cTn id="5" presetID="9" presetClass="entr" presetSubtype="0" fill="hold" grpId="0" nodeType="clickEffect">
+                                <p:cTn id="5" presetID="22" presetClass="entr" presetSubtype="8" fill="hold" grpId="0" nodeType="clickEffect">
                                   <p:stCondLst>
                                     <p:cond delay="0"/>
                                   </p:stCondLst>
@@ -5372,6 +5375,128 @@
                                     <p:set>
                                       <p:cBhvr>
                                         <p:cTn id="6" dur="1" fill="hold">
+                                          <p:stCondLst>
+                                            <p:cond delay="0"/>
+                                          </p:stCondLst>
+                                        </p:cTn>
+                                        <p:tgtEl>
+                                          <p:spTgt spid="29702">
+                                            <p:txEl>
+                                              <p:pRg st="2" end="2"/>
+                                            </p:txEl>
+                                          </p:spTgt>
+                                        </p:tgtEl>
+                                        <p:attrNameLst>
+                                          <p:attrName>style.visibility</p:attrName>
+                                        </p:attrNameLst>
+                                      </p:cBhvr>
+                                      <p:to>
+                                        <p:strVal val="visible"/>
+                                      </p:to>
+                                    </p:set>
+                                    <p:animEffect transition="in" filter="wipe(left)">
+                                      <p:cBhvr>
+                                        <p:cTn id="7" dur="500"/>
+                                        <p:tgtEl>
+                                          <p:spTgt spid="29702">
+                                            <p:txEl>
+                                              <p:pRg st="2" end="2"/>
+                                            </p:txEl>
+                                          </p:spTgt>
+                                        </p:tgtEl>
+                                      </p:cBhvr>
+                                    </p:animEffect>
+                                  </p:childTnLst>
+                                </p:cTn>
+                              </p:par>
+                            </p:childTnLst>
+                          </p:cTn>
+                        </p:par>
+                      </p:childTnLst>
+                    </p:cTn>
+                  </p:par>
+                  <p:par>
+                    <p:cTn id="8" fill="hold">
+                      <p:stCondLst>
+                        <p:cond delay="indefinite"/>
+                      </p:stCondLst>
+                      <p:childTnLst>
+                        <p:par>
+                          <p:cTn id="9" fill="hold">
+                            <p:stCondLst>
+                              <p:cond delay="0"/>
+                            </p:stCondLst>
+                            <p:childTnLst>
+                              <p:par>
+                                <p:cTn id="10" presetID="22" presetClass="entr" presetSubtype="8" fill="hold" grpId="0" nodeType="clickEffect">
+                                  <p:stCondLst>
+                                    <p:cond delay="0"/>
+                                  </p:stCondLst>
+                                  <p:childTnLst>
+                                    <p:set>
+                                      <p:cBhvr>
+                                        <p:cTn id="11" dur="1" fill="hold">
+                                          <p:stCondLst>
+                                            <p:cond delay="0"/>
+                                          </p:stCondLst>
+                                        </p:cTn>
+                                        <p:tgtEl>
+                                          <p:spTgt spid="29702">
+                                            <p:txEl>
+                                              <p:pRg st="3" end="3"/>
+                                            </p:txEl>
+                                          </p:spTgt>
+                                        </p:tgtEl>
+                                        <p:attrNameLst>
+                                          <p:attrName>style.visibility</p:attrName>
+                                        </p:attrNameLst>
+                                      </p:cBhvr>
+                                      <p:to>
+                                        <p:strVal val="visible"/>
+                                      </p:to>
+                                    </p:set>
+                                    <p:animEffect transition="in" filter="wipe(left)">
+                                      <p:cBhvr>
+                                        <p:cTn id="12" dur="500"/>
+                                        <p:tgtEl>
+                                          <p:spTgt spid="29702">
+                                            <p:txEl>
+                                              <p:pRg st="3" end="3"/>
+                                            </p:txEl>
+                                          </p:spTgt>
+                                        </p:tgtEl>
+                                      </p:cBhvr>
+                                    </p:animEffect>
+                                  </p:childTnLst>
+                                </p:cTn>
+                              </p:par>
+                            </p:childTnLst>
+                          </p:cTn>
+                        </p:par>
+                      </p:childTnLst>
+                    </p:cTn>
+                  </p:par>
+                  <p:par>
+                    <p:cTn id="13" fill="hold">
+                      <p:stCondLst>
+                        <p:cond delay="indefinite"/>
+                      </p:stCondLst>
+                      <p:childTnLst>
+                        <p:par>
+                          <p:cTn id="14" fill="hold">
+                            <p:stCondLst>
+                              <p:cond delay="0"/>
+                            </p:stCondLst>
+                            <p:childTnLst>
+                              <p:par>
+                                <p:cTn id="15" presetID="9" presetClass="entr" presetSubtype="0" fill="hold" grpId="0" nodeType="clickEffect">
+                                  <p:stCondLst>
+                                    <p:cond delay="0"/>
+                                  </p:stCondLst>
+                                  <p:childTnLst>
+                                    <p:set>
+                                      <p:cBhvr>
+                                        <p:cTn id="16" dur="1" fill="hold">
                                           <p:stCondLst>
                                             <p:cond delay="0"/>
                                           </p:stCondLst>
@@ -5393,7 +5518,7 @@
                                     </p:set>
                                     <p:animEffect transition="in" filter="dissolve">
                                       <p:cBhvr>
-                                        <p:cTn id="7" dur="500"/>
+                                        <p:cTn id="17" dur="500"/>
                                         <p:tgtEl>
                                           <p:spTgt spid="29702">
                                             <p:txEl>
@@ -5434,14 +5559,14 @@
       </p:par>
     </p:tnLst>
     <p:bldLst>
-      <p:bldP spid="29702" grpId="0" uiExpand="1" build="p"/>
+      <p:bldP spid="29702" grpId="0" build="p"/>
     </p:bldLst>
   </p:timing>
 </p:sld>
 </file>
 
 <file path=ppt/slides/slide11.xml><?xml version="1.0" encoding="utf-8"?>
-<p:sld xmlns:a="http://schemas.openxmlformats.org/drawingml/2006/main" xmlns:r="http://schemas.openxmlformats.org/officeDocument/2006/relationships" xmlns:p="http://schemas.openxmlformats.org/presentationml/2006/main">
+<p:sld xmlns:a="http://schemas.openxmlformats.org/drawingml/2006/main" xmlns:r="http://schemas.openxmlformats.org/officeDocument/2006/relationships" xmlns:p="http://schemas.openxmlformats.org/presentationml/2006/main" show="0">
   <p:cSld>
     <p:spTree>
       <p:nvGrpSpPr>
@@ -5596,7 +5721,6 @@
               <a:rPr lang="en-US" sz="6000" dirty="0" smtClean="0"/>
               <a:t>In fair game </a:t>
             </a:r>
-            <a:endParaRPr lang="en-US" sz="6000" dirty="0" smtClean="0"/>
           </a:p>
           <a:p>
             <a:r>
@@ -5605,11 +5729,7 @@
             </a:r>
             <a:r>
               <a:rPr lang="en-US" sz="6000" dirty="0" smtClean="0"/>
-              <a:t>   </a:t>
-            </a:r>
-            <a:r>
-              <a:rPr lang="en-US" sz="6000" dirty="0" smtClean="0"/>
-              <a:t>(that is, </a:t>
+              <a:t>   (that is, </a:t>
             </a:r>
             <a:r>
               <a:rPr lang="en-US" sz="6000" dirty="0" smtClean="0">
@@ -5617,31 +5737,11 @@
                   <a:srgbClr val="008000"/>
                 </a:solidFill>
               </a:rPr>
-              <a:t>p </a:t>
-            </a:r>
-            <a:r>
-              <a:rPr lang="en-US" sz="6000" dirty="0" smtClean="0">
-                <a:solidFill>
-                  <a:srgbClr val="008000"/>
-                </a:solidFill>
-              </a:rPr>
-              <a:t>= </a:t>
-            </a:r>
-            <a:r>
-              <a:rPr lang="en-US" sz="6000" dirty="0" smtClean="0">
-                <a:solidFill>
-                  <a:srgbClr val="008000"/>
-                </a:solidFill>
-              </a:rPr>
-              <a:t>1/2</a:t>
+              <a:t>p = 1/2</a:t>
             </a:r>
             <a:r>
               <a:rPr lang="en-US" sz="6000" dirty="0" smtClean="0"/>
-              <a:t>)</a:t>
-            </a:r>
-            <a:r>
-              <a:rPr lang="en-US" sz="6000" dirty="0" smtClean="0"/>
-              <a:t>:</a:t>
+              <a:t>):</a:t>
             </a:r>
             <a:endParaRPr lang="en-US" sz="6000" dirty="0"/>
           </a:p>
@@ -5669,7 +5769,7 @@
           <a:graphicData uri="http://schemas.openxmlformats.org/presentationml/2006/ole">
             <mc:AlternateContent xmlns:mc="http://schemas.openxmlformats.org/markup-compatibility/2006">
               <mc:Choice xmlns:v="urn:schemas-microsoft-com:vml" Requires="v">
-                <p:oleObj spid="_x0000_s232459" name="Equation" r:id="rId4" imgW="838200" imgH="469900" progId="Equation.DSMT4">
+                <p:oleObj spid="_x0000_s232465" name="Equation" r:id="rId4" imgW="838200" imgH="469900" progId="Equation.DSMT4">
                   <p:embed/>
                 </p:oleObj>
               </mc:Choice>
@@ -5827,7 +5927,7 @@
 </file>
 
 <file path=ppt/slides/slide12.xml><?xml version="1.0" encoding="utf-8"?>
-<p:sld xmlns:a="http://schemas.openxmlformats.org/drawingml/2006/main" xmlns:r="http://schemas.openxmlformats.org/officeDocument/2006/relationships" xmlns:p="http://schemas.openxmlformats.org/presentationml/2006/main">
+<p:sld xmlns:a="http://schemas.openxmlformats.org/drawingml/2006/main" xmlns:r="http://schemas.openxmlformats.org/officeDocument/2006/relationships" xmlns:p="http://schemas.openxmlformats.org/presentationml/2006/main" show="0">
   <p:cSld>
     <p:spTree>
       <p:nvGrpSpPr>
@@ -5980,11 +6080,7 @@
           <a:p>
             <a:r>
               <a:rPr lang="en-US" sz="6000" dirty="0" smtClean="0"/>
-              <a:t>unfair </a:t>
-            </a:r>
-            <a:r>
-              <a:rPr lang="en-US" sz="6000" dirty="0" smtClean="0"/>
-              <a:t>game (</a:t>
+              <a:t>unfair game (</a:t>
             </a:r>
             <a:r>
               <a:rPr lang="en-US" sz="6000" dirty="0" smtClean="0">
@@ -6010,23 +6106,11 @@
                   <a:srgbClr val="0000FF"/>
                 </a:solidFill>
               </a:rPr>
-              <a:t> </a:t>
-            </a:r>
-            <a:r>
-              <a:rPr lang="en-US" sz="6000" dirty="0" smtClean="0">
-                <a:solidFill>
-                  <a:srgbClr val="0000FF"/>
-                </a:solidFill>
-              </a:rPr>
-              <a:t>1/2</a:t>
+              <a:t> 1/2</a:t>
             </a:r>
             <a:r>
               <a:rPr lang="en-US" sz="6000" dirty="0" smtClean="0"/>
-              <a:t>)</a:t>
-            </a:r>
-            <a:r>
-              <a:rPr lang="en-US" sz="6000" dirty="0" smtClean="0"/>
-              <a:t>:</a:t>
+              <a:t>):</a:t>
             </a:r>
             <a:endParaRPr lang="en-US" sz="6000" dirty="0"/>
           </a:p>
@@ -6048,7 +6132,7 @@
           <a:graphicData uri="http://schemas.openxmlformats.org/presentationml/2006/ole">
             <mc:AlternateContent xmlns:mc="http://schemas.openxmlformats.org/markup-compatibility/2006">
               <mc:Choice xmlns:v="urn:schemas-microsoft-com:vml" Requires="v">
-                <p:oleObj spid="_x0000_s234507" name="Equation" r:id="rId4" imgW="1092200" imgH="609600" progId="Equation.DSMT4">
+                <p:oleObj spid="_x0000_s234513" name="Equation" r:id="rId4" imgW="1092200" imgH="609600" progId="Equation.DSMT4">
                   <p:embed/>
                 </p:oleObj>
               </mc:Choice>
@@ -6385,7 +6469,7 @@
 </file>
 
 <file path=ppt/slides/slide13.xml><?xml version="1.0" encoding="utf-8"?>
-<p:sld xmlns:a="http://schemas.openxmlformats.org/drawingml/2006/main" xmlns:r="http://schemas.openxmlformats.org/officeDocument/2006/relationships" xmlns:p="http://schemas.openxmlformats.org/presentationml/2006/main">
+<p:sld xmlns:a="http://schemas.openxmlformats.org/drawingml/2006/main" xmlns:r="http://schemas.openxmlformats.org/officeDocument/2006/relationships" xmlns:p="http://schemas.openxmlformats.org/presentationml/2006/main" show="0">
   <p:cSld>
     <p:spTree>
       <p:nvGrpSpPr>
@@ -6455,19 +6539,19 @@
           <a:p>
             <a:pPr eaLnBrk="1" hangingPunct="1"/>
             <a:r>
-              <a:rPr lang="en-US"/>
+              <a:rPr lang="en-US" dirty="0"/>
               <a:t>Profit $</a:t>
             </a:r>
             <a:r>
-              <a:rPr lang="en-US">
+              <a:rPr lang="en-US" dirty="0">
                 <a:solidFill>
-                  <a:schemeClr val="accent2"/>
+                  <a:srgbClr val="0000FF"/>
                 </a:solidFill>
               </a:rPr>
               <a:t>100</a:t>
             </a:r>
             <a:r>
-              <a:rPr lang="en-US"/>
+              <a:rPr lang="en-US" dirty="0"/>
               <a:t> in US Roulette</a:t>
             </a:r>
           </a:p>
@@ -6716,7 +6800,7 @@
           <a:graphicData uri="http://schemas.openxmlformats.org/presentationml/2006/ole">
             <mc:AlternateContent xmlns:mc="http://schemas.openxmlformats.org/markup-compatibility/2006">
               <mc:Choice xmlns:v="urn:schemas-microsoft-com:vml" Requires="v">
-                <p:oleObj spid="_x0000_s236555" name="Equation" r:id="rId4" imgW="914400" imgH="914400" progId="Equation.DSMT4">
+                <p:oleObj spid="_x0000_s236562" name="Equation" r:id="rId4" imgW="914400" imgH="914400" progId="Equation.DSMT4">
                   <p:embed/>
                 </p:oleObj>
               </mc:Choice>
@@ -13037,12 +13121,389 @@
   <p:clrMapOvr>
     <a:masterClrMapping/>
   </p:clrMapOvr>
+  <mc:AlternateContent xmlns:mc="http://schemas.openxmlformats.org/markup-compatibility/2006">
+    <mc:Choice xmlns:p14="http://schemas.microsoft.com/office/powerpoint/2010/main" Requires="p14">
+      <p:transition spd="slow" p14:dur="1200">
+        <p:fade thruBlk="1"/>
+      </p:transition>
+    </mc:Choice>
+    <mc:Fallback>
+      <p:transition xmlns:p14="http://schemas.microsoft.com/office/powerpoint/2010/main" spd="slow">
+        <p:fade thruBlk="1"/>
+      </p:transition>
+    </mc:Fallback>
+  </mc:AlternateContent>
   <p:timing>
     <p:tnLst>
       <p:par>
-        <p:cTn xmlns:p14="http://schemas.microsoft.com/office/powerpoint/2010/main" id="1" dur="indefinite" restart="never" nodeType="tmRoot"/>
+        <p:cTn xmlns:p14="http://schemas.microsoft.com/office/powerpoint/2010/main" id="1" dur="indefinite" restart="never" nodeType="tmRoot">
+          <p:childTnLst>
+            <p:seq concurrent="1" nextAc="seek">
+              <p:cTn id="2" dur="indefinite" nodeType="mainSeq">
+                <p:childTnLst>
+                  <p:par>
+                    <p:cTn id="3" fill="hold">
+                      <p:stCondLst>
+                        <p:cond delay="indefinite"/>
+                        <p:cond evt="onBegin" delay="0">
+                          <p:tn val="2"/>
+                        </p:cond>
+                      </p:stCondLst>
+                      <p:childTnLst>
+                        <p:par>
+                          <p:cTn id="4" fill="hold">
+                            <p:stCondLst>
+                              <p:cond delay="0"/>
+                            </p:stCondLst>
+                            <p:childTnLst>
+                              <p:par>
+                                <p:cTn id="5" presetID="22" presetClass="entr" presetSubtype="8" fill="hold" grpId="0" nodeType="afterEffect">
+                                  <p:stCondLst>
+                                    <p:cond delay="0"/>
+                                  </p:stCondLst>
+                                  <p:childTnLst>
+                                    <p:set>
+                                      <p:cBhvr>
+                                        <p:cTn id="6" dur="1" fill="hold">
+                                          <p:stCondLst>
+                                            <p:cond delay="0"/>
+                                          </p:stCondLst>
+                                        </p:cTn>
+                                        <p:tgtEl>
+                                          <p:spTgt spid="3">
+                                            <p:txEl>
+                                              <p:pRg st="0" end="0"/>
+                                            </p:txEl>
+                                          </p:spTgt>
+                                        </p:tgtEl>
+                                        <p:attrNameLst>
+                                          <p:attrName>style.visibility</p:attrName>
+                                        </p:attrNameLst>
+                                      </p:cBhvr>
+                                      <p:to>
+                                        <p:strVal val="visible"/>
+                                      </p:to>
+                                    </p:set>
+                                    <p:animEffect transition="in" filter="wipe(left)">
+                                      <p:cBhvr>
+                                        <p:cTn id="7" dur="500"/>
+                                        <p:tgtEl>
+                                          <p:spTgt spid="3">
+                                            <p:txEl>
+                                              <p:pRg st="0" end="0"/>
+                                            </p:txEl>
+                                          </p:spTgt>
+                                        </p:tgtEl>
+                                      </p:cBhvr>
+                                    </p:animEffect>
+                                  </p:childTnLst>
+                                </p:cTn>
+                              </p:par>
+                            </p:childTnLst>
+                          </p:cTn>
+                        </p:par>
+                      </p:childTnLst>
+                    </p:cTn>
+                  </p:par>
+                  <p:par>
+                    <p:cTn id="8" fill="hold">
+                      <p:stCondLst>
+                        <p:cond delay="indefinite"/>
+                      </p:stCondLst>
+                      <p:childTnLst>
+                        <p:par>
+                          <p:cTn id="9" fill="hold">
+                            <p:stCondLst>
+                              <p:cond delay="0"/>
+                            </p:stCondLst>
+                            <p:childTnLst>
+                              <p:par>
+                                <p:cTn id="10" presetID="2" presetClass="entr" presetSubtype="1" fill="hold" grpId="0" nodeType="clickEffect">
+                                  <p:stCondLst>
+                                    <p:cond delay="0"/>
+                                  </p:stCondLst>
+                                  <p:childTnLst>
+                                    <p:set>
+                                      <p:cBhvr>
+                                        <p:cTn id="11" dur="1" fill="hold">
+                                          <p:stCondLst>
+                                            <p:cond delay="0"/>
+                                          </p:stCondLst>
+                                        </p:cTn>
+                                        <p:tgtEl>
+                                          <p:spTgt spid="2"/>
+                                        </p:tgtEl>
+                                        <p:attrNameLst>
+                                          <p:attrName>style.visibility</p:attrName>
+                                        </p:attrNameLst>
+                                      </p:cBhvr>
+                                      <p:to>
+                                        <p:strVal val="visible"/>
+                                      </p:to>
+                                    </p:set>
+                                    <p:anim calcmode="lin" valueType="num">
+                                      <p:cBhvr additive="base">
+                                        <p:cTn id="12" dur="500" fill="hold"/>
+                                        <p:tgtEl>
+                                          <p:spTgt spid="2"/>
+                                        </p:tgtEl>
+                                        <p:attrNameLst>
+                                          <p:attrName>ppt_x</p:attrName>
+                                        </p:attrNameLst>
+                                      </p:cBhvr>
+                                      <p:tavLst>
+                                        <p:tav tm="0">
+                                          <p:val>
+                                            <p:strVal val="#ppt_x"/>
+                                          </p:val>
+                                        </p:tav>
+                                        <p:tav tm="100000">
+                                          <p:val>
+                                            <p:strVal val="#ppt_x"/>
+                                          </p:val>
+                                        </p:tav>
+                                      </p:tavLst>
+                                    </p:anim>
+                                    <p:anim calcmode="lin" valueType="num">
+                                      <p:cBhvr additive="base">
+                                        <p:cTn id="13" dur="500" fill="hold"/>
+                                        <p:tgtEl>
+                                          <p:spTgt spid="2"/>
+                                        </p:tgtEl>
+                                        <p:attrNameLst>
+                                          <p:attrName>ppt_y</p:attrName>
+                                        </p:attrNameLst>
+                                      </p:cBhvr>
+                                      <p:tavLst>
+                                        <p:tav tm="0">
+                                          <p:val>
+                                            <p:strVal val="0-#ppt_h/2"/>
+                                          </p:val>
+                                        </p:tav>
+                                        <p:tav tm="100000">
+                                          <p:val>
+                                            <p:strVal val="#ppt_y"/>
+                                          </p:val>
+                                        </p:tav>
+                                      </p:tavLst>
+                                    </p:anim>
+                                  </p:childTnLst>
+                                </p:cTn>
+                              </p:par>
+                            </p:childTnLst>
+                          </p:cTn>
+                        </p:par>
+                      </p:childTnLst>
+                    </p:cTn>
+                  </p:par>
+                  <p:par>
+                    <p:cTn id="14" fill="hold">
+                      <p:stCondLst>
+                        <p:cond delay="indefinite"/>
+                      </p:stCondLst>
+                      <p:childTnLst>
+                        <p:par>
+                          <p:cTn id="15" fill="hold">
+                            <p:stCondLst>
+                              <p:cond delay="0"/>
+                            </p:stCondLst>
+                            <p:childTnLst>
+                              <p:par>
+                                <p:cTn id="16" presetID="22" presetClass="entr" presetSubtype="8" fill="hold" grpId="0" nodeType="clickEffect">
+                                  <p:stCondLst>
+                                    <p:cond delay="0"/>
+                                  </p:stCondLst>
+                                  <p:childTnLst>
+                                    <p:set>
+                                      <p:cBhvr>
+                                        <p:cTn id="17" dur="1" fill="hold">
+                                          <p:stCondLst>
+                                            <p:cond delay="0"/>
+                                          </p:stCondLst>
+                                        </p:cTn>
+                                        <p:tgtEl>
+                                          <p:spTgt spid="3">
+                                            <p:txEl>
+                                              <p:pRg st="1" end="1"/>
+                                            </p:txEl>
+                                          </p:spTgt>
+                                        </p:tgtEl>
+                                        <p:attrNameLst>
+                                          <p:attrName>style.visibility</p:attrName>
+                                        </p:attrNameLst>
+                                      </p:cBhvr>
+                                      <p:to>
+                                        <p:strVal val="visible"/>
+                                      </p:to>
+                                    </p:set>
+                                    <p:animEffect transition="in" filter="wipe(left)">
+                                      <p:cBhvr>
+                                        <p:cTn id="18" dur="500"/>
+                                        <p:tgtEl>
+                                          <p:spTgt spid="3">
+                                            <p:txEl>
+                                              <p:pRg st="1" end="1"/>
+                                            </p:txEl>
+                                          </p:spTgt>
+                                        </p:tgtEl>
+                                      </p:cBhvr>
+                                    </p:animEffect>
+                                  </p:childTnLst>
+                                </p:cTn>
+                              </p:par>
+                            </p:childTnLst>
+                          </p:cTn>
+                        </p:par>
+                      </p:childTnLst>
+                    </p:cTn>
+                  </p:par>
+                  <p:par>
+                    <p:cTn id="19" fill="hold">
+                      <p:stCondLst>
+                        <p:cond delay="indefinite"/>
+                      </p:stCondLst>
+                      <p:childTnLst>
+                        <p:par>
+                          <p:cTn id="20" fill="hold">
+                            <p:stCondLst>
+                              <p:cond delay="0"/>
+                            </p:stCondLst>
+                            <p:childTnLst>
+                              <p:par>
+                                <p:cTn id="21" presetID="22" presetClass="entr" presetSubtype="8" fill="hold" grpId="0" nodeType="clickEffect">
+                                  <p:stCondLst>
+                                    <p:cond delay="0"/>
+                                  </p:stCondLst>
+                                  <p:childTnLst>
+                                    <p:set>
+                                      <p:cBhvr>
+                                        <p:cTn id="22" dur="1" fill="hold">
+                                          <p:stCondLst>
+                                            <p:cond delay="0"/>
+                                          </p:stCondLst>
+                                        </p:cTn>
+                                        <p:tgtEl>
+                                          <p:spTgt spid="3">
+                                            <p:txEl>
+                                              <p:pRg st="2" end="2"/>
+                                            </p:txEl>
+                                          </p:spTgt>
+                                        </p:tgtEl>
+                                        <p:attrNameLst>
+                                          <p:attrName>style.visibility</p:attrName>
+                                        </p:attrNameLst>
+                                      </p:cBhvr>
+                                      <p:to>
+                                        <p:strVal val="visible"/>
+                                      </p:to>
+                                    </p:set>
+                                    <p:animEffect transition="in" filter="wipe(left)">
+                                      <p:cBhvr>
+                                        <p:cTn id="23" dur="500"/>
+                                        <p:tgtEl>
+                                          <p:spTgt spid="3">
+                                            <p:txEl>
+                                              <p:pRg st="2" end="2"/>
+                                            </p:txEl>
+                                          </p:spTgt>
+                                        </p:tgtEl>
+                                      </p:cBhvr>
+                                    </p:animEffect>
+                                  </p:childTnLst>
+                                </p:cTn>
+                              </p:par>
+                            </p:childTnLst>
+                          </p:cTn>
+                        </p:par>
+                      </p:childTnLst>
+                    </p:cTn>
+                  </p:par>
+                  <p:par>
+                    <p:cTn id="24" fill="hold">
+                      <p:stCondLst>
+                        <p:cond delay="indefinite"/>
+                      </p:stCondLst>
+                      <p:childTnLst>
+                        <p:par>
+                          <p:cTn id="25" fill="hold">
+                            <p:stCondLst>
+                              <p:cond delay="0"/>
+                            </p:stCondLst>
+                            <p:childTnLst>
+                              <p:par>
+                                <p:cTn id="26" presetID="22" presetClass="entr" presetSubtype="8" fill="hold" grpId="0" nodeType="clickEffect">
+                                  <p:stCondLst>
+                                    <p:cond delay="0"/>
+                                  </p:stCondLst>
+                                  <p:childTnLst>
+                                    <p:set>
+                                      <p:cBhvr>
+                                        <p:cTn id="27" dur="1" fill="hold">
+                                          <p:stCondLst>
+                                            <p:cond delay="0"/>
+                                          </p:stCondLst>
+                                        </p:cTn>
+                                        <p:tgtEl>
+                                          <p:spTgt spid="3">
+                                            <p:txEl>
+                                              <p:pRg st="3" end="3"/>
+                                            </p:txEl>
+                                          </p:spTgt>
+                                        </p:tgtEl>
+                                        <p:attrNameLst>
+                                          <p:attrName>style.visibility</p:attrName>
+                                        </p:attrNameLst>
+                                      </p:cBhvr>
+                                      <p:to>
+                                        <p:strVal val="visible"/>
+                                      </p:to>
+                                    </p:set>
+                                    <p:animEffect transition="in" filter="wipe(left)">
+                                      <p:cBhvr>
+                                        <p:cTn id="28" dur="500"/>
+                                        <p:tgtEl>
+                                          <p:spTgt spid="3">
+                                            <p:txEl>
+                                              <p:pRg st="3" end="3"/>
+                                            </p:txEl>
+                                          </p:spTgt>
+                                        </p:tgtEl>
+                                      </p:cBhvr>
+                                    </p:animEffect>
+                                  </p:childTnLst>
+                                </p:cTn>
+                              </p:par>
+                            </p:childTnLst>
+                          </p:cTn>
+                        </p:par>
+                      </p:childTnLst>
+                    </p:cTn>
+                  </p:par>
+                </p:childTnLst>
+              </p:cTn>
+              <p:prevCondLst>
+                <p:cond evt="onPrev" delay="0">
+                  <p:tgtEl>
+                    <p:sldTgt/>
+                  </p:tgtEl>
+                </p:cond>
+              </p:prevCondLst>
+              <p:nextCondLst>
+                <p:cond evt="onNext" delay="0">
+                  <p:tgtEl>
+                    <p:sldTgt/>
+                  </p:tgtEl>
+                </p:cond>
+              </p:nextCondLst>
+            </p:seq>
+          </p:childTnLst>
+        </p:cTn>
       </p:par>
     </p:tnLst>
+    <p:bldLst>
+      <p:bldP spid="2" grpId="0"/>
+      <p:bldP spid="3" grpId="0" build="p"/>
+    </p:bldLst>
   </p:timing>
 </p:sld>
 </file>
@@ -13426,7 +13887,18 @@
   <p:clrMapOvr>
     <a:masterClrMapping/>
   </p:clrMapOvr>
-  <p:transition xmlns:p14="http://schemas.microsoft.com/office/powerpoint/2010/main"/>
+  <mc:AlternateContent xmlns:mc="http://schemas.openxmlformats.org/markup-compatibility/2006">
+    <mc:Choice xmlns:p14="http://schemas.microsoft.com/office/powerpoint/2010/main" Requires="p14">
+      <p:transition spd="med" p14:dur="700">
+        <p:fade/>
+      </p:transition>
+    </mc:Choice>
+    <mc:Fallback>
+      <p:transition xmlns:p14="http://schemas.microsoft.com/office/powerpoint/2010/main" spd="med">
+        <p:fade/>
+      </p:transition>
+    </mc:Fallback>
+  </mc:AlternateContent>
   <p:timing>
     <p:tnLst>
       <p:par>
@@ -13439,6 +13911,9 @@
                     <p:cTn id="3" fill="hold">
                       <p:stCondLst>
                         <p:cond delay="indefinite"/>
+                        <p:cond evt="onBegin" delay="0">
+                          <p:tn val="2"/>
+                        </p:cond>
                       </p:stCondLst>
                       <p:childTnLst>
                         <p:par>
@@ -13448,7 +13923,7 @@
                             </p:stCondLst>
                             <p:childTnLst>
                               <p:par>
-                                <p:cTn id="5" presetID="22" presetClass="entr" presetSubtype="8" fill="hold" grpId="0" nodeType="clickEffect">
+                                <p:cTn id="5" presetID="22" presetClass="entr" presetSubtype="8" fill="hold" grpId="0" nodeType="afterEffect">
                                   <p:stCondLst>
                                     <p:cond delay="0"/>
                                   </p:stCondLst>
@@ -14340,7 +14815,7 @@
           <a:graphicData uri="http://schemas.openxmlformats.org/presentationml/2006/ole">
             <mc:AlternateContent xmlns:mc="http://schemas.openxmlformats.org/markup-compatibility/2006">
               <mc:Choice xmlns:v="urn:schemas-microsoft-com:vml" Requires="v">
-                <p:oleObj spid="_x0000_s58383" name="Equation" r:id="rId4" imgW="1028700" imgH="469900" progId="Equation.DSMT4">
+                <p:oleObj spid="_x0000_s58392" name="Equation" r:id="rId4" imgW="1028700" imgH="469900" progId="Equation.DSMT4">
                   <p:embed/>
                 </p:oleObj>
               </mc:Choice>
@@ -14410,7 +14885,7 @@
           <a:graphicData uri="http://schemas.openxmlformats.org/presentationml/2006/ole">
             <mc:AlternateContent xmlns:mc="http://schemas.openxmlformats.org/markup-compatibility/2006">
               <mc:Choice xmlns:v="urn:schemas-microsoft-com:vml" Requires="v">
-                <p:oleObj spid="_x0000_s58384" name="Equation" r:id="rId6" imgW="812800" imgH="469900" progId="Equation.DSMT4">
+                <p:oleObj spid="_x0000_s58393" name="Equation" r:id="rId6" imgW="812800" imgH="469900" progId="Equation.DSMT4">
                   <p:embed/>
                 </p:oleObj>
               </mc:Choice>
@@ -15033,7 +15508,7 @@
           <a:graphicData uri="http://schemas.openxmlformats.org/presentationml/2006/ole">
             <mc:AlternateContent xmlns:mc="http://schemas.openxmlformats.org/markup-compatibility/2006">
               <mc:Choice xmlns:v="urn:schemas-microsoft-com:vml" Requires="v">
-                <p:oleObj spid="_x0000_s60442" name="Equation" r:id="rId4" imgW="812800" imgH="469900" progId="Equation.DSMT4">
+                <p:oleObj spid="_x0000_s60461" name="Equation" r:id="rId4" imgW="812800" imgH="469900" progId="Equation.DSMT4">
                   <p:embed/>
                 </p:oleObj>
               </mc:Choice>
@@ -15117,7 +15592,7 @@
           <a:graphicData uri="http://schemas.openxmlformats.org/presentationml/2006/ole">
             <mc:AlternateContent xmlns:mc="http://schemas.openxmlformats.org/markup-compatibility/2006">
               <mc:Choice xmlns:v="urn:schemas-microsoft-com:vml" Requires="v">
-                <p:oleObj spid="_x0000_s60443" name="Equation" r:id="rId6" imgW="368300" imgH="469900" progId="Equation.DSMT4">
+                <p:oleObj spid="_x0000_s60462" name="Equation" r:id="rId6" imgW="368300" imgH="469900" progId="Equation.DSMT4">
                   <p:embed/>
                 </p:oleObj>
               </mc:Choice>
@@ -15201,7 +15676,7 @@
           <a:graphicData uri="http://schemas.openxmlformats.org/presentationml/2006/ole">
             <mc:AlternateContent xmlns:mc="http://schemas.openxmlformats.org/markup-compatibility/2006">
               <mc:Choice xmlns:v="urn:schemas-microsoft-com:vml" Requires="v">
-                <p:oleObj spid="_x0000_s60444" name="Equation" r:id="rId8" imgW="571500" imgH="596900" progId="Equation.DSMT4">
+                <p:oleObj spid="_x0000_s60463" name="Equation" r:id="rId8" imgW="571500" imgH="596900" progId="Equation.DSMT4">
                   <p:embed/>
                 </p:oleObj>
               </mc:Choice>
@@ -15391,6 +15866,9 @@
                     <p:cTn id="3" fill="hold">
                       <p:stCondLst>
                         <p:cond delay="indefinite"/>
+                        <p:cond evt="onBegin" delay="0">
+                          <p:tn val="2"/>
+                        </p:cond>
                       </p:stCondLst>
                       <p:childTnLst>
                         <p:par>
@@ -15400,7 +15878,7 @@
                             </p:stCondLst>
                             <p:childTnLst>
                               <p:par>
-                                <p:cTn id="5" presetID="2" presetClass="entr" presetSubtype="1" fill="hold" grpId="0" nodeType="clickEffect">
+                                <p:cTn id="5" presetID="9" presetClass="entr" presetSubtype="0" fill="hold" grpId="0" nodeType="afterEffect">
                                   <p:stCondLst>
                                     <p:cond delay="0"/>
                                   </p:stCondLst>
@@ -15408,88 +15886,6 @@
                                     <p:set>
                                       <p:cBhvr>
                                         <p:cTn id="6" dur="1" fill="hold">
-                                          <p:stCondLst>
-                                            <p:cond delay="0"/>
-                                          </p:stCondLst>
-                                        </p:cTn>
-                                        <p:tgtEl>
-                                          <p:spTgt spid="62469"/>
-                                        </p:tgtEl>
-                                        <p:attrNameLst>
-                                          <p:attrName>style.visibility</p:attrName>
-                                        </p:attrNameLst>
-                                      </p:cBhvr>
-                                      <p:to>
-                                        <p:strVal val="visible"/>
-                                      </p:to>
-                                    </p:set>
-                                    <p:anim calcmode="lin" valueType="num">
-                                      <p:cBhvr additive="base">
-                                        <p:cTn id="7" dur="500" fill="hold"/>
-                                        <p:tgtEl>
-                                          <p:spTgt spid="62469"/>
-                                        </p:tgtEl>
-                                        <p:attrNameLst>
-                                          <p:attrName>ppt_x</p:attrName>
-                                        </p:attrNameLst>
-                                      </p:cBhvr>
-                                      <p:tavLst>
-                                        <p:tav tm="0">
-                                          <p:val>
-                                            <p:strVal val="#ppt_x"/>
-                                          </p:val>
-                                        </p:tav>
-                                        <p:tav tm="100000">
-                                          <p:val>
-                                            <p:strVal val="#ppt_x"/>
-                                          </p:val>
-                                        </p:tav>
-                                      </p:tavLst>
-                                    </p:anim>
-                                    <p:anim calcmode="lin" valueType="num">
-                                      <p:cBhvr additive="base">
-                                        <p:cTn id="8" dur="500" fill="hold"/>
-                                        <p:tgtEl>
-                                          <p:spTgt spid="62469"/>
-                                        </p:tgtEl>
-                                        <p:attrNameLst>
-                                          <p:attrName>ppt_y</p:attrName>
-                                        </p:attrNameLst>
-                                      </p:cBhvr>
-                                      <p:tavLst>
-                                        <p:tav tm="0">
-                                          <p:val>
-                                            <p:strVal val="0-#ppt_h/2"/>
-                                          </p:val>
-                                        </p:tav>
-                                        <p:tav tm="100000">
-                                          <p:val>
-                                            <p:strVal val="#ppt_y"/>
-                                          </p:val>
-                                        </p:tav>
-                                      </p:tavLst>
-                                    </p:anim>
-                                  </p:childTnLst>
-                                </p:cTn>
-                              </p:par>
-                            </p:childTnLst>
-                          </p:cTn>
-                        </p:par>
-                        <p:par>
-                          <p:cTn id="9" fill="hold">
-                            <p:stCondLst>
-                              <p:cond delay="500"/>
-                            </p:stCondLst>
-                            <p:childTnLst>
-                              <p:par>
-                                <p:cTn id="10" presetID="9" presetClass="entr" presetSubtype="0" fill="hold" grpId="0" nodeType="afterEffect">
-                                  <p:stCondLst>
-                                    <p:cond delay="0"/>
-                                  </p:stCondLst>
-                                  <p:childTnLst>
-                                    <p:set>
-                                      <p:cBhvr>
-                                        <p:cTn id="11" dur="1" fill="hold">
                                           <p:stCondLst>
                                             <p:cond delay="0"/>
                                           </p:stCondLst>
@@ -15507,9 +15903,62 @@
                                     </p:set>
                                     <p:animEffect transition="in" filter="dissolve">
                                       <p:cBhvr>
+                                        <p:cTn id="7" dur="500"/>
+                                        <p:tgtEl>
+                                          <p:spTgt spid="62470"/>
+                                        </p:tgtEl>
+                                      </p:cBhvr>
+                                    </p:animEffect>
+                                  </p:childTnLst>
+                                </p:cTn>
+                              </p:par>
+                            </p:childTnLst>
+                          </p:cTn>
+                        </p:par>
+                      </p:childTnLst>
+                    </p:cTn>
+                  </p:par>
+                  <p:par>
+                    <p:cTn id="8" fill="hold">
+                      <p:stCondLst>
+                        <p:cond delay="indefinite"/>
+                      </p:stCondLst>
+                      <p:childTnLst>
+                        <p:par>
+                          <p:cTn id="9" fill="hold">
+                            <p:stCondLst>
+                              <p:cond delay="0"/>
+                            </p:stCondLst>
+                            <p:childTnLst>
+                              <p:par>
+                                <p:cTn id="10" presetID="22" presetClass="entr" presetSubtype="8" fill="hold" nodeType="clickEffect">
+                                  <p:stCondLst>
+                                    <p:cond delay="0"/>
+                                  </p:stCondLst>
+                                  <p:childTnLst>
+                                    <p:set>
+                                      <p:cBhvr>
+                                        <p:cTn id="11" dur="1" fill="hold">
+                                          <p:stCondLst>
+                                            <p:cond delay="0"/>
+                                          </p:stCondLst>
+                                        </p:cTn>
+                                        <p:tgtEl>
+                                          <p:spTgt spid="60418"/>
+                                        </p:tgtEl>
+                                        <p:attrNameLst>
+                                          <p:attrName>style.visibility</p:attrName>
+                                        </p:attrNameLst>
+                                      </p:cBhvr>
+                                      <p:to>
+                                        <p:strVal val="visible"/>
+                                      </p:to>
+                                    </p:set>
+                                    <p:animEffect transition="in" filter="wipe(left)">
+                                      <p:cBhvr>
                                         <p:cTn id="12" dur="500"/>
                                         <p:tgtEl>
-                                          <p:spTgt spid="62470"/>
+                                          <p:spTgt spid="60418"/>
                                         </p:tgtEl>
                                       </p:cBhvr>
                                     </p:animEffect>
@@ -15654,125 +16103,6 @@
                                           </p:stCondLst>
                                         </p:cTn>
                                         <p:tgtEl>
-                                          <p:spTgt spid="19"/>
-                                        </p:tgtEl>
-                                        <p:attrNameLst>
-                                          <p:attrName>style.visibility</p:attrName>
-                                        </p:attrNameLst>
-                                      </p:cBhvr>
-                                      <p:to>
-                                        <p:strVal val="visible"/>
-                                      </p:to>
-                                    </p:set>
-                                    <p:anim calcmode="lin" valueType="num">
-                                      <p:cBhvr>
-                                        <p:cTn id="27" dur="1000" fill="hold"/>
-                                        <p:tgtEl>
-                                          <p:spTgt spid="19"/>
-                                        </p:tgtEl>
-                                        <p:attrNameLst>
-                                          <p:attrName>ppt_w</p:attrName>
-                                        </p:attrNameLst>
-                                      </p:cBhvr>
-                                      <p:tavLst>
-                                        <p:tav tm="0">
-                                          <p:val>
-                                            <p:fltVal val="0"/>
-                                          </p:val>
-                                        </p:tav>
-                                        <p:tav tm="100000">
-                                          <p:val>
-                                            <p:strVal val="#ppt_w"/>
-                                          </p:val>
-                                        </p:tav>
-                                      </p:tavLst>
-                                    </p:anim>
-                                    <p:anim calcmode="lin" valueType="num">
-                                      <p:cBhvr>
-                                        <p:cTn id="28" dur="1000" fill="hold"/>
-                                        <p:tgtEl>
-                                          <p:spTgt spid="19"/>
-                                        </p:tgtEl>
-                                        <p:attrNameLst>
-                                          <p:attrName>ppt_h</p:attrName>
-                                        </p:attrNameLst>
-                                      </p:cBhvr>
-                                      <p:tavLst>
-                                        <p:tav tm="0">
-                                          <p:val>
-                                            <p:fltVal val="0"/>
-                                          </p:val>
-                                        </p:tav>
-                                        <p:tav tm="100000">
-                                          <p:val>
-                                            <p:strVal val="#ppt_h"/>
-                                          </p:val>
-                                        </p:tav>
-                                      </p:tavLst>
-                                    </p:anim>
-                                    <p:anim calcmode="lin" valueType="num">
-                                      <p:cBhvr>
-                                        <p:cTn id="29" dur="1000" fill="hold"/>
-                                        <p:tgtEl>
-                                          <p:spTgt spid="19"/>
-                                        </p:tgtEl>
-                                        <p:attrNameLst>
-                                          <p:attrName>ppt_x</p:attrName>
-                                        </p:attrNameLst>
-                                      </p:cBhvr>
-                                      <p:tavLst>
-                                        <p:tav tm="0" fmla="#ppt_x+(cos(-2*pi*(1-$))*-#ppt_x-sin(-2*pi*(1-$))*(1-#ppt_y))*(1-$)">
-                                          <p:val>
-                                            <p:fltVal val="0"/>
-                                          </p:val>
-                                        </p:tav>
-                                        <p:tav tm="100000">
-                                          <p:val>
-                                            <p:fltVal val="1"/>
-                                          </p:val>
-                                        </p:tav>
-                                      </p:tavLst>
-                                    </p:anim>
-                                    <p:anim calcmode="lin" valueType="num">
-                                      <p:cBhvr>
-                                        <p:cTn id="30" dur="1000" fill="hold"/>
-                                        <p:tgtEl>
-                                          <p:spTgt spid="19"/>
-                                        </p:tgtEl>
-                                        <p:attrNameLst>
-                                          <p:attrName>ppt_y</p:attrName>
-                                        </p:attrNameLst>
-                                      </p:cBhvr>
-                                      <p:tavLst>
-                                        <p:tav tm="0" fmla="#ppt_y+(sin(-2*pi*(1-$))*-#ppt_x+cos(-2*pi*(1-$))*(1-#ppt_y))*(1-$)">
-                                          <p:val>
-                                            <p:fltVal val="0"/>
-                                          </p:val>
-                                        </p:tav>
-                                        <p:tav tm="100000">
-                                          <p:val>
-                                            <p:fltVal val="1"/>
-                                          </p:val>
-                                        </p:tav>
-                                      </p:tavLst>
-                                    </p:anim>
-                                  </p:childTnLst>
-                                </p:cTn>
-                              </p:par>
-                              <p:par>
-                                <p:cTn id="31" presetID="15" presetClass="entr" presetSubtype="0" fill="hold" grpId="0" nodeType="withEffect">
-                                  <p:stCondLst>
-                                    <p:cond delay="0"/>
-                                  </p:stCondLst>
-                                  <p:childTnLst>
-                                    <p:set>
-                                      <p:cBhvr>
-                                        <p:cTn id="32" dur="1" fill="hold">
-                                          <p:stCondLst>
-                                            <p:cond delay="0"/>
-                                          </p:stCondLst>
-                                        </p:cTn>
-                                        <p:tgtEl>
                                           <p:spTgt spid="20"/>
                                         </p:tgtEl>
                                         <p:attrNameLst>
@@ -15785,7 +16115,7 @@
                                     </p:set>
                                     <p:anim calcmode="lin" valueType="num">
                                       <p:cBhvr>
-                                        <p:cTn id="33" dur="500" fill="hold"/>
+                                        <p:cTn id="27" dur="500" fill="hold"/>
                                         <p:tgtEl>
                                           <p:spTgt spid="20"/>
                                         </p:tgtEl>
@@ -15808,7 +16138,7 @@
                                     </p:anim>
                                     <p:anim calcmode="lin" valueType="num">
                                       <p:cBhvr>
-                                        <p:cTn id="34" dur="500" fill="hold"/>
+                                        <p:cTn id="28" dur="500" fill="hold"/>
                                         <p:tgtEl>
                                           <p:spTgt spid="20"/>
                                         </p:tgtEl>
@@ -15831,7 +16161,7 @@
                                     </p:anim>
                                     <p:anim calcmode="lin" valueType="num">
                                       <p:cBhvr>
-                                        <p:cTn id="35" dur="500" fill="hold"/>
+                                        <p:cTn id="29" dur="500" fill="hold"/>
                                         <p:tgtEl>
                                           <p:spTgt spid="20"/>
                                         </p:tgtEl>
@@ -15854,7 +16184,7 @@
                                     </p:anim>
                                     <p:anim calcmode="lin" valueType="num">
                                       <p:cBhvr>
-                                        <p:cTn id="36" dur="500" fill="hold"/>
+                                        <p:cTn id="30" dur="500" fill="hold"/>
                                         <p:tgtEl>
                                           <p:spTgt spid="20"/>
                                         </p:tgtEl>
@@ -15875,6 +16205,50 @@
                                         </p:tav>
                                       </p:tavLst>
                                     </p:anim>
+                                  </p:childTnLst>
+                                </p:cTn>
+                              </p:par>
+                            </p:childTnLst>
+                          </p:cTn>
+                        </p:par>
+                        <p:par>
+                          <p:cTn id="31" fill="hold">
+                            <p:stCondLst>
+                              <p:cond delay="500"/>
+                            </p:stCondLst>
+                            <p:childTnLst>
+                              <p:par>
+                                <p:cTn id="32" presetID="9" presetClass="entr" presetSubtype="0" fill="hold" grpId="0" nodeType="afterEffect">
+                                  <p:stCondLst>
+                                    <p:cond delay="0"/>
+                                  </p:stCondLst>
+                                  <p:childTnLst>
+                                    <p:set>
+                                      <p:cBhvr>
+                                        <p:cTn id="33" dur="1" fill="hold">
+                                          <p:stCondLst>
+                                            <p:cond delay="0"/>
+                                          </p:stCondLst>
+                                        </p:cTn>
+                                        <p:tgtEl>
+                                          <p:spTgt spid="19"/>
+                                        </p:tgtEl>
+                                        <p:attrNameLst>
+                                          <p:attrName>style.visibility</p:attrName>
+                                        </p:attrNameLst>
+                                      </p:cBhvr>
+                                      <p:to>
+                                        <p:strVal val="visible"/>
+                                      </p:to>
+                                    </p:set>
+                                    <p:animEffect transition="in" filter="dissolve">
+                                      <p:cBhvr>
+                                        <p:cTn id="34" dur="500"/>
+                                        <p:tgtEl>
+                                          <p:spTgt spid="19"/>
+                                        </p:tgtEl>
+                                      </p:cBhvr>
+                                    </p:animEffect>
                                   </p:childTnLst>
                                 </p:cTn>
                               </p:par>
@@ -15906,7 +16280,6 @@
       </p:par>
     </p:tnLst>
     <p:bldLst>
-      <p:bldP spid="62469" grpId="0"/>
       <p:bldP spid="62470" grpId="0"/>
       <p:bldP spid="19" grpId="0"/>
       <p:bldP spid="20" grpId="0" animBg="1"/>
@@ -16169,11 +16542,7 @@
             </a:r>
             <a:r>
               <a:rPr lang="en-US" sz="4400" dirty="0"/>
-              <a:t>bound does </a:t>
-            </a:r>
-            <a:r>
-              <a:rPr lang="en-US" sz="4400" dirty="0"/>
-              <a:t>not depend on</a:t>
+              <a:t>bound does not depend on</a:t>
             </a:r>
             <a:r>
               <a:rPr lang="en-US" sz="4400" b="1" dirty="0"/>
@@ -16389,13 +16758,13 @@
   <p:clrMapOvr>
     <a:masterClrMapping/>
   </p:clrMapOvr>
-  <mc:AlternateContent xmlns:mc="http://schemas.openxmlformats.org/markup-compatibility/2006">
-    <mc:Choice xmlns:p14="http://schemas.microsoft.com/office/powerpoint/2010/main" Requires="p14">
+  <mc:AlternateContent xmlns:mc="http://schemas.openxmlformats.org/markup-compatibility/2006" xmlns:p14="http://schemas.microsoft.com/office/powerpoint/2010/main">
+    <mc:Choice Requires="p14">
       <p:transition spd="med" p14:dur="700">
         <p:fade/>
       </p:transition>
     </mc:Choice>
-    <mc:Fallback>
+    <mc:Fallback xmlns="">
       <p:transition xmlns:p14="http://schemas.microsoft.com/office/powerpoint/2010/main" spd="med">
         <p:fade/>
       </p:transition>
@@ -16856,12 +17225,16 @@
             <a:r>
               <a:rPr lang="en-US" sz="4400" baseline="30000" dirty="0">
                 <a:solidFill>
-                  <a:schemeClr val="accent2"/>
+                  <a:srgbClr val="0000FF"/>
                 </a:solidFill>
               </a:rPr>
               <a:t>100</a:t>
             </a:r>
-            <a:endParaRPr lang="en-US" sz="4400" dirty="0"/>
+            <a:endParaRPr lang="en-US" sz="4400" dirty="0">
+              <a:solidFill>
+                <a:srgbClr val="0000FF"/>
+              </a:solidFill>
+            </a:endParaRPr>
           </a:p>
         </p:txBody>
       </p:sp>
@@ -17034,7 +17407,7 @@
                                     </p:set>
                                     <p:animEffect transition="in" filter="fade">
                                       <p:cBhvr>
-                                        <p:cTn id="7" dur="2000"/>
+                                        <p:cTn id="7" dur="500"/>
                                         <p:tgtEl>
                                           <p:spTgt spid="66569"/>
                                         </p:tgtEl>
@@ -17087,7 +17460,7 @@
                                     </p:set>
                                     <p:animEffect transition="in" filter="fade">
                                       <p:cBhvr>
-                                        <p:cTn id="12" dur="2000"/>
+                                        <p:cTn id="12" dur="500"/>
                                         <p:tgtEl>
                                           <p:spTgt spid="66570"/>
                                         </p:tgtEl>
@@ -17455,7 +17828,7 @@
             <a:r>
               <a:rPr lang="en-US" sz="4400" baseline="30000" dirty="0">
                 <a:solidFill>
-                  <a:schemeClr val="accent2"/>
+                  <a:srgbClr val="0000FF"/>
                 </a:solidFill>
               </a:rPr>
               <a:t>2</a:t>
@@ -17463,12 +17836,16 @@
             <a:r>
               <a:rPr lang="en-US" sz="4400" baseline="30000" dirty="0" smtClean="0">
                 <a:solidFill>
-                  <a:schemeClr val="accent2"/>
+                  <a:srgbClr val="0000FF"/>
                 </a:solidFill>
               </a:rPr>
               <a:t>00</a:t>
             </a:r>
-            <a:endParaRPr lang="en-US" sz="4400" dirty="0"/>
+            <a:endParaRPr lang="en-US" sz="4400" dirty="0">
+              <a:solidFill>
+                <a:srgbClr val="0000FF"/>
+              </a:solidFill>
+            </a:endParaRPr>
           </a:p>
         </p:txBody>
       </p:sp>
@@ -17516,12 +17893,16 @@
               <a:t>&lt; </a:t>
             </a:r>
             <a:r>
+              <a:rPr lang="en-US" sz="4400" dirty="0" smtClean="0"/>
+              <a:t>(</a:t>
+            </a:r>
+            <a:r>
               <a:rPr lang="en-US" sz="4400" dirty="0" smtClean="0">
                 <a:solidFill>
                   <a:srgbClr val="E10000"/>
                 </a:solidFill>
               </a:rPr>
-              <a:t>(1</a:t>
+              <a:t>1</a:t>
             </a:r>
             <a:r>
               <a:rPr lang="en-US" sz="4400" dirty="0">
@@ -17545,19 +17926,27 @@
                   <a:srgbClr val="CC0000"/>
                 </a:solidFill>
               </a:rPr>
-              <a:t>648)</a:t>
+              <a:t>648</a:t>
+            </a:r>
+            <a:r>
+              <a:rPr lang="en-US" sz="4400" dirty="0" smtClean="0">
+                <a:solidFill>
+                  <a:srgbClr val="000000"/>
+                </a:solidFill>
+              </a:rPr>
+              <a:t>)</a:t>
             </a:r>
             <a:r>
               <a:rPr lang="en-US" sz="4400" baseline="30000" dirty="0" smtClean="0">
                 <a:solidFill>
-                  <a:srgbClr val="CC0000"/>
+                  <a:srgbClr val="0000FF"/>
                 </a:solidFill>
               </a:rPr>
               <a:t>2</a:t>
             </a:r>
             <a:endParaRPr lang="en-US" sz="4400" baseline="30000" dirty="0">
               <a:solidFill>
-                <a:srgbClr val="CC0000"/>
+                <a:srgbClr val="0000FF"/>
               </a:solidFill>
             </a:endParaRPr>
           </a:p>
@@ -17727,6 +18116,59 @@
                                           </p:stCondLst>
                                         </p:cTn>
                                         <p:tgtEl>
+                                          <p:spTgt spid="66570"/>
+                                        </p:tgtEl>
+                                        <p:attrNameLst>
+                                          <p:attrName>style.visibility</p:attrName>
+                                        </p:attrNameLst>
+                                      </p:cBhvr>
+                                      <p:to>
+                                        <p:strVal val="visible"/>
+                                      </p:to>
+                                    </p:set>
+                                    <p:animEffect transition="in" filter="dissolve">
+                                      <p:cBhvr>
+                                        <p:cTn id="7" dur="500"/>
+                                        <p:tgtEl>
+                                          <p:spTgt spid="66570"/>
+                                        </p:tgtEl>
+                                      </p:cBhvr>
+                                    </p:animEffect>
+                                  </p:childTnLst>
+                                </p:cTn>
+                              </p:par>
+                            </p:childTnLst>
+                          </p:cTn>
+                        </p:par>
+                      </p:childTnLst>
+                    </p:cTn>
+                  </p:par>
+                  <p:par>
+                    <p:cTn id="8" fill="hold">
+                      <p:stCondLst>
+                        <p:cond delay="indefinite"/>
+                      </p:stCondLst>
+                      <p:childTnLst>
+                        <p:par>
+                          <p:cTn id="9" fill="hold">
+                            <p:stCondLst>
+                              <p:cond delay="0"/>
+                            </p:stCondLst>
+                            <p:childTnLst>
+                              <p:par>
+                                <p:cTn id="10" presetID="9" presetClass="entr" presetSubtype="0" fill="hold" grpId="0" nodeType="clickEffect">
+                                  <p:stCondLst>
+                                    <p:cond delay="0"/>
+                                  </p:stCondLst>
+                                  <p:childTnLst>
+                                    <p:set>
+                                      <p:cBhvr>
+                                        <p:cTn id="11" dur="1" fill="hold">
+                                          <p:stCondLst>
+                                            <p:cond delay="0"/>
+                                          </p:stCondLst>
+                                        </p:cTn>
+                                        <p:tgtEl>
                                           <p:spTgt spid="2"/>
                                         </p:tgtEl>
                                         <p:attrNameLst>
@@ -17739,7 +18181,7 @@
                                     </p:set>
                                     <p:animEffect transition="in" filter="dissolve">
                                       <p:cBhvr>
-                                        <p:cTn id="7" dur="500"/>
+                                        <p:cTn id="12" dur="500"/>
                                         <p:tgtEl>
                                           <p:spTgt spid="2"/>
                                         </p:tgtEl>
@@ -17776,6 +18218,7 @@
       </p:par>
     </p:tnLst>
     <p:bldLst>
+      <p:bldP spid="66570" grpId="0"/>
       <p:bldP spid="2" grpId="0"/>
     </p:bldLst>
   </p:timing>
@@ -17879,7 +18322,9 @@
           <a:bodyPr/>
           <a:lstStyle/>
           <a:p>
-            <a:pPr eaLnBrk="1" hangingPunct="1"/>
+            <a:pPr marL="0" indent="0" eaLnBrk="1" hangingPunct="1">
+              <a:buNone/>
+            </a:pPr>
             <a:r>
               <a:rPr lang="en-US" sz="4400" dirty="0"/>
               <a:t>Uh oh, dividing by 0.</a:t>
@@ -18018,15 +18463,13 @@
           </a:bodyPr>
           <a:lstStyle/>
           <a:p>
-            <a:pPr marL="342900" indent="-342900" eaLnBrk="1" hangingPunct="1">
+            <a:pPr eaLnBrk="1" hangingPunct="1">
               <a:spcBef>
                 <a:spcPct val="20000"/>
               </a:spcBef>
               <a:buClr>
                 <a:schemeClr val="tx1"/>
               </a:buClr>
-              <a:buFontTx/>
-              <a:buChar char="•"/>
             </a:pPr>
             <a:r>
               <a:rPr lang="en-US" sz="4400" dirty="0"/>
@@ -18540,7 +18983,7 @@
           <a:graphicData uri="http://schemas.openxmlformats.org/presentationml/2006/ole">
             <mc:AlternateContent xmlns:mc="http://schemas.openxmlformats.org/markup-compatibility/2006">
               <mc:Choice xmlns:v="urn:schemas-microsoft-com:vml" Requires="v">
-                <p:oleObj spid="_x0000_s68627" name="Equation" r:id="rId4" imgW="812800" imgH="469900" progId="Equation.DSMT4">
+                <p:oleObj spid="_x0000_s68640" name="Equation" r:id="rId4" imgW="812800" imgH="469900" progId="Equation.DSMT4">
                   <p:embed/>
                 </p:oleObj>
               </mc:Choice>
@@ -18605,7 +19048,7 @@
           <a:graphicData uri="http://schemas.openxmlformats.org/presentationml/2006/ole">
             <mc:AlternateContent xmlns:mc="http://schemas.openxmlformats.org/markup-compatibility/2006">
               <mc:Choice xmlns:v="urn:schemas-microsoft-com:vml" Requires="v">
-                <p:oleObj spid="_x0000_s68628" name="Equation" r:id="rId6" imgW="177800" imgH="469900" progId="Equation.DSMT4">
+                <p:oleObj spid="_x0000_s68641" name="Equation" r:id="rId6" imgW="177800" imgH="469900" progId="Equation.DSMT4">
                   <p:embed/>
                 </p:oleObj>
               </mc:Choice>
@@ -18741,9 +19184,6 @@
                     <p:cTn id="3" fill="hold">
                       <p:stCondLst>
                         <p:cond delay="indefinite"/>
-                        <p:cond evt="onBegin" delay="0">
-                          <p:tn val="2"/>
-                        </p:cond>
                       </p:stCondLst>
                       <p:childTnLst>
                         <p:par>
@@ -18753,7 +19193,7 @@
                             </p:stCondLst>
                             <p:childTnLst>
                               <p:par>
-                                <p:cTn id="5" presetID="9" presetClass="entr" presetSubtype="0" fill="hold" grpId="0" nodeType="afterEffect">
+                                <p:cTn id="5" presetID="22" presetClass="entr" presetSubtype="8" fill="hold" nodeType="clickEffect">
                                   <p:stCondLst>
                                     <p:cond delay="0"/>
                                   </p:stCondLst>
@@ -18766,7 +19206,7 @@
                                           </p:stCondLst>
                                         </p:cTn>
                                         <p:tgtEl>
-                                          <p:spTgt spid="70661"/>
+                                          <p:spTgt spid="68610"/>
                                         </p:tgtEl>
                                         <p:attrNameLst>
                                           <p:attrName>style.visibility</p:attrName>
@@ -18776,11 +19216,11 @@
                                         <p:strVal val="visible"/>
                                       </p:to>
                                     </p:set>
-                                    <p:animEffect transition="in" filter="dissolve">
+                                    <p:animEffect transition="in" filter="wipe(left)">
                                       <p:cBhvr>
                                         <p:cTn id="7" dur="500"/>
                                         <p:tgtEl>
-                                          <p:spTgt spid="70661"/>
+                                          <p:spTgt spid="68610"/>
                                         </p:tgtEl>
                                       </p:cBhvr>
                                     </p:animEffect>
@@ -19190,7 +19630,6 @@
       </p:par>
     </p:tnLst>
     <p:bldLst>
-      <p:bldP spid="70661" grpId="0"/>
       <p:bldP spid="70662" grpId="0" build="p"/>
       <p:bldP spid="70663" grpId="0"/>
       <p:bldP spid="98313" grpId="0"/>
@@ -19219,29 +19658,6 @@
       </p:grpSpPr>
       <p:sp>
         <p:nvSpPr>
-          <p:cNvPr id="2" name="Title 1"/>
-          <p:cNvSpPr>
-            <a:spLocks noGrp="1"/>
-          </p:cNvSpPr>
-          <p:nvPr>
-            <p:ph type="title"/>
-          </p:nvPr>
-        </p:nvSpPr>
-        <p:spPr/>
-        <p:txBody>
-          <a:bodyPr/>
-          <a:lstStyle/>
-          <a:p>
-            <a:r>
-              <a:rPr lang="en-US" dirty="0" smtClean="0"/>
-              <a:t>Expected number of bets</a:t>
-            </a:r>
-            <a:endParaRPr lang="en-US" dirty="0"/>
-          </a:p>
-        </p:txBody>
-      </p:sp>
-      <p:sp>
-        <p:nvSpPr>
           <p:cNvPr id="4" name="Slide Number Placeholder 3"/>
           <p:cNvSpPr>
             <a:spLocks noGrp="1"/>
@@ -19314,7 +19730,7 @@
           <p:nvPr>
             <p:extLst>
               <p:ext uri="{D42A27DB-BD31-4B8C-83A1-F6EECF244321}">
-                <p14:modId xmlns:p14="http://schemas.microsoft.com/office/powerpoint/2010/main" val="2004488301"/>
+                <p14:modId xmlns:p14="http://schemas.microsoft.com/office/powerpoint/2010/main" val="12230158"/>
               </p:ext>
             </p:extLst>
           </p:nvPr>
@@ -19327,7 +19743,7 @@
           <a:graphicData uri="http://schemas.openxmlformats.org/presentationml/2006/ole">
             <mc:AlternateContent xmlns:mc="http://schemas.openxmlformats.org/markup-compatibility/2006">
               <mc:Choice xmlns:v="urn:schemas-microsoft-com:vml" Requires="v">
-                <p:oleObj spid="_x0000_s1051" name="Equation" r:id="rId3" imgW="2006600" imgH="292100" progId="Equation.DSMT4">
+                <p:oleObj spid="_x0000_s1070" name="Equation" r:id="rId3" imgW="2006600" imgH="292100" progId="Equation.DSMT4">
                   <p:embed/>
                 </p:oleObj>
               </mc:Choice>
@@ -19373,7 +19789,7 @@
           <p:nvPr>
             <p:extLst>
               <p:ext uri="{D42A27DB-BD31-4B8C-83A1-F6EECF244321}">
-                <p14:modId xmlns:p14="http://schemas.microsoft.com/office/powerpoint/2010/main" val="3532162066"/>
+                <p14:modId xmlns:p14="http://schemas.microsoft.com/office/powerpoint/2010/main" val="524461746"/>
               </p:ext>
             </p:extLst>
           </p:nvPr>
@@ -19386,7 +19802,7 @@
           <a:graphicData uri="http://schemas.openxmlformats.org/presentationml/2006/ole">
             <mc:AlternateContent xmlns:mc="http://schemas.openxmlformats.org/markup-compatibility/2006">
               <mc:Choice xmlns:v="urn:schemas-microsoft-com:vml" Requires="v">
-                <p:oleObj spid="_x0000_s1052" name="Equation" r:id="rId5" imgW="2057400" imgH="292100" progId="Equation.DSMT4">
+                <p:oleObj spid="_x0000_s1071" name="Equation" r:id="rId5" imgW="2057400" imgH="292100" progId="Equation.DSMT4">
                   <p:embed/>
                 </p:oleObj>
               </mc:Choice>
@@ -19432,7 +19848,7 @@
           <p:nvPr>
             <p:extLst>
               <p:ext uri="{D42A27DB-BD31-4B8C-83A1-F6EECF244321}">
-                <p14:modId xmlns:p14="http://schemas.microsoft.com/office/powerpoint/2010/main" val="2965458711"/>
+                <p14:modId xmlns:p14="http://schemas.microsoft.com/office/powerpoint/2010/main" val="1430982757"/>
               </p:ext>
             </p:extLst>
           </p:nvPr>
@@ -19445,7 +19861,7 @@
           <a:graphicData uri="http://schemas.openxmlformats.org/presentationml/2006/ole">
             <mc:AlternateContent xmlns:mc="http://schemas.openxmlformats.org/markup-compatibility/2006">
               <mc:Choice xmlns:v="urn:schemas-microsoft-com:vml" Requires="v">
-                <p:oleObj spid="_x0000_s1053" name="Equation" r:id="rId7" imgW="2146300" imgH="292100" progId="Equation.DSMT4">
+                <p:oleObj spid="_x0000_s1072" name="Equation" r:id="rId7" imgW="2146300" imgH="292100" progId="Equation.DSMT4">
                   <p:embed/>
                 </p:oleObj>
               </mc:Choice>
@@ -19480,6 +19896,187 @@
           </a:graphicData>
         </a:graphic>
       </p:graphicFrame>
+      <p:sp>
+        <p:nvSpPr>
+          <p:cNvPr id="9" name="Title 1"/>
+          <p:cNvSpPr txBox="1">
+            <a:spLocks/>
+          </p:cNvSpPr>
+          <p:nvPr/>
+        </p:nvSpPr>
+        <p:spPr bwMode="auto">
+          <a:xfrm>
+            <a:off x="1143000" y="304800"/>
+            <a:ext cx="7472362" cy="1143000"/>
+          </a:xfrm>
+          <a:prstGeom prst="rect">
+            <a:avLst/>
+          </a:prstGeom>
+          <a:noFill/>
+          <a:ln w="9525">
+            <a:noFill/>
+            <a:miter lim="800000"/>
+            <a:headEnd/>
+            <a:tailEnd/>
+          </a:ln>
+        </p:spPr>
+        <p:txBody>
+          <a:bodyPr vert="horz" wrap="square" lIns="91440" tIns="45720" rIns="91440" bIns="45720" numCol="1" anchor="ctr" anchorCtr="0" compatLnSpc="1">
+            <a:prstTxWarp prst="textNoShape">
+              <a:avLst/>
+            </a:prstTxWarp>
+          </a:bodyPr>
+          <a:lstStyle>
+            <a:lvl1pPr algn="ctr" rtl="0" eaLnBrk="0" fontAlgn="base" hangingPunct="0">
+              <a:spcBef>
+                <a:spcPct val="0"/>
+              </a:spcBef>
+              <a:spcAft>
+                <a:spcPct val="0"/>
+              </a:spcAft>
+              <a:defRPr sz="4000" b="1">
+                <a:solidFill>
+                  <a:schemeClr val="tx2"/>
+                </a:solidFill>
+                <a:latin typeface="+mj-lt"/>
+                <a:ea typeface="+mj-ea"/>
+                <a:cs typeface="ＭＳ Ｐゴシック" pitchFamily="-111" charset="-128"/>
+              </a:defRPr>
+            </a:lvl1pPr>
+            <a:lvl2pPr algn="ctr" rtl="0" eaLnBrk="0" fontAlgn="base" hangingPunct="0">
+              <a:spcBef>
+                <a:spcPct val="0"/>
+              </a:spcBef>
+              <a:spcAft>
+                <a:spcPct val="0"/>
+              </a:spcAft>
+              <a:defRPr sz="4000" b="1">
+                <a:solidFill>
+                  <a:schemeClr val="tx2"/>
+                </a:solidFill>
+                <a:latin typeface="Comic Sans MS" pitchFamily="-64" charset="0"/>
+                <a:ea typeface="ＭＳ Ｐゴシック" pitchFamily="-64" charset="-128"/>
+                <a:cs typeface="ＭＳ Ｐゴシック" pitchFamily="-111" charset="-128"/>
+              </a:defRPr>
+            </a:lvl2pPr>
+            <a:lvl3pPr algn="ctr" rtl="0" eaLnBrk="0" fontAlgn="base" hangingPunct="0">
+              <a:spcBef>
+                <a:spcPct val="0"/>
+              </a:spcBef>
+              <a:spcAft>
+                <a:spcPct val="0"/>
+              </a:spcAft>
+              <a:defRPr sz="4000" b="1">
+                <a:solidFill>
+                  <a:schemeClr val="tx2"/>
+                </a:solidFill>
+                <a:latin typeface="Comic Sans MS" pitchFamily="-64" charset="0"/>
+                <a:ea typeface="ＭＳ Ｐゴシック" pitchFamily="-64" charset="-128"/>
+                <a:cs typeface="ＭＳ Ｐゴシック" pitchFamily="-111" charset="-128"/>
+              </a:defRPr>
+            </a:lvl3pPr>
+            <a:lvl4pPr algn="ctr" rtl="0" eaLnBrk="0" fontAlgn="base" hangingPunct="0">
+              <a:spcBef>
+                <a:spcPct val="0"/>
+              </a:spcBef>
+              <a:spcAft>
+                <a:spcPct val="0"/>
+              </a:spcAft>
+              <a:defRPr sz="4000" b="1">
+                <a:solidFill>
+                  <a:schemeClr val="tx2"/>
+                </a:solidFill>
+                <a:latin typeface="Comic Sans MS" pitchFamily="-64" charset="0"/>
+                <a:ea typeface="ＭＳ Ｐゴシック" pitchFamily="-64" charset="-128"/>
+                <a:cs typeface="ＭＳ Ｐゴシック" pitchFamily="-111" charset="-128"/>
+              </a:defRPr>
+            </a:lvl4pPr>
+            <a:lvl5pPr algn="ctr" rtl="0" eaLnBrk="0" fontAlgn="base" hangingPunct="0">
+              <a:spcBef>
+                <a:spcPct val="0"/>
+              </a:spcBef>
+              <a:spcAft>
+                <a:spcPct val="0"/>
+              </a:spcAft>
+              <a:defRPr sz="4000" b="1">
+                <a:solidFill>
+                  <a:schemeClr val="tx2"/>
+                </a:solidFill>
+                <a:latin typeface="Comic Sans MS" pitchFamily="-64" charset="0"/>
+                <a:ea typeface="ＭＳ Ｐゴシック" pitchFamily="-64" charset="-128"/>
+                <a:cs typeface="ＭＳ Ｐゴシック" pitchFamily="-111" charset="-128"/>
+              </a:defRPr>
+            </a:lvl5pPr>
+            <a:lvl6pPr marL="457200" algn="ctr" rtl="0" fontAlgn="base">
+              <a:spcBef>
+                <a:spcPct val="0"/>
+              </a:spcBef>
+              <a:spcAft>
+                <a:spcPct val="0"/>
+              </a:spcAft>
+              <a:defRPr sz="4000" b="1">
+                <a:solidFill>
+                  <a:schemeClr val="tx2"/>
+                </a:solidFill>
+                <a:latin typeface="Comic Sans MS" pitchFamily="-64" charset="0"/>
+                <a:ea typeface="ＭＳ Ｐゴシック" pitchFamily="-64" charset="-128"/>
+              </a:defRPr>
+            </a:lvl6pPr>
+            <a:lvl7pPr marL="914400" algn="ctr" rtl="0" fontAlgn="base">
+              <a:spcBef>
+                <a:spcPct val="0"/>
+              </a:spcBef>
+              <a:spcAft>
+                <a:spcPct val="0"/>
+              </a:spcAft>
+              <a:defRPr sz="4000" b="1">
+                <a:solidFill>
+                  <a:schemeClr val="tx2"/>
+                </a:solidFill>
+                <a:latin typeface="Comic Sans MS" pitchFamily="-64" charset="0"/>
+                <a:ea typeface="ＭＳ Ｐゴシック" pitchFamily="-64" charset="-128"/>
+              </a:defRPr>
+            </a:lvl7pPr>
+            <a:lvl8pPr marL="1371600" algn="ctr" rtl="0" fontAlgn="base">
+              <a:spcBef>
+                <a:spcPct val="0"/>
+              </a:spcBef>
+              <a:spcAft>
+                <a:spcPct val="0"/>
+              </a:spcAft>
+              <a:defRPr sz="4000" b="1">
+                <a:solidFill>
+                  <a:schemeClr val="tx2"/>
+                </a:solidFill>
+                <a:latin typeface="Comic Sans MS" pitchFamily="-64" charset="0"/>
+                <a:ea typeface="ＭＳ Ｐゴシック" pitchFamily="-64" charset="-128"/>
+              </a:defRPr>
+            </a:lvl8pPr>
+            <a:lvl9pPr marL="1828800" algn="ctr" rtl="0" fontAlgn="base">
+              <a:spcBef>
+                <a:spcPct val="0"/>
+              </a:spcBef>
+              <a:spcAft>
+                <a:spcPct val="0"/>
+              </a:spcAft>
+              <a:defRPr sz="4000" b="1">
+                <a:solidFill>
+                  <a:schemeClr val="tx2"/>
+                </a:solidFill>
+                <a:latin typeface="Comic Sans MS" pitchFamily="-64" charset="0"/>
+                <a:ea typeface="ＭＳ Ｐゴシック" pitchFamily="-64" charset="-128"/>
+              </a:defRPr>
+            </a:lvl9pPr>
+          </a:lstStyle>
+          <a:p>
+            <a:r>
+              <a:rPr lang="en-US" dirty="0" smtClean="0"/>
+              <a:t>Expected number of bets</a:t>
+            </a:r>
+            <a:endParaRPr lang="en-US" dirty="0"/>
+          </a:p>
+        </p:txBody>
+      </p:sp>
     </p:spTree>
     <p:extLst>
       <p:ext uri="{BB962C8B-B14F-4D97-AF65-F5344CB8AC3E}">
@@ -19704,29 +20301,6 @@
       </p:grpSpPr>
       <p:sp>
         <p:nvSpPr>
-          <p:cNvPr id="2" name="Title 1"/>
-          <p:cNvSpPr>
-            <a:spLocks noGrp="1"/>
-          </p:cNvSpPr>
-          <p:nvPr>
-            <p:ph type="title"/>
-          </p:nvPr>
-        </p:nvSpPr>
-        <p:spPr/>
-        <p:txBody>
-          <a:bodyPr/>
-          <a:lstStyle/>
-          <a:p>
-            <a:r>
-              <a:rPr lang="en-US" dirty="0" smtClean="0"/>
-              <a:t>Expected number of bets</a:t>
-            </a:r>
-            <a:endParaRPr lang="en-US" dirty="0"/>
-          </a:p>
-        </p:txBody>
-      </p:sp>
-      <p:sp>
-        <p:nvSpPr>
           <p:cNvPr id="4" name="Slide Number Placeholder 3"/>
           <p:cNvSpPr>
             <a:spLocks noGrp="1"/>
@@ -19799,7 +20373,7 @@
           <p:nvPr>
             <p:extLst>
               <p:ext uri="{D42A27DB-BD31-4B8C-83A1-F6EECF244321}">
-                <p14:modId xmlns:p14="http://schemas.microsoft.com/office/powerpoint/2010/main" val="313211809"/>
+                <p14:modId xmlns:p14="http://schemas.microsoft.com/office/powerpoint/2010/main" val="1825749873"/>
               </p:ext>
             </p:extLst>
           </p:nvPr>
@@ -19812,7 +20386,7 @@
           <a:graphicData uri="http://schemas.openxmlformats.org/presentationml/2006/ole">
             <mc:AlternateContent xmlns:mc="http://schemas.openxmlformats.org/markup-compatibility/2006">
               <mc:Choice xmlns:v="urn:schemas-microsoft-com:vml" Requires="v">
-                <p:oleObj spid="_x0000_s237584" name="Equation" r:id="rId3" imgW="3035300" imgH="558800" progId="Equation.DSMT4">
+                <p:oleObj spid="_x0000_s237597" name="Equation" r:id="rId3" imgW="3035300" imgH="558800" progId="Equation.DSMT4">
                   <p:embed/>
                 </p:oleObj>
               </mc:Choice>
@@ -19869,7 +20443,7 @@
           <a:graphicData uri="http://schemas.openxmlformats.org/presentationml/2006/ole">
             <mc:AlternateContent xmlns:mc="http://schemas.openxmlformats.org/markup-compatibility/2006">
               <mc:Choice xmlns:v="urn:schemas-microsoft-com:vml" Requires="v">
-                <p:oleObj spid="_x0000_s237585" name="Equation" r:id="rId5" imgW="1803400" imgH="330200" progId="Equation.DSMT4">
+                <p:oleObj spid="_x0000_s237598" name="Equation" r:id="rId5" imgW="1803400" imgH="330200" progId="Equation.DSMT4">
                   <p:embed/>
                 </p:oleObj>
               </mc:Choice>
@@ -19904,6 +20478,29 @@
           </a:graphicData>
         </a:graphic>
       </p:graphicFrame>
+      <p:sp>
+        <p:nvSpPr>
+          <p:cNvPr id="3" name="Title 2"/>
+          <p:cNvSpPr>
+            <a:spLocks noGrp="1"/>
+          </p:cNvSpPr>
+          <p:nvPr>
+            <p:ph type="title"/>
+          </p:nvPr>
+        </p:nvSpPr>
+        <p:spPr/>
+        <p:txBody>
+          <a:bodyPr/>
+          <a:lstStyle/>
+          <a:p>
+            <a:r>
+              <a:rPr lang="en-US" dirty="0" smtClean="0"/>
+              <a:t>Apply Total Expectation</a:t>
+            </a:r>
+            <a:endParaRPr lang="en-US" dirty="0"/>
+          </a:p>
+        </p:txBody>
+      </p:sp>
     </p:spTree>
     <p:extLst>
       <p:ext uri="{BB962C8B-B14F-4D97-AF65-F5344CB8AC3E}">
@@ -19914,13 +20511,13 @@
   <p:clrMapOvr>
     <a:masterClrMapping/>
   </p:clrMapOvr>
-  <mc:AlternateContent xmlns:mc="http://schemas.openxmlformats.org/markup-compatibility/2006">
-    <mc:Choice xmlns:p14="http://schemas.microsoft.com/office/powerpoint/2010/main" Requires="p14">
+  <mc:AlternateContent xmlns:mc="http://schemas.openxmlformats.org/markup-compatibility/2006" xmlns:p14="http://schemas.microsoft.com/office/powerpoint/2010/main">
+    <mc:Choice Requires="p14">
       <p:transition spd="med" p14:dur="700">
         <p:fade/>
       </p:transition>
     </mc:Choice>
-    <mc:Fallback>
+    <mc:Fallback xmlns="">
       <p:transition xmlns:p14="http://schemas.microsoft.com/office/powerpoint/2010/main" spd="med">
         <p:fade/>
       </p:transition>
@@ -20139,7 +20736,7 @@
           <a:graphicData uri="http://schemas.openxmlformats.org/presentationml/2006/ole">
             <mc:AlternateContent xmlns:mc="http://schemas.openxmlformats.org/markup-compatibility/2006">
               <mc:Choice xmlns:v="urn:schemas-microsoft-com:vml" Requires="v">
-                <p:oleObj spid="_x0000_s239618" name="Equation" r:id="rId3" imgW="1549400" imgH="508000" progId="Equation.DSMT4">
+                <p:oleObj spid="_x0000_s239623" name="Equation" r:id="rId3" imgW="1549400" imgH="508000" progId="Equation.DSMT4">
                   <p:embed/>
                 </p:oleObj>
               </mc:Choice>
@@ -20184,13 +20781,13 @@
   <p:clrMapOvr>
     <a:masterClrMapping/>
   </p:clrMapOvr>
-  <mc:AlternateContent xmlns:mc="http://schemas.openxmlformats.org/markup-compatibility/2006">
-    <mc:Choice xmlns:p14="http://schemas.microsoft.com/office/powerpoint/2010/main" Requires="p14">
+  <mc:AlternateContent xmlns:mc="http://schemas.openxmlformats.org/markup-compatibility/2006" xmlns:p14="http://schemas.microsoft.com/office/powerpoint/2010/main">
+    <mc:Choice Requires="p14">
       <p:transition spd="med" p14:dur="700">
         <p:fade/>
       </p:transition>
     </mc:Choice>
-    <mc:Fallback>
+    <mc:Fallback xmlns="">
       <p:transition xmlns:p14="http://schemas.microsoft.com/office/powerpoint/2010/main" spd="med">
         <p:fade/>
       </p:transition>
@@ -20437,13 +21034,13 @@
   <p:clrMapOvr>
     <a:masterClrMapping/>
   </p:clrMapOvr>
-  <mc:AlternateContent xmlns:mc="http://schemas.openxmlformats.org/markup-compatibility/2006">
-    <mc:Choice xmlns:p14="http://schemas.microsoft.com/office/powerpoint/2010/main" Requires="p14">
+  <mc:AlternateContent xmlns:mc="http://schemas.openxmlformats.org/markup-compatibility/2006" xmlns:p14="http://schemas.microsoft.com/office/powerpoint/2010/main">
+    <mc:Choice Requires="p14">
       <p:transition spd="med" p14:dur="700">
         <p:fade/>
       </p:transition>
     </mc:Choice>
-    <mc:Fallback>
+    <mc:Fallback xmlns="">
       <p:transition xmlns:p14="http://schemas.microsoft.com/office/powerpoint/2010/main" spd="med">
         <p:fade/>
       </p:transition>
@@ -21311,13 +21908,13 @@
   <p:clrMapOvr>
     <a:masterClrMapping/>
   </p:clrMapOvr>
-  <mc:AlternateContent xmlns:mc="http://schemas.openxmlformats.org/markup-compatibility/2006">
-    <mc:Choice xmlns:p14="http://schemas.microsoft.com/office/powerpoint/2010/main" Requires="p14">
+  <mc:AlternateContent xmlns:mc="http://schemas.openxmlformats.org/markup-compatibility/2006" xmlns:p14="http://schemas.microsoft.com/office/powerpoint/2010/main">
+    <mc:Choice Requires="p14">
       <p:transition spd="med" p14:dur="700">
         <p:fade/>
       </p:transition>
     </mc:Choice>
-    <mc:Fallback>
+    <mc:Fallback xmlns="">
       <p:transition xmlns:p14="http://schemas.microsoft.com/office/powerpoint/2010/main" spd="med">
         <p:fade/>
       </p:transition>
@@ -21552,7 +22149,7 @@
                                     </p:set>
                                     <p:anim calcmode="lin" valueType="num">
                                       <p:cBhvr>
-                                        <p:cTn id="22" dur="1000" fill="hold"/>
+                                        <p:cTn id="22" dur="500" fill="hold"/>
                                         <p:tgtEl>
                                           <p:spTgt spid="6"/>
                                         </p:tgtEl>
@@ -21575,7 +22172,7 @@
                                     </p:anim>
                                     <p:anim calcmode="lin" valueType="num">
                                       <p:cBhvr>
-                                        <p:cTn id="23" dur="1000" fill="hold"/>
+                                        <p:cTn id="23" dur="500" fill="hold"/>
                                         <p:tgtEl>
                                           <p:spTgt spid="6"/>
                                         </p:tgtEl>
@@ -21598,7 +22195,7 @@
                                     </p:anim>
                                     <p:anim calcmode="lin" valueType="num">
                                       <p:cBhvr>
-                                        <p:cTn id="24" dur="1000" fill="hold"/>
+                                        <p:cTn id="24" dur="500" fill="hold"/>
                                         <p:tgtEl>
                                           <p:spTgt spid="6"/>
                                         </p:tgtEl>
@@ -21621,7 +22218,7 @@
                                     </p:anim>
                                     <p:anim calcmode="lin" valueType="num">
                                       <p:cBhvr>
-                                        <p:cTn id="25" dur="1000" fill="hold"/>
+                                        <p:cTn id="25" dur="500" fill="hold"/>
                                         <p:tgtEl>
                                           <p:spTgt spid="6"/>
                                         </p:tgtEl>
@@ -21773,8 +22370,8 @@
         </p:nvSpPr>
         <p:spPr>
           <a:xfrm>
-            <a:off x="1524000" y="1524000"/>
-            <a:ext cx="6096000" cy="3619500"/>
+            <a:off x="1828800" y="1714500"/>
+            <a:ext cx="5562600" cy="3390900"/>
           </a:xfrm>
         </p:spPr>
         <p:txBody>
@@ -21797,11 +22394,7 @@
             </a:pPr>
             <a:r>
               <a:rPr lang="en-US" sz="9600" dirty="0" smtClean="0"/>
-              <a:t>1</a:t>
-            </a:r>
-            <a:r>
-              <a:rPr lang="en-US" sz="9600" dirty="0" smtClean="0"/>
-              <a:t>-2</a:t>
+              <a:t>1 &amp; 2</a:t>
             </a:r>
             <a:endParaRPr lang="en-US" sz="9600" dirty="0"/>
           </a:p>
@@ -22245,8 +22838,8 @@
         </p:nvSpPr>
         <p:spPr bwMode="auto">
           <a:xfrm>
-            <a:off x="381000" y="2895600"/>
-            <a:ext cx="1219200" cy="579438"/>
+            <a:off x="609600" y="2819400"/>
+            <a:ext cx="1219200" cy="1077218"/>
           </a:xfrm>
           <a:prstGeom prst="rect">
             <a:avLst/>
@@ -22270,228 +22863,274 @@
           <a:p>
             <a:pPr algn="ctr" eaLnBrk="1" hangingPunct="1"/>
             <a:r>
-              <a:rPr lang="en-US" sz="3200">
+              <a:rPr lang="en-US" sz="3200" dirty="0" smtClean="0">
                 <a:solidFill>
                   <a:srgbClr val="008000"/>
                 </a:solidFill>
               </a:rPr>
-              <a:t>$$$</a:t>
-            </a:r>
+              <a:t>$</a:t>
+            </a:r>
+          </a:p>
+          <a:p>
+            <a:pPr algn="ctr" eaLnBrk="1" hangingPunct="1"/>
+            <a:r>
+              <a:rPr lang="en-US" sz="3200" dirty="0" smtClean="0">
+                <a:solidFill>
+                  <a:srgbClr val="008000"/>
+                </a:solidFill>
+              </a:rPr>
+              <a:t>$</a:t>
+            </a:r>
+            <a:endParaRPr lang="en-US" sz="3200" dirty="0">
+              <a:solidFill>
+                <a:srgbClr val="008000"/>
+              </a:solidFill>
+            </a:endParaRPr>
           </a:p>
         </p:txBody>
       </p:sp>
-      <p:sp>
-        <p:nvSpPr>
-          <p:cNvPr id="52235" name="Text Box 9"/>
-          <p:cNvSpPr txBox="1">
-            <a:spLocks noChangeArrowheads="1"/>
-          </p:cNvSpPr>
+      <p:grpSp>
+        <p:nvGrpSpPr>
+          <p:cNvPr id="2" name="Group 1"/>
+          <p:cNvGrpSpPr/>
           <p:nvPr/>
-        </p:nvSpPr>
-        <p:spPr bwMode="auto">
+        </p:nvGrpSpPr>
+        <p:grpSpPr>
           <a:xfrm>
             <a:off x="1066800" y="4464050"/>
-            <a:ext cx="533400" cy="707886"/>
+            <a:ext cx="3886200" cy="717550"/>
+            <a:chOff x="1066800" y="4464050"/>
+            <a:chExt cx="3886200" cy="717550"/>
           </a:xfrm>
-          <a:prstGeom prst="rect">
-            <a:avLst/>
-          </a:prstGeom>
-          <a:noFill/>
-          <a:ln w="9525">
+        </p:grpSpPr>
+        <p:sp>
+          <p:nvSpPr>
+            <p:cNvPr id="52235" name="Text Box 9"/>
+            <p:cNvSpPr txBox="1">
+              <a:spLocks noChangeArrowheads="1"/>
+            </p:cNvSpPr>
+            <p:nvPr/>
+          </p:nvSpPr>
+          <p:spPr bwMode="auto">
+            <a:xfrm>
+              <a:off x="1066800" y="4464050"/>
+              <a:ext cx="533400" cy="707886"/>
+            </a:xfrm>
+            <a:prstGeom prst="rect">
+              <a:avLst/>
+            </a:prstGeom>
             <a:noFill/>
-            <a:miter lim="800000"/>
-            <a:headEnd/>
-            <a:tailEnd/>
-          </a:ln>
-        </p:spPr>
-        <p:txBody>
-          <a:bodyPr>
-            <a:prstTxWarp prst="textNoShape">
+            <a:ln w="9525">
+              <a:noFill/>
+              <a:miter lim="800000"/>
+              <a:headEnd/>
+              <a:tailEnd/>
+            </a:ln>
+          </p:spPr>
+          <p:txBody>
+            <a:bodyPr>
+              <a:prstTxWarp prst="textNoShape">
+                <a:avLst/>
+              </a:prstTxWarp>
+              <a:spAutoFit/>
+            </a:bodyPr>
+            <a:lstStyle/>
+            <a:p>
+              <a:pPr algn="ctr" eaLnBrk="1" hangingPunct="1"/>
+              <a:r>
+                <a:rPr lang="en-US" sz="4000" dirty="0">
+                  <a:solidFill>
+                    <a:srgbClr val="0000FF"/>
+                  </a:solidFill>
+                </a:rPr>
+                <a:t>n</a:t>
+              </a:r>
+            </a:p>
+          </p:txBody>
+        </p:sp>
+        <p:sp>
+          <p:nvSpPr>
+            <p:cNvPr id="52238" name="Text Box 13"/>
+            <p:cNvSpPr txBox="1">
+              <a:spLocks noChangeArrowheads="1"/>
+            </p:cNvSpPr>
+            <p:nvPr/>
+          </p:nvSpPr>
+          <p:spPr bwMode="auto">
+            <a:xfrm>
+              <a:off x="1630363" y="4540250"/>
+              <a:ext cx="3322637" cy="641350"/>
+            </a:xfrm>
+            <a:prstGeom prst="rect">
               <a:avLst/>
-            </a:prstTxWarp>
-            <a:spAutoFit/>
-          </a:bodyPr>
-          <a:lstStyle/>
-          <a:p>
-            <a:pPr algn="ctr" eaLnBrk="1" hangingPunct="1"/>
-            <a:r>
-              <a:rPr lang="en-US" sz="4000" dirty="0">
-                <a:solidFill>
-                  <a:srgbClr val="0000FF"/>
-                </a:solidFill>
-              </a:rPr>
-              <a:t>n</a:t>
-            </a:r>
-          </a:p>
-        </p:txBody>
-      </p:sp>
-      <p:sp>
-        <p:nvSpPr>
-          <p:cNvPr id="52236" name="Text Box 11"/>
-          <p:cNvSpPr txBox="1">
-            <a:spLocks noChangeArrowheads="1"/>
-          </p:cNvSpPr>
+            </a:prstGeom>
+            <a:noFill/>
+            <a:ln w="9525">
+              <a:noFill/>
+              <a:miter lim="800000"/>
+              <a:headEnd/>
+              <a:tailEnd/>
+            </a:ln>
+          </p:spPr>
+          <p:txBody>
+            <a:bodyPr wrap="none">
+              <a:prstTxWarp prst="textNoShape">
+                <a:avLst/>
+              </a:prstTxWarp>
+              <a:spAutoFit/>
+            </a:bodyPr>
+            <a:lstStyle/>
+            <a:p>
+              <a:pPr algn="ctr" eaLnBrk="1" hangingPunct="1"/>
+              <a:r>
+                <a:rPr lang="en-US" sz="3600" dirty="0"/>
+                <a:t>"initial capital"</a:t>
+              </a:r>
+            </a:p>
+          </p:txBody>
+        </p:sp>
+      </p:grpSp>
+      <p:grpSp>
+        <p:nvGrpSpPr>
+          <p:cNvPr id="3" name="Group 2"/>
+          <p:cNvGrpSpPr/>
           <p:nvPr/>
-        </p:nvSpPr>
-        <p:spPr bwMode="auto">
+        </p:nvGrpSpPr>
+        <p:grpSpPr>
           <a:xfrm>
             <a:off x="990600" y="1295400"/>
-            <a:ext cx="533400" cy="646331"/>
+            <a:ext cx="7696200" cy="784225"/>
+            <a:chOff x="990600" y="1295400"/>
+            <a:chExt cx="7696200" cy="784225"/>
           </a:xfrm>
-          <a:prstGeom prst="rect">
-            <a:avLst/>
-          </a:prstGeom>
-          <a:noFill/>
-          <a:ln w="9525">
+        </p:grpSpPr>
+        <p:sp>
+          <p:nvSpPr>
+            <p:cNvPr id="52236" name="Text Box 11"/>
+            <p:cNvSpPr txBox="1">
+              <a:spLocks noChangeArrowheads="1"/>
+            </p:cNvSpPr>
+            <p:nvPr/>
+          </p:nvSpPr>
+          <p:spPr bwMode="auto">
+            <a:xfrm>
+              <a:off x="990600" y="1295400"/>
+              <a:ext cx="533400" cy="646331"/>
+            </a:xfrm>
+            <a:prstGeom prst="rect">
+              <a:avLst/>
+            </a:prstGeom>
             <a:noFill/>
-            <a:miter lim="800000"/>
-            <a:headEnd/>
-            <a:tailEnd/>
-          </a:ln>
-        </p:spPr>
-        <p:txBody>
-          <a:bodyPr>
-            <a:prstTxWarp prst="textNoShape">
+            <a:ln w="9525">
+              <a:noFill/>
+              <a:miter lim="800000"/>
+              <a:headEnd/>
+              <a:tailEnd/>
+            </a:ln>
+          </p:spPr>
+          <p:txBody>
+            <a:bodyPr>
+              <a:prstTxWarp prst="textNoShape">
+                <a:avLst/>
+              </a:prstTxWarp>
+              <a:spAutoFit/>
+            </a:bodyPr>
+            <a:lstStyle/>
+            <a:p>
+              <a:pPr algn="ctr" eaLnBrk="1" hangingPunct="1"/>
+              <a:r>
+                <a:rPr lang="en-US" sz="3600" dirty="0">
+                  <a:solidFill>
+                    <a:srgbClr val="0000FF"/>
+                  </a:solidFill>
+                </a:rPr>
+                <a:t>T</a:t>
+              </a:r>
+            </a:p>
+          </p:txBody>
+        </p:sp>
+        <p:sp>
+          <p:nvSpPr>
+            <p:cNvPr id="52237" name="Line 12"/>
+            <p:cNvSpPr>
+              <a:spLocks noChangeShapeType="1"/>
+            </p:cNvSpPr>
+            <p:nvPr/>
+          </p:nvSpPr>
+          <p:spPr bwMode="auto">
+            <a:xfrm>
+              <a:off x="1600200" y="1524000"/>
+              <a:ext cx="7086600" cy="0"/>
+            </a:xfrm>
+            <a:prstGeom prst="line">
               <a:avLst/>
-            </a:prstTxWarp>
-            <a:spAutoFit/>
-          </a:bodyPr>
-          <a:lstStyle/>
-          <a:p>
-            <a:pPr algn="ctr" eaLnBrk="1" hangingPunct="1"/>
-            <a:r>
-              <a:rPr lang="en-US" sz="3600" dirty="0">
-                <a:solidFill>
-                  <a:srgbClr val="0000FF"/>
-                </a:solidFill>
-              </a:rPr>
-              <a:t>T</a:t>
-            </a:r>
-          </a:p>
-        </p:txBody>
-      </p:sp>
-      <p:sp>
-        <p:nvSpPr>
-          <p:cNvPr id="52237" name="Line 12"/>
-          <p:cNvSpPr>
-            <a:spLocks noChangeShapeType="1"/>
-          </p:cNvSpPr>
-          <p:nvPr/>
-        </p:nvSpPr>
-        <p:spPr bwMode="auto">
-          <a:xfrm>
-            <a:off x="1600200" y="1524000"/>
-            <a:ext cx="7086600" cy="0"/>
-          </a:xfrm>
-          <a:prstGeom prst="line">
-            <a:avLst/>
-          </a:prstGeom>
-          <a:noFill/>
-          <a:ln w="28575">
-            <a:solidFill>
-              <a:srgbClr val="008000"/>
-            </a:solidFill>
-            <a:prstDash val="sysDot"/>
-            <a:round/>
-            <a:headEnd/>
-            <a:tailEnd/>
-          </a:ln>
-        </p:spPr>
-        <p:txBody>
-          <a:bodyPr>
-            <a:prstTxWarp prst="textNoShape">
+            </a:prstGeom>
+            <a:noFill/>
+            <a:ln w="28575">
+              <a:solidFill>
+                <a:srgbClr val="008000"/>
+              </a:solidFill>
+              <a:prstDash val="sysDot"/>
+              <a:round/>
+              <a:headEnd/>
+              <a:tailEnd/>
+            </a:ln>
+          </p:spPr>
+          <p:txBody>
+            <a:bodyPr>
+              <a:prstTxWarp prst="textNoShape">
+                <a:avLst/>
+              </a:prstTxWarp>
+              <a:spAutoFit/>
+            </a:bodyPr>
+            <a:lstStyle/>
+            <a:p>
+              <a:endParaRPr lang="en-US"/>
+            </a:p>
+          </p:txBody>
+        </p:sp>
+        <p:sp>
+          <p:nvSpPr>
+            <p:cNvPr id="52239" name="Text Box 14"/>
+            <p:cNvSpPr txBox="1">
+              <a:spLocks noChangeArrowheads="1"/>
+            </p:cNvSpPr>
+            <p:nvPr/>
+          </p:nvSpPr>
+          <p:spPr bwMode="auto">
+            <a:xfrm>
+              <a:off x="1722438" y="1438275"/>
+              <a:ext cx="1935162" cy="641350"/>
+            </a:xfrm>
+            <a:prstGeom prst="rect">
               <a:avLst/>
-            </a:prstTxWarp>
-            <a:spAutoFit/>
-          </a:bodyPr>
-          <a:lstStyle/>
-          <a:p>
-            <a:endParaRPr lang="en-US"/>
-          </a:p>
-        </p:txBody>
-      </p:sp>
-      <p:sp>
-        <p:nvSpPr>
-          <p:cNvPr id="52238" name="Text Box 13"/>
-          <p:cNvSpPr txBox="1">
-            <a:spLocks noChangeArrowheads="1"/>
-          </p:cNvSpPr>
-          <p:nvPr/>
-        </p:nvSpPr>
-        <p:spPr bwMode="auto">
-          <a:xfrm>
-            <a:off x="1630363" y="4540250"/>
-            <a:ext cx="3322637" cy="641350"/>
-          </a:xfrm>
-          <a:prstGeom prst="rect">
-            <a:avLst/>
-          </a:prstGeom>
-          <a:noFill/>
-          <a:ln w="9525">
+            </a:prstGeom>
             <a:noFill/>
-            <a:miter lim="800000"/>
-            <a:headEnd/>
-            <a:tailEnd/>
-          </a:ln>
-        </p:spPr>
-        <p:txBody>
-          <a:bodyPr wrap="none">
-            <a:prstTxWarp prst="textNoShape">
-              <a:avLst/>
-            </a:prstTxWarp>
-            <a:spAutoFit/>
-          </a:bodyPr>
-          <a:lstStyle/>
-          <a:p>
-            <a:pPr algn="ctr" eaLnBrk="1" hangingPunct="1"/>
-            <a:r>
-              <a:rPr lang="en-US" sz="3600"/>
-              <a:t>"initial capital"</a:t>
-            </a:r>
-          </a:p>
-        </p:txBody>
-      </p:sp>
-      <p:sp>
-        <p:nvSpPr>
-          <p:cNvPr id="52239" name="Text Box 14"/>
-          <p:cNvSpPr txBox="1">
-            <a:spLocks noChangeArrowheads="1"/>
-          </p:cNvSpPr>
-          <p:nvPr/>
-        </p:nvSpPr>
-        <p:spPr bwMode="auto">
-          <a:xfrm>
-            <a:off x="1722438" y="1438275"/>
-            <a:ext cx="1935162" cy="641350"/>
-          </a:xfrm>
-          <a:prstGeom prst="rect">
-            <a:avLst/>
-          </a:prstGeom>
-          <a:noFill/>
-          <a:ln w="9525">
-            <a:noFill/>
-            <a:miter lim="800000"/>
-            <a:headEnd/>
-            <a:tailEnd/>
-          </a:ln>
-        </p:spPr>
-        <p:txBody>
-          <a:bodyPr wrap="none">
-            <a:prstTxWarp prst="textNoShape">
-              <a:avLst/>
-            </a:prstTxWarp>
-            <a:spAutoFit/>
-          </a:bodyPr>
-          <a:lstStyle/>
-          <a:p>
-            <a:pPr algn="ctr" eaLnBrk="1" hangingPunct="1"/>
-            <a:r>
-              <a:rPr lang="en-US" sz="3600"/>
-              <a:t>”target"</a:t>
-            </a:r>
-          </a:p>
-        </p:txBody>
-      </p:sp>
+            <a:ln w="9525">
+              <a:noFill/>
+              <a:miter lim="800000"/>
+              <a:headEnd/>
+              <a:tailEnd/>
+            </a:ln>
+          </p:spPr>
+          <p:txBody>
+            <a:bodyPr wrap="none">
+              <a:prstTxWarp prst="textNoShape">
+                <a:avLst/>
+              </a:prstTxWarp>
+              <a:spAutoFit/>
+            </a:bodyPr>
+            <a:lstStyle/>
+            <a:p>
+              <a:pPr algn="ctr" eaLnBrk="1" hangingPunct="1"/>
+              <a:r>
+                <a:rPr lang="en-US" sz="3600" dirty="0"/>
+                <a:t>”target"</a:t>
+              </a:r>
+            </a:p>
+          </p:txBody>
+        </p:sp>
+      </p:grpSp>
       <p:sp>
         <p:nvSpPr>
           <p:cNvPr id="16" name="Rectangle 4"/>
@@ -22550,13 +23189,13 @@
   <p:clrMapOvr>
     <a:masterClrMapping/>
   </p:clrMapOvr>
-  <mc:AlternateContent xmlns:mc="http://schemas.openxmlformats.org/markup-compatibility/2006">
-    <mc:Choice xmlns:p14="http://schemas.microsoft.com/office/powerpoint/2010/main" Requires="p14">
+  <mc:AlternateContent xmlns:mc="http://schemas.openxmlformats.org/markup-compatibility/2006" xmlns:p14="http://schemas.microsoft.com/office/powerpoint/2010/main">
+    <mc:Choice Requires="p14">
       <p:transition spd="med" p14:dur="700">
         <p:fade/>
       </p:transition>
     </mc:Choice>
-    <mc:Fallback>
+    <mc:Fallback xmlns="">
       <p:transition xmlns:p14="http://schemas.microsoft.com/office/powerpoint/2010/main" spd="med">
         <p:fade/>
       </p:transition>
@@ -22565,9 +23204,194 @@
   <p:timing>
     <p:tnLst>
       <p:par>
-        <p:cTn xmlns:p14="http://schemas.microsoft.com/office/powerpoint/2010/main" id="1" dur="indefinite" restart="never" nodeType="tmRoot"/>
+        <p:cTn xmlns:p14="http://schemas.microsoft.com/office/powerpoint/2010/main" id="1" dur="indefinite" restart="never" nodeType="tmRoot">
+          <p:childTnLst>
+            <p:seq concurrent="1" nextAc="seek">
+              <p:cTn id="2" dur="indefinite" nodeType="mainSeq">
+                <p:childTnLst>
+                  <p:par>
+                    <p:cTn id="3" fill="hold">
+                      <p:stCondLst>
+                        <p:cond delay="indefinite"/>
+                      </p:stCondLst>
+                      <p:childTnLst>
+                        <p:par>
+                          <p:cTn id="4" fill="hold">
+                            <p:stCondLst>
+                              <p:cond delay="0"/>
+                            </p:stCondLst>
+                            <p:childTnLst>
+                              <p:par>
+                                <p:cTn id="5" presetID="9" presetClass="entr" presetSubtype="0" fill="hold" nodeType="clickEffect">
+                                  <p:stCondLst>
+                                    <p:cond delay="0"/>
+                                  </p:stCondLst>
+                                  <p:childTnLst>
+                                    <p:set>
+                                      <p:cBhvr>
+                                        <p:cTn id="6" dur="1" fill="hold">
+                                          <p:stCondLst>
+                                            <p:cond delay="0"/>
+                                          </p:stCondLst>
+                                        </p:cTn>
+                                        <p:tgtEl>
+                                          <p:spTgt spid="2"/>
+                                        </p:tgtEl>
+                                        <p:attrNameLst>
+                                          <p:attrName>style.visibility</p:attrName>
+                                        </p:attrNameLst>
+                                      </p:cBhvr>
+                                      <p:to>
+                                        <p:strVal val="visible"/>
+                                      </p:to>
+                                    </p:set>
+                                    <p:animEffect transition="in" filter="dissolve">
+                                      <p:cBhvr>
+                                        <p:cTn id="7" dur="500"/>
+                                        <p:tgtEl>
+                                          <p:spTgt spid="2"/>
+                                        </p:tgtEl>
+                                      </p:cBhvr>
+                                    </p:animEffect>
+                                  </p:childTnLst>
+                                </p:cTn>
+                              </p:par>
+                            </p:childTnLst>
+                          </p:cTn>
+                        </p:par>
+                      </p:childTnLst>
+                    </p:cTn>
+                  </p:par>
+                  <p:par>
+                    <p:cTn id="8" fill="hold">
+                      <p:stCondLst>
+                        <p:cond delay="indefinite"/>
+                      </p:stCondLst>
+                      <p:childTnLst>
+                        <p:par>
+                          <p:cTn id="9" fill="hold">
+                            <p:stCondLst>
+                              <p:cond delay="0"/>
+                            </p:stCondLst>
+                            <p:childTnLst>
+                              <p:par>
+                                <p:cTn id="10" presetID="22" presetClass="entr" presetSubtype="8" fill="hold" nodeType="clickEffect">
+                                  <p:stCondLst>
+                                    <p:cond delay="0"/>
+                                  </p:stCondLst>
+                                  <p:childTnLst>
+                                    <p:set>
+                                      <p:cBhvr>
+                                        <p:cTn id="11" dur="1" fill="hold">
+                                          <p:stCondLst>
+                                            <p:cond delay="0"/>
+                                          </p:stCondLst>
+                                        </p:cTn>
+                                        <p:tgtEl>
+                                          <p:spTgt spid="3"/>
+                                        </p:tgtEl>
+                                        <p:attrNameLst>
+                                          <p:attrName>style.visibility</p:attrName>
+                                        </p:attrNameLst>
+                                      </p:cBhvr>
+                                      <p:to>
+                                        <p:strVal val="visible"/>
+                                      </p:to>
+                                    </p:set>
+                                    <p:animEffect transition="in" filter="wipe(left)">
+                                      <p:cBhvr>
+                                        <p:cTn id="12" dur="500"/>
+                                        <p:tgtEl>
+                                          <p:spTgt spid="3"/>
+                                        </p:tgtEl>
+                                      </p:cBhvr>
+                                    </p:animEffect>
+                                  </p:childTnLst>
+                                </p:cTn>
+                              </p:par>
+                            </p:childTnLst>
+                          </p:cTn>
+                        </p:par>
+                      </p:childTnLst>
+                    </p:cTn>
+                  </p:par>
+                  <p:par>
+                    <p:cTn id="13" fill="hold">
+                      <p:stCondLst>
+                        <p:cond delay="indefinite"/>
+                      </p:stCondLst>
+                      <p:childTnLst>
+                        <p:par>
+                          <p:cTn id="14" fill="hold">
+                            <p:stCondLst>
+                              <p:cond delay="0"/>
+                            </p:stCondLst>
+                            <p:childTnLst>
+                              <p:par>
+                                <p:cTn id="15" presetID="22" presetClass="entr" presetSubtype="8" fill="hold" grpId="0" nodeType="clickEffect">
+                                  <p:stCondLst>
+                                    <p:cond delay="0"/>
+                                  </p:stCondLst>
+                                  <p:childTnLst>
+                                    <p:set>
+                                      <p:cBhvr>
+                                        <p:cTn id="16" dur="1" fill="hold">
+                                          <p:stCondLst>
+                                            <p:cond delay="0"/>
+                                          </p:stCondLst>
+                                        </p:cTn>
+                                        <p:tgtEl>
+                                          <p:spTgt spid="52232"/>
+                                        </p:tgtEl>
+                                        <p:attrNameLst>
+                                          <p:attrName>style.visibility</p:attrName>
+                                        </p:attrNameLst>
+                                      </p:cBhvr>
+                                      <p:to>
+                                        <p:strVal val="visible"/>
+                                      </p:to>
+                                    </p:set>
+                                    <p:animEffect transition="in" filter="wipe(left)">
+                                      <p:cBhvr>
+                                        <p:cTn id="17" dur="2000"/>
+                                        <p:tgtEl>
+                                          <p:spTgt spid="52232"/>
+                                        </p:tgtEl>
+                                      </p:cBhvr>
+                                    </p:animEffect>
+                                  </p:childTnLst>
+                                </p:cTn>
+                              </p:par>
+                            </p:childTnLst>
+                          </p:cTn>
+                        </p:par>
+                      </p:childTnLst>
+                    </p:cTn>
+                  </p:par>
+                </p:childTnLst>
+              </p:cTn>
+              <p:prevCondLst>
+                <p:cond evt="onPrev" delay="0">
+                  <p:tgtEl>
+                    <p:sldTgt/>
+                  </p:tgtEl>
+                </p:cond>
+              </p:prevCondLst>
+              <p:nextCondLst>
+                <p:cond evt="onNext" delay="0">
+                  <p:tgtEl>
+                    <p:sldTgt/>
+                  </p:tgtEl>
+                </p:cond>
+              </p:nextCondLst>
+            </p:seq>
+          </p:childTnLst>
+        </p:cTn>
       </p:par>
     </p:tnLst>
+    <p:bldLst>
+      <p:bldP spid="52232" grpId="0" animBg="1"/>
+    </p:bldLst>
   </p:timing>
 </p:sld>
 </file>
@@ -23196,7 +24020,7 @@
           <a:noFill/>
           <a:ln w="28575">
             <a:solidFill>
-              <a:schemeClr val="tx1"/>
+              <a:srgbClr val="0000FF"/>
             </a:solidFill>
             <a:miter lim="800000"/>
             <a:headEnd/>
@@ -23242,7 +24066,7 @@
           <a:noFill/>
           <a:ln w="28575">
             <a:solidFill>
-              <a:schemeClr val="tx1"/>
+              <a:srgbClr val="0000FF"/>
             </a:solidFill>
             <a:miter lim="800000"/>
             <a:headEnd/>
@@ -23351,7 +24175,7 @@
                             </p:stCondLst>
                             <p:childTnLst>
                               <p:par>
-                                <p:cTn id="5" presetID="1" presetClass="entr" presetSubtype="0" fill="hold" nodeType="clickEffect">
+                                <p:cTn id="5" presetID="9" presetClass="entr" presetSubtype="0" fill="hold" nodeType="clickEffect">
                                   <p:stCondLst>
                                     <p:cond delay="0"/>
                                   </p:stCondLst>
@@ -23378,6 +24202,18 @@
                                         <p:strVal val="visible"/>
                                       </p:to>
                                     </p:set>
+                                    <p:animEffect transition="in" filter="dissolve">
+                                      <p:cBhvr>
+                                        <p:cTn id="7" dur="500"/>
+                                        <p:tgtEl>
+                                          <p:spTgt spid="25606">
+                                            <p:txEl>
+                                              <p:pRg st="1" end="1"/>
+                                            </p:txEl>
+                                          </p:spTgt>
+                                        </p:tgtEl>
+                                      </p:cBhvr>
+                                    </p:animEffect>
                                   </p:childTnLst>
                                 </p:cTn>
                               </p:par>
@@ -23388,26 +24224,26 @@
                     </p:cTn>
                   </p:par>
                   <p:par>
-                    <p:cTn id="7" fill="hold">
+                    <p:cTn id="8" fill="hold">
                       <p:stCondLst>
                         <p:cond delay="indefinite"/>
                       </p:stCondLst>
                       <p:childTnLst>
                         <p:par>
-                          <p:cTn id="8" fill="hold">
+                          <p:cTn id="9" fill="hold">
                             <p:stCondLst>
                               <p:cond delay="0"/>
                             </p:stCondLst>
                             <p:childTnLst>
                               <p:par>
-                                <p:cTn id="9" presetID="1" presetClass="entr" presetSubtype="0" fill="hold" grpId="0" nodeType="clickEffect">
+                                <p:cTn id="10" presetID="9" presetClass="entr" presetSubtype="0" fill="hold" grpId="0" nodeType="clickEffect">
                                   <p:stCondLst>
                                     <p:cond delay="0"/>
                                   </p:stCondLst>
                                   <p:childTnLst>
                                     <p:set>
                                       <p:cBhvr>
-                                        <p:cTn id="10" dur="1" fill="hold">
+                                        <p:cTn id="11" dur="1" fill="hold">
                                           <p:stCondLst>
                                             <p:cond delay="0"/>
                                           </p:stCondLst>
@@ -23427,6 +24263,18 @@
                                         <p:strVal val="visible"/>
                                       </p:to>
                                     </p:set>
+                                    <p:animEffect transition="in" filter="dissolve">
+                                      <p:cBhvr>
+                                        <p:cTn id="12" dur="500"/>
+                                        <p:tgtEl>
+                                          <p:spTgt spid="25606">
+                                            <p:txEl>
+                                              <p:pRg st="2" end="2"/>
+                                            </p:txEl>
+                                          </p:spTgt>
+                                        </p:tgtEl>
+                                      </p:cBhvr>
+                                    </p:animEffect>
                                   </p:childTnLst>
                                 </p:cTn>
                               </p:par>
@@ -23437,26 +24285,26 @@
                     </p:cTn>
                   </p:par>
                   <p:par>
-                    <p:cTn id="11" fill="hold">
+                    <p:cTn id="13" fill="hold">
                       <p:stCondLst>
                         <p:cond delay="indefinite"/>
                       </p:stCondLst>
                       <p:childTnLst>
                         <p:par>
-                          <p:cTn id="12" fill="hold">
+                          <p:cTn id="14" fill="hold">
                             <p:stCondLst>
                               <p:cond delay="0"/>
                             </p:stCondLst>
                             <p:childTnLst>
                               <p:par>
-                                <p:cTn id="13" presetID="9" presetClass="entr" presetSubtype="0" fill="hold" grpId="0" nodeType="clickEffect">
+                                <p:cTn id="15" presetID="9" presetClass="entr" presetSubtype="0" fill="hold" grpId="0" nodeType="clickEffect">
                                   <p:stCondLst>
                                     <p:cond delay="0"/>
                                   </p:stCondLst>
                                   <p:childTnLst>
                                     <p:set>
                                       <p:cBhvr>
-                                        <p:cTn id="14" dur="1" fill="hold">
+                                        <p:cTn id="16" dur="1" fill="hold">
                                           <p:stCondLst>
                                             <p:cond delay="0"/>
                                           </p:stCondLst>
@@ -23474,7 +24322,7 @@
                                     </p:set>
                                     <p:animEffect transition="in" filter="dissolve">
                                       <p:cBhvr>
-                                        <p:cTn id="15" dur="500"/>
+                                        <p:cTn id="17" dur="500"/>
                                         <p:tgtEl>
                                           <p:spTgt spid="90117"/>
                                         </p:tgtEl>
@@ -23490,26 +24338,26 @@
                     </p:cTn>
                   </p:par>
                   <p:par>
-                    <p:cTn id="16" fill="hold">
+                    <p:cTn id="18" fill="hold">
                       <p:stCondLst>
                         <p:cond delay="indefinite"/>
                       </p:stCondLst>
                       <p:childTnLst>
                         <p:par>
-                          <p:cTn id="17" fill="hold">
+                          <p:cTn id="19" fill="hold">
                             <p:stCondLst>
                               <p:cond delay="0"/>
                             </p:stCondLst>
                             <p:childTnLst>
                               <p:par>
-                                <p:cTn id="18" presetID="1" presetClass="entr" presetSubtype="0" fill="hold" grpId="0" nodeType="clickEffect">
+                                <p:cTn id="20" presetID="9" presetClass="entr" presetSubtype="0" fill="hold" grpId="0" nodeType="clickEffect">
                                   <p:stCondLst>
                                     <p:cond delay="0"/>
                                   </p:stCondLst>
                                   <p:childTnLst>
                                     <p:set>
                                       <p:cBhvr>
-                                        <p:cTn id="19" dur="1" fill="hold">
+                                        <p:cTn id="21" dur="1" fill="hold">
                                           <p:stCondLst>
                                             <p:cond delay="0"/>
                                           </p:stCondLst>
@@ -23525,6 +24373,14 @@
                                         <p:strVal val="visible"/>
                                       </p:to>
                                     </p:set>
+                                    <p:animEffect transition="in" filter="dissolve">
+                                      <p:cBhvr>
+                                        <p:cTn id="22" dur="500"/>
+                                        <p:tgtEl>
+                                          <p:spTgt spid="90116"/>
+                                        </p:tgtEl>
+                                      </p:cBhvr>
+                                    </p:animEffect>
                                   </p:childTnLst>
                                 </p:cTn>
                               </p:par>
@@ -23535,26 +24391,26 @@
                     </p:cTn>
                   </p:par>
                   <p:par>
-                    <p:cTn id="20" fill="hold">
+                    <p:cTn id="23" fill="hold">
                       <p:stCondLst>
                         <p:cond delay="indefinite"/>
                       </p:stCondLst>
                       <p:childTnLst>
                         <p:par>
-                          <p:cTn id="21" fill="hold">
+                          <p:cTn id="24" fill="hold">
                             <p:stCondLst>
                               <p:cond delay="0"/>
                             </p:stCondLst>
                             <p:childTnLst>
                               <p:par>
-                                <p:cTn id="22" presetID="9" presetClass="entr" presetSubtype="0" fill="hold" grpId="0" nodeType="clickEffect">
+                                <p:cTn id="25" presetID="9" presetClass="entr" presetSubtype="0" fill="hold" grpId="0" nodeType="clickEffect">
                                   <p:stCondLst>
                                     <p:cond delay="0"/>
                                   </p:stCondLst>
                                   <p:childTnLst>
                                     <p:set>
                                       <p:cBhvr>
-                                        <p:cTn id="23" dur="1" fill="hold">
+                                        <p:cTn id="26" dur="1" fill="hold">
                                           <p:stCondLst>
                                             <p:cond delay="0"/>
                                           </p:stCondLst>
@@ -23572,7 +24428,7 @@
                                     </p:set>
                                     <p:animEffect transition="in" filter="dissolve">
                                       <p:cBhvr>
-                                        <p:cTn id="24" dur="500"/>
+                                        <p:cTn id="27" dur="500"/>
                                         <p:tgtEl>
                                           <p:spTgt spid="90118"/>
                                         </p:tgtEl>
@@ -23707,8 +24563,8 @@
         </p:nvSpPr>
         <p:spPr>
           <a:xfrm>
-            <a:off x="685800" y="1828800"/>
-            <a:ext cx="8153400" cy="1143000"/>
+            <a:off x="609600" y="1524000"/>
+            <a:ext cx="7848600" cy="1143000"/>
           </a:xfrm>
         </p:spPr>
         <p:txBody>
@@ -23720,35 +24576,16 @@
               <a:buNone/>
             </a:pPr>
             <a:r>
-              <a:rPr lang="en-US" sz="4400" dirty="0"/>
-              <a:t>In general, if we start with </a:t>
-            </a:r>
-            <a:r>
-              <a:rPr lang="en-US" sz="4400" dirty="0">
-                <a:solidFill>
-                  <a:srgbClr val="0000FF"/>
-                </a:solidFill>
-              </a:rPr>
-              <a:t>$</a:t>
-            </a:r>
-            <a:r>
-              <a:rPr lang="en-US" sz="4400" dirty="0" err="1">
-                <a:solidFill>
-                  <a:srgbClr val="0000FF"/>
-                </a:solidFill>
-              </a:rPr>
-              <a:t>n</a:t>
-            </a:r>
-            <a:r>
-              <a:rPr lang="en-US" sz="4400" dirty="0"/>
-              <a:t> </a:t>
-            </a:r>
+              <a:rPr lang="en-US" sz="5400" dirty="0" smtClean="0"/>
+              <a:t>For fair game in general</a:t>
+            </a:r>
+            <a:endParaRPr lang="en-US" sz="5400" dirty="0"/>
           </a:p>
         </p:txBody>
       </p:sp>
       <p:sp>
         <p:nvSpPr>
-          <p:cNvPr id="44039" name="Rectangle 4"/>
+          <p:cNvPr id="44040" name="Rectangle 5"/>
           <p:cNvSpPr>
             <a:spLocks noChangeArrowheads="1"/>
           </p:cNvSpPr>
@@ -23756,8 +24593,8 @@
         </p:nvSpPr>
         <p:spPr bwMode="auto">
           <a:xfrm>
-            <a:off x="1432203" y="2819400"/>
-            <a:ext cx="6353021" cy="923330"/>
+            <a:off x="381000" y="4724400"/>
+            <a:ext cx="8382000" cy="1066800"/>
           </a:xfrm>
           <a:prstGeom prst="rect">
             <a:avLst/>
@@ -23771,94 +24608,6 @@
           </a:ln>
         </p:spPr>
         <p:txBody>
-          <a:bodyPr wrap="none">
-            <a:prstTxWarp prst="textNoShape">
-              <a:avLst/>
-            </a:prstTxWarp>
-            <a:spAutoFit/>
-          </a:bodyPr>
-          <a:lstStyle/>
-          <a:p>
-            <a:r>
-              <a:rPr lang="en-US" sz="5400" dirty="0" err="1" smtClean="0"/>
-              <a:t>Pr[reach</a:t>
-            </a:r>
-            <a:r>
-              <a:rPr lang="en-US" sz="5400" dirty="0" smtClean="0"/>
-              <a:t> </a:t>
-            </a:r>
-            <a:r>
-              <a:rPr lang="en-US" sz="5400" dirty="0">
-                <a:solidFill>
-                  <a:srgbClr val="0000FF"/>
-                </a:solidFill>
-              </a:rPr>
-              <a:t>$</a:t>
-            </a:r>
-            <a:r>
-              <a:rPr lang="en-US" sz="5400" dirty="0" smtClean="0">
-                <a:solidFill>
-                  <a:srgbClr val="0000FF"/>
-                </a:solidFill>
-              </a:rPr>
-              <a:t>T</a:t>
-            </a:r>
-            <a:r>
-              <a:rPr lang="en-US" sz="5400" dirty="0"/>
-              <a:t>]</a:t>
-            </a:r>
-            <a:r>
-              <a:rPr lang="en-US" sz="5400" dirty="0" smtClean="0"/>
-              <a:t> </a:t>
-            </a:r>
-            <a:r>
-              <a:rPr lang="en-US" sz="5400" dirty="0"/>
-              <a:t>= </a:t>
-            </a:r>
-            <a:r>
-              <a:rPr lang="en-US" sz="5400" dirty="0" err="1">
-                <a:solidFill>
-                  <a:srgbClr val="0000FF"/>
-                </a:solidFill>
-              </a:rPr>
-              <a:t>n</a:t>
-            </a:r>
-            <a:r>
-              <a:rPr lang="en-US" sz="5400" dirty="0">
-                <a:solidFill>
-                  <a:srgbClr val="0000FF"/>
-                </a:solidFill>
-              </a:rPr>
-              <a:t>/T</a:t>
-            </a:r>
-          </a:p>
-        </p:txBody>
-      </p:sp>
-      <p:sp>
-        <p:nvSpPr>
-          <p:cNvPr id="44040" name="Rectangle 5"/>
-          <p:cNvSpPr>
-            <a:spLocks noChangeArrowheads="1"/>
-          </p:cNvSpPr>
-          <p:nvPr/>
-        </p:nvSpPr>
-        <p:spPr bwMode="auto">
-          <a:xfrm>
-            <a:off x="685800" y="4343400"/>
-            <a:ext cx="7772400" cy="1066800"/>
-          </a:xfrm>
-          <a:prstGeom prst="rect">
-            <a:avLst/>
-          </a:prstGeom>
-          <a:noFill/>
-          <a:ln w="9525">
-            <a:noFill/>
-            <a:miter lim="800000"/>
-            <a:headEnd/>
-            <a:tailEnd/>
-          </a:ln>
-        </p:spPr>
-        <p:txBody>
           <a:bodyPr>
             <a:prstTxWarp prst="textNoShape">
               <a:avLst/>
@@ -23875,7 +24624,7 @@
               </a:buClr>
             </a:pPr>
             <a:r>
-              <a:rPr lang="en-US" sz="4400" dirty="0"/>
+              <a:rPr lang="en-US" sz="4800" dirty="0"/>
               <a:t>What about an unfair game?</a:t>
             </a:r>
           </a:p>
@@ -23934,6 +24683,63 @@
           </a:p>
         </p:txBody>
       </p:sp>
+      <p:graphicFrame>
+        <p:nvGraphicFramePr>
+          <p:cNvPr id="2" name="Object 1"/>
+          <p:cNvGraphicFramePr>
+            <a:graphicFrameLocks noChangeAspect="1"/>
+          </p:cNvGraphicFramePr>
+          <p:nvPr>
+            <p:extLst>
+              <p:ext uri="{D42A27DB-BD31-4B8C-83A1-F6EECF244321}">
+                <p14:modId xmlns:p14="http://schemas.microsoft.com/office/powerpoint/2010/main" val="1460396730"/>
+              </p:ext>
+            </p:extLst>
+          </p:nvPr>
+        </p:nvGraphicFramePr>
+        <p:xfrm>
+          <a:off x="1447800" y="2208260"/>
+          <a:ext cx="6324600" cy="2363740"/>
+        </p:xfrm>
+        <a:graphic>
+          <a:graphicData uri="http://schemas.openxmlformats.org/presentationml/2006/ole">
+            <mc:AlternateContent xmlns:mc="http://schemas.openxmlformats.org/markup-compatibility/2006">
+              <mc:Choice xmlns:v="urn:schemas-microsoft-com:vml" Requires="v">
+                <p:oleObj spid="_x0000_s240645" name="Equation" r:id="rId4" imgW="1257300" imgH="469900" progId="Equation.DSMT4">
+                  <p:embed/>
+                </p:oleObj>
+              </mc:Choice>
+              <mc:Fallback>
+                <p:oleObj name="Equation" r:id="rId4" imgW="1257300" imgH="469900" progId="Equation.DSMT4">
+                  <p:embed/>
+                  <p:pic>
+                    <p:nvPicPr>
+                      <p:cNvPr id="0" name=""/>
+                      <p:cNvPicPr/>
+                      <p:nvPr/>
+                    </p:nvPicPr>
+                    <p:blipFill>
+                      <a:blip r:embed="rId5"/>
+                      <a:stretch>
+                        <a:fillRect/>
+                      </a:stretch>
+                    </p:blipFill>
+                    <p:spPr>
+                      <a:xfrm>
+                        <a:off x="1447800" y="2208260"/>
+                        <a:ext cx="6324600" cy="2363740"/>
+                      </a:xfrm>
+                      <a:prstGeom prst="rect">
+                        <a:avLst/>
+                      </a:prstGeom>
+                    </p:spPr>
+                  </p:pic>
+                </p:oleObj>
+              </mc:Fallback>
+            </mc:AlternateContent>
+          </a:graphicData>
+        </a:graphic>
+      </p:graphicFrame>
     </p:spTree>
   </p:cSld>
   <p:clrMapOvr>
@@ -23963,7 +24769,7 @@
                             </p:stCondLst>
                             <p:childTnLst>
                               <p:par>
-                                <p:cTn id="5" presetID="22" presetClass="entr" presetSubtype="8" fill="hold" grpId="0" nodeType="clickEffect">
+                                <p:cTn id="5" presetID="22" presetClass="entr" presetSubtype="8" fill="hold" nodeType="clickEffect">
                                   <p:stCondLst>
                                     <p:cond delay="0"/>
                                   </p:stCondLst>
@@ -23976,7 +24782,7 @@
                                           </p:stCondLst>
                                         </p:cTn>
                                         <p:tgtEl>
-                                          <p:spTgt spid="44039"/>
+                                          <p:spTgt spid="2"/>
                                         </p:tgtEl>
                                         <p:attrNameLst>
                                           <p:attrName>style.visibility</p:attrName>
@@ -23990,7 +24796,7 @@
                                       <p:cBhvr>
                                         <p:cTn id="7" dur="500"/>
                                         <p:tgtEl>
-                                          <p:spTgt spid="44039"/>
+                                          <p:spTgt spid="2"/>
                                         </p:tgtEl>
                                       </p:cBhvr>
                                     </p:animEffect>
@@ -24041,7 +24847,7 @@
                                     </p:set>
                                     <p:animEffect transition="in" filter="fade">
                                       <p:cBhvr>
-                                        <p:cTn id="12" dur="500"/>
+                                        <p:cTn id="12" dur="1000"/>
                                         <p:tgtEl>
                                           <p:spTgt spid="44040"/>
                                         </p:tgtEl>
@@ -24078,7 +24884,6 @@
       </p:par>
     </p:tnLst>
     <p:bldLst>
-      <p:bldP spid="44039" grpId="0"/>
       <p:bldP spid="44040" grpId="0"/>
     </p:bldLst>
   </p:timing>
